--- a/doc/finalPresentation/Praesentation_BFH_2013 copy.pptx
+++ b/doc/finalPresentation/Praesentation_BFH_2013 copy.pptx
@@ -5,42 +5,43 @@
     <p:sldMasterId id="2147483669" r:id="rId4"/>
   </p:sldMasterIdLst>
   <p:notesMasterIdLst>
-    <p:notesMasterId r:id="rId35"/>
+    <p:notesMasterId r:id="rId36"/>
   </p:notesMasterIdLst>
   <p:handoutMasterIdLst>
-    <p:handoutMasterId r:id="rId36"/>
+    <p:handoutMasterId r:id="rId37"/>
   </p:handoutMasterIdLst>
   <p:sldIdLst>
     <p:sldId id="259" r:id="rId5"/>
-    <p:sldId id="257" r:id="rId6"/>
-    <p:sldId id="263" r:id="rId7"/>
-    <p:sldId id="270" r:id="rId8"/>
-    <p:sldId id="271" r:id="rId9"/>
-    <p:sldId id="272" r:id="rId10"/>
-    <p:sldId id="274" r:id="rId11"/>
-    <p:sldId id="276" r:id="rId12"/>
-    <p:sldId id="277" r:id="rId13"/>
-    <p:sldId id="285" r:id="rId14"/>
-    <p:sldId id="286" r:id="rId15"/>
-    <p:sldId id="282" r:id="rId16"/>
-    <p:sldId id="283" r:id="rId17"/>
-    <p:sldId id="284" r:id="rId18"/>
-    <p:sldId id="273" r:id="rId19"/>
-    <p:sldId id="275" r:id="rId20"/>
-    <p:sldId id="278" r:id="rId21"/>
-    <p:sldId id="279" r:id="rId22"/>
-    <p:sldId id="280" r:id="rId23"/>
-    <p:sldId id="281" r:id="rId24"/>
-    <p:sldId id="287" r:id="rId25"/>
-    <p:sldId id="288" r:id="rId26"/>
-    <p:sldId id="290" r:id="rId27"/>
-    <p:sldId id="289" r:id="rId28"/>
-    <p:sldId id="291" r:id="rId29"/>
-    <p:sldId id="292" r:id="rId30"/>
-    <p:sldId id="302" r:id="rId31"/>
-    <p:sldId id="300" r:id="rId32"/>
-    <p:sldId id="301" r:id="rId33"/>
-    <p:sldId id="299" r:id="rId34"/>
+    <p:sldId id="303" r:id="rId6"/>
+    <p:sldId id="257" r:id="rId7"/>
+    <p:sldId id="263" r:id="rId8"/>
+    <p:sldId id="270" r:id="rId9"/>
+    <p:sldId id="271" r:id="rId10"/>
+    <p:sldId id="272" r:id="rId11"/>
+    <p:sldId id="274" r:id="rId12"/>
+    <p:sldId id="276" r:id="rId13"/>
+    <p:sldId id="277" r:id="rId14"/>
+    <p:sldId id="285" r:id="rId15"/>
+    <p:sldId id="286" r:id="rId16"/>
+    <p:sldId id="282" r:id="rId17"/>
+    <p:sldId id="283" r:id="rId18"/>
+    <p:sldId id="284" r:id="rId19"/>
+    <p:sldId id="273" r:id="rId20"/>
+    <p:sldId id="275" r:id="rId21"/>
+    <p:sldId id="278" r:id="rId22"/>
+    <p:sldId id="279" r:id="rId23"/>
+    <p:sldId id="280" r:id="rId24"/>
+    <p:sldId id="281" r:id="rId25"/>
+    <p:sldId id="287" r:id="rId26"/>
+    <p:sldId id="288" r:id="rId27"/>
+    <p:sldId id="290" r:id="rId28"/>
+    <p:sldId id="289" r:id="rId29"/>
+    <p:sldId id="291" r:id="rId30"/>
+    <p:sldId id="292" r:id="rId31"/>
+    <p:sldId id="302" r:id="rId32"/>
+    <p:sldId id="300" r:id="rId33"/>
+    <p:sldId id="301" r:id="rId34"/>
+    <p:sldId id="299" r:id="rId35"/>
   </p:sldIdLst>
   <p:sldSz cx="9144000" cy="6858000" type="screen4x3"/>
   <p:notesSz cx="6669088" cy="9926638"/>
@@ -254,7 +255,7 @@
           <a:p>
             <a:fld id="{EFA0D184-D464-48E9-9CA0-A94E873F6C2C}" type="datetimeFigureOut">
               <a:rPr lang="de-CH" smtClean="0"/>
-              <a:t>22.07.2013</a:t>
+              <a:t>1/9/15</a:t>
             </a:fld>
             <a:endParaRPr lang="de-CH"/>
           </a:p>
@@ -419,7 +420,7 @@
           <a:p>
             <a:fld id="{5AF2B663-2BA9-4D7E-8201-5DE4109E1EDD}" type="datetimeFigureOut">
               <a:rPr lang="de-CH" smtClean="0"/>
-              <a:t>22.07.2013</a:t>
+              <a:t>1/9/15</a:t>
             </a:fld>
             <a:endParaRPr lang="de-CH"/>
           </a:p>
@@ -752,7 +753,7 @@
           <a:p>
             <a:fld id="{37E44704-8E6D-4CF2-8CFA-A0F7BC751896}" type="slidenum">
               <a:rPr lang="de-CH" smtClean="0"/>
-              <a:t>26</a:t>
+              <a:t>27</a:t>
             </a:fld>
             <a:endParaRPr lang="de-CH"/>
           </a:p>
@@ -1140,7 +1141,7 @@
           <a:p>
             <a:fld id="{37E44704-8E6D-4CF2-8CFA-A0F7BC751896}" type="slidenum">
               <a:rPr lang="de-CH" smtClean="0"/>
-              <a:t>27</a:t>
+              <a:t>28</a:t>
             </a:fld>
             <a:endParaRPr lang="de-CH"/>
           </a:p>
@@ -1224,7 +1225,7 @@
           <a:p>
             <a:fld id="{37E44704-8E6D-4CF2-8CFA-A0F7BC751896}" type="slidenum">
               <a:rPr lang="de-CH" smtClean="0"/>
-              <a:t>28</a:t>
+              <a:t>29</a:t>
             </a:fld>
             <a:endParaRPr lang="de-CH"/>
           </a:p>
@@ -1559,14 +1560,14 @@
             <a:noFill/>
           </a:ln>
           <a:extLst>
-            <a:ext uri="{909E8E84-426E-40DD-AFC4-6F175D3DCCD1}">
+            <a:ext uri="{909E8E84-426E-40dd-AFC4-6F175D3DCCD1}">
               <a14:hiddenFill xmlns:a14="http://schemas.microsoft.com/office/drawing/2010/main">
                 <a:solidFill>
                   <a:srgbClr val="FFFFFF"/>
                 </a:solidFill>
               </a14:hiddenFill>
             </a:ext>
-            <a:ext uri="{91240B29-F687-4F45-9708-019B960494DF}">
+            <a:ext uri="{91240B29-F687-4f45-9708-019B960494DF}">
               <a14:hiddenLine xmlns:a14="http://schemas.microsoft.com/office/drawing/2010/main" w="9525">
                 <a:solidFill>
                   <a:srgbClr val="000000"/>
@@ -2953,7 +2954,7 @@
   <p:timing>
     <p:tnLst>
       <p:par>
-        <p:cTn id="1" dur="indefinite" restart="never" nodeType="tmRoot"/>
+        <p:cTn xmlns:p14="http://schemas.microsoft.com/office/powerpoint/2010/main" id="1" dur="indefinite" restart="never" nodeType="tmRoot"/>
       </p:par>
     </p:tnLst>
   </p:timing>
@@ -3246,14 +3247,14 @@
             <a:noFill/>
           </a:ln>
           <a:extLst>
-            <a:ext uri="{909E8E84-426E-40DD-AFC4-6F175D3DCCD1}">
+            <a:ext uri="{909E8E84-426E-40dd-AFC4-6F175D3DCCD1}">
               <a14:hiddenFill xmlns:a14="http://schemas.microsoft.com/office/drawing/2010/main">
                 <a:solidFill>
                   <a:srgbClr val="FFFFFF"/>
                 </a:solidFill>
               </a14:hiddenFill>
             </a:ext>
-            <a:ext uri="{91240B29-F687-4F45-9708-019B960494DF}">
+            <a:ext uri="{91240B29-F687-4f45-9708-019B960494DF}">
               <a14:hiddenLine xmlns:a14="http://schemas.microsoft.com/office/drawing/2010/main" w="9525">
                 <a:solidFill>
                   <a:srgbClr val="000000"/>
@@ -6727,14 +6728,14 @@
             <a:noFill/>
           </a:ln>
           <a:extLst>
-            <a:ext uri="{909E8E84-426E-40DD-AFC4-6F175D3DCCD1}">
+            <a:ext uri="{909E8E84-426E-40dd-AFC4-6F175D3DCCD1}">
               <a14:hiddenFill xmlns:a14="http://schemas.microsoft.com/office/drawing/2010/main">
                 <a:solidFill>
                   <a:srgbClr val="FFFFFF"/>
                 </a:solidFill>
               </a14:hiddenFill>
             </a:ext>
-            <a:ext uri="{91240B29-F687-4F45-9708-019B960494DF}">
+            <a:ext uri="{91240B29-F687-4f45-9708-019B960494DF}">
               <a14:hiddenLine xmlns:a14="http://schemas.microsoft.com/office/drawing/2010/main" w="9525">
                 <a:solidFill>
                   <a:srgbClr val="000000"/>
@@ -7074,7 +7075,7 @@
   <p:timing>
     <p:tnLst>
       <p:par>
-        <p:cTn id="1" dur="indefinite" restart="never" nodeType="tmRoot"/>
+        <p:cTn xmlns:p14="http://schemas.microsoft.com/office/powerpoint/2010/main" id="1" dur="indefinite" restart="never" nodeType="tmRoot"/>
       </p:par>
     </p:tnLst>
   </p:timing>
@@ -7510,8 +7511,16 @@
           <a:lstStyle/>
           <a:p>
             <a:r>
-              <a:rPr lang="de-DE" dirty="0"/>
-              <a:t>Titel der Veranstaltung</a:t>
+              <a:rPr lang="de-CH" dirty="0" smtClean="0"/>
+              <a:t>Software Engineering </a:t>
+            </a:r>
+            <a:r>
+              <a:rPr lang="de-CH" dirty="0" err="1" smtClean="0"/>
+              <a:t>and</a:t>
+            </a:r>
+            <a:r>
+              <a:rPr lang="de-CH" dirty="0" smtClean="0"/>
+              <a:t> Design</a:t>
             </a:r>
             <a:endParaRPr lang="de-CH" dirty="0"/>
           </a:p>
@@ -7533,8 +7542,42 @@
           <a:lstStyle/>
           <a:p>
             <a:r>
-              <a:rPr lang="de-CH" b="1" dirty="0"/>
-              <a:t>Datum, Referent</a:t>
+              <a:rPr lang="de-CH" b="1" dirty="0" smtClean="0"/>
+              <a:t>15.01.15, Aline Zaugg, David </a:t>
+            </a:r>
+            <a:r>
+              <a:rPr lang="de-CH" b="1" dirty="0" err="1" smtClean="0"/>
+              <a:t>M</a:t>
+            </a:r>
+            <a:r>
+              <a:rPr lang="de-CH" b="1" dirty="0" err="1" smtClean="0"/>
+              <a:t>össner</a:t>
+            </a:r>
+            <a:r>
+              <a:rPr lang="de-CH" b="1" dirty="0" smtClean="0"/>
+              <a:t> Dominique Walter, Florian </a:t>
+            </a:r>
+            <a:r>
+              <a:rPr lang="de-CH" b="1" dirty="0" err="1" smtClean="0"/>
+              <a:t>Schnyder</a:t>
+            </a:r>
+            <a:r>
+              <a:rPr lang="de-CH" b="1" dirty="0" smtClean="0"/>
+              <a:t>,</a:t>
+            </a:r>
+          </a:p>
+          <a:p>
+            <a:r>
+              <a:rPr lang="de-CH" b="1" dirty="0" smtClean="0"/>
+              <a:t>Philipp Schaad, Raphael </a:t>
+            </a:r>
+            <a:r>
+              <a:rPr lang="de-CH" b="1" dirty="0" err="1" smtClean="0"/>
+              <a:t>Zenh</a:t>
+            </a:r>
+            <a:r>
+              <a:rPr lang="de-CH" b="1" dirty="0" err="1" smtClean="0"/>
+              <a:t>äusern</a:t>
             </a:r>
             <a:endParaRPr lang="de-DE" b="1" dirty="0"/>
           </a:p>
@@ -7575,7 +7618,7 @@
   <p:timing>
     <p:tnLst>
       <p:par>
-        <p:cTn id="1" dur="indefinite" restart="never" nodeType="tmRoot"/>
+        <p:cTn xmlns:p14="http://schemas.microsoft.com/office/powerpoint/2010/main" id="1" dur="indefinite" restart="never" nodeType="tmRoot"/>
       </p:par>
     </p:tnLst>
   </p:timing>
@@ -7583,6 +7626,158 @@
 </file>
 
 <file path=ppt/slides/slide10.xml><?xml version="1.0" encoding="utf-8"?>
+<p:sld xmlns:a="http://schemas.openxmlformats.org/drawingml/2006/main" xmlns:r="http://schemas.openxmlformats.org/officeDocument/2006/relationships" xmlns:p="http://schemas.openxmlformats.org/presentationml/2006/main">
+  <p:cSld>
+    <p:spTree>
+      <p:nvGrpSpPr>
+        <p:cNvPr id="1" name=""/>
+        <p:cNvGrpSpPr/>
+        <p:nvPr/>
+      </p:nvGrpSpPr>
+      <p:grpSpPr>
+        <a:xfrm>
+          <a:off x="0" y="0"/>
+          <a:ext cx="0" cy="0"/>
+          <a:chOff x="0" y="0"/>
+          <a:chExt cx="0" cy="0"/>
+        </a:xfrm>
+      </p:grpSpPr>
+      <p:sp>
+        <p:nvSpPr>
+          <p:cNvPr id="2" name="Inhaltsplatzhalter 1"/>
+          <p:cNvSpPr>
+            <a:spLocks noGrp="1"/>
+          </p:cNvSpPr>
+          <p:nvPr>
+            <p:ph sz="half" idx="1"/>
+          </p:nvPr>
+        </p:nvSpPr>
+        <p:spPr/>
+        <p:txBody>
+          <a:bodyPr/>
+          <a:lstStyle/>
+          <a:p>
+            <a:pPr marL="0" indent="0">
+              <a:buNone/>
+            </a:pPr>
+            <a:r>
+              <a:rPr lang="de-DE" b="1" dirty="0"/>
+              <a:t>Bachelorstudiengänge</a:t>
+            </a:r>
+          </a:p>
+          <a:p>
+            <a:r>
+              <a:rPr lang="de-CH" dirty="0"/>
+              <a:t>Architektur</a:t>
+            </a:r>
+          </a:p>
+          <a:p>
+            <a:r>
+              <a:rPr lang="de-CH" dirty="0"/>
+              <a:t>Holztechnik</a:t>
+            </a:r>
+          </a:p>
+          <a:p>
+            <a:r>
+              <a:rPr lang="de-CH" dirty="0"/>
+              <a:t>Bauingenieurwesen</a:t>
+            </a:r>
+          </a:p>
+          <a:p>
+            <a:endParaRPr lang="de-CH" dirty="0"/>
+          </a:p>
+          <a:p>
+            <a:pPr marL="0" indent="0">
+              <a:buNone/>
+            </a:pPr>
+            <a:r>
+              <a:rPr lang="de-CH" b="1" dirty="0"/>
+              <a:t>Masterstudiengänge</a:t>
+            </a:r>
+          </a:p>
+          <a:p>
+            <a:r>
+              <a:rPr lang="de-CH" dirty="0"/>
+              <a:t>Engineering</a:t>
+            </a:r>
+          </a:p>
+          <a:p>
+            <a:r>
+              <a:rPr lang="de-CH" dirty="0" err="1"/>
+              <a:t>Architecture</a:t>
+            </a:r>
+            <a:endParaRPr lang="de-CH" dirty="0"/>
+          </a:p>
+          <a:p>
+            <a:r>
+              <a:rPr lang="de-CH" dirty="0"/>
+              <a:t>Wood Technology</a:t>
+            </a:r>
+          </a:p>
+          <a:p>
+            <a:endParaRPr lang="de-CH" dirty="0"/>
+          </a:p>
+          <a:p>
+            <a:pPr marL="0" indent="0">
+              <a:buNone/>
+            </a:pPr>
+            <a:r>
+              <a:rPr lang="de-CH" b="1" dirty="0"/>
+              <a:t>Anzahl Studierende</a:t>
+            </a:r>
+          </a:p>
+          <a:p>
+            <a:r>
+              <a:rPr lang="de-CH" dirty="0" smtClean="0"/>
+              <a:t>668 </a:t>
+            </a:r>
+            <a:r>
+              <a:rPr lang="de-CH" dirty="0"/>
+              <a:t>Studierende (Frauenanteil: 22 Prozent)</a:t>
+            </a:r>
+          </a:p>
+          <a:p>
+            <a:endParaRPr lang="de-CH" dirty="0"/>
+          </a:p>
+        </p:txBody>
+      </p:sp>
+      <p:sp>
+        <p:nvSpPr>
+          <p:cNvPr id="3" name="Titel 2"/>
+          <p:cNvSpPr>
+            <a:spLocks noGrp="1"/>
+          </p:cNvSpPr>
+          <p:nvPr>
+            <p:ph type="ctrTitle"/>
+          </p:nvPr>
+        </p:nvSpPr>
+        <p:spPr/>
+        <p:txBody>
+          <a:bodyPr/>
+          <a:lstStyle/>
+          <a:p>
+            <a:r>
+              <a:rPr lang="de-DE" b="1" dirty="0"/>
+              <a:t>Architektur, Holz und Bau</a:t>
+            </a:r>
+            <a:endParaRPr lang="de-CH" dirty="0"/>
+          </a:p>
+        </p:txBody>
+      </p:sp>
+    </p:spTree>
+    <p:extLst>
+      <p:ext uri="{BB962C8B-B14F-4D97-AF65-F5344CB8AC3E}">
+        <p14:creationId xmlns:p14="http://schemas.microsoft.com/office/powerpoint/2010/main" val="3709291995"/>
+      </p:ext>
+    </p:extLst>
+  </p:cSld>
+  <p:clrMapOvr>
+    <a:masterClrMapping/>
+  </p:clrMapOvr>
+</p:sld>
+</file>
+
+<file path=ppt/slides/slide11.xml><?xml version="1.0" encoding="utf-8"?>
 <p:sld xmlns:a="http://schemas.openxmlformats.org/drawingml/2006/main" xmlns:r="http://schemas.openxmlformats.org/officeDocument/2006/relationships" xmlns:p="http://schemas.openxmlformats.org/presentationml/2006/main">
   <p:cSld>
     <p:spTree>
@@ -7683,14 +7878,14 @@
             <a:noFill/>
           </a:ln>
           <a:extLst>
-            <a:ext uri="{909E8E84-426E-40DD-AFC4-6F175D3DCCD1}">
+            <a:ext uri="{909E8E84-426E-40dd-AFC4-6F175D3DCCD1}">
               <a14:hiddenFill xmlns:a14="http://schemas.microsoft.com/office/drawing/2010/main">
                 <a:solidFill>
                   <a:schemeClr val="accent1"/>
                 </a:solidFill>
               </a14:hiddenFill>
             </a:ext>
-            <a:ext uri="{91240B29-F687-4F45-9708-019B960494DF}">
+            <a:ext uri="{91240B29-F687-4f45-9708-019B960494DF}">
               <a14:hiddenLine xmlns:a14="http://schemas.microsoft.com/office/drawing/2010/main" w="9525">
                 <a:solidFill>
                   <a:schemeClr val="tx1"/>
@@ -7716,7 +7911,7 @@
 </p:sld>
 </file>
 
-<file path=ppt/slides/slide11.xml><?xml version="1.0" encoding="utf-8"?>
+<file path=ppt/slides/slide12.xml><?xml version="1.0" encoding="utf-8"?>
 <p:sld xmlns:a="http://schemas.openxmlformats.org/drawingml/2006/main" xmlns:r="http://schemas.openxmlformats.org/officeDocument/2006/relationships" xmlns:p="http://schemas.openxmlformats.org/presentationml/2006/main">
   <p:cSld>
     <p:spTree>
@@ -7876,7 +8071,7 @@
 </p:sld>
 </file>
 
-<file path=ppt/slides/slide12.xml><?xml version="1.0" encoding="utf-8"?>
+<file path=ppt/slides/slide13.xml><?xml version="1.0" encoding="utf-8"?>
 <p:sld xmlns:a="http://schemas.openxmlformats.org/drawingml/2006/main" xmlns:r="http://schemas.openxmlformats.org/officeDocument/2006/relationships" xmlns:p="http://schemas.openxmlformats.org/presentationml/2006/main">
   <p:cSld>
     <p:spTree>
@@ -7983,14 +8178,14 @@
             <a:noFill/>
           </a:ln>
           <a:extLst>
-            <a:ext uri="{909E8E84-426E-40DD-AFC4-6F175D3DCCD1}">
+            <a:ext uri="{909E8E84-426E-40dd-AFC4-6F175D3DCCD1}">
               <a14:hiddenFill xmlns:a14="http://schemas.microsoft.com/office/drawing/2010/main">
                 <a:solidFill>
                   <a:schemeClr val="accent1"/>
                 </a:solidFill>
               </a14:hiddenFill>
             </a:ext>
-            <a:ext uri="{91240B29-F687-4F45-9708-019B960494DF}">
+            <a:ext uri="{91240B29-F687-4f45-9708-019B960494DF}">
               <a14:hiddenLine xmlns:a14="http://schemas.microsoft.com/office/drawing/2010/main" w="9525">
                 <a:solidFill>
                   <a:schemeClr val="tx1"/>
@@ -8007,135 +8202,6 @@
     <p:extLst>
       <p:ext uri="{BB962C8B-B14F-4D97-AF65-F5344CB8AC3E}">
         <p14:creationId xmlns:p14="http://schemas.microsoft.com/office/powerpoint/2010/main" val="4239299926"/>
-      </p:ext>
-    </p:extLst>
-  </p:cSld>
-  <p:clrMapOvr>
-    <a:masterClrMapping/>
-  </p:clrMapOvr>
-</p:sld>
-</file>
-
-<file path=ppt/slides/slide13.xml><?xml version="1.0" encoding="utf-8"?>
-<p:sld xmlns:a="http://schemas.openxmlformats.org/drawingml/2006/main" xmlns:r="http://schemas.openxmlformats.org/officeDocument/2006/relationships" xmlns:p="http://schemas.openxmlformats.org/presentationml/2006/main">
-  <p:cSld>
-    <p:spTree>
-      <p:nvGrpSpPr>
-        <p:cNvPr id="1" name=""/>
-        <p:cNvGrpSpPr/>
-        <p:nvPr/>
-      </p:nvGrpSpPr>
-      <p:grpSpPr>
-        <a:xfrm>
-          <a:off x="0" y="0"/>
-          <a:ext cx="0" cy="0"/>
-          <a:chOff x="0" y="0"/>
-          <a:chExt cx="0" cy="0"/>
-        </a:xfrm>
-      </p:grpSpPr>
-      <p:sp>
-        <p:nvSpPr>
-          <p:cNvPr id="2" name="Inhaltsplatzhalter 1"/>
-          <p:cNvSpPr>
-            <a:spLocks noGrp="1"/>
-          </p:cNvSpPr>
-          <p:nvPr>
-            <p:ph sz="half" idx="1"/>
-          </p:nvPr>
-        </p:nvSpPr>
-        <p:spPr/>
-        <p:txBody>
-          <a:bodyPr/>
-          <a:lstStyle/>
-          <a:p>
-            <a:pPr marL="0" indent="0">
-              <a:buNone/>
-            </a:pPr>
-            <a:r>
-              <a:rPr lang="de-DE" b="1" dirty="0"/>
-              <a:t>Bachelorstudiengänge</a:t>
-            </a:r>
-          </a:p>
-          <a:p>
-            <a:r>
-              <a:rPr lang="de-CH" dirty="0"/>
-              <a:t>Musik</a:t>
-            </a:r>
-          </a:p>
-          <a:p>
-            <a:r>
-              <a:rPr lang="de-CH" dirty="0"/>
-              <a:t>Musik und Bewegung/Rhythmik</a:t>
-            </a:r>
-          </a:p>
-          <a:p>
-            <a:r>
-              <a:rPr lang="de-CH" dirty="0"/>
-              <a:t>Kunst</a:t>
-            </a:r>
-          </a:p>
-          <a:p>
-            <a:r>
-              <a:rPr lang="de-CH" dirty="0"/>
-              <a:t>Vermittlung in Kunst und Design</a:t>
-            </a:r>
-          </a:p>
-          <a:p>
-            <a:r>
-              <a:rPr lang="de-CH" dirty="0"/>
-              <a:t>Theater</a:t>
-            </a:r>
-          </a:p>
-          <a:p>
-            <a:r>
-              <a:rPr lang="de-CH" dirty="0"/>
-              <a:t>Literarisches Schreiben</a:t>
-            </a:r>
-          </a:p>
-          <a:p>
-            <a:r>
-              <a:rPr lang="de-CH" dirty="0"/>
-              <a:t>Visuelle Kommunikation</a:t>
-            </a:r>
-          </a:p>
-          <a:p>
-            <a:r>
-              <a:rPr lang="de-CH" dirty="0"/>
-              <a:t>Konservierung</a:t>
-            </a:r>
-          </a:p>
-          <a:p>
-            <a:endParaRPr lang="de-CH" dirty="0"/>
-          </a:p>
-        </p:txBody>
-      </p:sp>
-      <p:sp>
-        <p:nvSpPr>
-          <p:cNvPr id="3" name="Titel 2"/>
-          <p:cNvSpPr>
-            <a:spLocks noGrp="1"/>
-          </p:cNvSpPr>
-          <p:nvPr>
-            <p:ph type="ctrTitle"/>
-          </p:nvPr>
-        </p:nvSpPr>
-        <p:spPr/>
-        <p:txBody>
-          <a:bodyPr/>
-          <a:lstStyle/>
-          <a:p>
-            <a:r>
-              <a:rPr lang="de-CH" b="1" dirty="0"/>
-              <a:t>Hochschule der Künste Bern I</a:t>
-            </a:r>
-            <a:endParaRPr lang="de-CH" dirty="0"/>
-          </a:p>
-        </p:txBody>
-      </p:sp>
-    </p:spTree>
-    <p:extLst>
-      <p:ext uri="{BB962C8B-B14F-4D97-AF65-F5344CB8AC3E}">
-        <p14:creationId xmlns:p14="http://schemas.microsoft.com/office/powerpoint/2010/main" val="3215048139"/>
       </p:ext>
     </p:extLst>
   </p:cSld>
@@ -8181,6 +8247,135 @@
               <a:buNone/>
             </a:pPr>
             <a:r>
+              <a:rPr lang="de-DE" b="1" dirty="0"/>
+              <a:t>Bachelorstudiengänge</a:t>
+            </a:r>
+          </a:p>
+          <a:p>
+            <a:r>
+              <a:rPr lang="de-CH" dirty="0"/>
+              <a:t>Musik</a:t>
+            </a:r>
+          </a:p>
+          <a:p>
+            <a:r>
+              <a:rPr lang="de-CH" dirty="0"/>
+              <a:t>Musik und Bewegung/Rhythmik</a:t>
+            </a:r>
+          </a:p>
+          <a:p>
+            <a:r>
+              <a:rPr lang="de-CH" dirty="0"/>
+              <a:t>Kunst</a:t>
+            </a:r>
+          </a:p>
+          <a:p>
+            <a:r>
+              <a:rPr lang="de-CH" dirty="0"/>
+              <a:t>Vermittlung in Kunst und Design</a:t>
+            </a:r>
+          </a:p>
+          <a:p>
+            <a:r>
+              <a:rPr lang="de-CH" dirty="0"/>
+              <a:t>Theater</a:t>
+            </a:r>
+          </a:p>
+          <a:p>
+            <a:r>
+              <a:rPr lang="de-CH" dirty="0"/>
+              <a:t>Literarisches Schreiben</a:t>
+            </a:r>
+          </a:p>
+          <a:p>
+            <a:r>
+              <a:rPr lang="de-CH" dirty="0"/>
+              <a:t>Visuelle Kommunikation</a:t>
+            </a:r>
+          </a:p>
+          <a:p>
+            <a:r>
+              <a:rPr lang="de-CH" dirty="0"/>
+              <a:t>Konservierung</a:t>
+            </a:r>
+          </a:p>
+          <a:p>
+            <a:endParaRPr lang="de-CH" dirty="0"/>
+          </a:p>
+        </p:txBody>
+      </p:sp>
+      <p:sp>
+        <p:nvSpPr>
+          <p:cNvPr id="3" name="Titel 2"/>
+          <p:cNvSpPr>
+            <a:spLocks noGrp="1"/>
+          </p:cNvSpPr>
+          <p:nvPr>
+            <p:ph type="ctrTitle"/>
+          </p:nvPr>
+        </p:nvSpPr>
+        <p:spPr/>
+        <p:txBody>
+          <a:bodyPr/>
+          <a:lstStyle/>
+          <a:p>
+            <a:r>
+              <a:rPr lang="de-CH" b="1" dirty="0"/>
+              <a:t>Hochschule der Künste Bern I</a:t>
+            </a:r>
+            <a:endParaRPr lang="de-CH" dirty="0"/>
+          </a:p>
+        </p:txBody>
+      </p:sp>
+    </p:spTree>
+    <p:extLst>
+      <p:ext uri="{BB962C8B-B14F-4D97-AF65-F5344CB8AC3E}">
+        <p14:creationId xmlns:p14="http://schemas.microsoft.com/office/powerpoint/2010/main" val="3215048139"/>
+      </p:ext>
+    </p:extLst>
+  </p:cSld>
+  <p:clrMapOvr>
+    <a:masterClrMapping/>
+  </p:clrMapOvr>
+</p:sld>
+</file>
+
+<file path=ppt/slides/slide15.xml><?xml version="1.0" encoding="utf-8"?>
+<p:sld xmlns:a="http://schemas.openxmlformats.org/drawingml/2006/main" xmlns:r="http://schemas.openxmlformats.org/officeDocument/2006/relationships" xmlns:p="http://schemas.openxmlformats.org/presentationml/2006/main">
+  <p:cSld>
+    <p:spTree>
+      <p:nvGrpSpPr>
+        <p:cNvPr id="1" name=""/>
+        <p:cNvGrpSpPr/>
+        <p:nvPr/>
+      </p:nvGrpSpPr>
+      <p:grpSpPr>
+        <a:xfrm>
+          <a:off x="0" y="0"/>
+          <a:ext cx="0" cy="0"/>
+          <a:chOff x="0" y="0"/>
+          <a:chExt cx="0" cy="0"/>
+        </a:xfrm>
+      </p:grpSpPr>
+      <p:sp>
+        <p:nvSpPr>
+          <p:cNvPr id="2" name="Inhaltsplatzhalter 1"/>
+          <p:cNvSpPr>
+            <a:spLocks noGrp="1"/>
+          </p:cNvSpPr>
+          <p:nvPr>
+            <p:ph sz="half" idx="1"/>
+          </p:nvPr>
+        </p:nvSpPr>
+        <p:spPr/>
+        <p:txBody>
+          <a:bodyPr/>
+          <a:lstStyle/>
+          <a:p>
+            <a:pPr marL="0" indent="0">
+              <a:buNone/>
+            </a:pPr>
+            <a:r>
               <a:rPr lang="de-DE" sz="1600" b="1" dirty="0"/>
               <a:t>Masterstudiengänge</a:t>
             </a:r>
@@ -8350,7 +8545,7 @@
 </p:sld>
 </file>
 
-<file path=ppt/slides/slide15.xml><?xml version="1.0" encoding="utf-8"?>
+<file path=ppt/slides/slide16.xml><?xml version="1.0" encoding="utf-8"?>
 <p:sld xmlns:a="http://schemas.openxmlformats.org/drawingml/2006/main" xmlns:r="http://schemas.openxmlformats.org/officeDocument/2006/relationships" xmlns:p="http://schemas.openxmlformats.org/presentationml/2006/main">
   <p:cSld>
     <p:spTree>
@@ -8454,14 +8649,14 @@
             <a:noFill/>
           </a:ln>
           <a:extLst>
-            <a:ext uri="{909E8E84-426E-40DD-AFC4-6F175D3DCCD1}">
+            <a:ext uri="{909E8E84-426E-40dd-AFC4-6F175D3DCCD1}">
               <a14:hiddenFill xmlns:a14="http://schemas.microsoft.com/office/drawing/2010/main">
                 <a:solidFill>
                   <a:schemeClr val="accent1"/>
                 </a:solidFill>
               </a14:hiddenFill>
             </a:ext>
-            <a:ext uri="{91240B29-F687-4F45-9708-019B960494DF}">
+            <a:ext uri="{91240B29-F687-4f45-9708-019B960494DF}">
               <a14:hiddenLine xmlns:a14="http://schemas.microsoft.com/office/drawing/2010/main" w="9525">
                 <a:solidFill>
                   <a:schemeClr val="tx1"/>
@@ -8487,7 +8682,7 @@
 </p:sld>
 </file>
 
-<file path=ppt/slides/slide16.xml><?xml version="1.0" encoding="utf-8"?>
+<file path=ppt/slides/slide17.xml><?xml version="1.0" encoding="utf-8"?>
 <p:sld xmlns:a="http://schemas.openxmlformats.org/drawingml/2006/main" xmlns:r="http://schemas.openxmlformats.org/officeDocument/2006/relationships" xmlns:p="http://schemas.openxmlformats.org/presentationml/2006/main">
   <p:cSld>
     <p:spTree>
@@ -8650,7 +8845,7 @@
 </p:sld>
 </file>
 
-<file path=ppt/slides/slide17.xml><?xml version="1.0" encoding="utf-8"?>
+<file path=ppt/slides/slide18.xml><?xml version="1.0" encoding="utf-8"?>
 <p:sld xmlns:a="http://schemas.openxmlformats.org/drawingml/2006/main" xmlns:r="http://schemas.openxmlformats.org/officeDocument/2006/relationships" xmlns:p="http://schemas.openxmlformats.org/presentationml/2006/main">
   <p:cSld>
     <p:spTree>
@@ -8757,14 +8952,14 @@
             <a:noFill/>
           </a:ln>
           <a:extLst>
-            <a:ext uri="{909E8E84-426E-40DD-AFC4-6F175D3DCCD1}">
+            <a:ext uri="{909E8E84-426E-40dd-AFC4-6F175D3DCCD1}">
               <a14:hiddenFill xmlns:a14="http://schemas.microsoft.com/office/drawing/2010/main">
                 <a:solidFill>
                   <a:schemeClr val="accent1"/>
                 </a:solidFill>
               </a14:hiddenFill>
             </a:ext>
-            <a:ext uri="{91240B29-F687-4F45-9708-019B960494DF}">
+            <a:ext uri="{91240B29-F687-4f45-9708-019B960494DF}">
               <a14:hiddenLine xmlns:a14="http://schemas.microsoft.com/office/drawing/2010/main" w="9525">
                 <a:solidFill>
                   <a:schemeClr val="tx1"/>
@@ -8781,178 +8976,6 @@
     <p:extLst>
       <p:ext uri="{BB962C8B-B14F-4D97-AF65-F5344CB8AC3E}">
         <p14:creationId xmlns:p14="http://schemas.microsoft.com/office/powerpoint/2010/main" val="2107294295"/>
-      </p:ext>
-    </p:extLst>
-  </p:cSld>
-  <p:clrMapOvr>
-    <a:masterClrMapping/>
-  </p:clrMapOvr>
-</p:sld>
-</file>
-
-<file path=ppt/slides/slide18.xml><?xml version="1.0" encoding="utf-8"?>
-<p:sld xmlns:a="http://schemas.openxmlformats.org/drawingml/2006/main" xmlns:r="http://schemas.openxmlformats.org/officeDocument/2006/relationships" xmlns:p="http://schemas.openxmlformats.org/presentationml/2006/main">
-  <p:cSld>
-    <p:spTree>
-      <p:nvGrpSpPr>
-        <p:cNvPr id="1" name=""/>
-        <p:cNvGrpSpPr/>
-        <p:nvPr/>
-      </p:nvGrpSpPr>
-      <p:grpSpPr>
-        <a:xfrm>
-          <a:off x="0" y="0"/>
-          <a:ext cx="0" cy="0"/>
-          <a:chOff x="0" y="0"/>
-          <a:chExt cx="0" cy="0"/>
-        </a:xfrm>
-      </p:grpSpPr>
-      <p:sp>
-        <p:nvSpPr>
-          <p:cNvPr id="2" name="Inhaltsplatzhalter 1"/>
-          <p:cNvSpPr>
-            <a:spLocks noGrp="1"/>
-          </p:cNvSpPr>
-          <p:nvPr>
-            <p:ph sz="half" idx="1"/>
-          </p:nvPr>
-        </p:nvSpPr>
-        <p:spPr/>
-        <p:txBody>
-          <a:bodyPr/>
-          <a:lstStyle/>
-          <a:p>
-            <a:pPr marL="0" indent="0">
-              <a:buNone/>
-            </a:pPr>
-            <a:r>
-              <a:rPr lang="de-DE" b="1" dirty="0"/>
-              <a:t>Bachelorstudiengänge</a:t>
-            </a:r>
-          </a:p>
-          <a:p>
-            <a:r>
-              <a:rPr lang="de-CH" dirty="0"/>
-              <a:t>Betriebsökonomie</a:t>
-            </a:r>
-          </a:p>
-          <a:p>
-            <a:r>
-              <a:rPr lang="de-CH" dirty="0"/>
-              <a:t>Wirtschaftsinformatik</a:t>
-            </a:r>
-          </a:p>
-          <a:p>
-            <a:endParaRPr lang="de-CH" dirty="0"/>
-          </a:p>
-          <a:p>
-            <a:pPr marL="0" indent="0">
-              <a:buNone/>
-            </a:pPr>
-            <a:r>
-              <a:rPr lang="de-CH" b="1" dirty="0"/>
-              <a:t>Masterstudiengang</a:t>
-            </a:r>
-          </a:p>
-          <a:p>
-            <a:r>
-              <a:rPr lang="de-CH" dirty="0"/>
-              <a:t>Business Administration</a:t>
-            </a:r>
-          </a:p>
-          <a:p>
-            <a:r>
-              <a:rPr lang="de-CH" dirty="0"/>
-              <a:t>Wirtschaftsinformatik</a:t>
-            </a:r>
-          </a:p>
-          <a:p>
-            <a:endParaRPr lang="de-CH" dirty="0"/>
-          </a:p>
-          <a:p>
-            <a:pPr marL="0" indent="0">
-              <a:buNone/>
-            </a:pPr>
-            <a:r>
-              <a:rPr lang="de-CH" b="1" dirty="0"/>
-              <a:t>Anzahl Studierende Wirtschaft, Gesundheit, Soziale Arbeit</a:t>
-            </a:r>
-          </a:p>
-          <a:p>
-            <a:r>
-              <a:rPr lang="de-CH" dirty="0" smtClean="0"/>
-              <a:t>2837 </a:t>
-            </a:r>
-            <a:r>
-              <a:rPr lang="de-CH" dirty="0"/>
-              <a:t>Studierende (Frauenanteil: </a:t>
-            </a:r>
-            <a:r>
-              <a:rPr lang="de-CH" dirty="0" smtClean="0"/>
-              <a:t>65 </a:t>
-            </a:r>
-            <a:r>
-              <a:rPr lang="de-CH" dirty="0"/>
-              <a:t>Prozent)</a:t>
-            </a:r>
-          </a:p>
-          <a:p>
-            <a:endParaRPr lang="de-CH" dirty="0"/>
-          </a:p>
-          <a:p>
-            <a:pPr marL="0" indent="0">
-              <a:buNone/>
-            </a:pPr>
-            <a:r>
-              <a:rPr lang="de-CH" b="1" dirty="0"/>
-              <a:t>Anzahl Studierende Fachbereich Wirtschaft</a:t>
-            </a:r>
-          </a:p>
-          <a:p>
-            <a:r>
-              <a:rPr lang="de-CH" dirty="0" smtClean="0"/>
-              <a:t>1135 </a:t>
-            </a:r>
-            <a:r>
-              <a:rPr lang="de-CH" dirty="0"/>
-              <a:t>Studierende (exkl. Weiterbildung)</a:t>
-            </a:r>
-          </a:p>
-          <a:p>
-            <a:endParaRPr lang="de-CH" dirty="0"/>
-          </a:p>
-          <a:p>
-            <a:endParaRPr lang="de-CH" dirty="0"/>
-          </a:p>
-        </p:txBody>
-      </p:sp>
-      <p:sp>
-        <p:nvSpPr>
-          <p:cNvPr id="3" name="Titel 2"/>
-          <p:cNvSpPr>
-            <a:spLocks noGrp="1"/>
-          </p:cNvSpPr>
-          <p:nvPr>
-            <p:ph type="ctrTitle"/>
-          </p:nvPr>
-        </p:nvSpPr>
-        <p:spPr/>
-        <p:txBody>
-          <a:bodyPr/>
-          <a:lstStyle/>
-          <a:p>
-            <a:r>
-              <a:rPr lang="de-DE" b="1" dirty="0"/>
-              <a:t>Fachbereich Wirtschaft</a:t>
-            </a:r>
-            <a:endParaRPr lang="de-CH" dirty="0"/>
-          </a:p>
-        </p:txBody>
-      </p:sp>
-    </p:spTree>
-    <p:extLst>
-      <p:ext uri="{BB962C8B-B14F-4D97-AF65-F5344CB8AC3E}">
-        <p14:creationId xmlns:p14="http://schemas.microsoft.com/office/powerpoint/2010/main" val="339982551"/>
       </p:ext>
     </p:extLst>
   </p:cSld>
@@ -9005,54 +9028,40 @@
           <a:p>
             <a:r>
               <a:rPr lang="de-CH" dirty="0"/>
-              <a:t>Pflege</a:t>
+              <a:t>Betriebsökonomie</a:t>
             </a:r>
           </a:p>
           <a:p>
             <a:r>
               <a:rPr lang="de-CH" dirty="0"/>
-              <a:t>Physiotherapie</a:t>
+              <a:t>Wirtschaftsinformatik</a:t>
+            </a:r>
+          </a:p>
+          <a:p>
+            <a:endParaRPr lang="de-CH" dirty="0"/>
+          </a:p>
+          <a:p>
+            <a:pPr marL="0" indent="0">
+              <a:buNone/>
+            </a:pPr>
+            <a:r>
+              <a:rPr lang="de-CH" b="1" dirty="0"/>
+              <a:t>Masterstudiengang</a:t>
             </a:r>
           </a:p>
           <a:p>
             <a:r>
               <a:rPr lang="de-CH" dirty="0"/>
-              <a:t>Ernährung und Diätetik</a:t>
+              <a:t>Business Administration</a:t>
             </a:r>
           </a:p>
           <a:p>
             <a:r>
               <a:rPr lang="de-CH" dirty="0"/>
-              <a:t>Hebamme</a:t>
-            </a:r>
-            <a:br>
-              <a:rPr lang="de-CH" dirty="0"/>
-            </a:br>
-            <a:endParaRPr lang="de-CH" dirty="0"/>
-          </a:p>
-          <a:p>
-            <a:pPr marL="0" indent="0">
-              <a:buNone/>
-            </a:pPr>
-            <a:r>
-              <a:rPr lang="de-CH" b="1" dirty="0"/>
-              <a:t>Masterstudiengänge</a:t>
-            </a:r>
-          </a:p>
-          <a:p>
-            <a:r>
-              <a:rPr lang="de-CH" dirty="0"/>
-              <a:t>Pflege</a:t>
-            </a:r>
-          </a:p>
-          <a:p>
-            <a:r>
-              <a:rPr lang="de-CH" dirty="0"/>
-              <a:t>Physiotherapie</a:t>
-            </a:r>
-            <a:br>
-              <a:rPr lang="de-CH" dirty="0"/>
-            </a:br>
+              <a:t>Wirtschaftsinformatik</a:t>
+            </a:r>
+          </a:p>
+          <a:p>
             <a:endParaRPr lang="de-CH" dirty="0"/>
           </a:p>
           <a:p>
@@ -9066,29 +9075,38 @@
           </a:p>
           <a:p>
             <a:r>
+              <a:rPr lang="de-CH" dirty="0" smtClean="0"/>
+              <a:t>2837 </a:t>
+            </a:r>
+            <a:r>
               <a:rPr lang="de-CH" dirty="0"/>
-              <a:t>2837 Studierende (Frauenanteil: 65 Prozent)</a:t>
-            </a:r>
+              <a:t>Studierende (Frauenanteil: </a:t>
+            </a:r>
+            <a:r>
+              <a:rPr lang="de-CH" dirty="0" smtClean="0"/>
+              <a:t>65 </a:t>
+            </a:r>
+            <a:r>
+              <a:rPr lang="de-CH" dirty="0"/>
+              <a:t>Prozent)</a:t>
+            </a:r>
+          </a:p>
+          <a:p>
+            <a:endParaRPr lang="de-CH" dirty="0"/>
           </a:p>
           <a:p>
             <a:pPr marL="0" indent="0">
               <a:buNone/>
             </a:pPr>
-            <a:endParaRPr lang="de-CH" dirty="0"/>
-          </a:p>
-          <a:p>
-            <a:pPr marL="0" indent="0">
-              <a:buNone/>
-            </a:pPr>
             <a:r>
               <a:rPr lang="de-CH" b="1" dirty="0"/>
-              <a:t>Anzahl Studierende Fachbereich Gesundheit</a:t>
+              <a:t>Anzahl Studierende Fachbereich Wirtschaft</a:t>
             </a:r>
           </a:p>
           <a:p>
             <a:r>
               <a:rPr lang="de-CH" dirty="0" smtClean="0"/>
-              <a:t>986 </a:t>
+              <a:t>1135 </a:t>
             </a:r>
             <a:r>
               <a:rPr lang="de-CH" dirty="0"/>
@@ -9098,6 +9116,9 @@
           <a:p>
             <a:endParaRPr lang="de-CH" dirty="0"/>
           </a:p>
+          <a:p>
+            <a:endParaRPr lang="de-CH" dirty="0"/>
+          </a:p>
         </p:txBody>
       </p:sp>
       <p:sp>
@@ -9117,7 +9138,7 @@
           <a:p>
             <a:r>
               <a:rPr lang="de-DE" b="1" dirty="0"/>
-              <a:t>Fachbereich Gesundheit</a:t>
+              <a:t>Fachbereich Wirtschaft</a:t>
             </a:r>
             <a:endParaRPr lang="de-CH" dirty="0"/>
           </a:p>
@@ -9126,7 +9147,7 @@
     </p:spTree>
     <p:extLst>
       <p:ext uri="{BB962C8B-B14F-4D97-AF65-F5344CB8AC3E}">
-        <p14:creationId xmlns:p14="http://schemas.microsoft.com/office/powerpoint/2010/main" val="2272159255"/>
+        <p14:creationId xmlns:p14="http://schemas.microsoft.com/office/powerpoint/2010/main" val="339982551"/>
       </p:ext>
     </p:extLst>
   </p:cSld>
@@ -9155,35 +9176,178 @@
       </p:grpSpPr>
       <p:sp>
         <p:nvSpPr>
-          <p:cNvPr id="5" name="Titel 4"/>
-          <p:cNvSpPr>
-            <a:spLocks noGrp="1"/>
-          </p:cNvSpPr>
-          <p:nvPr>
-            <p:ph type="ctrTitle"/>
-          </p:nvPr>
-        </p:nvSpPr>
-        <p:spPr/>
+          <p:cNvPr id="2" name="Inhaltsplatzhalter 1"/>
+          <p:cNvSpPr>
+            <a:spLocks noGrp="1"/>
+          </p:cNvSpPr>
+          <p:nvPr>
+            <p:ph sz="half" idx="1"/>
+          </p:nvPr>
+        </p:nvSpPr>
+        <p:spPr>
+          <a:xfrm>
+            <a:off x="468000" y="1020899"/>
+            <a:ext cx="8100000" cy="4680000"/>
+          </a:xfrm>
+        </p:spPr>
         <p:txBody>
           <a:bodyPr/>
           <a:lstStyle/>
           <a:p>
             <a:r>
-              <a:rPr lang="de-DE" b="1" dirty="0"/>
-              <a:t>Zahlen und Fakten</a:t>
-            </a:r>
-            <a:endParaRPr lang="de-CH" dirty="0"/>
-          </a:p>
-        </p:txBody>
-      </p:sp>
-      <p:sp>
-        <p:nvSpPr>
-          <p:cNvPr id="6" name="Untertitel 5"/>
-          <p:cNvSpPr>
-            <a:spLocks noGrp="1"/>
-          </p:cNvSpPr>
-          <p:nvPr>
-            <p:ph type="subTitle" idx="1"/>
+              <a:rPr lang="de-DE" dirty="0" smtClean="0"/>
+              <a:t>Prototype live </a:t>
+            </a:r>
+            <a:r>
+              <a:rPr lang="de-DE" dirty="0" err="1" smtClean="0"/>
+              <a:t>demo</a:t>
+            </a:r>
+            <a:endParaRPr lang="de-DE" dirty="0"/>
+          </a:p>
+          <a:p>
+            <a:r>
+              <a:rPr lang="de-DE" dirty="0" smtClean="0"/>
+              <a:t>Highlights</a:t>
+            </a:r>
+          </a:p>
+          <a:p>
+            <a:pPr lvl="1"/>
+            <a:r>
+              <a:rPr lang="de-DE" dirty="0" err="1" smtClean="0"/>
+              <a:t>Feauture</a:t>
+            </a:r>
+            <a:r>
+              <a:rPr lang="de-DE" dirty="0" smtClean="0"/>
+              <a:t> Aline</a:t>
+            </a:r>
+          </a:p>
+          <a:p>
+            <a:pPr lvl="1"/>
+            <a:r>
+              <a:rPr lang="de-DE" dirty="0" err="1" smtClean="0"/>
+              <a:t>Feauture</a:t>
+            </a:r>
+            <a:r>
+              <a:rPr lang="de-DE" dirty="0" smtClean="0"/>
+              <a:t> David</a:t>
+            </a:r>
+          </a:p>
+          <a:p>
+            <a:pPr lvl="1"/>
+            <a:r>
+              <a:rPr lang="de-DE" dirty="0" err="1" smtClean="0"/>
+              <a:t>Feauture</a:t>
+            </a:r>
+            <a:r>
+              <a:rPr lang="de-DE" dirty="0" smtClean="0"/>
+              <a:t> Dominique</a:t>
+            </a:r>
+          </a:p>
+          <a:p>
+            <a:pPr lvl="1"/>
+            <a:r>
+              <a:rPr lang="de-DE" dirty="0" err="1" smtClean="0"/>
+              <a:t>Feauture</a:t>
+            </a:r>
+            <a:r>
+              <a:rPr lang="de-DE" dirty="0" smtClean="0"/>
+              <a:t> Florian</a:t>
+            </a:r>
+          </a:p>
+          <a:p>
+            <a:pPr lvl="1"/>
+            <a:r>
+              <a:rPr lang="de-DE" dirty="0" err="1" smtClean="0"/>
+              <a:t>Feauture</a:t>
+            </a:r>
+            <a:r>
+              <a:rPr lang="de-DE" dirty="0" smtClean="0"/>
+              <a:t> Philipp</a:t>
+            </a:r>
+          </a:p>
+          <a:p>
+            <a:pPr lvl="1"/>
+            <a:r>
+              <a:rPr lang="de-DE" dirty="0" err="1" smtClean="0"/>
+              <a:t>Feauture</a:t>
+            </a:r>
+            <a:r>
+              <a:rPr lang="de-DE" dirty="0" smtClean="0"/>
+              <a:t> Raphael</a:t>
+            </a:r>
+          </a:p>
+          <a:p>
+            <a:r>
+              <a:rPr lang="de-DE" dirty="0" err="1" smtClean="0"/>
+              <a:t>Lessons</a:t>
+            </a:r>
+            <a:r>
+              <a:rPr lang="de-DE" dirty="0" smtClean="0"/>
+              <a:t> </a:t>
+            </a:r>
+            <a:r>
+              <a:rPr lang="de-DE" dirty="0" err="1" smtClean="0"/>
+              <a:t>learnt</a:t>
+            </a:r>
+            <a:endParaRPr lang="de-DE" dirty="0" smtClean="0"/>
+          </a:p>
+          <a:p>
+            <a:pPr lvl="1"/>
+            <a:r>
+              <a:rPr lang="de-DE" dirty="0" smtClean="0"/>
+              <a:t>Storyboard</a:t>
+            </a:r>
+          </a:p>
+          <a:p>
+            <a:pPr lvl="1"/>
+            <a:r>
+              <a:rPr lang="de-DE" dirty="0" err="1" smtClean="0"/>
+              <a:t>Requirements</a:t>
+            </a:r>
+            <a:endParaRPr lang="de-DE" dirty="0" smtClean="0"/>
+          </a:p>
+          <a:p>
+            <a:pPr lvl="1"/>
+            <a:r>
+              <a:rPr lang="de-DE" dirty="0" smtClean="0"/>
+              <a:t>Design</a:t>
+            </a:r>
+          </a:p>
+          <a:p>
+            <a:pPr lvl="1"/>
+            <a:r>
+              <a:rPr lang="de-DE" dirty="0" smtClean="0"/>
+              <a:t>Implementation</a:t>
+            </a:r>
+          </a:p>
+          <a:p>
+            <a:pPr lvl="1"/>
+            <a:r>
+              <a:rPr lang="de-DE" dirty="0" err="1" smtClean="0"/>
+              <a:t>Scrum</a:t>
+            </a:r>
+            <a:endParaRPr lang="de-DE" dirty="0" smtClean="0"/>
+          </a:p>
+          <a:p>
+            <a:r>
+              <a:rPr lang="de-DE" dirty="0" smtClean="0"/>
+              <a:t>Fazit</a:t>
+            </a:r>
+          </a:p>
+          <a:p>
+            <a:pPr lvl="1"/>
+            <a:endParaRPr lang="de-DE" dirty="0"/>
+          </a:p>
+        </p:txBody>
+      </p:sp>
+      <p:sp>
+        <p:nvSpPr>
+          <p:cNvPr id="3" name="Titel 2"/>
+          <p:cNvSpPr>
+            <a:spLocks noGrp="1"/>
+          </p:cNvSpPr>
+          <p:nvPr>
+            <p:ph type="ctrTitle"/>
           </p:nvPr>
         </p:nvSpPr>
         <p:spPr/>
@@ -9191,27 +9355,24 @@
           <a:bodyPr/>
           <a:lstStyle/>
           <a:p>
-            <a:endParaRPr lang="de-CH" dirty="0"/>
+            <a:r>
+              <a:rPr lang="de-DE" dirty="0" smtClean="0"/>
+              <a:t>Inhalt</a:t>
+            </a:r>
+            <a:endParaRPr lang="de-DE" dirty="0"/>
           </a:p>
         </p:txBody>
       </p:sp>
     </p:spTree>
     <p:extLst>
       <p:ext uri="{BB962C8B-B14F-4D97-AF65-F5344CB8AC3E}">
-        <p14:creationId xmlns:p14="http://schemas.microsoft.com/office/powerpoint/2010/main" val="3399875752"/>
+        <p14:creationId xmlns:p14="http://schemas.microsoft.com/office/powerpoint/2010/main" val="3163990798"/>
       </p:ext>
     </p:extLst>
   </p:cSld>
   <p:clrMapOvr>
     <a:masterClrMapping/>
   </p:clrMapOvr>
-  <p:timing>
-    <p:tnLst>
-      <p:par>
-        <p:cTn id="1" dur="indefinite" restart="never" nodeType="tmRoot"/>
-      </p:par>
-    </p:tnLst>
-  </p:timing>
 </p:sld>
 </file>
 
@@ -9252,6 +9413,180 @@
             </a:pPr>
             <a:r>
               <a:rPr lang="de-DE" b="1" dirty="0"/>
+              <a:t>Bachelorstudiengänge</a:t>
+            </a:r>
+          </a:p>
+          <a:p>
+            <a:r>
+              <a:rPr lang="de-CH" dirty="0"/>
+              <a:t>Pflege</a:t>
+            </a:r>
+          </a:p>
+          <a:p>
+            <a:r>
+              <a:rPr lang="de-CH" dirty="0"/>
+              <a:t>Physiotherapie</a:t>
+            </a:r>
+          </a:p>
+          <a:p>
+            <a:r>
+              <a:rPr lang="de-CH" dirty="0"/>
+              <a:t>Ernährung und Diätetik</a:t>
+            </a:r>
+          </a:p>
+          <a:p>
+            <a:r>
+              <a:rPr lang="de-CH" dirty="0"/>
+              <a:t>Hebamme</a:t>
+            </a:r>
+            <a:br>
+              <a:rPr lang="de-CH" dirty="0"/>
+            </a:br>
+            <a:endParaRPr lang="de-CH" dirty="0"/>
+          </a:p>
+          <a:p>
+            <a:pPr marL="0" indent="0">
+              <a:buNone/>
+            </a:pPr>
+            <a:r>
+              <a:rPr lang="de-CH" b="1" dirty="0"/>
+              <a:t>Masterstudiengänge</a:t>
+            </a:r>
+          </a:p>
+          <a:p>
+            <a:r>
+              <a:rPr lang="de-CH" dirty="0"/>
+              <a:t>Pflege</a:t>
+            </a:r>
+          </a:p>
+          <a:p>
+            <a:r>
+              <a:rPr lang="de-CH" dirty="0"/>
+              <a:t>Physiotherapie</a:t>
+            </a:r>
+            <a:br>
+              <a:rPr lang="de-CH" dirty="0"/>
+            </a:br>
+            <a:endParaRPr lang="de-CH" dirty="0"/>
+          </a:p>
+          <a:p>
+            <a:pPr marL="0" indent="0">
+              <a:buNone/>
+            </a:pPr>
+            <a:r>
+              <a:rPr lang="de-CH" b="1" dirty="0"/>
+              <a:t>Anzahl Studierende Wirtschaft, Gesundheit, Soziale Arbeit</a:t>
+            </a:r>
+          </a:p>
+          <a:p>
+            <a:r>
+              <a:rPr lang="de-CH" dirty="0"/>
+              <a:t>2837 Studierende (Frauenanteil: 65 Prozent)</a:t>
+            </a:r>
+          </a:p>
+          <a:p>
+            <a:pPr marL="0" indent="0">
+              <a:buNone/>
+            </a:pPr>
+            <a:endParaRPr lang="de-CH" dirty="0"/>
+          </a:p>
+          <a:p>
+            <a:pPr marL="0" indent="0">
+              <a:buNone/>
+            </a:pPr>
+            <a:r>
+              <a:rPr lang="de-CH" b="1" dirty="0"/>
+              <a:t>Anzahl Studierende Fachbereich Gesundheit</a:t>
+            </a:r>
+          </a:p>
+          <a:p>
+            <a:r>
+              <a:rPr lang="de-CH" dirty="0" smtClean="0"/>
+              <a:t>986 </a:t>
+            </a:r>
+            <a:r>
+              <a:rPr lang="de-CH" dirty="0"/>
+              <a:t>Studierende (exkl. Weiterbildung)</a:t>
+            </a:r>
+          </a:p>
+          <a:p>
+            <a:endParaRPr lang="de-CH" dirty="0"/>
+          </a:p>
+        </p:txBody>
+      </p:sp>
+      <p:sp>
+        <p:nvSpPr>
+          <p:cNvPr id="3" name="Titel 2"/>
+          <p:cNvSpPr>
+            <a:spLocks noGrp="1"/>
+          </p:cNvSpPr>
+          <p:nvPr>
+            <p:ph type="ctrTitle"/>
+          </p:nvPr>
+        </p:nvSpPr>
+        <p:spPr/>
+        <p:txBody>
+          <a:bodyPr/>
+          <a:lstStyle/>
+          <a:p>
+            <a:r>
+              <a:rPr lang="de-DE" b="1" dirty="0"/>
+              <a:t>Fachbereich Gesundheit</a:t>
+            </a:r>
+            <a:endParaRPr lang="de-CH" dirty="0"/>
+          </a:p>
+        </p:txBody>
+      </p:sp>
+    </p:spTree>
+    <p:extLst>
+      <p:ext uri="{BB962C8B-B14F-4D97-AF65-F5344CB8AC3E}">
+        <p14:creationId xmlns:p14="http://schemas.microsoft.com/office/powerpoint/2010/main" val="2272159255"/>
+      </p:ext>
+    </p:extLst>
+  </p:cSld>
+  <p:clrMapOvr>
+    <a:masterClrMapping/>
+  </p:clrMapOvr>
+</p:sld>
+</file>
+
+<file path=ppt/slides/slide21.xml><?xml version="1.0" encoding="utf-8"?>
+<p:sld xmlns:a="http://schemas.openxmlformats.org/drawingml/2006/main" xmlns:r="http://schemas.openxmlformats.org/officeDocument/2006/relationships" xmlns:p="http://schemas.openxmlformats.org/presentationml/2006/main">
+  <p:cSld>
+    <p:spTree>
+      <p:nvGrpSpPr>
+        <p:cNvPr id="1" name=""/>
+        <p:cNvGrpSpPr/>
+        <p:nvPr/>
+      </p:nvGrpSpPr>
+      <p:grpSpPr>
+        <a:xfrm>
+          <a:off x="0" y="0"/>
+          <a:ext cx="0" cy="0"/>
+          <a:chOff x="0" y="0"/>
+          <a:chExt cx="0" cy="0"/>
+        </a:xfrm>
+      </p:grpSpPr>
+      <p:sp>
+        <p:nvSpPr>
+          <p:cNvPr id="2" name="Inhaltsplatzhalter 1"/>
+          <p:cNvSpPr>
+            <a:spLocks noGrp="1"/>
+          </p:cNvSpPr>
+          <p:nvPr>
+            <p:ph sz="half" idx="1"/>
+          </p:nvPr>
+        </p:nvSpPr>
+        <p:spPr/>
+        <p:txBody>
+          <a:bodyPr/>
+          <a:lstStyle/>
+          <a:p>
+            <a:pPr marL="0" indent="0">
+              <a:buNone/>
+            </a:pPr>
+            <a:r>
+              <a:rPr lang="de-DE" b="1" dirty="0"/>
               <a:t>Bachelorstudiengang</a:t>
             </a:r>
           </a:p>
@@ -9363,7 +9698,7 @@
 </p:sld>
 </file>
 
-<file path=ppt/slides/slide21.xml><?xml version="1.0" encoding="utf-8"?>
+<file path=ppt/slides/slide22.xml><?xml version="1.0" encoding="utf-8"?>
 <p:sld xmlns:a="http://schemas.openxmlformats.org/drawingml/2006/main" xmlns:r="http://schemas.openxmlformats.org/officeDocument/2006/relationships" xmlns:p="http://schemas.openxmlformats.org/presentationml/2006/main">
   <p:cSld>
     <p:spTree>
@@ -9468,14 +9803,14 @@
             <a:noFill/>
           </a:ln>
           <a:extLst>
-            <a:ext uri="{909E8E84-426E-40DD-AFC4-6F175D3DCCD1}">
+            <a:ext uri="{909E8E84-426E-40dd-AFC4-6F175D3DCCD1}">
               <a14:hiddenFill xmlns:a14="http://schemas.microsoft.com/office/drawing/2010/main">
                 <a:solidFill>
                   <a:schemeClr val="accent1"/>
                 </a:solidFill>
               </a14:hiddenFill>
             </a:ext>
-            <a:ext uri="{91240B29-F687-4F45-9708-019B960494DF}">
+            <a:ext uri="{91240B29-F687-4f45-9708-019B960494DF}">
               <a14:hiddenLine xmlns:a14="http://schemas.microsoft.com/office/drawing/2010/main" w="9525">
                 <a:solidFill>
                   <a:schemeClr val="tx1"/>
@@ -9492,162 +9827,6 @@
     <p:extLst>
       <p:ext uri="{BB962C8B-B14F-4D97-AF65-F5344CB8AC3E}">
         <p14:creationId xmlns:p14="http://schemas.microsoft.com/office/powerpoint/2010/main" val="1447968482"/>
-      </p:ext>
-    </p:extLst>
-  </p:cSld>
-  <p:clrMapOvr>
-    <a:masterClrMapping/>
-  </p:clrMapOvr>
-</p:sld>
-</file>
-
-<file path=ppt/slides/slide22.xml><?xml version="1.0" encoding="utf-8"?>
-<p:sld xmlns:a="http://schemas.openxmlformats.org/drawingml/2006/main" xmlns:r="http://schemas.openxmlformats.org/officeDocument/2006/relationships" xmlns:p="http://schemas.openxmlformats.org/presentationml/2006/main">
-  <p:cSld>
-    <p:spTree>
-      <p:nvGrpSpPr>
-        <p:cNvPr id="1" name=""/>
-        <p:cNvGrpSpPr/>
-        <p:nvPr/>
-      </p:nvGrpSpPr>
-      <p:grpSpPr>
-        <a:xfrm>
-          <a:off x="0" y="0"/>
-          <a:ext cx="0" cy="0"/>
-          <a:chOff x="0" y="0"/>
-          <a:chExt cx="0" cy="0"/>
-        </a:xfrm>
-      </p:grpSpPr>
-      <p:sp>
-        <p:nvSpPr>
-          <p:cNvPr id="2" name="Inhaltsplatzhalter 1"/>
-          <p:cNvSpPr>
-            <a:spLocks noGrp="1"/>
-          </p:cNvSpPr>
-          <p:nvPr>
-            <p:ph sz="half" idx="1"/>
-          </p:nvPr>
-        </p:nvSpPr>
-        <p:spPr/>
-        <p:txBody>
-          <a:bodyPr/>
-          <a:lstStyle/>
-          <a:p>
-            <a:pPr marL="0" indent="0">
-              <a:buNone/>
-            </a:pPr>
-            <a:r>
-              <a:rPr lang="de-DE" b="1" dirty="0"/>
-              <a:t>Bachelorstudiengang</a:t>
-            </a:r>
-          </a:p>
-          <a:p>
-            <a:r>
-              <a:rPr lang="de-CH" dirty="0"/>
-              <a:t>Sport</a:t>
-            </a:r>
-          </a:p>
-          <a:p>
-            <a:endParaRPr lang="de-CH" dirty="0"/>
-          </a:p>
-          <a:p>
-            <a:pPr marL="0" indent="0">
-              <a:buNone/>
-            </a:pPr>
-            <a:r>
-              <a:rPr lang="de-CH" b="1" dirty="0"/>
-              <a:t>Masterstudiengang</a:t>
-            </a:r>
-          </a:p>
-          <a:p>
-            <a:r>
-              <a:rPr lang="de-CH" dirty="0"/>
-              <a:t>Sports</a:t>
-            </a:r>
-          </a:p>
-          <a:p>
-            <a:r>
-              <a:rPr lang="de-CH" dirty="0"/>
-              <a:t>Sportwissenschaften</a:t>
-            </a:r>
-          </a:p>
-          <a:p>
-            <a:endParaRPr lang="de-CH" dirty="0"/>
-          </a:p>
-          <a:p>
-            <a:pPr marL="0" indent="0">
-              <a:buNone/>
-            </a:pPr>
-            <a:r>
-              <a:rPr lang="de-CH" b="1" dirty="0"/>
-              <a:t>Anzahl Studierende</a:t>
-            </a:r>
-          </a:p>
-          <a:p>
-            <a:r>
-              <a:rPr lang="de-CH" dirty="0" smtClean="0"/>
-              <a:t>163 Studierende </a:t>
-            </a:r>
-            <a:r>
-              <a:rPr lang="de-CH" dirty="0"/>
-              <a:t>(Frauenanteil: </a:t>
-            </a:r>
-            <a:r>
-              <a:rPr lang="de-CH" dirty="0" smtClean="0"/>
-              <a:t>25 </a:t>
-            </a:r>
-            <a:r>
-              <a:rPr lang="de-CH" dirty="0"/>
-              <a:t>Prozent)</a:t>
-            </a:r>
-          </a:p>
-          <a:p>
-            <a:endParaRPr lang="de-CH" dirty="0"/>
-          </a:p>
-          <a:p>
-            <a:endParaRPr lang="de-CH" dirty="0"/>
-          </a:p>
-        </p:txBody>
-      </p:sp>
-      <p:sp>
-        <p:nvSpPr>
-          <p:cNvPr id="3" name="Titel 2"/>
-          <p:cNvSpPr>
-            <a:spLocks noGrp="1"/>
-          </p:cNvSpPr>
-          <p:nvPr>
-            <p:ph type="ctrTitle"/>
-          </p:nvPr>
-        </p:nvSpPr>
-        <p:spPr/>
-        <p:txBody>
-          <a:bodyPr/>
-          <a:lstStyle/>
-          <a:p>
-            <a:r>
-              <a:rPr lang="de-CH" b="1" dirty="0" err="1"/>
-              <a:t>Eidg</a:t>
-            </a:r>
-            <a:r>
-              <a:rPr lang="de-CH" b="1" dirty="0"/>
-              <a:t>. Hochschule für Sport </a:t>
-            </a:r>
-            <a:r>
-              <a:rPr lang="de-CH" b="1" dirty="0" err="1"/>
-              <a:t>Magglingen</a:t>
-            </a:r>
-            <a:r>
-              <a:rPr lang="de-CH" b="1" dirty="0"/>
-              <a:t> EHSM</a:t>
-            </a:r>
-            <a:endParaRPr lang="de-CH" dirty="0"/>
-          </a:p>
-        </p:txBody>
-      </p:sp>
-    </p:spTree>
-    <p:extLst>
-      <p:ext uri="{BB962C8B-B14F-4D97-AF65-F5344CB8AC3E}">
-        <p14:creationId xmlns:p14="http://schemas.microsoft.com/office/powerpoint/2010/main" val="558079637"/>
       </p:ext>
     </p:extLst>
   </p:cSld>
@@ -9676,12 +9855,12 @@
       </p:grpSpPr>
       <p:sp>
         <p:nvSpPr>
-          <p:cNvPr id="2" name="Titel 1"/>
-          <p:cNvSpPr>
-            <a:spLocks noGrp="1"/>
-          </p:cNvSpPr>
-          <p:nvPr>
-            <p:ph type="ctrTitle"/>
+          <p:cNvPr id="2" name="Inhaltsplatzhalter 1"/>
+          <p:cNvSpPr>
+            <a:spLocks noGrp="1"/>
+          </p:cNvSpPr>
+          <p:nvPr>
+            <p:ph sz="half" idx="1"/>
           </p:nvPr>
         </p:nvSpPr>
         <p:spPr/>
@@ -9689,22 +9868,90 @@
           <a:bodyPr/>
           <a:lstStyle/>
           <a:p>
+            <a:pPr marL="0" indent="0">
+              <a:buNone/>
+            </a:pPr>
             <a:r>
               <a:rPr lang="de-DE" b="1" dirty="0"/>
-              <a:t>Weiterbildung</a:t>
-            </a:r>
+              <a:t>Bachelorstudiengang</a:t>
+            </a:r>
+          </a:p>
+          <a:p>
+            <a:r>
+              <a:rPr lang="de-CH" dirty="0"/>
+              <a:t>Sport</a:t>
+            </a:r>
+          </a:p>
+          <a:p>
             <a:endParaRPr lang="de-CH" dirty="0"/>
           </a:p>
-        </p:txBody>
-      </p:sp>
-      <p:sp>
-        <p:nvSpPr>
-          <p:cNvPr id="3" name="Untertitel 2"/>
-          <p:cNvSpPr>
-            <a:spLocks noGrp="1"/>
-          </p:cNvSpPr>
-          <p:nvPr>
-            <p:ph type="subTitle" idx="1"/>
+          <a:p>
+            <a:pPr marL="0" indent="0">
+              <a:buNone/>
+            </a:pPr>
+            <a:r>
+              <a:rPr lang="de-CH" b="1" dirty="0"/>
+              <a:t>Masterstudiengang</a:t>
+            </a:r>
+          </a:p>
+          <a:p>
+            <a:r>
+              <a:rPr lang="de-CH" dirty="0"/>
+              <a:t>Sports</a:t>
+            </a:r>
+          </a:p>
+          <a:p>
+            <a:r>
+              <a:rPr lang="de-CH" dirty="0"/>
+              <a:t>Sportwissenschaften</a:t>
+            </a:r>
+          </a:p>
+          <a:p>
+            <a:endParaRPr lang="de-CH" dirty="0"/>
+          </a:p>
+          <a:p>
+            <a:pPr marL="0" indent="0">
+              <a:buNone/>
+            </a:pPr>
+            <a:r>
+              <a:rPr lang="de-CH" b="1" dirty="0"/>
+              <a:t>Anzahl Studierende</a:t>
+            </a:r>
+          </a:p>
+          <a:p>
+            <a:r>
+              <a:rPr lang="de-CH" dirty="0" smtClean="0"/>
+              <a:t>163 Studierende </a:t>
+            </a:r>
+            <a:r>
+              <a:rPr lang="de-CH" dirty="0"/>
+              <a:t>(Frauenanteil: </a:t>
+            </a:r>
+            <a:r>
+              <a:rPr lang="de-CH" dirty="0" smtClean="0"/>
+              <a:t>25 </a:t>
+            </a:r>
+            <a:r>
+              <a:rPr lang="de-CH" dirty="0"/>
+              <a:t>Prozent)</a:t>
+            </a:r>
+          </a:p>
+          <a:p>
+            <a:endParaRPr lang="de-CH" dirty="0"/>
+          </a:p>
+          <a:p>
+            <a:endParaRPr lang="de-CH" dirty="0"/>
+          </a:p>
+        </p:txBody>
+      </p:sp>
+      <p:sp>
+        <p:nvSpPr>
+          <p:cNvPr id="3" name="Titel 2"/>
+          <p:cNvSpPr>
+            <a:spLocks noGrp="1"/>
+          </p:cNvSpPr>
+          <p:nvPr>
+            <p:ph type="ctrTitle"/>
           </p:nvPr>
         </p:nvSpPr>
         <p:spPr/>
@@ -9712,14 +9959,30 @@
           <a:bodyPr/>
           <a:lstStyle/>
           <a:p>
-            <a:endParaRPr lang="de-CH"/>
+            <a:r>
+              <a:rPr lang="de-CH" b="1" dirty="0" err="1"/>
+              <a:t>Eidg</a:t>
+            </a:r>
+            <a:r>
+              <a:rPr lang="de-CH" b="1" dirty="0"/>
+              <a:t>. Hochschule für Sport </a:t>
+            </a:r>
+            <a:r>
+              <a:rPr lang="de-CH" b="1" dirty="0" err="1"/>
+              <a:t>Magglingen</a:t>
+            </a:r>
+            <a:r>
+              <a:rPr lang="de-CH" b="1" dirty="0"/>
+              <a:t> EHSM</a:t>
+            </a:r>
+            <a:endParaRPr lang="de-CH" dirty="0"/>
           </a:p>
         </p:txBody>
       </p:sp>
     </p:spTree>
     <p:extLst>
       <p:ext uri="{BB962C8B-B14F-4D97-AF65-F5344CB8AC3E}">
-        <p14:creationId xmlns:p14="http://schemas.microsoft.com/office/powerpoint/2010/main" val="1090772951"/>
+        <p14:creationId xmlns:p14="http://schemas.microsoft.com/office/powerpoint/2010/main" val="558079637"/>
       </p:ext>
     </p:extLst>
   </p:cSld>
@@ -9748,12 +10011,12 @@
       </p:grpSpPr>
       <p:sp>
         <p:nvSpPr>
-          <p:cNvPr id="2" name="Inhaltsplatzhalter 1"/>
-          <p:cNvSpPr>
-            <a:spLocks noGrp="1"/>
-          </p:cNvSpPr>
-          <p:nvPr>
-            <p:ph sz="half" idx="1"/>
+          <p:cNvPr id="2" name="Titel 1"/>
+          <p:cNvSpPr>
+            <a:spLocks noGrp="1"/>
+          </p:cNvSpPr>
+          <p:nvPr>
+            <p:ph type="ctrTitle"/>
           </p:nvPr>
         </p:nvSpPr>
         <p:spPr/>
@@ -9761,87 +10024,22 @@
           <a:bodyPr/>
           <a:lstStyle/>
           <a:p>
-            <a:pPr marL="0" indent="0">
-              <a:buNone/>
-            </a:pPr>
             <a:r>
               <a:rPr lang="de-DE" b="1" dirty="0"/>
-              <a:t>Breites Spektrum an Weiterbildungsangeboten</a:t>
-            </a:r>
-          </a:p>
-          <a:p>
-            <a:r>
-              <a:rPr lang="en-US" dirty="0"/>
-              <a:t>Certificate of Advanced Studies (CAS)</a:t>
-            </a:r>
-          </a:p>
-          <a:p>
-            <a:r>
-              <a:rPr lang="en-US" dirty="0"/>
-              <a:t>Diploma of Advanced Studies (DAS)</a:t>
-            </a:r>
-          </a:p>
-          <a:p>
-            <a:r>
-              <a:rPr lang="en-US" dirty="0"/>
-              <a:t>Master of Advanced Studies (MAS)</a:t>
-            </a:r>
-          </a:p>
-          <a:p>
-            <a:r>
-              <a:rPr lang="en-US" dirty="0"/>
-              <a:t>Executive Master of Business Administration (EMBA)</a:t>
-            </a:r>
-          </a:p>
-          <a:p>
-            <a:r>
-              <a:rPr lang="de-CH" dirty="0"/>
-              <a:t>Weiterbildungskurse</a:t>
-            </a:r>
-          </a:p>
-          <a:p>
+              <a:t>Weiterbildung</a:t>
+            </a:r>
             <a:endParaRPr lang="de-CH" dirty="0"/>
           </a:p>
-          <a:p>
-            <a:pPr marL="0" indent="0">
-              <a:buNone/>
-            </a:pPr>
-            <a:r>
-              <a:rPr lang="de-CH" b="1" dirty="0"/>
-              <a:t>Voraussetzungen</a:t>
-            </a:r>
-          </a:p>
-          <a:p>
-            <a:r>
-              <a:rPr lang="de-CH" dirty="0"/>
-              <a:t>Hochschulabschluss oder äquivalente Vorbildung</a:t>
-            </a:r>
-          </a:p>
-          <a:p>
-            <a:r>
-              <a:rPr lang="de-CH" dirty="0"/>
-              <a:t>Mindestens zwei Jahre einschlägige Berufserfahrung</a:t>
-            </a:r>
-          </a:p>
-          <a:p>
-            <a:r>
-              <a:rPr lang="de-CH" dirty="0"/>
-              <a:t>Weiterbildungsspezifische zusätzliche Zulassungskriterien</a:t>
-            </a:r>
-          </a:p>
-          <a:p>
-            <a:endParaRPr lang="de-CH" dirty="0"/>
-          </a:p>
-        </p:txBody>
-      </p:sp>
-      <p:sp>
-        <p:nvSpPr>
-          <p:cNvPr id="3" name="Titel 2"/>
-          <p:cNvSpPr>
-            <a:spLocks noGrp="1"/>
-          </p:cNvSpPr>
-          <p:nvPr>
-            <p:ph type="ctrTitle"/>
+        </p:txBody>
+      </p:sp>
+      <p:sp>
+        <p:nvSpPr>
+          <p:cNvPr id="3" name="Untertitel 2"/>
+          <p:cNvSpPr>
+            <a:spLocks noGrp="1"/>
+          </p:cNvSpPr>
+          <p:nvPr>
+            <p:ph type="subTitle" idx="1"/>
           </p:nvPr>
         </p:nvSpPr>
         <p:spPr/>
@@ -9849,18 +10047,14 @@
           <a:bodyPr/>
           <a:lstStyle/>
           <a:p>
-            <a:r>
-              <a:rPr lang="de-DE" b="1" dirty="0"/>
-              <a:t>Weiterbildung</a:t>
-            </a:r>
-            <a:endParaRPr lang="de-CH" dirty="0"/>
+            <a:endParaRPr lang="de-CH"/>
           </a:p>
         </p:txBody>
       </p:sp>
     </p:spTree>
     <p:extLst>
       <p:ext uri="{BB962C8B-B14F-4D97-AF65-F5344CB8AC3E}">
-        <p14:creationId xmlns:p14="http://schemas.microsoft.com/office/powerpoint/2010/main" val="1380285401"/>
+        <p14:creationId xmlns:p14="http://schemas.microsoft.com/office/powerpoint/2010/main" val="1090772951"/>
       </p:ext>
     </p:extLst>
   </p:cSld>
@@ -9889,27 +10083,110 @@
       </p:grpSpPr>
       <p:sp>
         <p:nvSpPr>
-          <p:cNvPr id="2" name="Titel 1"/>
-          <p:cNvSpPr>
-            <a:spLocks noGrp="1"/>
-          </p:cNvSpPr>
-          <p:nvPr>
-            <p:ph type="ctrTitle"/>
-          </p:nvPr>
-        </p:nvSpPr>
-        <p:spPr>
-          <a:xfrm>
-            <a:off x="468000" y="1839808"/>
-            <a:ext cx="6513884" cy="1027217"/>
-          </a:xfrm>
-        </p:spPr>
+          <p:cNvPr id="2" name="Inhaltsplatzhalter 1"/>
+          <p:cNvSpPr>
+            <a:spLocks noGrp="1"/>
+          </p:cNvSpPr>
+          <p:nvPr>
+            <p:ph sz="half" idx="1"/>
+          </p:nvPr>
+        </p:nvSpPr>
+        <p:spPr/>
         <p:txBody>
           <a:bodyPr/>
           <a:lstStyle/>
           <a:p>
+            <a:pPr marL="0" indent="0">
+              <a:buNone/>
+            </a:pPr>
             <a:r>
               <a:rPr lang="de-DE" b="1" dirty="0"/>
-              <a:t>Angewandte Forschung und Entwicklung</a:t>
+              <a:t>Breites Spektrum an Weiterbildungsangeboten</a:t>
+            </a:r>
+          </a:p>
+          <a:p>
+            <a:r>
+              <a:rPr lang="en-US" dirty="0"/>
+              <a:t>Certificate of Advanced Studies (CAS)</a:t>
+            </a:r>
+          </a:p>
+          <a:p>
+            <a:r>
+              <a:rPr lang="en-US" dirty="0"/>
+              <a:t>Diploma of Advanced Studies (DAS)</a:t>
+            </a:r>
+          </a:p>
+          <a:p>
+            <a:r>
+              <a:rPr lang="en-US" dirty="0"/>
+              <a:t>Master of Advanced Studies (MAS)</a:t>
+            </a:r>
+          </a:p>
+          <a:p>
+            <a:r>
+              <a:rPr lang="en-US" dirty="0"/>
+              <a:t>Executive Master of Business Administration (EMBA)</a:t>
+            </a:r>
+          </a:p>
+          <a:p>
+            <a:r>
+              <a:rPr lang="de-CH" dirty="0"/>
+              <a:t>Weiterbildungskurse</a:t>
+            </a:r>
+          </a:p>
+          <a:p>
+            <a:endParaRPr lang="de-CH" dirty="0"/>
+          </a:p>
+          <a:p>
+            <a:pPr marL="0" indent="0">
+              <a:buNone/>
+            </a:pPr>
+            <a:r>
+              <a:rPr lang="de-CH" b="1" dirty="0"/>
+              <a:t>Voraussetzungen</a:t>
+            </a:r>
+          </a:p>
+          <a:p>
+            <a:r>
+              <a:rPr lang="de-CH" dirty="0"/>
+              <a:t>Hochschulabschluss oder äquivalente Vorbildung</a:t>
+            </a:r>
+          </a:p>
+          <a:p>
+            <a:r>
+              <a:rPr lang="de-CH" dirty="0"/>
+              <a:t>Mindestens zwei Jahre einschlägige Berufserfahrung</a:t>
+            </a:r>
+          </a:p>
+          <a:p>
+            <a:r>
+              <a:rPr lang="de-CH" dirty="0"/>
+              <a:t>Weiterbildungsspezifische zusätzliche Zulassungskriterien</a:t>
+            </a:r>
+          </a:p>
+          <a:p>
+            <a:endParaRPr lang="de-CH" dirty="0"/>
+          </a:p>
+        </p:txBody>
+      </p:sp>
+      <p:sp>
+        <p:nvSpPr>
+          <p:cNvPr id="3" name="Titel 2"/>
+          <p:cNvSpPr>
+            <a:spLocks noGrp="1"/>
+          </p:cNvSpPr>
+          <p:nvPr>
+            <p:ph type="ctrTitle"/>
+          </p:nvPr>
+        </p:nvSpPr>
+        <p:spPr/>
+        <p:txBody>
+          <a:bodyPr/>
+          <a:lstStyle/>
+          <a:p>
+            <a:r>
+              <a:rPr lang="de-DE" b="1" dirty="0"/>
+              <a:t>Weiterbildung</a:t>
             </a:r>
             <a:endParaRPr lang="de-CH" dirty="0"/>
           </a:p>
@@ -9918,7 +10195,7 @@
     </p:spTree>
     <p:extLst>
       <p:ext uri="{BB962C8B-B14F-4D97-AF65-F5344CB8AC3E}">
-        <p14:creationId xmlns:p14="http://schemas.microsoft.com/office/powerpoint/2010/main" val="651939559"/>
+        <p14:creationId xmlns:p14="http://schemas.microsoft.com/office/powerpoint/2010/main" val="1380285401"/>
       </p:ext>
     </p:extLst>
   </p:cSld>
@@ -9947,90 +10224,7 @@
       </p:grpSpPr>
       <p:sp>
         <p:nvSpPr>
-          <p:cNvPr id="2" name="Inhaltsplatzhalter 1"/>
-          <p:cNvSpPr>
-            <a:spLocks noGrp="1"/>
-          </p:cNvSpPr>
-          <p:nvPr>
-            <p:ph sz="half" idx="1"/>
-          </p:nvPr>
-        </p:nvSpPr>
-        <p:spPr/>
-        <p:txBody>
-          <a:bodyPr/>
-          <a:lstStyle/>
-          <a:p>
-            <a:pPr marL="0" indent="0">
-              <a:buNone/>
-            </a:pPr>
-            <a:r>
-              <a:rPr lang="de-DE" b="1" dirty="0"/>
-              <a:t>Merkmale</a:t>
-            </a:r>
-          </a:p>
-          <a:p>
-            <a:r>
-              <a:rPr lang="de-CH" dirty="0"/>
-              <a:t>Hoher Praxis- und Anwendungsbezug mit weitgespanntem Netzwerk</a:t>
-            </a:r>
-          </a:p>
-          <a:p>
-            <a:r>
-              <a:rPr lang="de-CH" dirty="0"/>
-              <a:t>Interdisziplinarität</a:t>
-            </a:r>
-          </a:p>
-          <a:p>
-            <a:r>
-              <a:rPr lang="de-CH" dirty="0"/>
-              <a:t>Schlüsseltechnologien der Zukunft treffen auf hohe Fach- und Forschungskompetenz</a:t>
-            </a:r>
-          </a:p>
-          <a:p>
-            <a:r>
-              <a:rPr lang="de-CH" dirty="0"/>
-              <a:t>Enge Zusammenarbeit mit Wirtschaft, Gesellschaft und Kultur in Form von gemeinsamen Projekten</a:t>
-            </a:r>
-          </a:p>
-          <a:p>
-            <a:r>
-              <a:rPr lang="de-CH" dirty="0"/>
-              <a:t>Wissens- und </a:t>
-            </a:r>
-            <a:r>
-              <a:rPr lang="de-CH" dirty="0" smtClean="0"/>
-              <a:t>Technologietransfer</a:t>
-            </a:r>
-          </a:p>
-          <a:p>
-            <a:r>
-              <a:rPr lang="de-CH" dirty="0" smtClean="0"/>
-              <a:t>Bündelung der Kompetenzen in Instituten</a:t>
-            </a:r>
-          </a:p>
-          <a:p>
-            <a:r>
-              <a:rPr lang="de-CH" dirty="0" smtClean="0"/>
-              <a:t>Rund 20 strategische Forschungsschwerpunkte</a:t>
-            </a:r>
-          </a:p>
-          <a:p>
-            <a:r>
-              <a:rPr lang="de-CH" dirty="0" smtClean="0"/>
-              <a:t>Aktuell 400 F&amp;E-Projekte in 580 Partnerschaften</a:t>
-            </a:r>
-          </a:p>
-          <a:p>
-            <a:endParaRPr lang="de-CH" dirty="0"/>
-          </a:p>
-          <a:p>
-            <a:endParaRPr lang="de-CH" dirty="0"/>
-          </a:p>
-        </p:txBody>
-      </p:sp>
-      <p:sp>
-        <p:nvSpPr>
-          <p:cNvPr id="3" name="Titel 2"/>
+          <p:cNvPr id="2" name="Titel 1"/>
           <p:cNvSpPr>
             <a:spLocks noGrp="1"/>
           </p:cNvSpPr>
@@ -10038,7 +10232,12 @@
             <p:ph type="ctrTitle"/>
           </p:nvPr>
         </p:nvSpPr>
-        <p:spPr/>
+        <p:spPr>
+          <a:xfrm>
+            <a:off x="468000" y="1839808"/>
+            <a:ext cx="6513884" cy="1027217"/>
+          </a:xfrm>
+        </p:spPr>
         <p:txBody>
           <a:bodyPr/>
           <a:lstStyle/>
@@ -10054,7 +10253,7 @@
     </p:spTree>
     <p:extLst>
       <p:ext uri="{BB962C8B-B14F-4D97-AF65-F5344CB8AC3E}">
-        <p14:creationId xmlns:p14="http://schemas.microsoft.com/office/powerpoint/2010/main" val="2851177068"/>
+        <p14:creationId xmlns:p14="http://schemas.microsoft.com/office/powerpoint/2010/main" val="651939559"/>
       </p:ext>
     </p:extLst>
   </p:cSld>
@@ -10096,73 +10295,71 @@
           <a:bodyPr/>
           <a:lstStyle/>
           <a:p>
-            <a:r>
-              <a:rPr lang="de-CH" dirty="0" err="1" smtClean="0"/>
-              <a:t>Energy</a:t>
+            <a:pPr marL="0" indent="0">
+              <a:buNone/>
+            </a:pPr>
+            <a:r>
+              <a:rPr lang="de-DE" b="1" dirty="0"/>
+              <a:t>Merkmale</a:t>
+            </a:r>
+          </a:p>
+          <a:p>
+            <a:r>
+              <a:rPr lang="de-CH" dirty="0"/>
+              <a:t>Hoher Praxis- und Anwendungsbezug mit weitgespanntem Netzwerk</a:t>
+            </a:r>
+          </a:p>
+          <a:p>
+            <a:r>
+              <a:rPr lang="de-CH" dirty="0"/>
+              <a:t>Interdisziplinarität</a:t>
+            </a:r>
+          </a:p>
+          <a:p>
+            <a:r>
+              <a:rPr lang="de-CH" dirty="0"/>
+              <a:t>Schlüsseltechnologien der Zukunft treffen auf hohe Fach- und Forschungskompetenz</a:t>
+            </a:r>
+          </a:p>
+          <a:p>
+            <a:r>
+              <a:rPr lang="de-CH" dirty="0"/>
+              <a:t>Enge Zusammenarbeit mit Wirtschaft, Gesellschaft und Kultur in Form von gemeinsamen Projekten</a:t>
+            </a:r>
+          </a:p>
+          <a:p>
+            <a:r>
+              <a:rPr lang="de-CH" dirty="0"/>
+              <a:t>Wissens- und </a:t>
             </a:r>
             <a:r>
               <a:rPr lang="de-CH" dirty="0" smtClean="0"/>
-              <a:t> </a:t>
-            </a:r>
-            <a:r>
-              <a:rPr lang="de-CH" dirty="0" err="1" smtClean="0"/>
-              <a:t>and</a:t>
-            </a:r>
+              <a:t>Technologietransfer</a:t>
+            </a:r>
+          </a:p>
+          <a:p>
             <a:r>
               <a:rPr lang="de-CH" dirty="0" smtClean="0"/>
-              <a:t> Mobility Research</a:t>
-            </a:r>
+              <a:t>Bündelung der Kompetenzen in Instituten</a:t>
+            </a:r>
+          </a:p>
+          <a:p>
+            <a:r>
+              <a:rPr lang="de-CH" dirty="0" smtClean="0"/>
+              <a:t>Rund 20 strategische Forschungsschwerpunkte</a:t>
+            </a:r>
+          </a:p>
+          <a:p>
+            <a:r>
+              <a:rPr lang="de-CH" dirty="0" smtClean="0"/>
+              <a:t>Aktuell 400 F&amp;E-Projekte in 580 Partnerschaften</a:t>
+            </a:r>
+          </a:p>
+          <a:p>
             <a:endParaRPr lang="de-CH" dirty="0"/>
           </a:p>
           <a:p>
-            <a:r>
-              <a:rPr lang="de-CH" dirty="0" smtClean="0"/>
-              <a:t>Holz- und Verbundbau</a:t>
-            </a:r>
             <a:endParaRPr lang="de-CH" dirty="0"/>
-          </a:p>
-          <a:p>
-            <a:r>
-              <a:rPr lang="de-CH" dirty="0" smtClean="0"/>
-              <a:t>Tierproduktionssysteme</a:t>
-            </a:r>
-            <a:endParaRPr lang="de-CH" dirty="0"/>
-          </a:p>
-          <a:p>
-            <a:r>
-              <a:rPr lang="de-CH" dirty="0" err="1"/>
-              <a:t>e</a:t>
-            </a:r>
-            <a:r>
-              <a:rPr lang="de-CH" dirty="0" err="1" smtClean="0"/>
-              <a:t>Government</a:t>
-            </a:r>
-            <a:endParaRPr lang="de-CH" dirty="0" smtClean="0"/>
-          </a:p>
-          <a:p>
-            <a:r>
-              <a:rPr lang="de-CH" dirty="0" smtClean="0"/>
-              <a:t>Materialität in Kunst und Kultur</a:t>
-            </a:r>
-          </a:p>
-          <a:p>
-            <a:r>
-              <a:rPr lang="de-CH" dirty="0" smtClean="0"/>
-              <a:t>Sport</a:t>
-            </a:r>
-            <a:endParaRPr lang="de-CH" dirty="0"/>
-          </a:p>
-          <a:p>
-            <a:endParaRPr lang="de-CH" sz="1600" dirty="0"/>
-          </a:p>
-          <a:p>
-            <a:pPr marL="0" indent="0">
-              <a:buNone/>
-            </a:pPr>
-            <a:endParaRPr lang="de-CH" sz="1600" dirty="0"/>
-          </a:p>
-          <a:p>
-            <a:endParaRPr lang="de-CH" sz="1600" dirty="0"/>
           </a:p>
         </p:txBody>
       </p:sp>
@@ -10182,17 +10379,17 @@
           <a:lstStyle/>
           <a:p>
             <a:r>
-              <a:rPr lang="de-CH" b="1" dirty="0" smtClean="0"/>
-              <a:t>Forschungskompetenzen – Beispiele</a:t>
-            </a:r>
-            <a:endParaRPr lang="de-CH" b="1" dirty="0"/>
+              <a:rPr lang="de-DE" b="1" dirty="0"/>
+              <a:t>Angewandte Forschung und Entwicklung</a:t>
+            </a:r>
+            <a:endParaRPr lang="de-CH" dirty="0"/>
           </a:p>
         </p:txBody>
       </p:sp>
     </p:spTree>
     <p:extLst>
       <p:ext uri="{BB962C8B-B14F-4D97-AF65-F5344CB8AC3E}">
-        <p14:creationId xmlns:p14="http://schemas.microsoft.com/office/powerpoint/2010/main" val="4137724811"/>
+        <p14:creationId xmlns:p14="http://schemas.microsoft.com/office/powerpoint/2010/main" val="2851177068"/>
       </p:ext>
     </p:extLst>
   </p:cSld>
@@ -10221,64 +10418,116 @@
       </p:grpSpPr>
       <p:sp>
         <p:nvSpPr>
-          <p:cNvPr id="2" name="Titel 1"/>
-          <p:cNvSpPr>
-            <a:spLocks noGrp="1"/>
-          </p:cNvSpPr>
-          <p:nvPr>
-            <p:ph type="ctrTitle"/>
-          </p:nvPr>
-        </p:nvSpPr>
-        <p:spPr>
-          <a:xfrm>
-            <a:off x="468000" y="1839808"/>
-            <a:ext cx="6513884" cy="1074842"/>
-          </a:xfrm>
-        </p:spPr>
+          <p:cNvPr id="2" name="Inhaltsplatzhalter 1"/>
+          <p:cNvSpPr>
+            <a:spLocks noGrp="1"/>
+          </p:cNvSpPr>
+          <p:nvPr>
+            <p:ph sz="half" idx="1"/>
+          </p:nvPr>
+        </p:nvSpPr>
+        <p:spPr/>
         <p:txBody>
           <a:bodyPr/>
           <a:lstStyle/>
           <a:p>
             <a:r>
-              <a:rPr lang="en-US" b="1" dirty="0" err="1" smtClean="0"/>
-              <a:t>Grossprojekt</a:t>
-            </a:r>
-            <a:r>
-              <a:rPr lang="en-US" b="1" dirty="0" smtClean="0"/>
-              <a:t> Campus Biel/Bienne</a:t>
+              <a:rPr lang="de-CH" dirty="0" err="1" smtClean="0"/>
+              <a:t>Energy</a:t>
+            </a:r>
+            <a:r>
+              <a:rPr lang="de-CH" dirty="0" smtClean="0"/>
+              <a:t> </a:t>
+            </a:r>
+            <a:r>
+              <a:rPr lang="de-CH" dirty="0" err="1" smtClean="0"/>
+              <a:t>and</a:t>
+            </a:r>
+            <a:r>
+              <a:rPr lang="de-CH" dirty="0" smtClean="0"/>
+              <a:t> Mobility Research</a:t>
             </a:r>
             <a:endParaRPr lang="de-CH" dirty="0"/>
           </a:p>
-        </p:txBody>
-      </p:sp>
-      <p:sp>
-        <p:nvSpPr>
-          <p:cNvPr id="3" name="Untertitel 2"/>
-          <p:cNvSpPr>
-            <a:spLocks noGrp="1"/>
-          </p:cNvSpPr>
-          <p:nvPr>
-            <p:ph type="subTitle" idx="1"/>
-          </p:nvPr>
-        </p:nvSpPr>
-        <p:spPr>
-          <a:xfrm>
-            <a:off x="468000" y="2877738"/>
-            <a:ext cx="6513884" cy="805526"/>
-          </a:xfrm>
-        </p:spPr>
+          <a:p>
+            <a:r>
+              <a:rPr lang="de-CH" dirty="0" smtClean="0"/>
+              <a:t>Holz- und Verbundbau</a:t>
+            </a:r>
+            <a:endParaRPr lang="de-CH" dirty="0"/>
+          </a:p>
+          <a:p>
+            <a:r>
+              <a:rPr lang="de-CH" dirty="0" smtClean="0"/>
+              <a:t>Tierproduktionssysteme</a:t>
+            </a:r>
+            <a:endParaRPr lang="de-CH" dirty="0"/>
+          </a:p>
+          <a:p>
+            <a:r>
+              <a:rPr lang="de-CH" dirty="0" err="1"/>
+              <a:t>e</a:t>
+            </a:r>
+            <a:r>
+              <a:rPr lang="de-CH" dirty="0" err="1" smtClean="0"/>
+              <a:t>Government</a:t>
+            </a:r>
+            <a:endParaRPr lang="de-CH" dirty="0" smtClean="0"/>
+          </a:p>
+          <a:p>
+            <a:r>
+              <a:rPr lang="de-CH" dirty="0" smtClean="0"/>
+              <a:t>Materialität in Kunst und Kultur</a:t>
+            </a:r>
+          </a:p>
+          <a:p>
+            <a:r>
+              <a:rPr lang="de-CH" dirty="0" smtClean="0"/>
+              <a:t>Sport</a:t>
+            </a:r>
+            <a:endParaRPr lang="de-CH" dirty="0"/>
+          </a:p>
+          <a:p>
+            <a:endParaRPr lang="de-CH" sz="1600" dirty="0"/>
+          </a:p>
+          <a:p>
+            <a:pPr marL="0" indent="0">
+              <a:buNone/>
+            </a:pPr>
+            <a:endParaRPr lang="de-CH" sz="1600" dirty="0"/>
+          </a:p>
+          <a:p>
+            <a:endParaRPr lang="de-CH" sz="1600" dirty="0"/>
+          </a:p>
+        </p:txBody>
+      </p:sp>
+      <p:sp>
+        <p:nvSpPr>
+          <p:cNvPr id="3" name="Titel 2"/>
+          <p:cNvSpPr>
+            <a:spLocks noGrp="1"/>
+          </p:cNvSpPr>
+          <p:nvPr>
+            <p:ph type="ctrTitle"/>
+          </p:nvPr>
+        </p:nvSpPr>
+        <p:spPr/>
         <p:txBody>
           <a:bodyPr/>
           <a:lstStyle/>
           <a:p>
-            <a:endParaRPr lang="de-CH" dirty="0"/>
+            <a:r>
+              <a:rPr lang="de-CH" b="1" dirty="0" smtClean="0"/>
+              <a:t>Forschungskompetenzen – Beispiele</a:t>
+            </a:r>
+            <a:endParaRPr lang="de-CH" b="1" dirty="0"/>
           </a:p>
         </p:txBody>
       </p:sp>
     </p:spTree>
     <p:extLst>
       <p:ext uri="{BB962C8B-B14F-4D97-AF65-F5344CB8AC3E}">
-        <p14:creationId xmlns:p14="http://schemas.microsoft.com/office/powerpoint/2010/main" val="1323654921"/>
+        <p14:creationId xmlns:p14="http://schemas.microsoft.com/office/powerpoint/2010/main" val="4137724811"/>
       </p:ext>
     </p:extLst>
   </p:cSld>
@@ -10307,6 +10556,183 @@
       </p:grpSpPr>
       <p:sp>
         <p:nvSpPr>
+          <p:cNvPr id="2" name="Titel 1"/>
+          <p:cNvSpPr>
+            <a:spLocks noGrp="1"/>
+          </p:cNvSpPr>
+          <p:nvPr>
+            <p:ph type="ctrTitle"/>
+          </p:nvPr>
+        </p:nvSpPr>
+        <p:spPr>
+          <a:xfrm>
+            <a:off x="468000" y="1839808"/>
+            <a:ext cx="6513884" cy="1074842"/>
+          </a:xfrm>
+        </p:spPr>
+        <p:txBody>
+          <a:bodyPr/>
+          <a:lstStyle/>
+          <a:p>
+            <a:r>
+              <a:rPr lang="en-US" b="1" dirty="0" err="1" smtClean="0"/>
+              <a:t>Grossprojekt</a:t>
+            </a:r>
+            <a:r>
+              <a:rPr lang="en-US" b="1" dirty="0" smtClean="0"/>
+              <a:t> Campus Biel/Bienne</a:t>
+            </a:r>
+            <a:endParaRPr lang="de-CH" dirty="0"/>
+          </a:p>
+        </p:txBody>
+      </p:sp>
+      <p:sp>
+        <p:nvSpPr>
+          <p:cNvPr id="3" name="Untertitel 2"/>
+          <p:cNvSpPr>
+            <a:spLocks noGrp="1"/>
+          </p:cNvSpPr>
+          <p:nvPr>
+            <p:ph type="subTitle" idx="1"/>
+          </p:nvPr>
+        </p:nvSpPr>
+        <p:spPr>
+          <a:xfrm>
+            <a:off x="468000" y="2877738"/>
+            <a:ext cx="6513884" cy="805526"/>
+          </a:xfrm>
+        </p:spPr>
+        <p:txBody>
+          <a:bodyPr/>
+          <a:lstStyle/>
+          <a:p>
+            <a:endParaRPr lang="de-CH" dirty="0"/>
+          </a:p>
+        </p:txBody>
+      </p:sp>
+    </p:spTree>
+    <p:extLst>
+      <p:ext uri="{BB962C8B-B14F-4D97-AF65-F5344CB8AC3E}">
+        <p14:creationId xmlns:p14="http://schemas.microsoft.com/office/powerpoint/2010/main" val="1323654921"/>
+      </p:ext>
+    </p:extLst>
+  </p:cSld>
+  <p:clrMapOvr>
+    <a:masterClrMapping/>
+  </p:clrMapOvr>
+</p:sld>
+</file>
+
+<file path=ppt/slides/slide3.xml><?xml version="1.0" encoding="utf-8"?>
+<p:sld xmlns:a="http://schemas.openxmlformats.org/drawingml/2006/main" xmlns:r="http://schemas.openxmlformats.org/officeDocument/2006/relationships" xmlns:p="http://schemas.openxmlformats.org/presentationml/2006/main">
+  <p:cSld>
+    <p:spTree>
+      <p:nvGrpSpPr>
+        <p:cNvPr id="1" name=""/>
+        <p:cNvGrpSpPr/>
+        <p:nvPr/>
+      </p:nvGrpSpPr>
+      <p:grpSpPr>
+        <a:xfrm>
+          <a:off x="0" y="0"/>
+          <a:ext cx="0" cy="0"/>
+          <a:chOff x="0" y="0"/>
+          <a:chExt cx="0" cy="0"/>
+        </a:xfrm>
+      </p:grpSpPr>
+      <p:sp>
+        <p:nvSpPr>
+          <p:cNvPr id="5" name="Titel 4"/>
+          <p:cNvSpPr>
+            <a:spLocks noGrp="1"/>
+          </p:cNvSpPr>
+          <p:nvPr>
+            <p:ph type="ctrTitle"/>
+          </p:nvPr>
+        </p:nvSpPr>
+        <p:spPr/>
+        <p:txBody>
+          <a:bodyPr/>
+          <a:lstStyle/>
+          <a:p>
+            <a:r>
+              <a:rPr lang="de-CH" dirty="0" smtClean="0"/>
+              <a:t>Prototype live </a:t>
+            </a:r>
+            <a:r>
+              <a:rPr lang="de-CH" dirty="0" err="1" smtClean="0"/>
+              <a:t>demo</a:t>
+            </a:r>
+            <a:endParaRPr lang="de-CH" dirty="0"/>
+          </a:p>
+        </p:txBody>
+      </p:sp>
+      <p:sp>
+        <p:nvSpPr>
+          <p:cNvPr id="6" name="Untertitel 5"/>
+          <p:cNvSpPr>
+            <a:spLocks noGrp="1"/>
+          </p:cNvSpPr>
+          <p:nvPr>
+            <p:ph type="subTitle" idx="1"/>
+          </p:nvPr>
+        </p:nvSpPr>
+        <p:spPr/>
+        <p:txBody>
+          <a:bodyPr/>
+          <a:lstStyle/>
+          <a:p>
+            <a:r>
+              <a:rPr lang="de-CH" dirty="0" smtClean="0"/>
+              <a:t>„link einf</a:t>
+            </a:r>
+            <a:r>
+              <a:rPr lang="de-CH" dirty="0" smtClean="0"/>
+              <a:t>ügen“</a:t>
+            </a:r>
+            <a:endParaRPr lang="de-CH" dirty="0"/>
+          </a:p>
+        </p:txBody>
+      </p:sp>
+    </p:spTree>
+    <p:extLst>
+      <p:ext uri="{BB962C8B-B14F-4D97-AF65-F5344CB8AC3E}">
+        <p14:creationId xmlns:p14="http://schemas.microsoft.com/office/powerpoint/2010/main" val="3399875752"/>
+      </p:ext>
+    </p:extLst>
+  </p:cSld>
+  <p:clrMapOvr>
+    <a:masterClrMapping/>
+  </p:clrMapOvr>
+  <p:timing>
+    <p:tnLst>
+      <p:par>
+        <p:cTn xmlns:p14="http://schemas.microsoft.com/office/powerpoint/2010/main" id="1" dur="indefinite" restart="never" nodeType="tmRoot"/>
+      </p:par>
+    </p:tnLst>
+  </p:timing>
+</p:sld>
+</file>
+
+<file path=ppt/slides/slide30.xml><?xml version="1.0" encoding="utf-8"?>
+<p:sld xmlns:a="http://schemas.openxmlformats.org/drawingml/2006/main" xmlns:r="http://schemas.openxmlformats.org/officeDocument/2006/relationships" xmlns:p="http://schemas.openxmlformats.org/presentationml/2006/main">
+  <p:cSld>
+    <p:spTree>
+      <p:nvGrpSpPr>
+        <p:cNvPr id="1" name=""/>
+        <p:cNvGrpSpPr/>
+        <p:nvPr/>
+      </p:nvGrpSpPr>
+      <p:grpSpPr>
+        <a:xfrm>
+          <a:off x="0" y="0"/>
+          <a:ext cx="0" cy="0"/>
+          <a:chOff x="0" y="0"/>
+          <a:chExt cx="0" cy="0"/>
+        </a:xfrm>
+      </p:grpSpPr>
+      <p:sp>
+        <p:nvSpPr>
           <p:cNvPr id="2" name="Inhaltsplatzhalter 1"/>
           <p:cNvSpPr>
             <a:spLocks noGrp="1"/>
@@ -10539,14 +10965,67 @@
   <p:timing>
     <p:tnLst>
       <p:par>
-        <p:cTn id="1" dur="indefinite" restart="never" nodeType="tmRoot"/>
+        <p:cTn xmlns:p14="http://schemas.microsoft.com/office/powerpoint/2010/main" id="1" dur="indefinite" restart="never" nodeType="tmRoot"/>
       </p:par>
     </p:tnLst>
   </p:timing>
 </p:sld>
 </file>
 
-<file path=ppt/slides/slide3.xml><?xml version="1.0" encoding="utf-8"?>
+<file path=ppt/slides/slide31.xml><?xml version="1.0" encoding="utf-8"?>
+<p:sld xmlns:a="http://schemas.openxmlformats.org/drawingml/2006/main" xmlns:r="http://schemas.openxmlformats.org/officeDocument/2006/relationships" xmlns:p="http://schemas.openxmlformats.org/presentationml/2006/main">
+  <p:cSld>
+    <p:spTree>
+      <p:nvGrpSpPr>
+        <p:cNvPr id="1" name=""/>
+        <p:cNvGrpSpPr/>
+        <p:nvPr/>
+      </p:nvGrpSpPr>
+      <p:grpSpPr>
+        <a:xfrm>
+          <a:off x="0" y="0"/>
+          <a:ext cx="0" cy="0"/>
+          <a:chOff x="0" y="0"/>
+          <a:chExt cx="0" cy="0"/>
+        </a:xfrm>
+      </p:grpSpPr>
+      <p:sp>
+        <p:nvSpPr>
+          <p:cNvPr id="2" name="Titel 1"/>
+          <p:cNvSpPr>
+            <a:spLocks noGrp="1"/>
+          </p:cNvSpPr>
+          <p:nvPr>
+            <p:ph type="ctrTitle"/>
+          </p:nvPr>
+        </p:nvSpPr>
+        <p:spPr/>
+        <p:txBody>
+          <a:bodyPr/>
+          <a:lstStyle/>
+          <a:p>
+            <a:r>
+              <a:rPr lang="de-DE" dirty="0"/>
+              <a:t>Herzlichen Dank!</a:t>
+            </a:r>
+            <a:endParaRPr lang="de-CH" dirty="0"/>
+          </a:p>
+        </p:txBody>
+      </p:sp>
+    </p:spTree>
+    <p:extLst>
+      <p:ext uri="{BB962C8B-B14F-4D97-AF65-F5344CB8AC3E}">
+        <p14:creationId xmlns:p14="http://schemas.microsoft.com/office/powerpoint/2010/main" val="1953900258"/>
+      </p:ext>
+    </p:extLst>
+  </p:cSld>
+  <p:clrMapOvr>
+    <a:masterClrMapping/>
+  </p:clrMapOvr>
+</p:sld>
+</file>
+
+<file path=ppt/slides/slide4.xml><?xml version="1.0" encoding="utf-8"?>
 <p:sld xmlns:a="http://schemas.openxmlformats.org/drawingml/2006/main" xmlns:r="http://schemas.openxmlformats.org/officeDocument/2006/relationships" xmlns:p="http://schemas.openxmlformats.org/presentationml/2006/main">
   <p:cSld>
     <p:spTree>
@@ -10639,14 +11118,14 @@
             <a:noFill/>
           </a:ln>
           <a:extLst>
-            <a:ext uri="{909E8E84-426E-40DD-AFC4-6F175D3DCCD1}">
+            <a:ext uri="{909E8E84-426E-40dd-AFC4-6F175D3DCCD1}">
               <a14:hiddenFill xmlns:a14="http://schemas.microsoft.com/office/drawing/2010/main">
                 <a:solidFill>
                   <a:schemeClr val="accent1"/>
                 </a:solidFill>
               </a14:hiddenFill>
             </a:ext>
-            <a:ext uri="{91240B29-F687-4F45-9708-019B960494DF}">
+            <a:ext uri="{91240B29-F687-4f45-9708-019B960494DF}">
               <a14:hiddenLine xmlns:a14="http://schemas.microsoft.com/office/drawing/2010/main" w="9525">
                 <a:solidFill>
                   <a:schemeClr val="tx1"/>
@@ -10672,423 +11151,10 @@
   <p:timing>
     <p:tnLst>
       <p:par>
-        <p:cTn id="1" dur="indefinite" restart="never" nodeType="tmRoot"/>
+        <p:cTn xmlns:p14="http://schemas.microsoft.com/office/powerpoint/2010/main" id="1" dur="indefinite" restart="never" nodeType="tmRoot"/>
       </p:par>
     </p:tnLst>
   </p:timing>
-</p:sld>
-</file>
-
-<file path=ppt/slides/slide30.xml><?xml version="1.0" encoding="utf-8"?>
-<p:sld xmlns:a="http://schemas.openxmlformats.org/drawingml/2006/main" xmlns:r="http://schemas.openxmlformats.org/officeDocument/2006/relationships" xmlns:p="http://schemas.openxmlformats.org/presentationml/2006/main">
-  <p:cSld>
-    <p:spTree>
-      <p:nvGrpSpPr>
-        <p:cNvPr id="1" name=""/>
-        <p:cNvGrpSpPr/>
-        <p:nvPr/>
-      </p:nvGrpSpPr>
-      <p:grpSpPr>
-        <a:xfrm>
-          <a:off x="0" y="0"/>
-          <a:ext cx="0" cy="0"/>
-          <a:chOff x="0" y="0"/>
-          <a:chExt cx="0" cy="0"/>
-        </a:xfrm>
-      </p:grpSpPr>
-      <p:sp>
-        <p:nvSpPr>
-          <p:cNvPr id="2" name="Titel 1"/>
-          <p:cNvSpPr>
-            <a:spLocks noGrp="1"/>
-          </p:cNvSpPr>
-          <p:nvPr>
-            <p:ph type="ctrTitle"/>
-          </p:nvPr>
-        </p:nvSpPr>
-        <p:spPr/>
-        <p:txBody>
-          <a:bodyPr/>
-          <a:lstStyle/>
-          <a:p>
-            <a:r>
-              <a:rPr lang="de-DE" dirty="0"/>
-              <a:t>Herzlichen Dank!</a:t>
-            </a:r>
-            <a:endParaRPr lang="de-CH" dirty="0"/>
-          </a:p>
-        </p:txBody>
-      </p:sp>
-    </p:spTree>
-    <p:extLst>
-      <p:ext uri="{BB962C8B-B14F-4D97-AF65-F5344CB8AC3E}">
-        <p14:creationId xmlns:p14="http://schemas.microsoft.com/office/powerpoint/2010/main" val="1953900258"/>
-      </p:ext>
-    </p:extLst>
-  </p:cSld>
-  <p:clrMapOvr>
-    <a:masterClrMapping/>
-  </p:clrMapOvr>
-</p:sld>
-</file>
-
-<file path=ppt/slides/slide4.xml><?xml version="1.0" encoding="utf-8"?>
-<p:sld xmlns:a="http://schemas.openxmlformats.org/drawingml/2006/main" xmlns:r="http://schemas.openxmlformats.org/officeDocument/2006/relationships" xmlns:p="http://schemas.openxmlformats.org/presentationml/2006/main">
-  <p:cSld>
-    <p:spTree>
-      <p:nvGrpSpPr>
-        <p:cNvPr id="1" name=""/>
-        <p:cNvGrpSpPr/>
-        <p:nvPr/>
-      </p:nvGrpSpPr>
-      <p:grpSpPr>
-        <a:xfrm>
-          <a:off x="0" y="0"/>
-          <a:ext cx="0" cy="0"/>
-          <a:chOff x="0" y="0"/>
-          <a:chExt cx="0" cy="0"/>
-        </a:xfrm>
-      </p:grpSpPr>
-      <p:sp>
-        <p:nvSpPr>
-          <p:cNvPr id="2" name="Inhaltsplatzhalter 1"/>
-          <p:cNvSpPr>
-            <a:spLocks noGrp="1"/>
-          </p:cNvSpPr>
-          <p:nvPr>
-            <p:ph sz="half" idx="1"/>
-          </p:nvPr>
-        </p:nvSpPr>
-        <p:spPr/>
-        <p:txBody>
-          <a:bodyPr/>
-          <a:lstStyle/>
-          <a:p>
-            <a:pPr marL="0" indent="0">
-              <a:buNone/>
-            </a:pPr>
-            <a:r>
-              <a:rPr lang="de-DE" sz="1500" b="1" dirty="0"/>
-              <a:t>Gründung				</a:t>
-            </a:r>
-            <a:r>
-              <a:rPr lang="de-DE" sz="1500" dirty="0"/>
-              <a:t>1. Oktober 1997</a:t>
-            </a:r>
-          </a:p>
-          <a:p>
-            <a:pPr marL="0" indent="0">
-              <a:buNone/>
-            </a:pPr>
-            <a:r>
-              <a:rPr lang="de-CH" sz="1500" b="1" dirty="0"/>
-              <a:t>Departemente			</a:t>
-            </a:r>
-            <a:r>
-              <a:rPr lang="de-CH" sz="1500" dirty="0" smtClean="0"/>
-              <a:t>- </a:t>
-            </a:r>
-            <a:r>
-              <a:rPr lang="de-CH" sz="1500" dirty="0"/>
-              <a:t>Architektur, Holz und </a:t>
-            </a:r>
-            <a:r>
-              <a:rPr lang="de-CH" sz="1500" dirty="0" smtClean="0"/>
-              <a:t>Bau</a:t>
-            </a:r>
-          </a:p>
-          <a:p>
-            <a:pPr marL="0" indent="0">
-              <a:buNone/>
-            </a:pPr>
-            <a:r>
-              <a:rPr lang="de-CH" sz="1500" dirty="0" smtClean="0"/>
-              <a:t>						- </a:t>
-            </a:r>
-            <a:r>
-              <a:rPr lang="de-CH" sz="1500" dirty="0"/>
-              <a:t>Hochschule für Agrar-, Forst- und 										   </a:t>
-            </a:r>
-            <a:r>
-              <a:rPr lang="de-CH" sz="1500" dirty="0" smtClean="0"/>
-              <a:t>Lebensmittelwissenschaften</a:t>
-            </a:r>
-          </a:p>
-          <a:p>
-            <a:pPr marL="0" indent="0">
-              <a:buNone/>
-            </a:pPr>
-            <a:r>
-              <a:rPr lang="de-CH" sz="1500" dirty="0" smtClean="0"/>
-              <a:t>						- </a:t>
-            </a:r>
-            <a:r>
-              <a:rPr lang="de-CH" sz="1500" dirty="0"/>
-              <a:t>Hochschule der Künste </a:t>
-            </a:r>
-            <a:r>
-              <a:rPr lang="de-CH" sz="1500" dirty="0" smtClean="0"/>
-              <a:t>Bern</a:t>
-            </a:r>
-          </a:p>
-          <a:p>
-            <a:pPr marL="0" indent="0">
-              <a:buNone/>
-            </a:pPr>
-            <a:r>
-              <a:rPr lang="de-CH" sz="1500" dirty="0"/>
-              <a:t>	</a:t>
-            </a:r>
-            <a:r>
-              <a:rPr lang="de-CH" sz="1500" dirty="0" smtClean="0"/>
-              <a:t>					- Technik und Informatik</a:t>
-            </a:r>
-            <a:endParaRPr lang="de-CH" sz="1500" dirty="0"/>
-          </a:p>
-          <a:p>
-            <a:pPr marL="0" indent="0">
-              <a:buNone/>
-            </a:pPr>
-            <a:r>
-              <a:rPr lang="de-CH" sz="1500" dirty="0"/>
-              <a:t>					</a:t>
-            </a:r>
-            <a:r>
-              <a:rPr lang="de-CH" sz="1500" dirty="0" smtClean="0"/>
-              <a:t>	- </a:t>
-            </a:r>
-            <a:r>
-              <a:rPr lang="de-CH" sz="1500" dirty="0"/>
-              <a:t>Wirtschaft, Gesundheit, Soziale Arbeit</a:t>
-            </a:r>
-          </a:p>
-          <a:p>
-            <a:pPr marL="0" indent="0">
-              <a:buNone/>
-            </a:pPr>
-            <a:r>
-              <a:rPr lang="de-CH" sz="1500" dirty="0"/>
-              <a:t>					</a:t>
-            </a:r>
-            <a:r>
-              <a:rPr lang="de-CH" sz="1500" dirty="0" smtClean="0"/>
-              <a:t>	- </a:t>
-            </a:r>
-            <a:r>
-              <a:rPr lang="de-CH" sz="1500" dirty="0" err="1"/>
-              <a:t>Eidg</a:t>
-            </a:r>
-            <a:r>
-              <a:rPr lang="de-CH" sz="1500" dirty="0"/>
-              <a:t>. Hochschule für Sport </a:t>
-            </a:r>
-            <a:r>
-              <a:rPr lang="de-CH" sz="1500" dirty="0" err="1"/>
-              <a:t>Magglingen</a:t>
-            </a:r>
-            <a:r>
-              <a:rPr lang="de-CH" sz="1500" dirty="0"/>
-              <a:t> EHSM*</a:t>
-            </a:r>
-          </a:p>
-          <a:p>
-            <a:pPr marL="0" indent="0">
-              <a:buNone/>
-            </a:pPr>
-            <a:r>
-              <a:rPr lang="de-CH" sz="1500" dirty="0"/>
-              <a:t>					  </a:t>
-            </a:r>
-            <a:r>
-              <a:rPr lang="de-CH" sz="1500" dirty="0" smtClean="0"/>
-              <a:t>	 </a:t>
-            </a:r>
-            <a:r>
-              <a:rPr lang="de-CH" sz="1500" dirty="0"/>
-              <a:t>* </a:t>
-            </a:r>
-            <a:r>
-              <a:rPr lang="de-CH" sz="1200" dirty="0"/>
-              <a:t>angegliederte Hochschule</a:t>
-            </a:r>
-          </a:p>
-          <a:p>
-            <a:pPr marL="0" indent="0">
-              <a:buNone/>
-            </a:pPr>
-            <a:r>
-              <a:rPr lang="de-CH" sz="1500" b="1" dirty="0"/>
-              <a:t>Bachelorstudiengänge</a:t>
-            </a:r>
-            <a:r>
-              <a:rPr lang="de-CH" sz="1500" dirty="0"/>
-              <a:t>	</a:t>
-            </a:r>
-            <a:r>
-              <a:rPr lang="de-CH" sz="1500" dirty="0" smtClean="0"/>
-              <a:t>	28</a:t>
-            </a:r>
-            <a:endParaRPr lang="de-CH" sz="1500" dirty="0"/>
-          </a:p>
-          <a:p>
-            <a:pPr marL="0" indent="0">
-              <a:buNone/>
-            </a:pPr>
-            <a:r>
-              <a:rPr lang="de-CH" sz="1500" b="1" dirty="0"/>
-              <a:t>Masterstudiengänge</a:t>
-            </a:r>
-            <a:r>
-              <a:rPr lang="de-CH" sz="1500" dirty="0"/>
-              <a:t>		21</a:t>
-            </a:r>
-          </a:p>
-          <a:p>
-            <a:pPr marL="0" indent="0">
-              <a:buNone/>
-            </a:pPr>
-            <a:r>
-              <a:rPr lang="de-CH" sz="1500" b="1" dirty="0"/>
-              <a:t>Unterrichtssprachen</a:t>
-            </a:r>
-            <a:r>
-              <a:rPr lang="de-CH" sz="1500" dirty="0"/>
-              <a:t>		Deutsch, Französisch, teilweise Englisch</a:t>
-            </a:r>
-          </a:p>
-          <a:p>
-            <a:pPr marL="0" indent="0">
-              <a:buNone/>
-            </a:pPr>
-            <a:r>
-              <a:rPr lang="de-CH" sz="1500" b="1" dirty="0"/>
-              <a:t>Studierende</a:t>
-            </a:r>
-            <a:r>
-              <a:rPr lang="de-CH" sz="1500" dirty="0"/>
-              <a:t>			</a:t>
-            </a:r>
-            <a:r>
-              <a:rPr lang="de-CH" sz="1500" dirty="0" smtClean="0"/>
-              <a:t>	6724</a:t>
-            </a:r>
-            <a:endParaRPr lang="de-CH" sz="1500" dirty="0"/>
-          </a:p>
-          <a:p>
-            <a:pPr marL="0" indent="0">
-              <a:buNone/>
-            </a:pPr>
-            <a:r>
-              <a:rPr lang="de-CH" sz="1500" b="1" dirty="0"/>
-              <a:t>Frauenanteil</a:t>
-            </a:r>
-            <a:r>
-              <a:rPr lang="de-CH" sz="1500" dirty="0"/>
-              <a:t>			</a:t>
-            </a:r>
-            <a:r>
-              <a:rPr lang="de-CH" sz="1500" dirty="0" smtClean="0"/>
-              <a:t>	45%</a:t>
-            </a:r>
-            <a:endParaRPr lang="de-CH" sz="1500" dirty="0"/>
-          </a:p>
-          <a:p>
-            <a:pPr marL="0" indent="0">
-              <a:buNone/>
-            </a:pPr>
-            <a:r>
-              <a:rPr lang="de-CH" sz="1500" b="1" dirty="0"/>
-              <a:t>Mitarbeitende</a:t>
-            </a:r>
-            <a:r>
-              <a:rPr lang="de-CH" sz="1500" dirty="0"/>
-              <a:t>			</a:t>
-            </a:r>
-            <a:r>
-              <a:rPr lang="de-CH" sz="1500" dirty="0" smtClean="0"/>
-              <a:t>	2917 </a:t>
-            </a:r>
-            <a:r>
-              <a:rPr lang="de-CH" sz="1500" dirty="0"/>
-              <a:t>(</a:t>
-            </a:r>
-            <a:r>
-              <a:rPr lang="de-CH" sz="1500" dirty="0" smtClean="0"/>
-              <a:t>1412 Vollzeitäquivalente)</a:t>
-            </a:r>
-          </a:p>
-          <a:p>
-            <a:pPr marL="0" indent="0">
-              <a:buNone/>
-            </a:pPr>
-            <a:r>
-              <a:rPr lang="en-US" sz="1500" b="1" dirty="0"/>
-              <a:t>Annual budget:			</a:t>
-            </a:r>
-            <a:r>
-              <a:rPr lang="en-US" sz="1500" dirty="0" smtClean="0"/>
-              <a:t>CHF 265 </a:t>
-            </a:r>
-            <a:r>
-              <a:rPr lang="en-US" sz="1500" dirty="0"/>
-              <a:t>Mio. (57% </a:t>
-            </a:r>
-            <a:r>
-              <a:rPr lang="en-US" sz="1500" dirty="0" err="1" smtClean="0"/>
-              <a:t>Beiträge</a:t>
-            </a:r>
-            <a:r>
-              <a:rPr lang="en-US" sz="1500" dirty="0" smtClean="0"/>
-              <a:t> der </a:t>
-            </a:r>
-            <a:r>
-              <a:rPr lang="en-US" sz="1500" dirty="0" err="1" smtClean="0"/>
-              <a:t>öffentlichen</a:t>
-            </a:r>
-            <a:r>
-              <a:rPr lang="en-US" sz="1500" dirty="0" smtClean="0"/>
-              <a:t> Hand)</a:t>
-            </a:r>
-            <a:endParaRPr lang="de-CH" sz="1500" dirty="0"/>
-          </a:p>
-          <a:p>
-            <a:endParaRPr lang="de-CH" sz="1500" dirty="0"/>
-          </a:p>
-        </p:txBody>
-      </p:sp>
-      <p:sp>
-        <p:nvSpPr>
-          <p:cNvPr id="3" name="Titel 2"/>
-          <p:cNvSpPr>
-            <a:spLocks noGrp="1"/>
-          </p:cNvSpPr>
-          <p:nvPr>
-            <p:ph type="ctrTitle"/>
-          </p:nvPr>
-        </p:nvSpPr>
-        <p:spPr/>
-        <p:txBody>
-          <a:bodyPr/>
-          <a:lstStyle/>
-          <a:p>
-            <a:r>
-              <a:rPr lang="de-DE" b="1" dirty="0"/>
-              <a:t>Zahlen und Fakten</a:t>
-            </a:r>
-            <a:endParaRPr lang="de-CH" dirty="0"/>
-          </a:p>
-        </p:txBody>
-      </p:sp>
-    </p:spTree>
-    <p:extLst>
-      <p:ext uri="{BB962C8B-B14F-4D97-AF65-F5344CB8AC3E}">
-        <p14:creationId xmlns:p14="http://schemas.microsoft.com/office/powerpoint/2010/main" val="1761532058"/>
-      </p:ext>
-    </p:extLst>
-  </p:cSld>
-  <p:clrMapOvr>
-    <a:masterClrMapping/>
-  </p:clrMapOvr>
 </p:sld>
 </file>
 
@@ -11128,54 +11194,291 @@
               <a:buNone/>
             </a:pPr>
             <a:r>
-              <a:rPr lang="de-DE" b="1" dirty="0"/>
-              <a:t>Kernaufgaben</a:t>
-            </a:r>
-          </a:p>
-          <a:p>
-            <a:r>
-              <a:rPr lang="de-CH" dirty="0"/>
-              <a:t>Lehre Bachelorstudiengänge</a:t>
-            </a:r>
-          </a:p>
-          <a:p>
-            <a:r>
-              <a:rPr lang="de-CH" dirty="0"/>
-              <a:t>Lehre Masterstudiengänge</a:t>
-            </a:r>
-          </a:p>
-          <a:p>
-            <a:endParaRPr lang="de-CH" dirty="0"/>
+              <a:rPr lang="de-DE" sz="1500" b="1" dirty="0"/>
+              <a:t>Gründung				</a:t>
+            </a:r>
+            <a:r>
+              <a:rPr lang="de-DE" sz="1500" dirty="0"/>
+              <a:t>1. Oktober 1997</a:t>
+            </a:r>
           </a:p>
           <a:p>
             <a:pPr marL="0" indent="0">
               <a:buNone/>
             </a:pPr>
             <a:r>
-              <a:rPr lang="de-CH" b="1" dirty="0"/>
-              <a:t>Erweiterter Leistungsauftrag</a:t>
-            </a:r>
-          </a:p>
-          <a:p>
-            <a:r>
-              <a:rPr lang="de-CH" dirty="0"/>
-              <a:t>Weiterbildung</a:t>
-            </a:r>
-          </a:p>
-          <a:p>
-            <a:r>
-              <a:rPr lang="de-CH" dirty="0"/>
-              <a:t>Angewandte Forschung und Entwicklung (inkl. Wissens- und Technologietransfer)</a:t>
-            </a:r>
-          </a:p>
-          <a:p>
-            <a:r>
-              <a:rPr lang="de-CH" dirty="0"/>
-              <a:t>Dienstleistungen</a:t>
-            </a:r>
-          </a:p>
-          <a:p>
-            <a:endParaRPr lang="de-CH" dirty="0"/>
+              <a:rPr lang="de-CH" sz="1500" b="1" dirty="0"/>
+              <a:t>Departemente			</a:t>
+            </a:r>
+            <a:r>
+              <a:rPr lang="de-CH" sz="1500" dirty="0" smtClean="0"/>
+              <a:t>- </a:t>
+            </a:r>
+            <a:r>
+              <a:rPr lang="de-CH" sz="1500" dirty="0"/>
+              <a:t>Architektur, Holz und </a:t>
+            </a:r>
+            <a:r>
+              <a:rPr lang="de-CH" sz="1500" dirty="0" smtClean="0"/>
+              <a:t>Bau</a:t>
+            </a:r>
+          </a:p>
+          <a:p>
+            <a:pPr marL="0" indent="0">
+              <a:buNone/>
+            </a:pPr>
+            <a:r>
+              <a:rPr lang="de-CH" sz="1500" dirty="0" smtClean="0"/>
+              <a:t>						- </a:t>
+            </a:r>
+            <a:r>
+              <a:rPr lang="de-CH" sz="1500" dirty="0"/>
+              <a:t>Hochschule für Agrar-, Forst- und 										   </a:t>
+            </a:r>
+            <a:r>
+              <a:rPr lang="de-CH" sz="1500" dirty="0" smtClean="0"/>
+              <a:t>Lebensmittelwissenschaften</a:t>
+            </a:r>
+          </a:p>
+          <a:p>
+            <a:pPr marL="0" indent="0">
+              <a:buNone/>
+            </a:pPr>
+            <a:r>
+              <a:rPr lang="de-CH" sz="1500" dirty="0" smtClean="0"/>
+              <a:t>						- </a:t>
+            </a:r>
+            <a:r>
+              <a:rPr lang="de-CH" sz="1500" dirty="0"/>
+              <a:t>Hochschule der Künste </a:t>
+            </a:r>
+            <a:r>
+              <a:rPr lang="de-CH" sz="1500" dirty="0" smtClean="0"/>
+              <a:t>Bern</a:t>
+            </a:r>
+          </a:p>
+          <a:p>
+            <a:pPr marL="0" indent="0">
+              <a:buNone/>
+            </a:pPr>
+            <a:r>
+              <a:rPr lang="de-CH" sz="1500" dirty="0"/>
+              <a:t>	</a:t>
+            </a:r>
+            <a:r>
+              <a:rPr lang="de-CH" sz="1500" dirty="0" smtClean="0"/>
+              <a:t>					- Technik und Informatik</a:t>
+            </a:r>
+            <a:endParaRPr lang="de-CH" sz="1500" dirty="0"/>
+          </a:p>
+          <a:p>
+            <a:pPr marL="0" indent="0">
+              <a:buNone/>
+            </a:pPr>
+            <a:r>
+              <a:rPr lang="de-CH" sz="1500" dirty="0"/>
+              <a:t>					</a:t>
+            </a:r>
+            <a:r>
+              <a:rPr lang="de-CH" sz="1500" dirty="0" smtClean="0"/>
+              <a:t>	- </a:t>
+            </a:r>
+            <a:r>
+              <a:rPr lang="de-CH" sz="1500" dirty="0"/>
+              <a:t>Wirtschaft, Gesundheit, Soziale Arbeit</a:t>
+            </a:r>
+          </a:p>
+          <a:p>
+            <a:pPr marL="0" indent="0">
+              <a:buNone/>
+            </a:pPr>
+            <a:r>
+              <a:rPr lang="de-CH" sz="1500" dirty="0"/>
+              <a:t>					</a:t>
+            </a:r>
+            <a:r>
+              <a:rPr lang="de-CH" sz="1500" dirty="0" smtClean="0"/>
+              <a:t>	- </a:t>
+            </a:r>
+            <a:r>
+              <a:rPr lang="de-CH" sz="1500" dirty="0" err="1"/>
+              <a:t>Eidg</a:t>
+            </a:r>
+            <a:r>
+              <a:rPr lang="de-CH" sz="1500" dirty="0"/>
+              <a:t>. Hochschule für Sport </a:t>
+            </a:r>
+            <a:r>
+              <a:rPr lang="de-CH" sz="1500" dirty="0" err="1"/>
+              <a:t>Magglingen</a:t>
+            </a:r>
+            <a:r>
+              <a:rPr lang="de-CH" sz="1500" dirty="0"/>
+              <a:t> EHSM*</a:t>
+            </a:r>
+          </a:p>
+          <a:p>
+            <a:pPr marL="0" indent="0">
+              <a:buNone/>
+            </a:pPr>
+            <a:r>
+              <a:rPr lang="de-CH" sz="1500" dirty="0"/>
+              <a:t>					  </a:t>
+            </a:r>
+            <a:r>
+              <a:rPr lang="de-CH" sz="1500" dirty="0" smtClean="0"/>
+              <a:t>	 </a:t>
+            </a:r>
+            <a:r>
+              <a:rPr lang="de-CH" sz="1500" dirty="0"/>
+              <a:t>* </a:t>
+            </a:r>
+            <a:r>
+              <a:rPr lang="de-CH" sz="1200" dirty="0"/>
+              <a:t>angegliederte Hochschule</a:t>
+            </a:r>
+          </a:p>
+          <a:p>
+            <a:pPr marL="0" indent="0">
+              <a:buNone/>
+            </a:pPr>
+            <a:r>
+              <a:rPr lang="de-CH" sz="1500" b="1" dirty="0"/>
+              <a:t>Bachelorstudiengänge</a:t>
+            </a:r>
+            <a:r>
+              <a:rPr lang="de-CH" sz="1500" dirty="0"/>
+              <a:t>	</a:t>
+            </a:r>
+            <a:r>
+              <a:rPr lang="de-CH" sz="1500" dirty="0" smtClean="0"/>
+              <a:t>	28</a:t>
+            </a:r>
+            <a:endParaRPr lang="de-CH" sz="1500" dirty="0"/>
+          </a:p>
+          <a:p>
+            <a:pPr marL="0" indent="0">
+              <a:buNone/>
+            </a:pPr>
+            <a:r>
+              <a:rPr lang="de-CH" sz="1500" b="1" dirty="0"/>
+              <a:t>Masterstudiengänge</a:t>
+            </a:r>
+            <a:r>
+              <a:rPr lang="de-CH" sz="1500" dirty="0"/>
+              <a:t>		21</a:t>
+            </a:r>
+          </a:p>
+          <a:p>
+            <a:pPr marL="0" indent="0">
+              <a:buNone/>
+            </a:pPr>
+            <a:r>
+              <a:rPr lang="de-CH" sz="1500" b="1" dirty="0"/>
+              <a:t>Unterrichtssprachen</a:t>
+            </a:r>
+            <a:r>
+              <a:rPr lang="de-CH" sz="1500" dirty="0"/>
+              <a:t>		Deutsch, Französisch, teilweise Englisch</a:t>
+            </a:r>
+          </a:p>
+          <a:p>
+            <a:pPr marL="0" indent="0">
+              <a:buNone/>
+            </a:pPr>
+            <a:r>
+              <a:rPr lang="de-CH" sz="1500" b="1" dirty="0"/>
+              <a:t>Studierende</a:t>
+            </a:r>
+            <a:r>
+              <a:rPr lang="de-CH" sz="1500" dirty="0"/>
+              <a:t>			</a:t>
+            </a:r>
+            <a:r>
+              <a:rPr lang="de-CH" sz="1500" dirty="0" smtClean="0"/>
+              <a:t>	6724</a:t>
+            </a:r>
+            <a:endParaRPr lang="de-CH" sz="1500" dirty="0"/>
+          </a:p>
+          <a:p>
+            <a:pPr marL="0" indent="0">
+              <a:buNone/>
+            </a:pPr>
+            <a:r>
+              <a:rPr lang="de-CH" sz="1500" b="1" dirty="0"/>
+              <a:t>Frauenanteil</a:t>
+            </a:r>
+            <a:r>
+              <a:rPr lang="de-CH" sz="1500" dirty="0"/>
+              <a:t>			</a:t>
+            </a:r>
+            <a:r>
+              <a:rPr lang="de-CH" sz="1500" dirty="0" smtClean="0"/>
+              <a:t>	45%</a:t>
+            </a:r>
+            <a:endParaRPr lang="de-CH" sz="1500" dirty="0"/>
+          </a:p>
+          <a:p>
+            <a:pPr marL="0" indent="0">
+              <a:buNone/>
+            </a:pPr>
+            <a:r>
+              <a:rPr lang="de-CH" sz="1500" b="1" dirty="0"/>
+              <a:t>Mitarbeitende</a:t>
+            </a:r>
+            <a:r>
+              <a:rPr lang="de-CH" sz="1500" dirty="0"/>
+              <a:t>			</a:t>
+            </a:r>
+            <a:r>
+              <a:rPr lang="de-CH" sz="1500" dirty="0" smtClean="0"/>
+              <a:t>	2917 </a:t>
+            </a:r>
+            <a:r>
+              <a:rPr lang="de-CH" sz="1500" dirty="0"/>
+              <a:t>(</a:t>
+            </a:r>
+            <a:r>
+              <a:rPr lang="de-CH" sz="1500" dirty="0" smtClean="0"/>
+              <a:t>1412 Vollzeitäquivalente)</a:t>
+            </a:r>
+          </a:p>
+          <a:p>
+            <a:pPr marL="0" indent="0">
+              <a:buNone/>
+            </a:pPr>
+            <a:r>
+              <a:rPr lang="en-US" sz="1500" b="1" dirty="0"/>
+              <a:t>Annual budget:			</a:t>
+            </a:r>
+            <a:r>
+              <a:rPr lang="en-US" sz="1500" dirty="0" smtClean="0"/>
+              <a:t>CHF 265 </a:t>
+            </a:r>
+            <a:r>
+              <a:rPr lang="en-US" sz="1500" dirty="0"/>
+              <a:t>Mio. (57% </a:t>
+            </a:r>
+            <a:r>
+              <a:rPr lang="en-US" sz="1500" dirty="0" err="1" smtClean="0"/>
+              <a:t>Beiträge</a:t>
+            </a:r>
+            <a:r>
+              <a:rPr lang="en-US" sz="1500" dirty="0" smtClean="0"/>
+              <a:t> der </a:t>
+            </a:r>
+            <a:r>
+              <a:rPr lang="en-US" sz="1500" dirty="0" err="1" smtClean="0"/>
+              <a:t>öffentlichen</a:t>
+            </a:r>
+            <a:r>
+              <a:rPr lang="en-US" sz="1500" dirty="0" smtClean="0"/>
+              <a:t> Hand)</a:t>
+            </a:r>
+            <a:endParaRPr lang="de-CH" sz="1500" dirty="0"/>
+          </a:p>
+          <a:p>
+            <a:endParaRPr lang="de-CH" sz="1500" dirty="0"/>
           </a:p>
         </p:txBody>
       </p:sp>
@@ -11195,8 +11498,8 @@
           <a:lstStyle/>
           <a:p>
             <a:r>
-              <a:rPr lang="de-CH" b="1" dirty="0"/>
-              <a:t>Auftrag der Berner Fachhochschule</a:t>
+              <a:rPr lang="de-DE" b="1" dirty="0"/>
+              <a:t>Zahlen und Fakten</a:t>
             </a:r>
             <a:endParaRPr lang="de-CH" dirty="0"/>
           </a:p>
@@ -11205,7 +11508,7 @@
     </p:spTree>
     <p:extLst>
       <p:ext uri="{BB962C8B-B14F-4D97-AF65-F5344CB8AC3E}">
-        <p14:creationId xmlns:p14="http://schemas.microsoft.com/office/powerpoint/2010/main" val="1121453056"/>
+        <p14:creationId xmlns:p14="http://schemas.microsoft.com/office/powerpoint/2010/main" val="1761532058"/>
       </p:ext>
     </p:extLst>
   </p:cSld>
@@ -11251,94 +11554,55 @@
               <a:buNone/>
             </a:pPr>
             <a:r>
+              <a:rPr lang="de-DE" b="1" dirty="0"/>
+              <a:t>Kernaufgaben</a:t>
+            </a:r>
+          </a:p>
+          <a:p>
+            <a:r>
+              <a:rPr lang="de-CH" dirty="0"/>
+              <a:t>Lehre Bachelorstudiengänge</a:t>
+            </a:r>
+          </a:p>
+          <a:p>
+            <a:r>
+              <a:rPr lang="de-CH" dirty="0"/>
+              <a:t>Lehre Masterstudiengänge</a:t>
+            </a:r>
+          </a:p>
+          <a:p>
+            <a:endParaRPr lang="de-CH" dirty="0"/>
+          </a:p>
+          <a:p>
+            <a:pPr marL="0" indent="0">
+              <a:buNone/>
+            </a:pPr>
+            <a:r>
               <a:rPr lang="de-CH" b="1" dirty="0"/>
-              <a:t>Finanzen</a:t>
-            </a:r>
-            <a:endParaRPr lang="de-DE" b="1" dirty="0"/>
+              <a:t>Erweiterter Leistungsauftrag</a:t>
+            </a:r>
           </a:p>
           <a:p>
             <a:r>
               <a:rPr lang="de-CH" dirty="0"/>
-              <a:t>Sparpaket des Kantons Bern</a:t>
+              <a:t>Weiterbildung</a:t>
             </a:r>
           </a:p>
           <a:p>
             <a:r>
               <a:rPr lang="de-CH" dirty="0"/>
-              <a:t>Steigende Studierendenzahlen (</a:t>
-            </a:r>
-            <a:r>
-              <a:rPr lang="de-CH" dirty="0" smtClean="0"/>
-              <a:t>2012: +5 </a:t>
-            </a:r>
+              <a:t>Angewandte Forschung und Entwicklung (inkl. Wissens- und Technologietransfer)</a:t>
+            </a:r>
+          </a:p>
+          <a:p>
             <a:r>
               <a:rPr lang="de-CH" dirty="0"/>
-              <a:t>Prozent gegenüber Vorjahr)</a:t>
-            </a:r>
-          </a:p>
-          <a:p>
-            <a:r>
-              <a:rPr lang="de-CH" dirty="0"/>
-              <a:t>Mehrbedarf finanzieller Mittel</a:t>
+              <a:t>Dienstleistungen</a:t>
             </a:r>
           </a:p>
           <a:p>
             <a:endParaRPr lang="de-CH" dirty="0"/>
           </a:p>
-          <a:p>
-            <a:pPr marL="0" indent="0">
-              <a:buNone/>
-            </a:pPr>
-            <a:r>
-              <a:rPr lang="de-CH" b="1" dirty="0"/>
-              <a:t>Standort</a:t>
-            </a:r>
-          </a:p>
-          <a:p>
-            <a:r>
-              <a:rPr lang="de-CH" dirty="0"/>
-              <a:t>Aktuell 24 BFH-Standorte, Vergleich mit Konkurrenz</a:t>
-            </a:r>
-          </a:p>
-          <a:p>
-            <a:r>
-              <a:rPr lang="de-CH" dirty="0"/>
-              <a:t>Ziel, langfristig eine alternative Lösung zu finden (Campus)</a:t>
-            </a:r>
-          </a:p>
-          <a:p>
-            <a:r>
-              <a:rPr lang="de-CH" dirty="0"/>
-              <a:t>Entscheid des Regierungsrats zur Konzentration in Bern und Biel</a:t>
-            </a:r>
-          </a:p>
-          <a:p>
-            <a:endParaRPr lang="de-CH" dirty="0"/>
-          </a:p>
-          <a:p>
-            <a:pPr marL="0" indent="0">
-              <a:buNone/>
-            </a:pPr>
-            <a:r>
-              <a:rPr lang="de-CH" b="1" dirty="0"/>
-              <a:t>Angebot</a:t>
-            </a:r>
-          </a:p>
-          <a:p>
-            <a:r>
-              <a:rPr lang="de-CH" dirty="0"/>
-              <a:t>Wettbewerb in der Schweizer Hochschullandschaft</a:t>
-            </a:r>
-          </a:p>
-          <a:p>
-            <a:r>
-              <a:rPr lang="de-CH" dirty="0"/>
-              <a:t>Kooperationen mit Fachhochschulen und Universitäten</a:t>
-            </a:r>
-          </a:p>
-          <a:p>
-            <a:endParaRPr lang="de-CH" dirty="0"/>
-          </a:p>
         </p:txBody>
       </p:sp>
       <p:sp>
@@ -11351,19 +11615,14 @@
             <p:ph type="ctrTitle"/>
           </p:nvPr>
         </p:nvSpPr>
-        <p:spPr>
-          <a:xfrm>
-            <a:off x="468000" y="360000"/>
-            <a:ext cx="8100000" cy="878250"/>
-          </a:xfrm>
-        </p:spPr>
+        <p:spPr/>
         <p:txBody>
           <a:bodyPr/>
           <a:lstStyle/>
           <a:p>
             <a:r>
               <a:rPr lang="de-CH" b="1" dirty="0"/>
-              <a:t>Herausforderungen für die Berner Fachhochschule</a:t>
+              <a:t>Auftrag der Berner Fachhochschule</a:t>
             </a:r>
             <a:endParaRPr lang="de-CH" dirty="0"/>
           </a:p>
@@ -11372,7 +11631,7 @@
     </p:spTree>
     <p:extLst>
       <p:ext uri="{BB962C8B-B14F-4D97-AF65-F5344CB8AC3E}">
-        <p14:creationId xmlns:p14="http://schemas.microsoft.com/office/powerpoint/2010/main" val="1842710398"/>
+        <p14:creationId xmlns:p14="http://schemas.microsoft.com/office/powerpoint/2010/main" val="1121453056"/>
       </p:ext>
     </p:extLst>
   </p:cSld>
@@ -11401,6 +11660,173 @@
       </p:grpSpPr>
       <p:sp>
         <p:nvSpPr>
+          <p:cNvPr id="2" name="Inhaltsplatzhalter 1"/>
+          <p:cNvSpPr>
+            <a:spLocks noGrp="1"/>
+          </p:cNvSpPr>
+          <p:nvPr>
+            <p:ph sz="half" idx="1"/>
+          </p:nvPr>
+        </p:nvSpPr>
+        <p:spPr/>
+        <p:txBody>
+          <a:bodyPr/>
+          <a:lstStyle/>
+          <a:p>
+            <a:pPr marL="0" indent="0">
+              <a:buNone/>
+            </a:pPr>
+            <a:r>
+              <a:rPr lang="de-CH" b="1" dirty="0"/>
+              <a:t>Finanzen</a:t>
+            </a:r>
+            <a:endParaRPr lang="de-DE" b="1" dirty="0"/>
+          </a:p>
+          <a:p>
+            <a:r>
+              <a:rPr lang="de-CH" dirty="0"/>
+              <a:t>Sparpaket des Kantons Bern</a:t>
+            </a:r>
+          </a:p>
+          <a:p>
+            <a:r>
+              <a:rPr lang="de-CH" dirty="0"/>
+              <a:t>Steigende Studierendenzahlen (</a:t>
+            </a:r>
+            <a:r>
+              <a:rPr lang="de-CH" dirty="0" smtClean="0"/>
+              <a:t>2012: +5 </a:t>
+            </a:r>
+            <a:r>
+              <a:rPr lang="de-CH" dirty="0"/>
+              <a:t>Prozent gegenüber Vorjahr)</a:t>
+            </a:r>
+          </a:p>
+          <a:p>
+            <a:r>
+              <a:rPr lang="de-CH" dirty="0"/>
+              <a:t>Mehrbedarf finanzieller Mittel</a:t>
+            </a:r>
+          </a:p>
+          <a:p>
+            <a:endParaRPr lang="de-CH" dirty="0"/>
+          </a:p>
+          <a:p>
+            <a:pPr marL="0" indent="0">
+              <a:buNone/>
+            </a:pPr>
+            <a:r>
+              <a:rPr lang="de-CH" b="1" dirty="0"/>
+              <a:t>Standort</a:t>
+            </a:r>
+          </a:p>
+          <a:p>
+            <a:r>
+              <a:rPr lang="de-CH" dirty="0"/>
+              <a:t>Aktuell 24 BFH-Standorte, Vergleich mit Konkurrenz</a:t>
+            </a:r>
+          </a:p>
+          <a:p>
+            <a:r>
+              <a:rPr lang="de-CH" dirty="0"/>
+              <a:t>Ziel, langfristig eine alternative Lösung zu finden (Campus)</a:t>
+            </a:r>
+          </a:p>
+          <a:p>
+            <a:r>
+              <a:rPr lang="de-CH" dirty="0"/>
+              <a:t>Entscheid des Regierungsrats zur Konzentration in Bern und Biel</a:t>
+            </a:r>
+          </a:p>
+          <a:p>
+            <a:endParaRPr lang="de-CH" dirty="0"/>
+          </a:p>
+          <a:p>
+            <a:pPr marL="0" indent="0">
+              <a:buNone/>
+            </a:pPr>
+            <a:r>
+              <a:rPr lang="de-CH" b="1" dirty="0"/>
+              <a:t>Angebot</a:t>
+            </a:r>
+          </a:p>
+          <a:p>
+            <a:r>
+              <a:rPr lang="de-CH" dirty="0"/>
+              <a:t>Wettbewerb in der Schweizer Hochschullandschaft</a:t>
+            </a:r>
+          </a:p>
+          <a:p>
+            <a:r>
+              <a:rPr lang="de-CH" dirty="0"/>
+              <a:t>Kooperationen mit Fachhochschulen und Universitäten</a:t>
+            </a:r>
+          </a:p>
+          <a:p>
+            <a:endParaRPr lang="de-CH" dirty="0"/>
+          </a:p>
+        </p:txBody>
+      </p:sp>
+      <p:sp>
+        <p:nvSpPr>
+          <p:cNvPr id="3" name="Titel 2"/>
+          <p:cNvSpPr>
+            <a:spLocks noGrp="1"/>
+          </p:cNvSpPr>
+          <p:nvPr>
+            <p:ph type="ctrTitle"/>
+          </p:nvPr>
+        </p:nvSpPr>
+        <p:spPr>
+          <a:xfrm>
+            <a:off x="468000" y="360000"/>
+            <a:ext cx="8100000" cy="878250"/>
+          </a:xfrm>
+        </p:spPr>
+        <p:txBody>
+          <a:bodyPr/>
+          <a:lstStyle/>
+          <a:p>
+            <a:r>
+              <a:rPr lang="de-CH" b="1" dirty="0"/>
+              <a:t>Herausforderungen für die Berner Fachhochschule</a:t>
+            </a:r>
+            <a:endParaRPr lang="de-CH" dirty="0"/>
+          </a:p>
+        </p:txBody>
+      </p:sp>
+    </p:spTree>
+    <p:extLst>
+      <p:ext uri="{BB962C8B-B14F-4D97-AF65-F5344CB8AC3E}">
+        <p14:creationId xmlns:p14="http://schemas.microsoft.com/office/powerpoint/2010/main" val="1842710398"/>
+      </p:ext>
+    </p:extLst>
+  </p:cSld>
+  <p:clrMapOvr>
+    <a:masterClrMapping/>
+  </p:clrMapOvr>
+</p:sld>
+</file>
+
+<file path=ppt/slides/slide8.xml><?xml version="1.0" encoding="utf-8"?>
+<p:sld xmlns:a="http://schemas.openxmlformats.org/drawingml/2006/main" xmlns:r="http://schemas.openxmlformats.org/officeDocument/2006/relationships" xmlns:p="http://schemas.openxmlformats.org/presentationml/2006/main">
+  <p:cSld>
+    <p:spTree>
+      <p:nvGrpSpPr>
+        <p:cNvPr id="1" name=""/>
+        <p:cNvGrpSpPr/>
+        <p:nvPr/>
+      </p:nvGrpSpPr>
+      <p:grpSpPr>
+        <a:xfrm>
+          <a:off x="0" y="0"/>
+          <a:ext cx="0" cy="0"/>
+          <a:chOff x="0" y="0"/>
+          <a:chExt cx="0" cy="0"/>
+        </a:xfrm>
+      </p:grpSpPr>
+      <p:sp>
+        <p:nvSpPr>
           <p:cNvPr id="2" name="Titel 1"/>
           <p:cNvSpPr>
             <a:spLocks noGrp="1"/>
@@ -11454,7 +11880,7 @@
 </p:sld>
 </file>
 
-<file path=ppt/slides/slide8.xml><?xml version="1.0" encoding="utf-8"?>
+<file path=ppt/slides/slide9.xml><?xml version="1.0" encoding="utf-8"?>
 <p:sld xmlns:a="http://schemas.openxmlformats.org/drawingml/2006/main" xmlns:r="http://schemas.openxmlformats.org/officeDocument/2006/relationships" xmlns:p="http://schemas.openxmlformats.org/presentationml/2006/main">
   <p:cSld>
     <p:spTree>
@@ -11558,14 +11984,14 @@
             <a:noFill/>
           </a:ln>
           <a:extLst>
-            <a:ext uri="{909E8E84-426E-40DD-AFC4-6F175D3DCCD1}">
+            <a:ext uri="{909E8E84-426E-40dd-AFC4-6F175D3DCCD1}">
               <a14:hiddenFill xmlns:a14="http://schemas.microsoft.com/office/drawing/2010/main">
                 <a:solidFill>
                   <a:schemeClr val="accent1"/>
                 </a:solidFill>
               </a14:hiddenFill>
             </a:ext>
-            <a:ext uri="{91240B29-F687-4F45-9708-019B960494DF}">
+            <a:ext uri="{91240B29-F687-4f45-9708-019B960494DF}">
               <a14:hiddenLine xmlns:a14="http://schemas.microsoft.com/office/drawing/2010/main" w="9525">
                 <a:solidFill>
                   <a:schemeClr val="tx1"/>
@@ -11582,158 +12008,6 @@
     <p:extLst>
       <p:ext uri="{BB962C8B-B14F-4D97-AF65-F5344CB8AC3E}">
         <p14:creationId xmlns:p14="http://schemas.microsoft.com/office/powerpoint/2010/main" val="1801804548"/>
-      </p:ext>
-    </p:extLst>
-  </p:cSld>
-  <p:clrMapOvr>
-    <a:masterClrMapping/>
-  </p:clrMapOvr>
-</p:sld>
-</file>
-
-<file path=ppt/slides/slide9.xml><?xml version="1.0" encoding="utf-8"?>
-<p:sld xmlns:a="http://schemas.openxmlformats.org/drawingml/2006/main" xmlns:r="http://schemas.openxmlformats.org/officeDocument/2006/relationships" xmlns:p="http://schemas.openxmlformats.org/presentationml/2006/main">
-  <p:cSld>
-    <p:spTree>
-      <p:nvGrpSpPr>
-        <p:cNvPr id="1" name=""/>
-        <p:cNvGrpSpPr/>
-        <p:nvPr/>
-      </p:nvGrpSpPr>
-      <p:grpSpPr>
-        <a:xfrm>
-          <a:off x="0" y="0"/>
-          <a:ext cx="0" cy="0"/>
-          <a:chOff x="0" y="0"/>
-          <a:chExt cx="0" cy="0"/>
-        </a:xfrm>
-      </p:grpSpPr>
-      <p:sp>
-        <p:nvSpPr>
-          <p:cNvPr id="2" name="Inhaltsplatzhalter 1"/>
-          <p:cNvSpPr>
-            <a:spLocks noGrp="1"/>
-          </p:cNvSpPr>
-          <p:nvPr>
-            <p:ph sz="half" idx="1"/>
-          </p:nvPr>
-        </p:nvSpPr>
-        <p:spPr/>
-        <p:txBody>
-          <a:bodyPr/>
-          <a:lstStyle/>
-          <a:p>
-            <a:pPr marL="0" indent="0">
-              <a:buNone/>
-            </a:pPr>
-            <a:r>
-              <a:rPr lang="de-DE" b="1" dirty="0"/>
-              <a:t>Bachelorstudiengänge</a:t>
-            </a:r>
-          </a:p>
-          <a:p>
-            <a:r>
-              <a:rPr lang="de-CH" dirty="0"/>
-              <a:t>Architektur</a:t>
-            </a:r>
-          </a:p>
-          <a:p>
-            <a:r>
-              <a:rPr lang="de-CH" dirty="0"/>
-              <a:t>Holztechnik</a:t>
-            </a:r>
-          </a:p>
-          <a:p>
-            <a:r>
-              <a:rPr lang="de-CH" dirty="0"/>
-              <a:t>Bauingenieurwesen</a:t>
-            </a:r>
-          </a:p>
-          <a:p>
-            <a:endParaRPr lang="de-CH" dirty="0"/>
-          </a:p>
-          <a:p>
-            <a:pPr marL="0" indent="0">
-              <a:buNone/>
-            </a:pPr>
-            <a:r>
-              <a:rPr lang="de-CH" b="1" dirty="0"/>
-              <a:t>Masterstudiengänge</a:t>
-            </a:r>
-          </a:p>
-          <a:p>
-            <a:r>
-              <a:rPr lang="de-CH" dirty="0"/>
-              <a:t>Engineering</a:t>
-            </a:r>
-          </a:p>
-          <a:p>
-            <a:r>
-              <a:rPr lang="de-CH" dirty="0" err="1"/>
-              <a:t>Architecture</a:t>
-            </a:r>
-            <a:endParaRPr lang="de-CH" dirty="0"/>
-          </a:p>
-          <a:p>
-            <a:r>
-              <a:rPr lang="de-CH" dirty="0"/>
-              <a:t>Wood Technology</a:t>
-            </a:r>
-          </a:p>
-          <a:p>
-            <a:endParaRPr lang="de-CH" dirty="0"/>
-          </a:p>
-          <a:p>
-            <a:pPr marL="0" indent="0">
-              <a:buNone/>
-            </a:pPr>
-            <a:r>
-              <a:rPr lang="de-CH" b="1" dirty="0"/>
-              <a:t>Anzahl Studierende</a:t>
-            </a:r>
-          </a:p>
-          <a:p>
-            <a:r>
-              <a:rPr lang="de-CH" dirty="0" smtClean="0"/>
-              <a:t>668 </a:t>
-            </a:r>
-            <a:r>
-              <a:rPr lang="de-CH" dirty="0"/>
-              <a:t>Studierende (Frauenanteil: 22 Prozent)</a:t>
-            </a:r>
-          </a:p>
-          <a:p>
-            <a:endParaRPr lang="de-CH" dirty="0"/>
-          </a:p>
-        </p:txBody>
-      </p:sp>
-      <p:sp>
-        <p:nvSpPr>
-          <p:cNvPr id="3" name="Titel 2"/>
-          <p:cNvSpPr>
-            <a:spLocks noGrp="1"/>
-          </p:cNvSpPr>
-          <p:nvPr>
-            <p:ph type="ctrTitle"/>
-          </p:nvPr>
-        </p:nvSpPr>
-        <p:spPr/>
-        <p:txBody>
-          <a:bodyPr/>
-          <a:lstStyle/>
-          <a:p>
-            <a:r>
-              <a:rPr lang="de-DE" b="1" dirty="0"/>
-              <a:t>Architektur, Holz und Bau</a:t>
-            </a:r>
-            <a:endParaRPr lang="de-CH" dirty="0"/>
-          </a:p>
-        </p:txBody>
-      </p:sp>
-    </p:spTree>
-    <p:extLst>
-      <p:ext uri="{BB962C8B-B14F-4D97-AF65-F5344CB8AC3E}">
-        <p14:creationId xmlns:p14="http://schemas.microsoft.com/office/powerpoint/2010/main" val="3709291995"/>
       </p:ext>
     </p:extLst>
   </p:cSld>

--- a/doc/finalPresentation/Praesentation_BFH_2013 copy.pptx
+++ b/doc/finalPresentation/Praesentation_BFH_2013 copy.pptx
@@ -5,43 +5,32 @@
     <p:sldMasterId id="2147483669" r:id="rId4"/>
   </p:sldMasterIdLst>
   <p:notesMasterIdLst>
-    <p:notesMasterId r:id="rId36"/>
+    <p:notesMasterId r:id="rId25"/>
   </p:notesMasterIdLst>
   <p:handoutMasterIdLst>
-    <p:handoutMasterId r:id="rId37"/>
+    <p:handoutMasterId r:id="rId26"/>
   </p:handoutMasterIdLst>
   <p:sldIdLst>
     <p:sldId id="259" r:id="rId5"/>
     <p:sldId id="303" r:id="rId6"/>
-    <p:sldId id="257" r:id="rId7"/>
-    <p:sldId id="263" r:id="rId8"/>
-    <p:sldId id="270" r:id="rId9"/>
-    <p:sldId id="271" r:id="rId10"/>
-    <p:sldId id="272" r:id="rId11"/>
-    <p:sldId id="274" r:id="rId12"/>
-    <p:sldId id="276" r:id="rId13"/>
-    <p:sldId id="277" r:id="rId14"/>
-    <p:sldId id="285" r:id="rId15"/>
-    <p:sldId id="286" r:id="rId16"/>
-    <p:sldId id="282" r:id="rId17"/>
-    <p:sldId id="283" r:id="rId18"/>
-    <p:sldId id="284" r:id="rId19"/>
-    <p:sldId id="273" r:id="rId20"/>
-    <p:sldId id="275" r:id="rId21"/>
-    <p:sldId id="278" r:id="rId22"/>
-    <p:sldId id="279" r:id="rId23"/>
-    <p:sldId id="280" r:id="rId24"/>
-    <p:sldId id="281" r:id="rId25"/>
-    <p:sldId id="287" r:id="rId26"/>
-    <p:sldId id="288" r:id="rId27"/>
-    <p:sldId id="290" r:id="rId28"/>
-    <p:sldId id="289" r:id="rId29"/>
-    <p:sldId id="291" r:id="rId30"/>
-    <p:sldId id="292" r:id="rId31"/>
-    <p:sldId id="302" r:id="rId32"/>
-    <p:sldId id="300" r:id="rId33"/>
-    <p:sldId id="301" r:id="rId34"/>
-    <p:sldId id="299" r:id="rId35"/>
+    <p:sldId id="319" r:id="rId7"/>
+    <p:sldId id="320" r:id="rId8"/>
+    <p:sldId id="257" r:id="rId9"/>
+    <p:sldId id="311" r:id="rId10"/>
+    <p:sldId id="306" r:id="rId11"/>
+    <p:sldId id="308" r:id="rId12"/>
+    <p:sldId id="307" r:id="rId13"/>
+    <p:sldId id="309" r:id="rId14"/>
+    <p:sldId id="310" r:id="rId15"/>
+    <p:sldId id="313" r:id="rId16"/>
+    <p:sldId id="312" r:id="rId17"/>
+    <p:sldId id="314" r:id="rId18"/>
+    <p:sldId id="315" r:id="rId19"/>
+    <p:sldId id="316" r:id="rId20"/>
+    <p:sldId id="317" r:id="rId21"/>
+    <p:sldId id="318" r:id="rId22"/>
+    <p:sldId id="304" r:id="rId23"/>
+    <p:sldId id="299" r:id="rId24"/>
   </p:sldIdLst>
   <p:sldSz cx="9144000" cy="6858000" type="screen4x3"/>
   <p:notesSz cx="6669088" cy="9926638"/>
@@ -255,7 +244,7 @@
           <a:p>
             <a:fld id="{EFA0D184-D464-48E9-9CA0-A94E873F6C2C}" type="datetimeFigureOut">
               <a:rPr lang="de-CH" smtClean="0"/>
-              <a:t>1/9/15</a:t>
+              <a:t>1/15/15</a:t>
             </a:fld>
             <a:endParaRPr lang="de-CH"/>
           </a:p>
@@ -420,7 +409,7 @@
           <a:p>
             <a:fld id="{5AF2B663-2BA9-4D7E-8201-5DE4109E1EDD}" type="datetimeFigureOut">
               <a:rPr lang="de-CH" smtClean="0"/>
-              <a:t>1/9/15</a:t>
+              <a:t>1/15/15</a:t>
             </a:fld>
             <a:endParaRPr lang="de-CH"/>
           </a:p>
@@ -688,654 +677,6 @@
 </p:notesMaster>
 </file>
 
-<file path=ppt/notesSlides/notesSlide1.xml><?xml version="1.0" encoding="utf-8"?>
-<p:notes xmlns:a="http://schemas.openxmlformats.org/drawingml/2006/main" xmlns:r="http://schemas.openxmlformats.org/officeDocument/2006/relationships" xmlns:p="http://schemas.openxmlformats.org/presentationml/2006/main">
-  <p:cSld>
-    <p:spTree>
-      <p:nvGrpSpPr>
-        <p:cNvPr id="1" name=""/>
-        <p:cNvGrpSpPr/>
-        <p:nvPr/>
-      </p:nvGrpSpPr>
-      <p:grpSpPr>
-        <a:xfrm>
-          <a:off x="0" y="0"/>
-          <a:ext cx="0" cy="0"/>
-          <a:chOff x="0" y="0"/>
-          <a:chExt cx="0" cy="0"/>
-        </a:xfrm>
-      </p:grpSpPr>
-      <p:sp>
-        <p:nvSpPr>
-          <p:cNvPr id="2" name="Folienbildplatzhalter 1"/>
-          <p:cNvSpPr>
-            <a:spLocks noGrp="1" noRot="1" noChangeAspect="1"/>
-          </p:cNvSpPr>
-          <p:nvPr>
-            <p:ph type="sldImg"/>
-          </p:nvPr>
-        </p:nvSpPr>
-        <p:spPr/>
-      </p:sp>
-      <p:sp>
-        <p:nvSpPr>
-          <p:cNvPr id="3" name="Notizenplatzhalter 2"/>
-          <p:cNvSpPr>
-            <a:spLocks noGrp="1"/>
-          </p:cNvSpPr>
-          <p:nvPr>
-            <p:ph type="body" idx="1"/>
-          </p:nvPr>
-        </p:nvSpPr>
-        <p:spPr/>
-        <p:txBody>
-          <a:bodyPr/>
-          <a:lstStyle/>
-          <a:p>
-            <a:endParaRPr lang="de-CH" dirty="0"/>
-          </a:p>
-        </p:txBody>
-      </p:sp>
-      <p:sp>
-        <p:nvSpPr>
-          <p:cNvPr id="4" name="Foliennummernplatzhalter 3"/>
-          <p:cNvSpPr>
-            <a:spLocks noGrp="1"/>
-          </p:cNvSpPr>
-          <p:nvPr>
-            <p:ph type="sldNum" sz="quarter" idx="10"/>
-          </p:nvPr>
-        </p:nvSpPr>
-        <p:spPr/>
-        <p:txBody>
-          <a:bodyPr/>
-          <a:lstStyle/>
-          <a:p>
-            <a:fld id="{37E44704-8E6D-4CF2-8CFA-A0F7BC751896}" type="slidenum">
-              <a:rPr lang="de-CH" smtClean="0"/>
-              <a:t>27</a:t>
-            </a:fld>
-            <a:endParaRPr lang="de-CH"/>
-          </a:p>
-        </p:txBody>
-      </p:sp>
-    </p:spTree>
-    <p:extLst>
-      <p:ext uri="{BB962C8B-B14F-4D97-AF65-F5344CB8AC3E}">
-        <p14:creationId xmlns:p14="http://schemas.microsoft.com/office/powerpoint/2010/main" val="990257639"/>
-      </p:ext>
-    </p:extLst>
-  </p:cSld>
-  <p:clrMapOvr>
-    <a:masterClrMapping/>
-  </p:clrMapOvr>
-</p:notes>
-</file>
-
-<file path=ppt/notesSlides/notesSlide2.xml><?xml version="1.0" encoding="utf-8"?>
-<p:notes xmlns:a="http://schemas.openxmlformats.org/drawingml/2006/main" xmlns:r="http://schemas.openxmlformats.org/officeDocument/2006/relationships" xmlns:p="http://schemas.openxmlformats.org/presentationml/2006/main">
-  <p:cSld>
-    <p:spTree>
-      <p:nvGrpSpPr>
-        <p:cNvPr id="1" name=""/>
-        <p:cNvGrpSpPr/>
-        <p:nvPr/>
-      </p:nvGrpSpPr>
-      <p:grpSpPr>
-        <a:xfrm>
-          <a:off x="0" y="0"/>
-          <a:ext cx="0" cy="0"/>
-          <a:chOff x="0" y="0"/>
-          <a:chExt cx="0" cy="0"/>
-        </a:xfrm>
-      </p:grpSpPr>
-      <p:sp>
-        <p:nvSpPr>
-          <p:cNvPr id="2" name="Slide Image Placeholder 1"/>
-          <p:cNvSpPr>
-            <a:spLocks noGrp="1" noRot="1" noChangeAspect="1"/>
-          </p:cNvSpPr>
-          <p:nvPr>
-            <p:ph type="sldImg"/>
-          </p:nvPr>
-        </p:nvSpPr>
-        <p:spPr/>
-      </p:sp>
-      <p:sp>
-        <p:nvSpPr>
-          <p:cNvPr id="3" name="Notes Placeholder 2"/>
-          <p:cNvSpPr>
-            <a:spLocks noGrp="1"/>
-          </p:cNvSpPr>
-          <p:nvPr>
-            <p:ph type="body" idx="1"/>
-          </p:nvPr>
-        </p:nvSpPr>
-        <p:spPr/>
-        <p:txBody>
-          <a:bodyPr/>
-          <a:lstStyle/>
-          <a:p>
-            <a:r>
-              <a:rPr lang="de-CH" sz="1100" b="0" u="none" baseline="0" dirty="0" smtClean="0"/>
-              <a:t>Beispiele aus der Forschung:</a:t>
-            </a:r>
-          </a:p>
-          <a:p>
-            <a:endParaRPr lang="de-CH" sz="1100" b="0" u="sng" baseline="0" dirty="0" smtClean="0"/>
-          </a:p>
-          <a:p>
-            <a:r>
-              <a:rPr lang="de-CH" sz="1100" b="0" u="sng" dirty="0" err="1" smtClean="0"/>
-              <a:t>Energy</a:t>
-            </a:r>
-            <a:r>
-              <a:rPr lang="de-CH" sz="1100" b="0" u="sng" dirty="0" smtClean="0"/>
-              <a:t> </a:t>
-            </a:r>
-            <a:r>
-              <a:rPr lang="de-CH" sz="1100" b="0" u="sng" dirty="0" err="1" smtClean="0"/>
-              <a:t>and</a:t>
-            </a:r>
-            <a:r>
-              <a:rPr lang="de-CH" sz="1100" b="0" u="sng" dirty="0" smtClean="0"/>
-              <a:t> Mobility Research</a:t>
-            </a:r>
-          </a:p>
-          <a:p>
-            <a:r>
-              <a:rPr lang="de-CH" sz="1100" dirty="0" smtClean="0"/>
-              <a:t>Seit mehr</a:t>
-            </a:r>
-            <a:r>
-              <a:rPr lang="de-CH" sz="1100" baseline="0" dirty="0" smtClean="0"/>
-              <a:t> als 25 Jahren forscht die BFH im Gebiet der Photovoltaik und ist beispielsweise im Test von Photovoltaik-Installationen führend. Seit 10 Jahren forscht die BFH an Lithium-Ionen-Batteriesystemen. Hier wurde der Grundstein gelegt für die neuen Elektromagnetmotoren der Bombardier-Züge, welche in der Schweiz ab 2015 zum Einsatz kommen werden. Das Wissen aus der </a:t>
-            </a:r>
-            <a:r>
-              <a:rPr lang="de-CH" sz="1100" baseline="0" dirty="0" err="1" smtClean="0"/>
-              <a:t>Energy</a:t>
-            </a:r>
-            <a:r>
-              <a:rPr lang="de-CH" sz="1100" baseline="0" dirty="0" smtClean="0"/>
-              <a:t> </a:t>
-            </a:r>
-            <a:r>
-              <a:rPr lang="de-CH" sz="1100" baseline="0" dirty="0" err="1" smtClean="0"/>
-              <a:t>and</a:t>
-            </a:r>
-            <a:r>
-              <a:rPr lang="de-CH" sz="1100" baseline="0" dirty="0" smtClean="0"/>
-              <a:t> Mobility Research fliesst zudem in ökologisches Engineering für Entwicklungs- und Schwellenländer (Solarzellen, Brennstoffzellen) ein.</a:t>
-            </a:r>
-            <a:endParaRPr lang="de-CH" sz="1100" dirty="0" smtClean="0"/>
-          </a:p>
-          <a:p>
-            <a:endParaRPr lang="de-CH" sz="1100" dirty="0" smtClean="0"/>
-          </a:p>
-          <a:p>
-            <a:r>
-              <a:rPr lang="de-CH" sz="1100" b="0" u="sng" dirty="0" smtClean="0"/>
-              <a:t>Holz-</a:t>
-            </a:r>
-            <a:r>
-              <a:rPr lang="de-CH" sz="1100" b="0" u="sng" baseline="0" dirty="0" smtClean="0"/>
-              <a:t> und Verbundbau</a:t>
-            </a:r>
-          </a:p>
-          <a:p>
-            <a:r>
-              <a:rPr lang="de-CH" sz="1100" baseline="0" dirty="0" smtClean="0"/>
-              <a:t>Die BFH ist die einzige Schweizer Fachhochschule mit Kompetenz in Holz. Sie kann auf 60 Jahre Erfahrung in diesem Bereich zurückblicken. Sie verfügt beispielsweise über einen Leichtbauprüfstand zusammen mit der EMPA, wo Schalltests für mehrgeschossige Holzbauten durchgeführt werden. Sie entwickelt energieeffiziente Gebäudehüllen aus Holz. Ein Beispiel ist das Holzbausystem </a:t>
-            </a:r>
-            <a:r>
-              <a:rPr lang="de-CH" sz="1100" baseline="0" dirty="0" err="1" smtClean="0"/>
-              <a:t>Eggo</a:t>
-            </a:r>
-            <a:r>
-              <a:rPr lang="de-CH" sz="1100" baseline="0" dirty="0" smtClean="0"/>
-              <a:t>, welches auch kleinen Holzbetrieben den Zugang zum Markt für Wohnbauten ermöglicht. </a:t>
-            </a:r>
-          </a:p>
-          <a:p>
-            <a:endParaRPr lang="de-CH" sz="1100" baseline="0" dirty="0" smtClean="0"/>
-          </a:p>
-          <a:p>
-            <a:r>
-              <a:rPr lang="de-CH" sz="1100" b="0" u="sng" baseline="0" dirty="0" smtClean="0"/>
-              <a:t>Tierproduktionssysteme</a:t>
-            </a:r>
-          </a:p>
-          <a:p>
-            <a:r>
-              <a:rPr lang="de-CH" sz="1100" baseline="0" dirty="0" smtClean="0"/>
-              <a:t>Tierproduzenten in der Schweiz, aber auch international, werden bei der Anpassung ihrer Produktionssysteme an sich verändernde Rahmenbedingungen unterstützt. Im Auftrag des Schweiz. Bundesamts für Landwirtschaft überwacht die BFH den Prozess zur Entwicklung und Umsetzung der Initiative der FAO (Food </a:t>
-            </a:r>
-            <a:r>
-              <a:rPr lang="de-CH" sz="1100" baseline="0" dirty="0" err="1" smtClean="0"/>
-              <a:t>and</a:t>
-            </a:r>
-            <a:r>
-              <a:rPr lang="de-CH" sz="1100" baseline="0" dirty="0" smtClean="0"/>
-              <a:t> </a:t>
-            </a:r>
-            <a:r>
-              <a:rPr lang="de-CH" sz="1100" baseline="0" dirty="0" err="1" smtClean="0"/>
-              <a:t>Agriculture</a:t>
-            </a:r>
-            <a:r>
-              <a:rPr lang="de-CH" sz="1100" baseline="0" dirty="0" smtClean="0"/>
-              <a:t> </a:t>
-            </a:r>
-            <a:r>
-              <a:rPr lang="de-CH" sz="1100" baseline="0" dirty="0" err="1" smtClean="0"/>
-              <a:t>Organization</a:t>
-            </a:r>
-            <a:r>
-              <a:rPr lang="de-CH" sz="1100" baseline="0" dirty="0" smtClean="0"/>
-              <a:t> </a:t>
-            </a:r>
-            <a:r>
-              <a:rPr lang="de-CH" sz="1100" baseline="0" dirty="0" err="1" smtClean="0"/>
-              <a:t>of</a:t>
-            </a:r>
-            <a:r>
-              <a:rPr lang="de-CH" sz="1100" baseline="0" dirty="0" smtClean="0"/>
-              <a:t> </a:t>
-            </a:r>
-            <a:r>
-              <a:rPr lang="de-CH" sz="1100" baseline="0" dirty="0" err="1" smtClean="0"/>
-              <a:t>the</a:t>
-            </a:r>
-            <a:r>
-              <a:rPr lang="de-CH" sz="1100" baseline="0" dirty="0" smtClean="0"/>
-              <a:t> United </a:t>
-            </a:r>
-            <a:r>
-              <a:rPr lang="de-CH" sz="1100" baseline="0" dirty="0" err="1" smtClean="0"/>
-              <a:t>Nations</a:t>
-            </a:r>
-            <a:r>
-              <a:rPr lang="de-CH" sz="1100" baseline="0" dirty="0" smtClean="0"/>
-              <a:t>), die «Global Agenda </a:t>
-            </a:r>
-            <a:r>
-              <a:rPr lang="de-CH" sz="1100" baseline="0" dirty="0" err="1" smtClean="0"/>
-              <a:t>of</a:t>
-            </a:r>
-            <a:r>
-              <a:rPr lang="de-CH" sz="1100" baseline="0" dirty="0" smtClean="0"/>
-              <a:t> Action in </a:t>
-            </a:r>
-            <a:r>
-              <a:rPr lang="de-CH" sz="1100" baseline="0" dirty="0" err="1" smtClean="0"/>
-              <a:t>support</a:t>
-            </a:r>
-            <a:r>
-              <a:rPr lang="de-CH" sz="1100" baseline="0" dirty="0" smtClean="0"/>
-              <a:t> </a:t>
-            </a:r>
-            <a:r>
-              <a:rPr lang="de-CH" sz="1100" baseline="0" dirty="0" err="1" smtClean="0"/>
-              <a:t>of</a:t>
-            </a:r>
-            <a:r>
-              <a:rPr lang="de-CH" sz="1100" baseline="0" dirty="0" smtClean="0"/>
-              <a:t> </a:t>
-            </a:r>
-            <a:r>
-              <a:rPr lang="de-CH" sz="1100" baseline="0" dirty="0" err="1" smtClean="0"/>
-              <a:t>Sustainable</a:t>
-            </a:r>
-            <a:r>
-              <a:rPr lang="de-CH" sz="1100" baseline="0" dirty="0" smtClean="0"/>
-              <a:t> Livestock </a:t>
-            </a:r>
-            <a:r>
-              <a:rPr lang="de-CH" sz="1100" baseline="0" dirty="0" err="1" smtClean="0"/>
-              <a:t>Sector</a:t>
-            </a:r>
-            <a:r>
-              <a:rPr lang="de-CH" sz="1100" baseline="0" dirty="0" smtClean="0"/>
-              <a:t> Development».</a:t>
-            </a:r>
-          </a:p>
-          <a:p>
-            <a:endParaRPr lang="de-CH" sz="1100" baseline="0" dirty="0" smtClean="0"/>
-          </a:p>
-          <a:p>
-            <a:r>
-              <a:rPr lang="de-CH" sz="1100" b="0" u="sng" baseline="0" dirty="0" err="1" smtClean="0"/>
-              <a:t>eGovernment</a:t>
-            </a:r>
-            <a:endParaRPr lang="de-CH" sz="1100" b="0" u="sng" baseline="0" dirty="0" smtClean="0"/>
-          </a:p>
-          <a:p>
-            <a:r>
-              <a:rPr lang="de-CH" sz="1100" baseline="0" dirty="0" smtClean="0"/>
-              <a:t>Open </a:t>
-            </a:r>
-            <a:r>
-              <a:rPr lang="de-CH" sz="1100" baseline="0" dirty="0" err="1" smtClean="0"/>
-              <a:t>Government</a:t>
-            </a:r>
-            <a:r>
-              <a:rPr lang="de-CH" sz="1100" baseline="0" dirty="0" smtClean="0"/>
-              <a:t> Data rückt in der Schweiz zunehmend in den Fokus des Interesses der Behörden. Die BFH erarbeitet hier die notwendigen Grundlagen zur koordinierten Umsetzung von Open </a:t>
-            </a:r>
-            <a:r>
-              <a:rPr lang="de-CH" sz="1100" baseline="0" dirty="0" err="1" smtClean="0"/>
-              <a:t>Government</a:t>
-            </a:r>
-            <a:r>
-              <a:rPr lang="de-CH" sz="1100" baseline="0" dirty="0" smtClean="0"/>
-              <a:t> Data in der Schweiz. Im Rahmen des EU-Projektes «</a:t>
-            </a:r>
-            <a:r>
-              <a:rPr lang="de-CH" sz="1100" baseline="0" dirty="0" err="1" smtClean="0"/>
-              <a:t>Fusepool</a:t>
-            </a:r>
-            <a:r>
-              <a:rPr lang="de-CH" sz="1100" baseline="0" dirty="0" smtClean="0"/>
-              <a:t>» arbeitet die BFH an der Integration, dem Schutz und der Verlinkung von internen und externen Daten. Dies erleichtert z.B. Einsatzkräften in Notsituationen die Arbeit.</a:t>
-            </a:r>
-          </a:p>
-          <a:p>
-            <a:endParaRPr lang="de-CH" sz="1100" baseline="0" dirty="0" smtClean="0"/>
-          </a:p>
-          <a:p>
-            <a:r>
-              <a:rPr lang="de-CH" sz="1100" b="0" u="sng" baseline="0" dirty="0" smtClean="0"/>
-              <a:t>Materialität in Kunst und Kultur</a:t>
-            </a:r>
-          </a:p>
-          <a:p>
-            <a:r>
-              <a:rPr lang="de-CH" sz="1100" baseline="0" dirty="0" smtClean="0"/>
-              <a:t>An der BFH wird untersucht, wie Farbfotografien und Bilder, die in </a:t>
-            </a:r>
-            <a:r>
-              <a:rPr lang="de-CH" sz="1100" baseline="0" dirty="0" err="1" smtClean="0"/>
-              <a:t>Inkjet</a:t>
-            </a:r>
-            <a:r>
-              <a:rPr lang="de-CH" sz="1100" baseline="0" dirty="0" smtClean="0"/>
-              <a:t> gedruckt wurden, altern. Ziel ist es, die im Licht stabilsten Materialkombinationen zu finden, um sie dann </a:t>
-            </a:r>
-            <a:r>
-              <a:rPr lang="de-CH" sz="1100" baseline="0" dirty="0" err="1" smtClean="0"/>
-              <a:t>KünstlerInnen</a:t>
-            </a:r>
-            <a:r>
-              <a:rPr lang="de-CH" sz="1100" baseline="0" dirty="0" smtClean="0"/>
-              <a:t>, Sammlungen und Museen zu empfehlen. Dies zum Schutz und Erhalt der Fotografien. Dafür arbeitet sie mit den Unternehmen ILFORD Imaging </a:t>
-            </a:r>
-            <a:r>
-              <a:rPr lang="de-CH" sz="1100" baseline="0" dirty="0" err="1" smtClean="0"/>
-              <a:t>Switzerland</a:t>
-            </a:r>
-            <a:r>
-              <a:rPr lang="de-CH" sz="1100" baseline="0" dirty="0" smtClean="0"/>
-              <a:t> und Sihl AG zusammen. Das Projekt wird von der Swiss National Science </a:t>
-            </a:r>
-            <a:r>
-              <a:rPr lang="de-CH" sz="1100" baseline="0" dirty="0" err="1" smtClean="0"/>
-              <a:t>Foundation</a:t>
-            </a:r>
-            <a:r>
-              <a:rPr lang="de-CH" sz="1100" baseline="0" dirty="0" smtClean="0"/>
-              <a:t> (SNF) finanziert. </a:t>
-            </a:r>
-          </a:p>
-          <a:p>
-            <a:endParaRPr lang="de-CH" sz="1100" baseline="0" dirty="0" smtClean="0"/>
-          </a:p>
-          <a:p>
-            <a:r>
-              <a:rPr lang="de-CH" sz="1100" b="0" u="sng" baseline="0" dirty="0" smtClean="0"/>
-              <a:t>Sport</a:t>
-            </a:r>
-          </a:p>
-          <a:p>
-            <a:r>
-              <a:rPr lang="en-US" sz="1100" dirty="0" smtClean="0"/>
-              <a:t>Das</a:t>
-            </a:r>
-            <a:r>
-              <a:rPr lang="en-US" sz="1100" baseline="0" dirty="0" smtClean="0"/>
-              <a:t> S</a:t>
-            </a:r>
-            <a:r>
-              <a:rPr lang="en-US" sz="1100" dirty="0" smtClean="0"/>
-              <a:t>wiss Federal Institute of Sports </a:t>
-            </a:r>
-            <a:r>
-              <a:rPr lang="en-US" sz="1100" dirty="0" err="1" smtClean="0"/>
-              <a:t>Magglingen</a:t>
-            </a:r>
-            <a:r>
-              <a:rPr lang="en-US" sz="1100" dirty="0" smtClean="0"/>
-              <a:t> </a:t>
-            </a:r>
-            <a:r>
-              <a:rPr lang="de-CH" sz="1100" b="0" u="none" baseline="0" dirty="0" smtClean="0"/>
-              <a:t>ist die führende Aus- und Weiterbildungsstätte für Sport in der Schweiz. Sie ist führend in der Forschung im Bereich Leistungs- und Spitzensport wenn es darum geht, Methoden zur Leistungsverbesserung zu entwickeln. Zudem erstellt sie Studien über den wirtschaftlichen Impact von Grossanlässen wie Weltmeisterschaften oder Olympischen Spielen.</a:t>
-            </a:r>
-            <a:endParaRPr lang="de-CH" sz="1100" b="0" u="none" dirty="0"/>
-          </a:p>
-        </p:txBody>
-      </p:sp>
-      <p:sp>
-        <p:nvSpPr>
-          <p:cNvPr id="4" name="Slide Number Placeholder 3"/>
-          <p:cNvSpPr>
-            <a:spLocks noGrp="1"/>
-          </p:cNvSpPr>
-          <p:nvPr>
-            <p:ph type="sldNum" sz="quarter" idx="10"/>
-          </p:nvPr>
-        </p:nvSpPr>
-        <p:spPr/>
-        <p:txBody>
-          <a:bodyPr/>
-          <a:lstStyle/>
-          <a:p>
-            <a:fld id="{37E44704-8E6D-4CF2-8CFA-A0F7BC751896}" type="slidenum">
-              <a:rPr lang="de-CH" smtClean="0"/>
-              <a:t>28</a:t>
-            </a:fld>
-            <a:endParaRPr lang="de-CH"/>
-          </a:p>
-        </p:txBody>
-      </p:sp>
-    </p:spTree>
-    <p:extLst>
-      <p:ext uri="{BB962C8B-B14F-4D97-AF65-F5344CB8AC3E}">
-        <p14:creationId xmlns:p14="http://schemas.microsoft.com/office/powerpoint/2010/main" val="3696528360"/>
-      </p:ext>
-    </p:extLst>
-  </p:cSld>
-  <p:clrMapOvr>
-    <a:masterClrMapping/>
-  </p:clrMapOvr>
-</p:notes>
-</file>
-
-<file path=ppt/notesSlides/notesSlide3.xml><?xml version="1.0" encoding="utf-8"?>
-<p:notes xmlns:a="http://schemas.openxmlformats.org/drawingml/2006/main" xmlns:r="http://schemas.openxmlformats.org/officeDocument/2006/relationships" xmlns:p="http://schemas.openxmlformats.org/presentationml/2006/main">
-  <p:cSld>
-    <p:spTree>
-      <p:nvGrpSpPr>
-        <p:cNvPr id="1" name=""/>
-        <p:cNvGrpSpPr/>
-        <p:nvPr/>
-      </p:nvGrpSpPr>
-      <p:grpSpPr>
-        <a:xfrm>
-          <a:off x="0" y="0"/>
-          <a:ext cx="0" cy="0"/>
-          <a:chOff x="0" y="0"/>
-          <a:chExt cx="0" cy="0"/>
-        </a:xfrm>
-      </p:grpSpPr>
-      <p:sp>
-        <p:nvSpPr>
-          <p:cNvPr id="2" name="Slide Image Placeholder 1"/>
-          <p:cNvSpPr>
-            <a:spLocks noGrp="1" noRot="1" noChangeAspect="1"/>
-          </p:cNvSpPr>
-          <p:nvPr>
-            <p:ph type="sldImg"/>
-          </p:nvPr>
-        </p:nvSpPr>
-        <p:spPr/>
-      </p:sp>
-      <p:sp>
-        <p:nvSpPr>
-          <p:cNvPr id="3" name="Notes Placeholder 2"/>
-          <p:cNvSpPr>
-            <a:spLocks noGrp="1"/>
-          </p:cNvSpPr>
-          <p:nvPr>
-            <p:ph type="body" idx="1"/>
-          </p:nvPr>
-        </p:nvSpPr>
-        <p:spPr/>
-        <p:txBody>
-          <a:bodyPr/>
-          <a:lstStyle/>
-          <a:p>
-            <a:endParaRPr lang="de-CH"/>
-          </a:p>
-        </p:txBody>
-      </p:sp>
-      <p:sp>
-        <p:nvSpPr>
-          <p:cNvPr id="4" name="Slide Number Placeholder 3"/>
-          <p:cNvSpPr>
-            <a:spLocks noGrp="1"/>
-          </p:cNvSpPr>
-          <p:nvPr>
-            <p:ph type="sldNum" sz="quarter" idx="10"/>
-          </p:nvPr>
-        </p:nvSpPr>
-        <p:spPr/>
-        <p:txBody>
-          <a:bodyPr/>
-          <a:lstStyle/>
-          <a:p>
-            <a:fld id="{37E44704-8E6D-4CF2-8CFA-A0F7BC751896}" type="slidenum">
-              <a:rPr lang="de-CH" smtClean="0"/>
-              <a:t>29</a:t>
-            </a:fld>
-            <a:endParaRPr lang="de-CH"/>
-          </a:p>
-        </p:txBody>
-      </p:sp>
-    </p:spTree>
-    <p:extLst>
-      <p:ext uri="{BB962C8B-B14F-4D97-AF65-F5344CB8AC3E}">
-        <p14:creationId xmlns:p14="http://schemas.microsoft.com/office/powerpoint/2010/main" val="1122177708"/>
-      </p:ext>
-    </p:extLst>
-  </p:cSld>
-  <p:clrMapOvr>
-    <a:masterClrMapping/>
-  </p:clrMapOvr>
-</p:notes>
-</file>
-
-<file path=ppt/notesSlides/notesSlide4.xml><?xml version="1.0" encoding="utf-8"?>
-<p:notes xmlns:a="http://schemas.openxmlformats.org/drawingml/2006/main" xmlns:r="http://schemas.openxmlformats.org/officeDocument/2006/relationships" xmlns:p="http://schemas.openxmlformats.org/presentationml/2006/main">
-  <p:cSld>
-    <p:spTree>
-      <p:nvGrpSpPr>
-        <p:cNvPr id="1" name=""/>
-        <p:cNvGrpSpPr/>
-        <p:nvPr/>
-      </p:nvGrpSpPr>
-      <p:grpSpPr>
-        <a:xfrm>
-          <a:off x="0" y="0"/>
-          <a:ext cx="0" cy="0"/>
-          <a:chOff x="0" y="0"/>
-          <a:chExt cx="0" cy="0"/>
-        </a:xfrm>
-      </p:grpSpPr>
-      <p:sp>
-        <p:nvSpPr>
-          <p:cNvPr id="2" name="Folienbildplatzhalter 1"/>
-          <p:cNvSpPr>
-            <a:spLocks noGrp="1" noRot="1" noChangeAspect="1"/>
-          </p:cNvSpPr>
-          <p:nvPr>
-            <p:ph type="sldImg"/>
-          </p:nvPr>
-        </p:nvSpPr>
-        <p:spPr/>
-      </p:sp>
-      <p:sp>
-        <p:nvSpPr>
-          <p:cNvPr id="3" name="Notizenplatzhalter 2"/>
-          <p:cNvSpPr>
-            <a:spLocks noGrp="1"/>
-          </p:cNvSpPr>
-          <p:nvPr>
-            <p:ph type="body" idx="1"/>
-          </p:nvPr>
-        </p:nvSpPr>
-        <p:spPr/>
-        <p:txBody>
-          <a:bodyPr/>
-          <a:lstStyle/>
-          <a:p>
-            <a:pPr marL="171450" indent="-171450" rtl="0">
-              <a:buFontTx/>
-              <a:buChar char="-"/>
-            </a:pPr>
-            <a:endParaRPr lang="de-CH" sz="1100" b="0" i="0" u="none" strike="noStrike" kern="1200" baseline="0" dirty="0" smtClean="0">
-              <a:solidFill>
-                <a:schemeClr val="tx1"/>
-              </a:solidFill>
-              <a:latin typeface="+mn-lt"/>
-              <a:ea typeface="+mn-ea"/>
-              <a:cs typeface="+mn-cs"/>
-            </a:endParaRPr>
-          </a:p>
-          <a:p>
-            <a:pPr marL="0" marR="0" indent="0" algn="l" defTabSz="457200" rtl="0" eaLnBrk="1" fontAlgn="auto" latinLnBrk="0" hangingPunct="1">
-              <a:lnSpc>
-                <a:spcPct val="100000"/>
-              </a:lnSpc>
-              <a:spcBef>
-                <a:spcPts val="0"/>
-              </a:spcBef>
-              <a:spcAft>
-                <a:spcPts val="0"/>
-              </a:spcAft>
-              <a:buClrTx/>
-              <a:buSzTx/>
-              <a:buFontTx/>
-              <a:buNone/>
-              <a:tabLst/>
-              <a:defRPr/>
-            </a:pPr>
-            <a:endParaRPr lang="de-CH" sz="1100" dirty="0" smtClean="0"/>
-          </a:p>
-        </p:txBody>
-      </p:sp>
-    </p:spTree>
-    <p:extLst>
-      <p:ext uri="{BB962C8B-B14F-4D97-AF65-F5344CB8AC3E}">
-        <p14:creationId xmlns:p14="http://schemas.microsoft.com/office/powerpoint/2010/main" val="3065749852"/>
-      </p:ext>
-    </p:extLst>
-  </p:cSld>
-  <p:clrMapOvr>
-    <a:masterClrMapping/>
-  </p:clrMapOvr>
-</p:notes>
-</file>
-
 <file path=ppt/slideLayouts/slideLayout1.xml><?xml version="1.0" encoding="utf-8"?>
 <p:sldLayout xmlns:a="http://schemas.openxmlformats.org/drawingml/2006/main" xmlns:r="http://schemas.openxmlformats.org/officeDocument/2006/relationships" xmlns:p="http://schemas.openxmlformats.org/presentationml/2006/main" preserve="1" userDrawn="1">
   <p:cSld name="Titelfolie mit Bild">
@@ -2747,217 +2088,6 @@
   <p:clrMapOvr>
     <a:masterClrMapping/>
   </p:clrMapOvr>
-</p:sldLayout>
-</file>
-
-<file path=ppt/slideLayouts/slideLayout12.xml><?xml version="1.0" encoding="utf-8"?>
-<p:sldLayout xmlns:a="http://schemas.openxmlformats.org/drawingml/2006/main" xmlns:r="http://schemas.openxmlformats.org/officeDocument/2006/relationships" xmlns:p="http://schemas.openxmlformats.org/presentationml/2006/main" userDrawn="1">
-  <p:cSld name="Bild/Text">
-    <p:spTree>
-      <p:nvGrpSpPr>
-        <p:cNvPr id="1" name=""/>
-        <p:cNvGrpSpPr/>
-        <p:nvPr/>
-      </p:nvGrpSpPr>
-      <p:grpSpPr>
-        <a:xfrm>
-          <a:off x="0" y="0"/>
-          <a:ext cx="0" cy="0"/>
-          <a:chOff x="0" y="0"/>
-          <a:chExt cx="0" cy="0"/>
-        </a:xfrm>
-      </p:grpSpPr>
-      <p:sp>
-        <p:nvSpPr>
-          <p:cNvPr id="3" name="Inhaltsplatzhalter 2"/>
-          <p:cNvSpPr>
-            <a:spLocks noGrp="1"/>
-          </p:cNvSpPr>
-          <p:nvPr>
-            <p:ph sz="half" idx="1"/>
-          </p:nvPr>
-        </p:nvSpPr>
-        <p:spPr>
-          <a:xfrm>
-            <a:off x="468000" y="1439999"/>
-            <a:ext cx="8100000" cy="4680000"/>
-          </a:xfrm>
-          <a:prstGeom prst="rect">
-            <a:avLst/>
-          </a:prstGeom>
-        </p:spPr>
-        <p:txBody>
-          <a:bodyPr lIns="0" rIns="0"/>
-          <a:lstStyle>
-            <a:lvl1pPr marL="271463" indent="-271463">
-              <a:buClr>
-                <a:srgbClr val="FAA500"/>
-              </a:buClr>
-              <a:buSzPct val="80000"/>
-              <a:buFont typeface="Lucida Grande"/>
-              <a:buChar char="▶"/>
-              <a:defRPr sz="1800">
-                <a:latin typeface="Lucida Sans"/>
-                <a:cs typeface="Lucida Sans"/>
-              </a:defRPr>
-            </a:lvl1pPr>
-            <a:lvl2pPr marL="742950" indent="-285750">
-              <a:buClr>
-                <a:srgbClr val="FAA500"/>
-              </a:buClr>
-              <a:buSzPct val="80000"/>
-              <a:buFont typeface="Lucida Grande"/>
-              <a:buChar char="▶"/>
-              <a:defRPr sz="1800">
-                <a:latin typeface="Lucida Sans"/>
-                <a:cs typeface="Lucida Sans"/>
-              </a:defRPr>
-            </a:lvl2pPr>
-            <a:lvl3pPr marL="1143000" indent="-228600">
-              <a:buClr>
-                <a:srgbClr val="FAA500"/>
-              </a:buClr>
-              <a:buSzPct val="80000"/>
-              <a:buFont typeface="Lucida Grande"/>
-              <a:buChar char="▶"/>
-              <a:defRPr sz="1800">
-                <a:latin typeface="Lucida Sans"/>
-                <a:cs typeface="Lucida Sans"/>
-              </a:defRPr>
-            </a:lvl3pPr>
-            <a:lvl4pPr marL="1600200" indent="-228600">
-              <a:buClr>
-                <a:srgbClr val="FAA500"/>
-              </a:buClr>
-              <a:buSzPct val="80000"/>
-              <a:buFont typeface="Lucida Grande"/>
-              <a:buChar char="▶"/>
-              <a:defRPr sz="1800">
-                <a:latin typeface="Lucida Sans"/>
-                <a:cs typeface="Lucida Sans"/>
-              </a:defRPr>
-            </a:lvl4pPr>
-            <a:lvl5pPr marL="2057400" indent="-228600">
-              <a:buClr>
-                <a:srgbClr val="FAA500"/>
-              </a:buClr>
-              <a:buSzPct val="80000"/>
-              <a:buFont typeface="Lucida Grande"/>
-              <a:buChar char="▶"/>
-              <a:defRPr sz="1800">
-                <a:latin typeface="Lucida Sans"/>
-                <a:cs typeface="Lucida Sans"/>
-              </a:defRPr>
-            </a:lvl5pPr>
-            <a:lvl6pPr>
-              <a:defRPr sz="1800"/>
-            </a:lvl6pPr>
-            <a:lvl7pPr>
-              <a:defRPr sz="1800"/>
-            </a:lvl7pPr>
-            <a:lvl8pPr>
-              <a:defRPr sz="1800"/>
-            </a:lvl8pPr>
-            <a:lvl9pPr>
-              <a:defRPr sz="1800"/>
-            </a:lvl9pPr>
-          </a:lstStyle>
-          <a:p>
-            <a:pPr lvl="0"/>
-            <a:r>
-              <a:rPr lang="de-DE" smtClean="0"/>
-              <a:t>Textmasterformat bearbeiten</a:t>
-            </a:r>
-          </a:p>
-          <a:p>
-            <a:pPr lvl="1"/>
-            <a:r>
-              <a:rPr lang="de-DE" smtClean="0"/>
-              <a:t>Zweite Ebene</a:t>
-            </a:r>
-          </a:p>
-          <a:p>
-            <a:pPr lvl="2"/>
-            <a:r>
-              <a:rPr lang="de-DE" smtClean="0"/>
-              <a:t>Dritte Ebene</a:t>
-            </a:r>
-          </a:p>
-          <a:p>
-            <a:pPr lvl="3"/>
-            <a:r>
-              <a:rPr lang="de-DE" smtClean="0"/>
-              <a:t>Vierte Ebene</a:t>
-            </a:r>
-          </a:p>
-          <a:p>
-            <a:pPr lvl="4"/>
-            <a:r>
-              <a:rPr lang="de-DE" smtClean="0"/>
-              <a:t>Fünfte Ebene</a:t>
-            </a:r>
-            <a:endParaRPr lang="de-DE" dirty="0"/>
-          </a:p>
-        </p:txBody>
-      </p:sp>
-      <p:sp>
-        <p:nvSpPr>
-          <p:cNvPr id="8" name="Titel 1"/>
-          <p:cNvSpPr>
-            <a:spLocks noGrp="1"/>
-          </p:cNvSpPr>
-          <p:nvPr>
-            <p:ph type="ctrTitle"/>
-          </p:nvPr>
-        </p:nvSpPr>
-        <p:spPr>
-          <a:xfrm>
-            <a:off x="468000" y="360000"/>
-            <a:ext cx="8100000" cy="540000"/>
-          </a:xfrm>
-          <a:prstGeom prst="rect">
-            <a:avLst/>
-          </a:prstGeom>
-        </p:spPr>
-        <p:txBody>
-          <a:bodyPr lIns="0" rIns="0"/>
-          <a:lstStyle>
-            <a:lvl1pPr algn="l">
-              <a:defRPr sz="2600" b="0" i="0">
-                <a:solidFill>
-                  <a:srgbClr val="697D91"/>
-                </a:solidFill>
-                <a:latin typeface="Lucida Sans"/>
-                <a:cs typeface="Lucida Sans"/>
-              </a:defRPr>
-            </a:lvl1pPr>
-          </a:lstStyle>
-          <a:p>
-            <a:r>
-              <a:rPr lang="de-DE" smtClean="0"/>
-              <a:t>Titelmasterformat durch Klicken bearbeiten</a:t>
-            </a:r>
-            <a:endParaRPr lang="de-DE" dirty="0"/>
-          </a:p>
-        </p:txBody>
-      </p:sp>
-    </p:spTree>
-    <p:extLst>
-      <p:ext uri="{BB962C8B-B14F-4D97-AF65-F5344CB8AC3E}">
-        <p14:creationId xmlns:p14="http://schemas.microsoft.com/office/powerpoint/2010/main" val="3631600827"/>
-      </p:ext>
-    </p:extLst>
-  </p:cSld>
-  <p:clrMapOvr>
-    <a:masterClrMapping/>
-  </p:clrMapOvr>
-  <p:timing>
-    <p:tnLst>
-      <p:par>
-        <p:cTn xmlns:p14="http://schemas.microsoft.com/office/powerpoint/2010/main" id="1" dur="indefinite" restart="never" nodeType="tmRoot"/>
-      </p:par>
-    </p:tnLst>
-  </p:timing>
 </p:sldLayout>
 </file>
 
@@ -7070,7 +6200,6 @@
     <p:sldLayoutId id="2147483788" r:id="rId9"/>
     <p:sldLayoutId id="2147483789" r:id="rId10"/>
     <p:sldLayoutId id="2147483790" r:id="rId11"/>
-    <p:sldLayoutId id="2147483795" r:id="rId12"/>
   </p:sldLayoutIdLst>
   <p:timing>
     <p:tnLst>
@@ -7547,11 +6676,7 @@
             </a:r>
             <a:r>
               <a:rPr lang="de-CH" b="1" dirty="0" err="1" smtClean="0"/>
-              <a:t>M</a:t>
-            </a:r>
-            <a:r>
-              <a:rPr lang="de-CH" b="1" dirty="0" err="1" smtClean="0"/>
-              <a:t>össner</a:t>
+              <a:t>Mössner</a:t>
             </a:r>
             <a:r>
               <a:rPr lang="de-CH" b="1" dirty="0" smtClean="0"/>
@@ -7573,11 +6698,7 @@
             </a:r>
             <a:r>
               <a:rPr lang="de-CH" b="1" dirty="0" err="1" smtClean="0"/>
-              <a:t>Zenh</a:t>
-            </a:r>
-            <a:r>
-              <a:rPr lang="de-CH" b="1" dirty="0" err="1" smtClean="0"/>
-              <a:t>äusern</a:t>
+              <a:t>Zenhäusern</a:t>
             </a:r>
             <a:endParaRPr lang="de-DE" b="1" dirty="0"/>
           </a:p>
@@ -7642,14 +6763,39 @@
           <a:chExt cx="0" cy="0"/>
         </a:xfrm>
       </p:grpSpPr>
-      <p:sp>
-        <p:nvSpPr>
-          <p:cNvPr id="2" name="Inhaltsplatzhalter 1"/>
-          <p:cNvSpPr>
-            <a:spLocks noGrp="1"/>
-          </p:cNvSpPr>
+      <p:pic>
+        <p:nvPicPr>
+          <p:cNvPr id="4" name="Inhaltsplatzhalter 3" descr="Screen Shot 2015-01-15 at 2.05.45 PM.png"/>
+          <p:cNvPicPr>
+            <a:picLocks noGrp="1" noChangeAspect="1"/>
+          </p:cNvPicPr>
           <p:nvPr>
             <p:ph sz="half" idx="1"/>
+          </p:nvPr>
+        </p:nvPicPr>
+        <p:blipFill>
+          <a:blip r:embed="rId2">
+            <a:extLst>
+              <a:ext uri="{28A0092B-C50C-407E-A947-70E740481C1C}">
+                <a14:useLocalDpi xmlns:a14="http://schemas.microsoft.com/office/drawing/2010/main" val="0"/>
+              </a:ext>
+            </a:extLst>
+          </a:blip>
+          <a:srcRect l="-5933" r="-5933"/>
+          <a:stretch>
+            <a:fillRect/>
+          </a:stretch>
+        </p:blipFill>
+        <p:spPr/>
+      </p:pic>
+      <p:sp>
+        <p:nvSpPr>
+          <p:cNvPr id="3" name="Titel 2"/>
+          <p:cNvSpPr>
+            <a:spLocks noGrp="1"/>
+          </p:cNvSpPr>
+          <p:nvPr>
+            <p:ph type="ctrTitle"/>
           </p:nvPr>
         </p:nvSpPr>
         <p:spPr/>
@@ -7657,117 +6803,18 @@
           <a:bodyPr/>
           <a:lstStyle/>
           <a:p>
-            <a:pPr marL="0" indent="0">
-              <a:buNone/>
-            </a:pPr>
-            <a:r>
-              <a:rPr lang="de-DE" b="1" dirty="0"/>
-              <a:t>Bachelorstudiengänge</a:t>
-            </a:r>
-          </a:p>
-          <a:p>
-            <a:r>
-              <a:rPr lang="de-CH" dirty="0"/>
-              <a:t>Architektur</a:t>
-            </a:r>
-          </a:p>
-          <a:p>
-            <a:r>
-              <a:rPr lang="de-CH" dirty="0"/>
-              <a:t>Holztechnik</a:t>
-            </a:r>
-          </a:p>
-          <a:p>
-            <a:r>
-              <a:rPr lang="de-CH" dirty="0"/>
-              <a:t>Bauingenieurwesen</a:t>
-            </a:r>
-          </a:p>
-          <a:p>
-            <a:endParaRPr lang="de-CH" dirty="0"/>
-          </a:p>
-          <a:p>
-            <a:pPr marL="0" indent="0">
-              <a:buNone/>
-            </a:pPr>
-            <a:r>
-              <a:rPr lang="de-CH" b="1" dirty="0"/>
-              <a:t>Masterstudiengänge</a:t>
-            </a:r>
-          </a:p>
-          <a:p>
-            <a:r>
-              <a:rPr lang="de-CH" dirty="0"/>
-              <a:t>Engineering</a:t>
-            </a:r>
-          </a:p>
-          <a:p>
-            <a:r>
-              <a:rPr lang="de-CH" dirty="0" err="1"/>
-              <a:t>Architecture</a:t>
-            </a:r>
-            <a:endParaRPr lang="de-CH" dirty="0"/>
-          </a:p>
-          <a:p>
-            <a:r>
-              <a:rPr lang="de-CH" dirty="0"/>
-              <a:t>Wood Technology</a:t>
-            </a:r>
-          </a:p>
-          <a:p>
-            <a:endParaRPr lang="de-CH" dirty="0"/>
-          </a:p>
-          <a:p>
-            <a:pPr marL="0" indent="0">
-              <a:buNone/>
-            </a:pPr>
-            <a:r>
-              <a:rPr lang="de-CH" b="1" dirty="0"/>
-              <a:t>Anzahl Studierende</a:t>
-            </a:r>
-          </a:p>
-          <a:p>
-            <a:r>
-              <a:rPr lang="de-CH" dirty="0" smtClean="0"/>
-              <a:t>668 </a:t>
-            </a:r>
-            <a:r>
-              <a:rPr lang="de-CH" dirty="0"/>
-              <a:t>Studierende (Frauenanteil: 22 Prozent)</a:t>
-            </a:r>
-          </a:p>
-          <a:p>
-            <a:endParaRPr lang="de-CH" dirty="0"/>
-          </a:p>
-        </p:txBody>
-      </p:sp>
-      <p:sp>
-        <p:nvSpPr>
-          <p:cNvPr id="3" name="Titel 2"/>
-          <p:cNvSpPr>
-            <a:spLocks noGrp="1"/>
-          </p:cNvSpPr>
-          <p:nvPr>
-            <p:ph type="ctrTitle"/>
-          </p:nvPr>
-        </p:nvSpPr>
-        <p:spPr/>
-        <p:txBody>
-          <a:bodyPr/>
-          <a:lstStyle/>
-          <a:p>
-            <a:r>
-              <a:rPr lang="de-DE" b="1" dirty="0"/>
-              <a:t>Architektur, Holz und Bau</a:t>
-            </a:r>
-            <a:endParaRPr lang="de-CH" dirty="0"/>
+            <a:r>
+              <a:rPr lang="de-DE" dirty="0" smtClean="0"/>
+              <a:t>Florian &amp; Philipp</a:t>
+            </a:r>
+            <a:endParaRPr lang="de-DE" dirty="0"/>
           </a:p>
         </p:txBody>
       </p:sp>
     </p:spTree>
     <p:extLst>
       <p:ext uri="{BB962C8B-B14F-4D97-AF65-F5344CB8AC3E}">
-        <p14:creationId xmlns:p14="http://schemas.microsoft.com/office/powerpoint/2010/main" val="3709291995"/>
+        <p14:creationId xmlns:p14="http://schemas.microsoft.com/office/powerpoint/2010/main" val="1241187421"/>
       </p:ext>
     </p:extLst>
   </p:cSld>
@@ -7809,7 +6856,10 @@
           <a:bodyPr/>
           <a:lstStyle/>
           <a:p>
-            <a:endParaRPr lang="de-CH" dirty="0"/>
+            <a:pPr marL="0" indent="0">
+              <a:buNone/>
+            </a:pPr>
+            <a:endParaRPr lang="de-DE" dirty="0"/>
           </a:p>
         </p:txBody>
       </p:sp>
@@ -7823,36 +6873,28 @@
             <p:ph type="ctrTitle"/>
           </p:nvPr>
         </p:nvSpPr>
-        <p:spPr>
-          <a:xfrm>
-            <a:off x="468000" y="359999"/>
-            <a:ext cx="8100000" cy="906825"/>
-          </a:xfrm>
-        </p:spPr>
+        <p:spPr/>
         <p:txBody>
           <a:bodyPr/>
           <a:lstStyle/>
           <a:p>
             <a:r>
-              <a:rPr lang="de-CH" b="1" dirty="0"/>
-              <a:t>Hochschule für Agrar-, Forst- und Lebensmittelwissenschaften </a:t>
-            </a:r>
-            <a:r>
-              <a:rPr lang="de-CH" dirty="0"/>
-              <a:t>(Zollikofen)</a:t>
-            </a:r>
+              <a:rPr lang="de-DE" dirty="0" smtClean="0"/>
+              <a:t>Florian &amp; Philipp</a:t>
+            </a:r>
+            <a:endParaRPr lang="de-DE" dirty="0"/>
           </a:p>
         </p:txBody>
       </p:sp>
       <p:pic>
         <p:nvPicPr>
-          <p:cNvPr id="6146" name="Picture 2"/>
+          <p:cNvPr id="4" name="Bild 3" descr="Screen Shot 2015-01-15 at 2.13.47 PM.png"/>
           <p:cNvPicPr>
-            <a:picLocks noChangeAspect="1" noChangeArrowheads="1"/>
+            <a:picLocks noChangeAspect="1"/>
           </p:cNvPicPr>
           <p:nvPr/>
         </p:nvPicPr>
-        <p:blipFill>
+        <p:blipFill rotWithShape="1">
           <a:blip r:embed="rId2">
             <a:extLst>
               <a:ext uri="{28A0092B-C50C-407E-A947-70E740481C1C}">
@@ -7861,47 +6903,22 @@
             </a:extLst>
           </a:blip>
           <a:srcRect/>
-          <a:stretch>
-            <a:fillRect/>
-          </a:stretch>
+          <a:stretch/>
         </p:blipFill>
-        <p:spPr bwMode="auto">
+        <p:spPr>
           <a:xfrm>
-            <a:off x="468000" y="1439999"/>
-            <a:ext cx="7036212" cy="4680000"/>
+            <a:off x="825500" y="1287599"/>
+            <a:ext cx="6959600" cy="4457700"/>
           </a:xfrm>
           <a:prstGeom prst="rect">
             <a:avLst/>
           </a:prstGeom>
-          <a:noFill/>
-          <a:ln>
-            <a:noFill/>
-          </a:ln>
-          <a:extLst>
-            <a:ext uri="{909E8E84-426E-40dd-AFC4-6F175D3DCCD1}">
-              <a14:hiddenFill xmlns:a14="http://schemas.microsoft.com/office/drawing/2010/main">
-                <a:solidFill>
-                  <a:schemeClr val="accent1"/>
-                </a:solidFill>
-              </a14:hiddenFill>
-            </a:ext>
-            <a:ext uri="{91240B29-F687-4f45-9708-019B960494DF}">
-              <a14:hiddenLine xmlns:a14="http://schemas.microsoft.com/office/drawing/2010/main" w="9525">
-                <a:solidFill>
-                  <a:schemeClr val="tx1"/>
-                </a:solidFill>
-                <a:miter lim="800000"/>
-                <a:headEnd/>
-                <a:tailEnd/>
-              </a14:hiddenLine>
-            </a:ext>
-          </a:extLst>
         </p:spPr>
       </p:pic>
     </p:spTree>
     <p:extLst>
       <p:ext uri="{BB962C8B-B14F-4D97-AF65-F5344CB8AC3E}">
-        <p14:creationId xmlns:p14="http://schemas.microsoft.com/office/powerpoint/2010/main" val="4124948362"/>
+        <p14:creationId xmlns:p14="http://schemas.microsoft.com/office/powerpoint/2010/main" val="3912749275"/>
       </p:ext>
     </p:extLst>
   </p:cSld>
@@ -7930,12 +6947,12 @@
       </p:grpSpPr>
       <p:sp>
         <p:nvSpPr>
-          <p:cNvPr id="2" name="Inhaltsplatzhalter 1"/>
-          <p:cNvSpPr>
-            <a:spLocks noGrp="1"/>
-          </p:cNvSpPr>
-          <p:nvPr>
-            <p:ph sz="half" idx="1"/>
+          <p:cNvPr id="2" name="Titel 1"/>
+          <p:cNvSpPr>
+            <a:spLocks noGrp="1"/>
+          </p:cNvSpPr>
+          <p:nvPr>
+            <p:ph type="ctrTitle"/>
           </p:nvPr>
         </p:nvSpPr>
         <p:spPr/>
@@ -7943,125 +6960,49 @@
           <a:bodyPr/>
           <a:lstStyle/>
           <a:p>
-            <a:pPr marL="0" indent="0">
-              <a:buNone/>
-            </a:pPr>
-            <a:r>
-              <a:rPr lang="de-DE" b="1" dirty="0"/>
-              <a:t>Bachelorstudiengänge</a:t>
-            </a:r>
-          </a:p>
-          <a:p>
-            <a:r>
-              <a:rPr lang="de-CH" dirty="0"/>
-              <a:t>Agronomie</a:t>
-            </a:r>
-          </a:p>
-          <a:p>
-            <a:r>
-              <a:rPr lang="de-CH" dirty="0"/>
-              <a:t>Forstwirtschaft</a:t>
-            </a:r>
-          </a:p>
-          <a:p>
-            <a:r>
-              <a:rPr lang="de-CH" dirty="0"/>
-              <a:t>Food Science &amp; Management (Lebensmitteltechnologie)</a:t>
-            </a:r>
-          </a:p>
-          <a:p>
-            <a:endParaRPr lang="de-CH" dirty="0"/>
-          </a:p>
-          <a:p>
-            <a:pPr marL="0" indent="0">
-              <a:buNone/>
-            </a:pPr>
-            <a:r>
-              <a:rPr lang="de-CH" b="1" dirty="0"/>
-              <a:t>Masterstudiengang</a:t>
-            </a:r>
-          </a:p>
-          <a:p>
-            <a:r>
-              <a:rPr lang="de-CH" dirty="0"/>
-              <a:t>Life </a:t>
-            </a:r>
-            <a:r>
-              <a:rPr lang="de-CH" dirty="0" err="1"/>
-              <a:t>Sciences</a:t>
-            </a:r>
-            <a:endParaRPr lang="de-CH" dirty="0"/>
-          </a:p>
-          <a:p>
-            <a:endParaRPr lang="de-CH" dirty="0"/>
-          </a:p>
-          <a:p>
-            <a:pPr marL="0" indent="0">
-              <a:buNone/>
-            </a:pPr>
-            <a:r>
-              <a:rPr lang="de-CH" b="1" dirty="0"/>
-              <a:t>Anzahl Studierende</a:t>
-            </a:r>
-          </a:p>
-          <a:p>
-            <a:r>
-              <a:rPr lang="de-CH" dirty="0" smtClean="0"/>
-              <a:t>543 </a:t>
-            </a:r>
-            <a:r>
-              <a:rPr lang="de-CH" dirty="0"/>
-              <a:t>Studierende (Frauenanteil: </a:t>
-            </a:r>
-            <a:r>
-              <a:rPr lang="de-CH" dirty="0" smtClean="0"/>
-              <a:t>44 </a:t>
-            </a:r>
-            <a:r>
-              <a:rPr lang="de-CH" dirty="0"/>
-              <a:t>Prozent)</a:t>
-            </a:r>
-          </a:p>
-          <a:p>
-            <a:endParaRPr lang="de-CH" dirty="0"/>
-          </a:p>
-          <a:p>
-            <a:endParaRPr lang="de-CH" dirty="0"/>
-          </a:p>
-        </p:txBody>
-      </p:sp>
-      <p:sp>
-        <p:nvSpPr>
-          <p:cNvPr id="3" name="Titel 2"/>
-          <p:cNvSpPr>
-            <a:spLocks noGrp="1"/>
-          </p:cNvSpPr>
-          <p:nvPr>
-            <p:ph type="ctrTitle"/>
-          </p:nvPr>
-        </p:nvSpPr>
-        <p:spPr>
-          <a:xfrm>
-            <a:off x="468000" y="359999"/>
-            <a:ext cx="8100000" cy="1002075"/>
-          </a:xfrm>
-        </p:spPr>
+            <a:r>
+              <a:rPr lang="de-DE" dirty="0" err="1" smtClean="0"/>
+              <a:t>Lessons</a:t>
+            </a:r>
+            <a:r>
+              <a:rPr lang="de-DE" dirty="0" smtClean="0"/>
+              <a:t> </a:t>
+            </a:r>
+            <a:r>
+              <a:rPr lang="de-DE" dirty="0" err="1"/>
+              <a:t>l</a:t>
+            </a:r>
+            <a:r>
+              <a:rPr lang="de-DE" dirty="0" err="1" smtClean="0"/>
+              <a:t>earned</a:t>
+            </a:r>
+            <a:endParaRPr lang="de-DE" dirty="0"/>
+          </a:p>
+        </p:txBody>
+      </p:sp>
+      <p:sp>
+        <p:nvSpPr>
+          <p:cNvPr id="3" name="Untertitel 2"/>
+          <p:cNvSpPr>
+            <a:spLocks noGrp="1"/>
+          </p:cNvSpPr>
+          <p:nvPr>
+            <p:ph type="subTitle" idx="1"/>
+          </p:nvPr>
+        </p:nvSpPr>
+        <p:spPr/>
         <p:txBody>
           <a:bodyPr/>
           <a:lstStyle/>
           <a:p>
-            <a:r>
-              <a:rPr lang="de-CH" b="1" dirty="0"/>
-              <a:t>Hochschule für Agrar-, Forst- und Lebensmittelwissenschaften</a:t>
-            </a:r>
-            <a:endParaRPr lang="de-CH" dirty="0"/>
+            <a:endParaRPr lang="de-DE" dirty="0"/>
           </a:p>
         </p:txBody>
       </p:sp>
     </p:spTree>
     <p:extLst>
       <p:ext uri="{BB962C8B-B14F-4D97-AF65-F5344CB8AC3E}">
-        <p14:creationId xmlns:p14="http://schemas.microsoft.com/office/powerpoint/2010/main" val="3187175710"/>
+        <p14:creationId xmlns:p14="http://schemas.microsoft.com/office/powerpoint/2010/main" val="3459259714"/>
       </p:ext>
     </p:extLst>
   </p:cSld>
@@ -8103,7 +7044,7 @@
           <a:bodyPr/>
           <a:lstStyle/>
           <a:p>
-            <a:endParaRPr lang="de-CH" dirty="0"/>
+            <a:endParaRPr lang="de-DE"/>
           </a:p>
         </p:txBody>
       </p:sp>
@@ -8123,85 +7064,17 @@
           <a:lstStyle/>
           <a:p>
             <a:r>
-              <a:rPr lang="de-CH" b="1" dirty="0"/>
-              <a:t>Hochschule der Künste </a:t>
-            </a:r>
-            <a:r>
-              <a:rPr lang="de-CH" b="1" dirty="0" smtClean="0"/>
-              <a:t>Bern</a:t>
-            </a:r>
-            <a:br>
-              <a:rPr lang="de-CH" b="1" dirty="0" smtClean="0"/>
-            </a:br>
-            <a:r>
-              <a:rPr lang="de-CH" dirty="0" smtClean="0"/>
-              <a:t>(Bern/Biel</a:t>
-            </a:r>
-            <a:r>
-              <a:rPr lang="de-CH" dirty="0"/>
-              <a:t>)</a:t>
-            </a:r>
-          </a:p>
-        </p:txBody>
-      </p:sp>
-      <p:pic>
-        <p:nvPicPr>
-          <p:cNvPr id="5122" name="Picture 2"/>
-          <p:cNvPicPr>
-            <a:picLocks noChangeAspect="1" noChangeArrowheads="1"/>
-          </p:cNvPicPr>
-          <p:nvPr/>
-        </p:nvPicPr>
-        <p:blipFill>
-          <a:blip r:embed="rId2">
-            <a:extLst>
-              <a:ext uri="{28A0092B-C50C-407E-A947-70E740481C1C}">
-                <a14:useLocalDpi xmlns:a14="http://schemas.microsoft.com/office/drawing/2010/main" val="0"/>
-              </a:ext>
-            </a:extLst>
-          </a:blip>
-          <a:srcRect/>
-          <a:stretch>
-            <a:fillRect/>
-          </a:stretch>
-        </p:blipFill>
-        <p:spPr bwMode="auto">
-          <a:xfrm>
-            <a:off x="467999" y="1439999"/>
-            <a:ext cx="7358897" cy="4680000"/>
-          </a:xfrm>
-          <a:prstGeom prst="rect">
-            <a:avLst/>
-          </a:prstGeom>
-          <a:noFill/>
-          <a:ln>
-            <a:noFill/>
-          </a:ln>
-          <a:extLst>
-            <a:ext uri="{909E8E84-426E-40dd-AFC4-6F175D3DCCD1}">
-              <a14:hiddenFill xmlns:a14="http://schemas.microsoft.com/office/drawing/2010/main">
-                <a:solidFill>
-                  <a:schemeClr val="accent1"/>
-                </a:solidFill>
-              </a14:hiddenFill>
-            </a:ext>
-            <a:ext uri="{91240B29-F687-4f45-9708-019B960494DF}">
-              <a14:hiddenLine xmlns:a14="http://schemas.microsoft.com/office/drawing/2010/main" w="9525">
-                <a:solidFill>
-                  <a:schemeClr val="tx1"/>
-                </a:solidFill>
-                <a:miter lim="800000"/>
-                <a:headEnd/>
-                <a:tailEnd/>
-              </a14:hiddenLine>
-            </a:ext>
-          </a:extLst>
-        </p:spPr>
-      </p:pic>
+              <a:rPr lang="de-DE" dirty="0" smtClean="0"/>
+              <a:t>Storyboard</a:t>
+            </a:r>
+            <a:endParaRPr lang="de-DE" dirty="0"/>
+          </a:p>
+        </p:txBody>
+      </p:sp>
     </p:spTree>
     <p:extLst>
       <p:ext uri="{BB962C8B-B14F-4D97-AF65-F5344CB8AC3E}">
-        <p14:creationId xmlns:p14="http://schemas.microsoft.com/office/powerpoint/2010/main" val="4239299926"/>
+        <p14:creationId xmlns:p14="http://schemas.microsoft.com/office/powerpoint/2010/main" val="97093273"/>
       </p:ext>
     </p:extLst>
   </p:cSld>
@@ -8243,64 +7116,33 @@
           <a:bodyPr/>
           <a:lstStyle/>
           <a:p>
-            <a:pPr marL="0" indent="0">
-              <a:buNone/>
-            </a:pPr>
-            <a:r>
-              <a:rPr lang="de-DE" b="1" dirty="0"/>
-              <a:t>Bachelorstudiengänge</a:t>
-            </a:r>
-          </a:p>
-          <a:p>
-            <a:r>
-              <a:rPr lang="de-CH" dirty="0"/>
-              <a:t>Musik</a:t>
-            </a:r>
-          </a:p>
-          <a:p>
-            <a:r>
-              <a:rPr lang="de-CH" dirty="0"/>
-              <a:t>Musik und Bewegung/Rhythmik</a:t>
-            </a:r>
-          </a:p>
-          <a:p>
-            <a:r>
-              <a:rPr lang="de-CH" dirty="0"/>
-              <a:t>Kunst</a:t>
-            </a:r>
-          </a:p>
-          <a:p>
-            <a:r>
-              <a:rPr lang="de-CH" dirty="0"/>
-              <a:t>Vermittlung in Kunst und Design</a:t>
-            </a:r>
-          </a:p>
-          <a:p>
-            <a:r>
-              <a:rPr lang="de-CH" dirty="0"/>
-              <a:t>Theater</a:t>
-            </a:r>
-          </a:p>
-          <a:p>
-            <a:r>
-              <a:rPr lang="de-CH" dirty="0"/>
-              <a:t>Literarisches Schreiben</a:t>
-            </a:r>
-          </a:p>
-          <a:p>
-            <a:r>
-              <a:rPr lang="de-CH" dirty="0"/>
-              <a:t>Visuelle Kommunikation</a:t>
-            </a:r>
-          </a:p>
-          <a:p>
-            <a:r>
-              <a:rPr lang="de-CH" dirty="0"/>
-              <a:t>Konservierung</a:t>
-            </a:r>
-          </a:p>
-          <a:p>
-            <a:endParaRPr lang="de-CH" dirty="0"/>
+            <a:r>
+              <a:rPr lang="de-DE" dirty="0" smtClean="0"/>
+              <a:t>Wichtig diese genau aufzunehmen</a:t>
+            </a:r>
+          </a:p>
+          <a:p>
+            <a:r>
+              <a:rPr lang="de-DE" dirty="0" smtClean="0"/>
+              <a:t>Vor dem Programmieren die Funktionen definieren und evaluieren</a:t>
+            </a:r>
+          </a:p>
+          <a:p>
+            <a:r>
+              <a:rPr lang="de-DE" dirty="0" smtClean="0"/>
+              <a:t>Fachpersonen befragen</a:t>
+            </a:r>
+          </a:p>
+          <a:p>
+            <a:r>
+              <a:rPr lang="de-DE" dirty="0" smtClean="0"/>
+              <a:t>Gen</a:t>
+            </a:r>
+            <a:r>
+              <a:rPr lang="de-DE" dirty="0" smtClean="0"/>
+              <a:t>ügend Zeit für diesen Teil aufwänden</a:t>
+            </a:r>
+            <a:endParaRPr lang="de-DE" dirty="0"/>
           </a:p>
         </p:txBody>
       </p:sp>
@@ -8320,17 +7162,17 @@
           <a:lstStyle/>
           <a:p>
             <a:r>
-              <a:rPr lang="de-CH" b="1" dirty="0"/>
-              <a:t>Hochschule der Künste Bern I</a:t>
-            </a:r>
-            <a:endParaRPr lang="de-CH" dirty="0"/>
+              <a:rPr lang="de-DE" dirty="0" err="1" smtClean="0"/>
+              <a:t>Requirements</a:t>
+            </a:r>
+            <a:endParaRPr lang="de-DE" dirty="0"/>
           </a:p>
         </p:txBody>
       </p:sp>
     </p:spTree>
     <p:extLst>
       <p:ext uri="{BB962C8B-B14F-4D97-AF65-F5344CB8AC3E}">
-        <p14:creationId xmlns:p14="http://schemas.microsoft.com/office/powerpoint/2010/main" val="3215048139"/>
+        <p14:creationId xmlns:p14="http://schemas.microsoft.com/office/powerpoint/2010/main" val="1164418424"/>
       </p:ext>
     </p:extLst>
   </p:cSld>
@@ -8372,140 +7214,27 @@
           <a:bodyPr/>
           <a:lstStyle/>
           <a:p>
-            <a:pPr marL="0" indent="0">
-              <a:buNone/>
-            </a:pPr>
-            <a:r>
-              <a:rPr lang="de-DE" sz="1600" b="1" dirty="0"/>
-              <a:t>Masterstudiengänge</a:t>
-            </a:r>
-          </a:p>
-          <a:p>
-            <a:r>
-              <a:rPr lang="de-CH" sz="1600" dirty="0"/>
-              <a:t>Music Performance</a:t>
-            </a:r>
-          </a:p>
-          <a:p>
-            <a:r>
-              <a:rPr lang="de-CH" sz="1600" dirty="0" err="1"/>
-              <a:t>Specialized</a:t>
-            </a:r>
-            <a:r>
-              <a:rPr lang="de-CH" sz="1600" dirty="0"/>
-              <a:t> Music Performance</a:t>
-            </a:r>
-          </a:p>
-          <a:p>
-            <a:r>
-              <a:rPr lang="de-CH" sz="1600" dirty="0"/>
-              <a:t>Music </a:t>
-            </a:r>
-            <a:r>
-              <a:rPr lang="de-CH" sz="1600" dirty="0" err="1"/>
-              <a:t>Pedagogy</a:t>
-            </a:r>
-            <a:endParaRPr lang="de-CH" sz="1600" dirty="0"/>
-          </a:p>
-          <a:p>
-            <a:r>
-              <a:rPr lang="de-CH" sz="1600" dirty="0" err="1"/>
-              <a:t>Composition</a:t>
-            </a:r>
-            <a:r>
-              <a:rPr lang="de-CH" sz="1600" dirty="0"/>
-              <a:t>/</a:t>
-            </a:r>
-            <a:r>
-              <a:rPr lang="de-CH" sz="1600" dirty="0" err="1"/>
-              <a:t>Theory</a:t>
-            </a:r>
-            <a:endParaRPr lang="de-CH" sz="1600" dirty="0"/>
-          </a:p>
-          <a:p>
-            <a:r>
-              <a:rPr lang="de-CH" sz="1600" dirty="0"/>
-              <a:t>Contemporary </a:t>
-            </a:r>
-            <a:r>
-              <a:rPr lang="de-CH" sz="1600" dirty="0" err="1"/>
-              <a:t>Arts</a:t>
-            </a:r>
-            <a:r>
-              <a:rPr lang="de-CH" sz="1600" dirty="0"/>
-              <a:t> Practice</a:t>
-            </a:r>
-          </a:p>
-          <a:p>
-            <a:r>
-              <a:rPr lang="de-CH" sz="1600" dirty="0" err="1"/>
-              <a:t>Conservation</a:t>
-            </a:r>
-            <a:r>
-              <a:rPr lang="de-CH" sz="1600" dirty="0"/>
-              <a:t>-Restoration</a:t>
-            </a:r>
-          </a:p>
-          <a:p>
-            <a:r>
-              <a:rPr lang="de-CH" sz="1600" dirty="0"/>
-              <a:t>Communication Design</a:t>
-            </a:r>
-          </a:p>
-          <a:p>
-            <a:r>
-              <a:rPr lang="de-CH" sz="1600" dirty="0"/>
-              <a:t>Theater</a:t>
-            </a:r>
-          </a:p>
-          <a:p>
-            <a:r>
-              <a:rPr lang="de-CH" sz="1600" dirty="0"/>
-              <a:t>Art Education</a:t>
-            </a:r>
-          </a:p>
-          <a:p>
-            <a:endParaRPr lang="de-CH" sz="1600" dirty="0"/>
-          </a:p>
-          <a:p>
-            <a:pPr marL="0" indent="0">
-              <a:buNone/>
-            </a:pPr>
-            <a:r>
-              <a:rPr lang="de-CH" sz="1600" b="1" dirty="0"/>
-              <a:t>Anzahl Studierende</a:t>
-            </a:r>
-          </a:p>
-          <a:p>
-            <a:r>
-              <a:rPr lang="de-CH" sz="1600" dirty="0" smtClean="0"/>
-              <a:t>1036 </a:t>
-            </a:r>
-            <a:r>
-              <a:rPr lang="de-CH" sz="1600" dirty="0"/>
-              <a:t>Studierende (Frauenanteil: 60 Prozent)</a:t>
-            </a:r>
-          </a:p>
-          <a:p>
-            <a:endParaRPr lang="de-CH" sz="1600" dirty="0"/>
-          </a:p>
-          <a:p>
-            <a:pPr marL="0" indent="0">
-              <a:buNone/>
-            </a:pPr>
-            <a:r>
-              <a:rPr lang="de-CH" sz="1600" b="1" dirty="0"/>
-              <a:t>Aufnahme</a:t>
-            </a:r>
-          </a:p>
-          <a:p>
-            <a:r>
-              <a:rPr lang="de-CH" sz="1600" dirty="0"/>
-              <a:t>Numerus Clausus mit Fokus auf künstlerischem Talent</a:t>
-            </a:r>
-          </a:p>
-          <a:p>
-            <a:endParaRPr lang="de-CH" sz="1600" dirty="0"/>
+            <a:r>
+              <a:rPr lang="de-DE" dirty="0" smtClean="0"/>
+              <a:t>Ansprechende Gestaltung ist Zeitintensiv</a:t>
+            </a:r>
+          </a:p>
+          <a:p>
+            <a:r>
+              <a:rPr lang="de-DE" dirty="0" smtClean="0"/>
+              <a:t>Verschiedene Ansichten im Team bez. Design</a:t>
+            </a:r>
+          </a:p>
+          <a:p>
+            <a:r>
+              <a:rPr lang="de-DE" dirty="0" smtClean="0"/>
+              <a:t>Stetige Ver</a:t>
+            </a:r>
+            <a:r>
+              <a:rPr lang="de-DE" dirty="0" smtClean="0"/>
+              <a:t>änderungen</a:t>
+            </a:r>
+            <a:endParaRPr lang="de-DE" dirty="0"/>
           </a:p>
         </p:txBody>
       </p:sp>
@@ -8525,17 +7254,17 @@
           <a:lstStyle/>
           <a:p>
             <a:r>
-              <a:rPr lang="de-CH" b="1" dirty="0"/>
-              <a:t>Hochschule der Künste Bern II</a:t>
-            </a:r>
-            <a:endParaRPr lang="de-CH" dirty="0"/>
+              <a:rPr lang="de-DE" dirty="0" smtClean="0"/>
+              <a:t>Design</a:t>
+            </a:r>
+            <a:endParaRPr lang="de-DE" dirty="0"/>
           </a:p>
         </p:txBody>
       </p:sp>
     </p:spTree>
     <p:extLst>
       <p:ext uri="{BB962C8B-B14F-4D97-AF65-F5344CB8AC3E}">
-        <p14:creationId xmlns:p14="http://schemas.microsoft.com/office/powerpoint/2010/main" val="781514821"/>
+        <p14:creationId xmlns:p14="http://schemas.microsoft.com/office/powerpoint/2010/main" val="1922702635"/>
       </p:ext>
     </p:extLst>
   </p:cSld>
@@ -8577,7 +7306,38 @@
           <a:bodyPr/>
           <a:lstStyle/>
           <a:p>
-            <a:endParaRPr lang="de-CH" dirty="0"/>
+            <a:r>
+              <a:rPr lang="de-DE" dirty="0" smtClean="0"/>
+              <a:t>Aufw</a:t>
+            </a:r>
+            <a:r>
+              <a:rPr lang="de-DE" dirty="0" smtClean="0"/>
+              <a:t>ändig</a:t>
+            </a:r>
+          </a:p>
+          <a:p>
+            <a:r>
+              <a:rPr lang="de-DE" dirty="0" smtClean="0"/>
+              <a:t>Vielschichtig</a:t>
+            </a:r>
+          </a:p>
+          <a:p>
+            <a:r>
+              <a:rPr lang="de-DE" dirty="0" err="1" smtClean="0"/>
+              <a:t>Eclipse</a:t>
+            </a:r>
+            <a:r>
+              <a:rPr lang="de-DE" dirty="0"/>
+              <a:t> </a:t>
+            </a:r>
+            <a:r>
+              <a:rPr lang="de-DE" dirty="0" err="1" smtClean="0"/>
+              <a:t>probleme</a:t>
+            </a:r>
+            <a:endParaRPr lang="de-DE" dirty="0" smtClean="0"/>
+          </a:p>
+          <a:p>
+            <a:endParaRPr lang="de-DE" dirty="0"/>
           </a:p>
         </p:txBody>
       </p:sp>
@@ -8597,82 +7357,17 @@
           <a:lstStyle/>
           <a:p>
             <a:r>
-              <a:rPr lang="de-DE" b="1" dirty="0"/>
-              <a:t>Technik und </a:t>
-            </a:r>
-            <a:r>
-              <a:rPr lang="de-DE" b="1" dirty="0" smtClean="0"/>
-              <a:t>Informatik</a:t>
-            </a:r>
-            <a:br>
-              <a:rPr lang="de-DE" b="1" dirty="0" smtClean="0"/>
-            </a:br>
-            <a:r>
               <a:rPr lang="de-DE" dirty="0" smtClean="0"/>
-              <a:t>(Biel/Burgdorf/Bern)</a:t>
-            </a:r>
-            <a:endParaRPr lang="de-CH" dirty="0"/>
-          </a:p>
-        </p:txBody>
-      </p:sp>
-      <p:pic>
-        <p:nvPicPr>
-          <p:cNvPr id="2050" name="Picture 2"/>
-          <p:cNvPicPr>
-            <a:picLocks noChangeAspect="1" noChangeArrowheads="1"/>
-          </p:cNvPicPr>
-          <p:nvPr/>
-        </p:nvPicPr>
-        <p:blipFill>
-          <a:blip r:embed="rId2">
-            <a:extLst>
-              <a:ext uri="{28A0092B-C50C-407E-A947-70E740481C1C}">
-                <a14:useLocalDpi xmlns:a14="http://schemas.microsoft.com/office/drawing/2010/main" val="0"/>
-              </a:ext>
-            </a:extLst>
-          </a:blip>
-          <a:srcRect/>
-          <a:stretch>
-            <a:fillRect/>
-          </a:stretch>
-        </p:blipFill>
-        <p:spPr bwMode="auto">
-          <a:xfrm>
-            <a:off x="468000" y="1439999"/>
-            <a:ext cx="7036212" cy="4680000"/>
-          </a:xfrm>
-          <a:prstGeom prst="rect">
-            <a:avLst/>
-          </a:prstGeom>
-          <a:noFill/>
-          <a:ln>
-            <a:noFill/>
-          </a:ln>
-          <a:extLst>
-            <a:ext uri="{909E8E84-426E-40dd-AFC4-6F175D3DCCD1}">
-              <a14:hiddenFill xmlns:a14="http://schemas.microsoft.com/office/drawing/2010/main">
-                <a:solidFill>
-                  <a:schemeClr val="accent1"/>
-                </a:solidFill>
-              </a14:hiddenFill>
-            </a:ext>
-            <a:ext uri="{91240B29-F687-4f45-9708-019B960494DF}">
-              <a14:hiddenLine xmlns:a14="http://schemas.microsoft.com/office/drawing/2010/main" w="9525">
-                <a:solidFill>
-                  <a:schemeClr val="tx1"/>
-                </a:solidFill>
-                <a:miter lim="800000"/>
-                <a:headEnd/>
-                <a:tailEnd/>
-              </a14:hiddenLine>
-            </a:ext>
-          </a:extLst>
-        </p:spPr>
-      </p:pic>
+              <a:t>Implementation</a:t>
+            </a:r>
+            <a:endParaRPr lang="de-DE" dirty="0"/>
+          </a:p>
+        </p:txBody>
+      </p:sp>
     </p:spTree>
     <p:extLst>
       <p:ext uri="{BB962C8B-B14F-4D97-AF65-F5344CB8AC3E}">
-        <p14:creationId xmlns:p14="http://schemas.microsoft.com/office/powerpoint/2010/main" val="388385551"/>
+        <p14:creationId xmlns:p14="http://schemas.microsoft.com/office/powerpoint/2010/main" val="1128572826"/>
       </p:ext>
     </p:extLst>
   </p:cSld>
@@ -8714,98 +7409,31 @@
           <a:bodyPr/>
           <a:lstStyle/>
           <a:p>
-            <a:pPr marL="0" indent="0">
-              <a:buNone/>
-            </a:pPr>
-            <a:r>
-              <a:rPr lang="de-DE" b="1" dirty="0"/>
-              <a:t>Bachelorstudiengänge</a:t>
-            </a:r>
-          </a:p>
-          <a:p>
-            <a:r>
-              <a:rPr lang="de-DE" dirty="0"/>
-              <a:t>Automobiltechnik</a:t>
-            </a:r>
-          </a:p>
-          <a:p>
-            <a:r>
-              <a:rPr lang="de-CH" dirty="0"/>
-              <a:t>Elektro- und Kommunikationstechnik</a:t>
-            </a:r>
-          </a:p>
-          <a:p>
-            <a:r>
-              <a:rPr lang="de-CH" dirty="0"/>
-              <a:t>Informatik</a:t>
-            </a:r>
-          </a:p>
-          <a:p>
-            <a:r>
-              <a:rPr lang="de-CH" dirty="0"/>
-              <a:t>Maschinentechnik</a:t>
-            </a:r>
-          </a:p>
-          <a:p>
-            <a:r>
-              <a:rPr lang="de-CH" dirty="0"/>
-              <a:t>Medizininformatik</a:t>
-            </a:r>
-          </a:p>
-          <a:p>
-            <a:r>
-              <a:rPr lang="de-CH" dirty="0"/>
-              <a:t>Mikro- und Medizintechnik</a:t>
-            </a:r>
-          </a:p>
-          <a:p>
-            <a:endParaRPr lang="de-CH" dirty="0"/>
-          </a:p>
-          <a:p>
-            <a:pPr marL="0" indent="0">
-              <a:buNone/>
-            </a:pPr>
-            <a:r>
-              <a:rPr lang="de-CH" b="1" dirty="0"/>
-              <a:t>Masterstudiengänge</a:t>
-            </a:r>
-          </a:p>
-          <a:p>
-            <a:r>
-              <a:rPr lang="de-CH" dirty="0"/>
-              <a:t>Engineering</a:t>
-            </a:r>
-          </a:p>
-          <a:p>
-            <a:r>
-              <a:rPr lang="de-CH" dirty="0"/>
-              <a:t>Biomedical Engineering (in Zusammenarbeit mit der Universität Bern)</a:t>
-            </a:r>
-          </a:p>
-          <a:p>
-            <a:endParaRPr lang="de-CH" dirty="0"/>
-          </a:p>
-          <a:p>
-            <a:pPr marL="0" indent="0">
-              <a:buNone/>
-            </a:pPr>
-            <a:r>
-              <a:rPr lang="de-CH" b="1" dirty="0"/>
-              <a:t>Anzahl Studierende</a:t>
-            </a:r>
-          </a:p>
-          <a:p>
-            <a:r>
-              <a:rPr lang="de-CH" dirty="0" smtClean="0"/>
-              <a:t>1470 </a:t>
-            </a:r>
-            <a:r>
-              <a:rPr lang="de-CH" dirty="0"/>
-              <a:t>Studierende (Frauenanteil: 8 Prozent)</a:t>
-            </a:r>
-          </a:p>
-          <a:p>
-            <a:endParaRPr lang="de-CH" dirty="0"/>
+            <a:r>
+              <a:rPr lang="de-DE" dirty="0" smtClean="0"/>
+              <a:t>Wenig Zeitaufw</a:t>
+            </a:r>
+            <a:r>
+              <a:rPr lang="de-DE" dirty="0" smtClean="0"/>
+              <a:t>ändig</a:t>
+            </a:r>
+          </a:p>
+          <a:p>
+            <a:r>
+              <a:rPr lang="de-DE" dirty="0" err="1" smtClean="0"/>
+              <a:t>SprintLog</a:t>
+            </a:r>
+            <a:r>
+              <a:rPr lang="de-DE" dirty="0" smtClean="0"/>
+              <a:t> Buch nicht vergessen</a:t>
+            </a:r>
+          </a:p>
+          <a:p>
+            <a:r>
+              <a:rPr lang="de-DE" dirty="0" smtClean="0"/>
+              <a:t>Zeit meist zu knapp berechnet</a:t>
+            </a:r>
+            <a:endParaRPr lang="de-DE" dirty="0"/>
           </a:p>
         </p:txBody>
       </p:sp>
@@ -8825,17 +7453,17 @@
           <a:lstStyle/>
           <a:p>
             <a:r>
-              <a:rPr lang="de-DE" b="1" dirty="0"/>
-              <a:t>Technik und Informatik</a:t>
-            </a:r>
-            <a:endParaRPr lang="de-CH" dirty="0"/>
+              <a:rPr lang="de-DE" dirty="0" err="1" smtClean="0"/>
+              <a:t>Scrum</a:t>
+            </a:r>
+            <a:endParaRPr lang="de-DE" dirty="0"/>
           </a:p>
         </p:txBody>
       </p:sp>
     </p:spTree>
     <p:extLst>
       <p:ext uri="{BB962C8B-B14F-4D97-AF65-F5344CB8AC3E}">
-        <p14:creationId xmlns:p14="http://schemas.microsoft.com/office/powerpoint/2010/main" val="3141980247"/>
+        <p14:creationId xmlns:p14="http://schemas.microsoft.com/office/powerpoint/2010/main" val="2229461369"/>
       </p:ext>
     </p:extLst>
   </p:cSld>
@@ -8877,7 +7505,7 @@
           <a:bodyPr/>
           <a:lstStyle/>
           <a:p>
-            <a:endParaRPr lang="de-CH" dirty="0"/>
+            <a:endParaRPr lang="de-DE" dirty="0"/>
           </a:p>
         </p:txBody>
       </p:sp>
@@ -8897,85 +7525,17 @@
           <a:lstStyle/>
           <a:p>
             <a:r>
-              <a:rPr lang="de-CH" b="1" dirty="0"/>
-              <a:t>Wirtschaft, Gesundheit, Soziale </a:t>
-            </a:r>
-            <a:r>
-              <a:rPr lang="de-CH" b="1" dirty="0" smtClean="0"/>
-              <a:t>Arbeit</a:t>
-            </a:r>
-            <a:br>
-              <a:rPr lang="de-CH" b="1" dirty="0" smtClean="0"/>
-            </a:br>
-            <a:r>
-              <a:rPr lang="de-CH" dirty="0" smtClean="0"/>
-              <a:t>(Bern</a:t>
-            </a:r>
-            <a:r>
-              <a:rPr lang="de-CH" dirty="0"/>
-              <a:t>)</a:t>
-            </a:r>
-          </a:p>
-        </p:txBody>
-      </p:sp>
-      <p:pic>
-        <p:nvPicPr>
-          <p:cNvPr id="4098" name="Picture 2"/>
-          <p:cNvPicPr>
-            <a:picLocks noChangeAspect="1" noChangeArrowheads="1"/>
-          </p:cNvPicPr>
-          <p:nvPr/>
-        </p:nvPicPr>
-        <p:blipFill>
-          <a:blip r:embed="rId2">
-            <a:extLst>
-              <a:ext uri="{28A0092B-C50C-407E-A947-70E740481C1C}">
-                <a14:useLocalDpi xmlns:a14="http://schemas.microsoft.com/office/drawing/2010/main" val="0"/>
-              </a:ext>
-            </a:extLst>
-          </a:blip>
-          <a:srcRect/>
-          <a:stretch>
-            <a:fillRect/>
-          </a:stretch>
-        </p:blipFill>
-        <p:spPr bwMode="auto">
-          <a:xfrm>
-            <a:off x="468000" y="1439999"/>
-            <a:ext cx="7036212" cy="4680000"/>
-          </a:xfrm>
-          <a:prstGeom prst="rect">
-            <a:avLst/>
-          </a:prstGeom>
-          <a:noFill/>
-          <a:ln>
-            <a:noFill/>
-          </a:ln>
-          <a:extLst>
-            <a:ext uri="{909E8E84-426E-40dd-AFC4-6F175D3DCCD1}">
-              <a14:hiddenFill xmlns:a14="http://schemas.microsoft.com/office/drawing/2010/main">
-                <a:solidFill>
-                  <a:schemeClr val="accent1"/>
-                </a:solidFill>
-              </a14:hiddenFill>
-            </a:ext>
-            <a:ext uri="{91240B29-F687-4f45-9708-019B960494DF}">
-              <a14:hiddenLine xmlns:a14="http://schemas.microsoft.com/office/drawing/2010/main" w="9525">
-                <a:solidFill>
-                  <a:schemeClr val="tx1"/>
-                </a:solidFill>
-                <a:miter lim="800000"/>
-                <a:headEnd/>
-                <a:tailEnd/>
-              </a14:hiddenLine>
-            </a:ext>
-          </a:extLst>
-        </p:spPr>
-      </p:pic>
+              <a:rPr lang="de-DE" dirty="0" smtClean="0"/>
+              <a:t>Fazit</a:t>
+            </a:r>
+            <a:endParaRPr lang="de-DE" dirty="0"/>
+          </a:p>
+        </p:txBody>
+      </p:sp>
     </p:spTree>
     <p:extLst>
       <p:ext uri="{BB962C8B-B14F-4D97-AF65-F5344CB8AC3E}">
-        <p14:creationId xmlns:p14="http://schemas.microsoft.com/office/powerpoint/2010/main" val="2107294295"/>
+        <p14:creationId xmlns:p14="http://schemas.microsoft.com/office/powerpoint/2010/main" val="4278866928"/>
       </p:ext>
     </p:extLst>
   </p:cSld>
@@ -9004,12 +7564,12 @@
       </p:grpSpPr>
       <p:sp>
         <p:nvSpPr>
-          <p:cNvPr id="2" name="Inhaltsplatzhalter 1"/>
-          <p:cNvSpPr>
-            <a:spLocks noGrp="1"/>
-          </p:cNvSpPr>
-          <p:nvPr>
-            <p:ph sz="half" idx="1"/>
+          <p:cNvPr id="2" name="Titel 1"/>
+          <p:cNvSpPr>
+            <a:spLocks noGrp="1"/>
+          </p:cNvSpPr>
+          <p:nvPr>
+            <p:ph type="ctrTitle"/>
           </p:nvPr>
         </p:nvSpPr>
         <p:spPr/>
@@ -9017,118 +7577,22 @@
           <a:bodyPr/>
           <a:lstStyle/>
           <a:p>
-            <a:pPr marL="0" indent="0">
-              <a:buNone/>
-            </a:pPr>
-            <a:r>
-              <a:rPr lang="de-DE" b="1" dirty="0"/>
-              <a:t>Bachelorstudiengänge</a:t>
-            </a:r>
-          </a:p>
-          <a:p>
-            <a:r>
-              <a:rPr lang="de-CH" dirty="0"/>
-              <a:t>Betriebsökonomie</a:t>
-            </a:r>
-          </a:p>
-          <a:p>
-            <a:r>
-              <a:rPr lang="de-CH" dirty="0"/>
-              <a:t>Wirtschaftsinformatik</a:t>
-            </a:r>
-          </a:p>
-          <a:p>
-            <a:endParaRPr lang="de-CH" dirty="0"/>
-          </a:p>
-          <a:p>
-            <a:pPr marL="0" indent="0">
-              <a:buNone/>
-            </a:pPr>
-            <a:r>
-              <a:rPr lang="de-CH" b="1" dirty="0"/>
-              <a:t>Masterstudiengang</a:t>
-            </a:r>
-          </a:p>
-          <a:p>
-            <a:r>
-              <a:rPr lang="de-CH" dirty="0"/>
-              <a:t>Business Administration</a:t>
-            </a:r>
-          </a:p>
-          <a:p>
-            <a:r>
-              <a:rPr lang="de-CH" dirty="0"/>
-              <a:t>Wirtschaftsinformatik</a:t>
-            </a:r>
-          </a:p>
-          <a:p>
-            <a:endParaRPr lang="de-CH" dirty="0"/>
-          </a:p>
-          <a:p>
-            <a:pPr marL="0" indent="0">
-              <a:buNone/>
-            </a:pPr>
-            <a:r>
-              <a:rPr lang="de-CH" b="1" dirty="0"/>
-              <a:t>Anzahl Studierende Wirtschaft, Gesundheit, Soziale Arbeit</a:t>
-            </a:r>
-          </a:p>
-          <a:p>
-            <a:r>
-              <a:rPr lang="de-CH" dirty="0" smtClean="0"/>
-              <a:t>2837 </a:t>
-            </a:r>
-            <a:r>
-              <a:rPr lang="de-CH" dirty="0"/>
-              <a:t>Studierende (Frauenanteil: </a:t>
-            </a:r>
-            <a:r>
-              <a:rPr lang="de-CH" dirty="0" smtClean="0"/>
-              <a:t>65 </a:t>
-            </a:r>
-            <a:r>
-              <a:rPr lang="de-CH" dirty="0"/>
-              <a:t>Prozent)</a:t>
-            </a:r>
-          </a:p>
-          <a:p>
-            <a:endParaRPr lang="de-CH" dirty="0"/>
-          </a:p>
-          <a:p>
-            <a:pPr marL="0" indent="0">
-              <a:buNone/>
-            </a:pPr>
-            <a:r>
-              <a:rPr lang="de-CH" b="1" dirty="0"/>
-              <a:t>Anzahl Studierende Fachbereich Wirtschaft</a:t>
-            </a:r>
-          </a:p>
-          <a:p>
-            <a:r>
-              <a:rPr lang="de-CH" dirty="0" smtClean="0"/>
-              <a:t>1135 </a:t>
-            </a:r>
-            <a:r>
-              <a:rPr lang="de-CH" dirty="0"/>
-              <a:t>Studierende (exkl. Weiterbildung)</a:t>
-            </a:r>
-          </a:p>
-          <a:p>
-            <a:endParaRPr lang="de-CH" dirty="0"/>
-          </a:p>
-          <a:p>
-            <a:endParaRPr lang="de-CH" dirty="0"/>
-          </a:p>
-        </p:txBody>
-      </p:sp>
-      <p:sp>
-        <p:nvSpPr>
-          <p:cNvPr id="3" name="Titel 2"/>
-          <p:cNvSpPr>
-            <a:spLocks noGrp="1"/>
-          </p:cNvSpPr>
-          <p:nvPr>
-            <p:ph type="ctrTitle"/>
+            <a:r>
+              <a:rPr lang="de-DE" dirty="0" smtClean="0"/>
+              <a:t>Fragen?</a:t>
+            </a:r>
+            <a:endParaRPr lang="de-DE" dirty="0"/>
+          </a:p>
+        </p:txBody>
+      </p:sp>
+      <p:sp>
+        <p:nvSpPr>
+          <p:cNvPr id="3" name="Untertitel 2"/>
+          <p:cNvSpPr>
+            <a:spLocks noGrp="1"/>
+          </p:cNvSpPr>
+          <p:nvPr>
+            <p:ph type="subTitle" idx="1"/>
           </p:nvPr>
         </p:nvSpPr>
         <p:spPr/>
@@ -9136,18 +7600,14 @@
           <a:bodyPr/>
           <a:lstStyle/>
           <a:p>
-            <a:r>
-              <a:rPr lang="de-DE" b="1" dirty="0"/>
-              <a:t>Fachbereich Wirtschaft</a:t>
-            </a:r>
-            <a:endParaRPr lang="de-CH" dirty="0"/>
+            <a:endParaRPr lang="de-DE"/>
           </a:p>
         </p:txBody>
       </p:sp>
     </p:spTree>
     <p:extLst>
       <p:ext uri="{BB962C8B-B14F-4D97-AF65-F5344CB8AC3E}">
-        <p14:creationId xmlns:p14="http://schemas.microsoft.com/office/powerpoint/2010/main" val="339982551"/>
+        <p14:creationId xmlns:p14="http://schemas.microsoft.com/office/powerpoint/2010/main" val="2927757590"/>
       </p:ext>
     </p:extLst>
   </p:cSld>
@@ -9196,7 +7656,28 @@
           <a:p>
             <a:r>
               <a:rPr lang="de-DE" dirty="0" smtClean="0"/>
-              <a:t>Prototype live </a:t>
+              <a:t>Auftrag</a:t>
+            </a:r>
+          </a:p>
+          <a:p>
+            <a:r>
+              <a:rPr lang="de-DE" dirty="0" err="1" smtClean="0"/>
+              <a:t>Burndown</a:t>
+            </a:r>
+            <a:r>
+              <a:rPr lang="de-DE" dirty="0" smtClean="0"/>
+              <a:t>-Chart</a:t>
+            </a:r>
+            <a:endParaRPr lang="de-DE" dirty="0" smtClean="0"/>
+          </a:p>
+          <a:p>
+            <a:r>
+              <a:rPr lang="de-DE" dirty="0" smtClean="0"/>
+              <a:t>Prototype </a:t>
+            </a:r>
+            <a:r>
+              <a:rPr lang="de-DE" dirty="0" smtClean="0"/>
+              <a:t>live </a:t>
             </a:r>
             <a:r>
               <a:rPr lang="de-DE" dirty="0" err="1" smtClean="0"/>
@@ -9213,68 +7694,25 @@
           <a:p>
             <a:pPr lvl="1"/>
             <a:r>
-              <a:rPr lang="de-DE" dirty="0" err="1" smtClean="0"/>
-              <a:t>Feauture</a:t>
-            </a:r>
-            <a:r>
               <a:rPr lang="de-DE" dirty="0" smtClean="0"/>
-              <a:t> Aline</a:t>
-            </a:r>
+              <a:t>Aline &amp; Dominique</a:t>
+            </a:r>
+            <a:endParaRPr lang="de-DE" dirty="0" smtClean="0"/>
           </a:p>
           <a:p>
             <a:pPr lvl="1"/>
             <a:r>
-              <a:rPr lang="de-DE" dirty="0" err="1" smtClean="0"/>
-              <a:t>Feauture</a:t>
-            </a:r>
-            <a:r>
               <a:rPr lang="de-DE" dirty="0" smtClean="0"/>
-              <a:t> David</a:t>
+              <a:t>David</a:t>
             </a:r>
           </a:p>
           <a:p>
             <a:pPr lvl="1"/>
             <a:r>
-              <a:rPr lang="de-DE" dirty="0" err="1" smtClean="0"/>
-              <a:t>Feauture</a:t>
-            </a:r>
-            <a:r>
               <a:rPr lang="de-DE" dirty="0" smtClean="0"/>
-              <a:t> Dominique</a:t>
-            </a:r>
-          </a:p>
-          <a:p>
-            <a:pPr lvl="1"/>
-            <a:r>
-              <a:rPr lang="de-DE" dirty="0" err="1" smtClean="0"/>
-              <a:t>Feauture</a:t>
-            </a:r>
-            <a:r>
-              <a:rPr lang="de-DE" dirty="0" smtClean="0"/>
-              <a:t> Florian</a:t>
-            </a:r>
-          </a:p>
-          <a:p>
-            <a:pPr lvl="1"/>
-            <a:r>
-              <a:rPr lang="de-DE" dirty="0" err="1" smtClean="0"/>
-              <a:t>Feauture</a:t>
-            </a:r>
-            <a:r>
-              <a:rPr lang="de-DE" dirty="0" smtClean="0"/>
-              <a:t> Philipp</a:t>
-            </a:r>
-          </a:p>
-          <a:p>
-            <a:pPr lvl="1"/>
-            <a:r>
-              <a:rPr lang="de-DE" dirty="0" err="1" smtClean="0"/>
-              <a:t>Feauture</a:t>
-            </a:r>
-            <a:r>
-              <a:rPr lang="de-DE" dirty="0" smtClean="0"/>
-              <a:t> Raphael</a:t>
-            </a:r>
+              <a:t>Florian&amp; Philipp</a:t>
+            </a:r>
+            <a:endParaRPr lang="de-DE" dirty="0" smtClean="0"/>
           </a:p>
           <a:p>
             <a:r>
@@ -9287,7 +7725,7 @@
             </a:r>
             <a:r>
               <a:rPr lang="de-DE" dirty="0" err="1" smtClean="0"/>
-              <a:t>learnt</a:t>
+              <a:t>learned</a:t>
             </a:r>
             <a:endParaRPr lang="de-DE" dirty="0" smtClean="0"/>
           </a:p>
@@ -9373,6 +7811,13 @@
   <p:clrMapOvr>
     <a:masterClrMapping/>
   </p:clrMapOvr>
+  <p:timing>
+    <p:tnLst>
+      <p:par>
+        <p:cTn xmlns:p14="http://schemas.microsoft.com/office/powerpoint/2010/main" id="1" dur="indefinite" restart="never" nodeType="tmRoot"/>
+      </p:par>
+    </p:tnLst>
+  </p:timing>
 </p:sld>
 </file>
 
@@ -9395,12 +7840,12 @@
       </p:grpSpPr>
       <p:sp>
         <p:nvSpPr>
-          <p:cNvPr id="2" name="Inhaltsplatzhalter 1"/>
-          <p:cNvSpPr>
-            <a:spLocks noGrp="1"/>
-          </p:cNvSpPr>
-          <p:nvPr>
-            <p:ph sz="half" idx="1"/>
+          <p:cNvPr id="2" name="Titel 1"/>
+          <p:cNvSpPr>
+            <a:spLocks noGrp="1"/>
+          </p:cNvSpPr>
+          <p:nvPr>
+            <p:ph type="ctrTitle"/>
           </p:nvPr>
         </p:nvSpPr>
         <p:spPr/>
@@ -9408,130 +7853,9 @@
           <a:bodyPr/>
           <a:lstStyle/>
           <a:p>
-            <a:pPr marL="0" indent="0">
-              <a:buNone/>
-            </a:pPr>
-            <a:r>
-              <a:rPr lang="de-DE" b="1" dirty="0"/>
-              <a:t>Bachelorstudiengänge</a:t>
-            </a:r>
-          </a:p>
-          <a:p>
-            <a:r>
-              <a:rPr lang="de-CH" dirty="0"/>
-              <a:t>Pflege</a:t>
-            </a:r>
-          </a:p>
-          <a:p>
-            <a:r>
-              <a:rPr lang="de-CH" dirty="0"/>
-              <a:t>Physiotherapie</a:t>
-            </a:r>
-          </a:p>
-          <a:p>
-            <a:r>
-              <a:rPr lang="de-CH" dirty="0"/>
-              <a:t>Ernährung und Diätetik</a:t>
-            </a:r>
-          </a:p>
-          <a:p>
-            <a:r>
-              <a:rPr lang="de-CH" dirty="0"/>
-              <a:t>Hebamme</a:t>
-            </a:r>
-            <a:br>
-              <a:rPr lang="de-CH" dirty="0"/>
-            </a:br>
-            <a:endParaRPr lang="de-CH" dirty="0"/>
-          </a:p>
-          <a:p>
-            <a:pPr marL="0" indent="0">
-              <a:buNone/>
-            </a:pPr>
-            <a:r>
-              <a:rPr lang="de-CH" b="1" dirty="0"/>
-              <a:t>Masterstudiengänge</a:t>
-            </a:r>
-          </a:p>
-          <a:p>
-            <a:r>
-              <a:rPr lang="de-CH" dirty="0"/>
-              <a:t>Pflege</a:t>
-            </a:r>
-          </a:p>
-          <a:p>
-            <a:r>
-              <a:rPr lang="de-CH" dirty="0"/>
-              <a:t>Physiotherapie</a:t>
-            </a:r>
-            <a:br>
-              <a:rPr lang="de-CH" dirty="0"/>
-            </a:br>
-            <a:endParaRPr lang="de-CH" dirty="0"/>
-          </a:p>
-          <a:p>
-            <a:pPr marL="0" indent="0">
-              <a:buNone/>
-            </a:pPr>
-            <a:r>
-              <a:rPr lang="de-CH" b="1" dirty="0"/>
-              <a:t>Anzahl Studierende Wirtschaft, Gesundheit, Soziale Arbeit</a:t>
-            </a:r>
-          </a:p>
-          <a:p>
-            <a:r>
-              <a:rPr lang="de-CH" dirty="0"/>
-              <a:t>2837 Studierende (Frauenanteil: 65 Prozent)</a:t>
-            </a:r>
-          </a:p>
-          <a:p>
-            <a:pPr marL="0" indent="0">
-              <a:buNone/>
-            </a:pPr>
-            <a:endParaRPr lang="de-CH" dirty="0"/>
-          </a:p>
-          <a:p>
-            <a:pPr marL="0" indent="0">
-              <a:buNone/>
-            </a:pPr>
-            <a:r>
-              <a:rPr lang="de-CH" b="1" dirty="0"/>
-              <a:t>Anzahl Studierende Fachbereich Gesundheit</a:t>
-            </a:r>
-          </a:p>
-          <a:p>
-            <a:r>
-              <a:rPr lang="de-CH" dirty="0" smtClean="0"/>
-              <a:t>986 </a:t>
-            </a:r>
-            <a:r>
-              <a:rPr lang="de-CH" dirty="0"/>
-              <a:t>Studierende (exkl. Weiterbildung)</a:t>
-            </a:r>
-          </a:p>
-          <a:p>
-            <a:endParaRPr lang="de-CH" dirty="0"/>
-          </a:p>
-        </p:txBody>
-      </p:sp>
-      <p:sp>
-        <p:nvSpPr>
-          <p:cNvPr id="3" name="Titel 2"/>
-          <p:cNvSpPr>
-            <a:spLocks noGrp="1"/>
-          </p:cNvSpPr>
-          <p:nvPr>
-            <p:ph type="ctrTitle"/>
-          </p:nvPr>
-        </p:nvSpPr>
-        <p:spPr/>
-        <p:txBody>
-          <a:bodyPr/>
-          <a:lstStyle/>
-          <a:p>
-            <a:r>
-              <a:rPr lang="de-DE" b="1" dirty="0"/>
-              <a:t>Fachbereich Gesundheit</a:t>
+            <a:r>
+              <a:rPr lang="de-DE" dirty="0"/>
+              <a:t>Herzlichen Dank!</a:t>
             </a:r>
             <a:endParaRPr lang="de-CH" dirty="0"/>
           </a:p>
@@ -9540,1080 +7864,7 @@
     </p:spTree>
     <p:extLst>
       <p:ext uri="{BB962C8B-B14F-4D97-AF65-F5344CB8AC3E}">
-        <p14:creationId xmlns:p14="http://schemas.microsoft.com/office/powerpoint/2010/main" val="2272159255"/>
-      </p:ext>
-    </p:extLst>
-  </p:cSld>
-  <p:clrMapOvr>
-    <a:masterClrMapping/>
-  </p:clrMapOvr>
-</p:sld>
-</file>
-
-<file path=ppt/slides/slide21.xml><?xml version="1.0" encoding="utf-8"?>
-<p:sld xmlns:a="http://schemas.openxmlformats.org/drawingml/2006/main" xmlns:r="http://schemas.openxmlformats.org/officeDocument/2006/relationships" xmlns:p="http://schemas.openxmlformats.org/presentationml/2006/main">
-  <p:cSld>
-    <p:spTree>
-      <p:nvGrpSpPr>
-        <p:cNvPr id="1" name=""/>
-        <p:cNvGrpSpPr/>
-        <p:nvPr/>
-      </p:nvGrpSpPr>
-      <p:grpSpPr>
-        <a:xfrm>
-          <a:off x="0" y="0"/>
-          <a:ext cx="0" cy="0"/>
-          <a:chOff x="0" y="0"/>
-          <a:chExt cx="0" cy="0"/>
-        </a:xfrm>
-      </p:grpSpPr>
-      <p:sp>
-        <p:nvSpPr>
-          <p:cNvPr id="2" name="Inhaltsplatzhalter 1"/>
-          <p:cNvSpPr>
-            <a:spLocks noGrp="1"/>
-          </p:cNvSpPr>
-          <p:nvPr>
-            <p:ph sz="half" idx="1"/>
-          </p:nvPr>
-        </p:nvSpPr>
-        <p:spPr/>
-        <p:txBody>
-          <a:bodyPr/>
-          <a:lstStyle/>
-          <a:p>
-            <a:pPr marL="0" indent="0">
-              <a:buNone/>
-            </a:pPr>
-            <a:r>
-              <a:rPr lang="de-DE" b="1" dirty="0"/>
-              <a:t>Bachelorstudiengang</a:t>
-            </a:r>
-          </a:p>
-          <a:p>
-            <a:r>
-              <a:rPr lang="de-CH" dirty="0"/>
-              <a:t>Soziale Arbeit</a:t>
-            </a:r>
-          </a:p>
-          <a:p>
-            <a:endParaRPr lang="de-CH" dirty="0"/>
-          </a:p>
-          <a:p>
-            <a:pPr marL="0" indent="0">
-              <a:buNone/>
-            </a:pPr>
-            <a:r>
-              <a:rPr lang="de-CH" b="1" dirty="0"/>
-              <a:t>Masterstudiengang</a:t>
-            </a:r>
-          </a:p>
-          <a:p>
-            <a:r>
-              <a:rPr lang="de-CH" dirty="0"/>
-              <a:t>Soziale Arbeit</a:t>
-            </a:r>
-          </a:p>
-          <a:p>
-            <a:endParaRPr lang="de-CH" dirty="0"/>
-          </a:p>
-          <a:p>
-            <a:pPr marL="0" indent="0">
-              <a:buNone/>
-            </a:pPr>
-            <a:r>
-              <a:rPr lang="de-CH" b="1" dirty="0"/>
-              <a:t>Anzahl Studierende Wirtschaft, Gesundheit, Soziale Arbeit</a:t>
-            </a:r>
-          </a:p>
-          <a:p>
-            <a:r>
-              <a:rPr lang="de-CH" dirty="0"/>
-              <a:t>2837 Studierende (Frauenanteil: 65 Prozent)</a:t>
-            </a:r>
-          </a:p>
-          <a:p>
-            <a:endParaRPr lang="de-CH" dirty="0"/>
-          </a:p>
-          <a:p>
-            <a:pPr marL="0" indent="0">
-              <a:buNone/>
-            </a:pPr>
-            <a:r>
-              <a:rPr lang="de-CH" b="1" dirty="0"/>
-              <a:t>Anzahl Studierende Fachbereich Soziale Arbeit</a:t>
-            </a:r>
-          </a:p>
-          <a:p>
-            <a:r>
-              <a:rPr lang="de-CH" dirty="0" smtClean="0"/>
-              <a:t>548 </a:t>
-            </a:r>
-            <a:r>
-              <a:rPr lang="de-CH" dirty="0"/>
-              <a:t>Studierende (exkl. Weiterbildung)</a:t>
-            </a:r>
-          </a:p>
-          <a:p>
-            <a:endParaRPr lang="de-CH" dirty="0"/>
-          </a:p>
-          <a:p>
-            <a:endParaRPr lang="de-CH" dirty="0"/>
-          </a:p>
-        </p:txBody>
-      </p:sp>
-      <p:sp>
-        <p:nvSpPr>
-          <p:cNvPr id="3" name="Titel 2"/>
-          <p:cNvSpPr>
-            <a:spLocks noGrp="1"/>
-          </p:cNvSpPr>
-          <p:nvPr>
-            <p:ph type="ctrTitle"/>
-          </p:nvPr>
-        </p:nvSpPr>
-        <p:spPr/>
-        <p:txBody>
-          <a:bodyPr/>
-          <a:lstStyle/>
-          <a:p>
-            <a:r>
-              <a:rPr lang="de-DE" b="1" dirty="0"/>
-              <a:t>Fachbereich Soziale Arbeit</a:t>
-            </a:r>
-            <a:endParaRPr lang="de-CH" dirty="0"/>
-          </a:p>
-        </p:txBody>
-      </p:sp>
-    </p:spTree>
-    <p:extLst>
-      <p:ext uri="{BB962C8B-B14F-4D97-AF65-F5344CB8AC3E}">
-        <p14:creationId xmlns:p14="http://schemas.microsoft.com/office/powerpoint/2010/main" val="110006448"/>
-      </p:ext>
-    </p:extLst>
-  </p:cSld>
-  <p:clrMapOvr>
-    <a:masterClrMapping/>
-  </p:clrMapOvr>
-</p:sld>
-</file>
-
-<file path=ppt/slides/slide22.xml><?xml version="1.0" encoding="utf-8"?>
-<p:sld xmlns:a="http://schemas.openxmlformats.org/drawingml/2006/main" xmlns:r="http://schemas.openxmlformats.org/officeDocument/2006/relationships" xmlns:p="http://schemas.openxmlformats.org/presentationml/2006/main">
-  <p:cSld>
-    <p:spTree>
-      <p:nvGrpSpPr>
-        <p:cNvPr id="1" name=""/>
-        <p:cNvGrpSpPr/>
-        <p:nvPr/>
-      </p:nvGrpSpPr>
-      <p:grpSpPr>
-        <a:xfrm>
-          <a:off x="0" y="0"/>
-          <a:ext cx="0" cy="0"/>
-          <a:chOff x="0" y="0"/>
-          <a:chExt cx="0" cy="0"/>
-        </a:xfrm>
-      </p:grpSpPr>
-      <p:sp>
-        <p:nvSpPr>
-          <p:cNvPr id="2" name="Inhaltsplatzhalter 1"/>
-          <p:cNvSpPr>
-            <a:spLocks noGrp="1"/>
-          </p:cNvSpPr>
-          <p:nvPr>
-            <p:ph sz="half" idx="1"/>
-          </p:nvPr>
-        </p:nvSpPr>
-        <p:spPr/>
-        <p:txBody>
-          <a:bodyPr/>
-          <a:lstStyle/>
-          <a:p>
-            <a:endParaRPr lang="de-CH" dirty="0"/>
-          </a:p>
-        </p:txBody>
-      </p:sp>
-      <p:sp>
-        <p:nvSpPr>
-          <p:cNvPr id="3" name="Titel 2"/>
-          <p:cNvSpPr>
-            <a:spLocks noGrp="1"/>
-          </p:cNvSpPr>
-          <p:nvPr>
-            <p:ph type="ctrTitle"/>
-          </p:nvPr>
-        </p:nvSpPr>
-        <p:spPr/>
-        <p:txBody>
-          <a:bodyPr/>
-          <a:lstStyle/>
-          <a:p>
-            <a:r>
-              <a:rPr lang="de-CH" b="1" dirty="0" err="1"/>
-              <a:t>Eidg</a:t>
-            </a:r>
-            <a:r>
-              <a:rPr lang="de-CH" b="1" dirty="0"/>
-              <a:t>. Hochschule für Sport </a:t>
-            </a:r>
-            <a:r>
-              <a:rPr lang="de-CH" b="1" dirty="0" err="1"/>
-              <a:t>Magglingen</a:t>
-            </a:r>
-            <a:r>
-              <a:rPr lang="de-CH" b="1" dirty="0"/>
-              <a:t> EHSM</a:t>
-            </a:r>
-            <a:endParaRPr lang="de-CH" dirty="0"/>
-          </a:p>
-        </p:txBody>
-      </p:sp>
-      <p:pic>
-        <p:nvPicPr>
-          <p:cNvPr id="7170" name="Picture 2"/>
-          <p:cNvPicPr>
-            <a:picLocks noChangeAspect="1" noChangeArrowheads="1"/>
-          </p:cNvPicPr>
-          <p:nvPr/>
-        </p:nvPicPr>
-        <p:blipFill>
-          <a:blip r:embed="rId2">
-            <a:extLst>
-              <a:ext uri="{28A0092B-C50C-407E-A947-70E740481C1C}">
-                <a14:useLocalDpi xmlns:a14="http://schemas.microsoft.com/office/drawing/2010/main" val="0"/>
-              </a:ext>
-            </a:extLst>
-          </a:blip>
-          <a:srcRect/>
-          <a:stretch>
-            <a:fillRect/>
-          </a:stretch>
-        </p:blipFill>
-        <p:spPr bwMode="auto">
-          <a:xfrm>
-            <a:off x="468000" y="1439999"/>
-            <a:ext cx="7015074" cy="4680000"/>
-          </a:xfrm>
-          <a:prstGeom prst="rect">
-            <a:avLst/>
-          </a:prstGeom>
-          <a:noFill/>
-          <a:ln>
-            <a:noFill/>
-          </a:ln>
-          <a:extLst>
-            <a:ext uri="{909E8E84-426E-40dd-AFC4-6F175D3DCCD1}">
-              <a14:hiddenFill xmlns:a14="http://schemas.microsoft.com/office/drawing/2010/main">
-                <a:solidFill>
-                  <a:schemeClr val="accent1"/>
-                </a:solidFill>
-              </a14:hiddenFill>
-            </a:ext>
-            <a:ext uri="{91240B29-F687-4f45-9708-019B960494DF}">
-              <a14:hiddenLine xmlns:a14="http://schemas.microsoft.com/office/drawing/2010/main" w="9525">
-                <a:solidFill>
-                  <a:schemeClr val="tx1"/>
-                </a:solidFill>
-                <a:miter lim="800000"/>
-                <a:headEnd/>
-                <a:tailEnd/>
-              </a14:hiddenLine>
-            </a:ext>
-          </a:extLst>
-        </p:spPr>
-      </p:pic>
-    </p:spTree>
-    <p:extLst>
-      <p:ext uri="{BB962C8B-B14F-4D97-AF65-F5344CB8AC3E}">
-        <p14:creationId xmlns:p14="http://schemas.microsoft.com/office/powerpoint/2010/main" val="1447968482"/>
-      </p:ext>
-    </p:extLst>
-  </p:cSld>
-  <p:clrMapOvr>
-    <a:masterClrMapping/>
-  </p:clrMapOvr>
-</p:sld>
-</file>
-
-<file path=ppt/slides/slide23.xml><?xml version="1.0" encoding="utf-8"?>
-<p:sld xmlns:a="http://schemas.openxmlformats.org/drawingml/2006/main" xmlns:r="http://schemas.openxmlformats.org/officeDocument/2006/relationships" xmlns:p="http://schemas.openxmlformats.org/presentationml/2006/main">
-  <p:cSld>
-    <p:spTree>
-      <p:nvGrpSpPr>
-        <p:cNvPr id="1" name=""/>
-        <p:cNvGrpSpPr/>
-        <p:nvPr/>
-      </p:nvGrpSpPr>
-      <p:grpSpPr>
-        <a:xfrm>
-          <a:off x="0" y="0"/>
-          <a:ext cx="0" cy="0"/>
-          <a:chOff x="0" y="0"/>
-          <a:chExt cx="0" cy="0"/>
-        </a:xfrm>
-      </p:grpSpPr>
-      <p:sp>
-        <p:nvSpPr>
-          <p:cNvPr id="2" name="Inhaltsplatzhalter 1"/>
-          <p:cNvSpPr>
-            <a:spLocks noGrp="1"/>
-          </p:cNvSpPr>
-          <p:nvPr>
-            <p:ph sz="half" idx="1"/>
-          </p:nvPr>
-        </p:nvSpPr>
-        <p:spPr/>
-        <p:txBody>
-          <a:bodyPr/>
-          <a:lstStyle/>
-          <a:p>
-            <a:pPr marL="0" indent="0">
-              <a:buNone/>
-            </a:pPr>
-            <a:r>
-              <a:rPr lang="de-DE" b="1" dirty="0"/>
-              <a:t>Bachelorstudiengang</a:t>
-            </a:r>
-          </a:p>
-          <a:p>
-            <a:r>
-              <a:rPr lang="de-CH" dirty="0"/>
-              <a:t>Sport</a:t>
-            </a:r>
-          </a:p>
-          <a:p>
-            <a:endParaRPr lang="de-CH" dirty="0"/>
-          </a:p>
-          <a:p>
-            <a:pPr marL="0" indent="0">
-              <a:buNone/>
-            </a:pPr>
-            <a:r>
-              <a:rPr lang="de-CH" b="1" dirty="0"/>
-              <a:t>Masterstudiengang</a:t>
-            </a:r>
-          </a:p>
-          <a:p>
-            <a:r>
-              <a:rPr lang="de-CH" dirty="0"/>
-              <a:t>Sports</a:t>
-            </a:r>
-          </a:p>
-          <a:p>
-            <a:r>
-              <a:rPr lang="de-CH" dirty="0"/>
-              <a:t>Sportwissenschaften</a:t>
-            </a:r>
-          </a:p>
-          <a:p>
-            <a:endParaRPr lang="de-CH" dirty="0"/>
-          </a:p>
-          <a:p>
-            <a:pPr marL="0" indent="0">
-              <a:buNone/>
-            </a:pPr>
-            <a:r>
-              <a:rPr lang="de-CH" b="1" dirty="0"/>
-              <a:t>Anzahl Studierende</a:t>
-            </a:r>
-          </a:p>
-          <a:p>
-            <a:r>
-              <a:rPr lang="de-CH" dirty="0" smtClean="0"/>
-              <a:t>163 Studierende </a:t>
-            </a:r>
-            <a:r>
-              <a:rPr lang="de-CH" dirty="0"/>
-              <a:t>(Frauenanteil: </a:t>
-            </a:r>
-            <a:r>
-              <a:rPr lang="de-CH" dirty="0" smtClean="0"/>
-              <a:t>25 </a:t>
-            </a:r>
-            <a:r>
-              <a:rPr lang="de-CH" dirty="0"/>
-              <a:t>Prozent)</a:t>
-            </a:r>
-          </a:p>
-          <a:p>
-            <a:endParaRPr lang="de-CH" dirty="0"/>
-          </a:p>
-          <a:p>
-            <a:endParaRPr lang="de-CH" dirty="0"/>
-          </a:p>
-        </p:txBody>
-      </p:sp>
-      <p:sp>
-        <p:nvSpPr>
-          <p:cNvPr id="3" name="Titel 2"/>
-          <p:cNvSpPr>
-            <a:spLocks noGrp="1"/>
-          </p:cNvSpPr>
-          <p:nvPr>
-            <p:ph type="ctrTitle"/>
-          </p:nvPr>
-        </p:nvSpPr>
-        <p:spPr/>
-        <p:txBody>
-          <a:bodyPr/>
-          <a:lstStyle/>
-          <a:p>
-            <a:r>
-              <a:rPr lang="de-CH" b="1" dirty="0" err="1"/>
-              <a:t>Eidg</a:t>
-            </a:r>
-            <a:r>
-              <a:rPr lang="de-CH" b="1" dirty="0"/>
-              <a:t>. Hochschule für Sport </a:t>
-            </a:r>
-            <a:r>
-              <a:rPr lang="de-CH" b="1" dirty="0" err="1"/>
-              <a:t>Magglingen</a:t>
-            </a:r>
-            <a:r>
-              <a:rPr lang="de-CH" b="1" dirty="0"/>
-              <a:t> EHSM</a:t>
-            </a:r>
-            <a:endParaRPr lang="de-CH" dirty="0"/>
-          </a:p>
-        </p:txBody>
-      </p:sp>
-    </p:spTree>
-    <p:extLst>
-      <p:ext uri="{BB962C8B-B14F-4D97-AF65-F5344CB8AC3E}">
-        <p14:creationId xmlns:p14="http://schemas.microsoft.com/office/powerpoint/2010/main" val="558079637"/>
-      </p:ext>
-    </p:extLst>
-  </p:cSld>
-  <p:clrMapOvr>
-    <a:masterClrMapping/>
-  </p:clrMapOvr>
-</p:sld>
-</file>
-
-<file path=ppt/slides/slide24.xml><?xml version="1.0" encoding="utf-8"?>
-<p:sld xmlns:a="http://schemas.openxmlformats.org/drawingml/2006/main" xmlns:r="http://schemas.openxmlformats.org/officeDocument/2006/relationships" xmlns:p="http://schemas.openxmlformats.org/presentationml/2006/main">
-  <p:cSld>
-    <p:spTree>
-      <p:nvGrpSpPr>
-        <p:cNvPr id="1" name=""/>
-        <p:cNvGrpSpPr/>
-        <p:nvPr/>
-      </p:nvGrpSpPr>
-      <p:grpSpPr>
-        <a:xfrm>
-          <a:off x="0" y="0"/>
-          <a:ext cx="0" cy="0"/>
-          <a:chOff x="0" y="0"/>
-          <a:chExt cx="0" cy="0"/>
-        </a:xfrm>
-      </p:grpSpPr>
-      <p:sp>
-        <p:nvSpPr>
-          <p:cNvPr id="2" name="Titel 1"/>
-          <p:cNvSpPr>
-            <a:spLocks noGrp="1"/>
-          </p:cNvSpPr>
-          <p:nvPr>
-            <p:ph type="ctrTitle"/>
-          </p:nvPr>
-        </p:nvSpPr>
-        <p:spPr/>
-        <p:txBody>
-          <a:bodyPr/>
-          <a:lstStyle/>
-          <a:p>
-            <a:r>
-              <a:rPr lang="de-DE" b="1" dirty="0"/>
-              <a:t>Weiterbildung</a:t>
-            </a:r>
-            <a:endParaRPr lang="de-CH" dirty="0"/>
-          </a:p>
-        </p:txBody>
-      </p:sp>
-      <p:sp>
-        <p:nvSpPr>
-          <p:cNvPr id="3" name="Untertitel 2"/>
-          <p:cNvSpPr>
-            <a:spLocks noGrp="1"/>
-          </p:cNvSpPr>
-          <p:nvPr>
-            <p:ph type="subTitle" idx="1"/>
-          </p:nvPr>
-        </p:nvSpPr>
-        <p:spPr/>
-        <p:txBody>
-          <a:bodyPr/>
-          <a:lstStyle/>
-          <a:p>
-            <a:endParaRPr lang="de-CH"/>
-          </a:p>
-        </p:txBody>
-      </p:sp>
-    </p:spTree>
-    <p:extLst>
-      <p:ext uri="{BB962C8B-B14F-4D97-AF65-F5344CB8AC3E}">
-        <p14:creationId xmlns:p14="http://schemas.microsoft.com/office/powerpoint/2010/main" val="1090772951"/>
-      </p:ext>
-    </p:extLst>
-  </p:cSld>
-  <p:clrMapOvr>
-    <a:masterClrMapping/>
-  </p:clrMapOvr>
-</p:sld>
-</file>
-
-<file path=ppt/slides/slide25.xml><?xml version="1.0" encoding="utf-8"?>
-<p:sld xmlns:a="http://schemas.openxmlformats.org/drawingml/2006/main" xmlns:r="http://schemas.openxmlformats.org/officeDocument/2006/relationships" xmlns:p="http://schemas.openxmlformats.org/presentationml/2006/main">
-  <p:cSld>
-    <p:spTree>
-      <p:nvGrpSpPr>
-        <p:cNvPr id="1" name=""/>
-        <p:cNvGrpSpPr/>
-        <p:nvPr/>
-      </p:nvGrpSpPr>
-      <p:grpSpPr>
-        <a:xfrm>
-          <a:off x="0" y="0"/>
-          <a:ext cx="0" cy="0"/>
-          <a:chOff x="0" y="0"/>
-          <a:chExt cx="0" cy="0"/>
-        </a:xfrm>
-      </p:grpSpPr>
-      <p:sp>
-        <p:nvSpPr>
-          <p:cNvPr id="2" name="Inhaltsplatzhalter 1"/>
-          <p:cNvSpPr>
-            <a:spLocks noGrp="1"/>
-          </p:cNvSpPr>
-          <p:nvPr>
-            <p:ph sz="half" idx="1"/>
-          </p:nvPr>
-        </p:nvSpPr>
-        <p:spPr/>
-        <p:txBody>
-          <a:bodyPr/>
-          <a:lstStyle/>
-          <a:p>
-            <a:pPr marL="0" indent="0">
-              <a:buNone/>
-            </a:pPr>
-            <a:r>
-              <a:rPr lang="de-DE" b="1" dirty="0"/>
-              <a:t>Breites Spektrum an Weiterbildungsangeboten</a:t>
-            </a:r>
-          </a:p>
-          <a:p>
-            <a:r>
-              <a:rPr lang="en-US" dirty="0"/>
-              <a:t>Certificate of Advanced Studies (CAS)</a:t>
-            </a:r>
-          </a:p>
-          <a:p>
-            <a:r>
-              <a:rPr lang="en-US" dirty="0"/>
-              <a:t>Diploma of Advanced Studies (DAS)</a:t>
-            </a:r>
-          </a:p>
-          <a:p>
-            <a:r>
-              <a:rPr lang="en-US" dirty="0"/>
-              <a:t>Master of Advanced Studies (MAS)</a:t>
-            </a:r>
-          </a:p>
-          <a:p>
-            <a:r>
-              <a:rPr lang="en-US" dirty="0"/>
-              <a:t>Executive Master of Business Administration (EMBA)</a:t>
-            </a:r>
-          </a:p>
-          <a:p>
-            <a:r>
-              <a:rPr lang="de-CH" dirty="0"/>
-              <a:t>Weiterbildungskurse</a:t>
-            </a:r>
-          </a:p>
-          <a:p>
-            <a:endParaRPr lang="de-CH" dirty="0"/>
-          </a:p>
-          <a:p>
-            <a:pPr marL="0" indent="0">
-              <a:buNone/>
-            </a:pPr>
-            <a:r>
-              <a:rPr lang="de-CH" b="1" dirty="0"/>
-              <a:t>Voraussetzungen</a:t>
-            </a:r>
-          </a:p>
-          <a:p>
-            <a:r>
-              <a:rPr lang="de-CH" dirty="0"/>
-              <a:t>Hochschulabschluss oder äquivalente Vorbildung</a:t>
-            </a:r>
-          </a:p>
-          <a:p>
-            <a:r>
-              <a:rPr lang="de-CH" dirty="0"/>
-              <a:t>Mindestens zwei Jahre einschlägige Berufserfahrung</a:t>
-            </a:r>
-          </a:p>
-          <a:p>
-            <a:r>
-              <a:rPr lang="de-CH" dirty="0"/>
-              <a:t>Weiterbildungsspezifische zusätzliche Zulassungskriterien</a:t>
-            </a:r>
-          </a:p>
-          <a:p>
-            <a:endParaRPr lang="de-CH" dirty="0"/>
-          </a:p>
-        </p:txBody>
-      </p:sp>
-      <p:sp>
-        <p:nvSpPr>
-          <p:cNvPr id="3" name="Titel 2"/>
-          <p:cNvSpPr>
-            <a:spLocks noGrp="1"/>
-          </p:cNvSpPr>
-          <p:nvPr>
-            <p:ph type="ctrTitle"/>
-          </p:nvPr>
-        </p:nvSpPr>
-        <p:spPr/>
-        <p:txBody>
-          <a:bodyPr/>
-          <a:lstStyle/>
-          <a:p>
-            <a:r>
-              <a:rPr lang="de-DE" b="1" dirty="0"/>
-              <a:t>Weiterbildung</a:t>
-            </a:r>
-            <a:endParaRPr lang="de-CH" dirty="0"/>
-          </a:p>
-        </p:txBody>
-      </p:sp>
-    </p:spTree>
-    <p:extLst>
-      <p:ext uri="{BB962C8B-B14F-4D97-AF65-F5344CB8AC3E}">
-        <p14:creationId xmlns:p14="http://schemas.microsoft.com/office/powerpoint/2010/main" val="1380285401"/>
-      </p:ext>
-    </p:extLst>
-  </p:cSld>
-  <p:clrMapOvr>
-    <a:masterClrMapping/>
-  </p:clrMapOvr>
-</p:sld>
-</file>
-
-<file path=ppt/slides/slide26.xml><?xml version="1.0" encoding="utf-8"?>
-<p:sld xmlns:a="http://schemas.openxmlformats.org/drawingml/2006/main" xmlns:r="http://schemas.openxmlformats.org/officeDocument/2006/relationships" xmlns:p="http://schemas.openxmlformats.org/presentationml/2006/main">
-  <p:cSld>
-    <p:spTree>
-      <p:nvGrpSpPr>
-        <p:cNvPr id="1" name=""/>
-        <p:cNvGrpSpPr/>
-        <p:nvPr/>
-      </p:nvGrpSpPr>
-      <p:grpSpPr>
-        <a:xfrm>
-          <a:off x="0" y="0"/>
-          <a:ext cx="0" cy="0"/>
-          <a:chOff x="0" y="0"/>
-          <a:chExt cx="0" cy="0"/>
-        </a:xfrm>
-      </p:grpSpPr>
-      <p:sp>
-        <p:nvSpPr>
-          <p:cNvPr id="2" name="Titel 1"/>
-          <p:cNvSpPr>
-            <a:spLocks noGrp="1"/>
-          </p:cNvSpPr>
-          <p:nvPr>
-            <p:ph type="ctrTitle"/>
-          </p:nvPr>
-        </p:nvSpPr>
-        <p:spPr>
-          <a:xfrm>
-            <a:off x="468000" y="1839808"/>
-            <a:ext cx="6513884" cy="1027217"/>
-          </a:xfrm>
-        </p:spPr>
-        <p:txBody>
-          <a:bodyPr/>
-          <a:lstStyle/>
-          <a:p>
-            <a:r>
-              <a:rPr lang="de-DE" b="1" dirty="0"/>
-              <a:t>Angewandte Forschung und Entwicklung</a:t>
-            </a:r>
-            <a:endParaRPr lang="de-CH" dirty="0"/>
-          </a:p>
-        </p:txBody>
-      </p:sp>
-    </p:spTree>
-    <p:extLst>
-      <p:ext uri="{BB962C8B-B14F-4D97-AF65-F5344CB8AC3E}">
-        <p14:creationId xmlns:p14="http://schemas.microsoft.com/office/powerpoint/2010/main" val="651939559"/>
-      </p:ext>
-    </p:extLst>
-  </p:cSld>
-  <p:clrMapOvr>
-    <a:masterClrMapping/>
-  </p:clrMapOvr>
-</p:sld>
-</file>
-
-<file path=ppt/slides/slide27.xml><?xml version="1.0" encoding="utf-8"?>
-<p:sld xmlns:a="http://schemas.openxmlformats.org/drawingml/2006/main" xmlns:r="http://schemas.openxmlformats.org/officeDocument/2006/relationships" xmlns:p="http://schemas.openxmlformats.org/presentationml/2006/main">
-  <p:cSld>
-    <p:spTree>
-      <p:nvGrpSpPr>
-        <p:cNvPr id="1" name=""/>
-        <p:cNvGrpSpPr/>
-        <p:nvPr/>
-      </p:nvGrpSpPr>
-      <p:grpSpPr>
-        <a:xfrm>
-          <a:off x="0" y="0"/>
-          <a:ext cx="0" cy="0"/>
-          <a:chOff x="0" y="0"/>
-          <a:chExt cx="0" cy="0"/>
-        </a:xfrm>
-      </p:grpSpPr>
-      <p:sp>
-        <p:nvSpPr>
-          <p:cNvPr id="2" name="Inhaltsplatzhalter 1"/>
-          <p:cNvSpPr>
-            <a:spLocks noGrp="1"/>
-          </p:cNvSpPr>
-          <p:nvPr>
-            <p:ph sz="half" idx="1"/>
-          </p:nvPr>
-        </p:nvSpPr>
-        <p:spPr/>
-        <p:txBody>
-          <a:bodyPr/>
-          <a:lstStyle/>
-          <a:p>
-            <a:pPr marL="0" indent="0">
-              <a:buNone/>
-            </a:pPr>
-            <a:r>
-              <a:rPr lang="de-DE" b="1" dirty="0"/>
-              <a:t>Merkmale</a:t>
-            </a:r>
-          </a:p>
-          <a:p>
-            <a:r>
-              <a:rPr lang="de-CH" dirty="0"/>
-              <a:t>Hoher Praxis- und Anwendungsbezug mit weitgespanntem Netzwerk</a:t>
-            </a:r>
-          </a:p>
-          <a:p>
-            <a:r>
-              <a:rPr lang="de-CH" dirty="0"/>
-              <a:t>Interdisziplinarität</a:t>
-            </a:r>
-          </a:p>
-          <a:p>
-            <a:r>
-              <a:rPr lang="de-CH" dirty="0"/>
-              <a:t>Schlüsseltechnologien der Zukunft treffen auf hohe Fach- und Forschungskompetenz</a:t>
-            </a:r>
-          </a:p>
-          <a:p>
-            <a:r>
-              <a:rPr lang="de-CH" dirty="0"/>
-              <a:t>Enge Zusammenarbeit mit Wirtschaft, Gesellschaft und Kultur in Form von gemeinsamen Projekten</a:t>
-            </a:r>
-          </a:p>
-          <a:p>
-            <a:r>
-              <a:rPr lang="de-CH" dirty="0"/>
-              <a:t>Wissens- und </a:t>
-            </a:r>
-            <a:r>
-              <a:rPr lang="de-CH" dirty="0" smtClean="0"/>
-              <a:t>Technologietransfer</a:t>
-            </a:r>
-          </a:p>
-          <a:p>
-            <a:r>
-              <a:rPr lang="de-CH" dirty="0" smtClean="0"/>
-              <a:t>Bündelung der Kompetenzen in Instituten</a:t>
-            </a:r>
-          </a:p>
-          <a:p>
-            <a:r>
-              <a:rPr lang="de-CH" dirty="0" smtClean="0"/>
-              <a:t>Rund 20 strategische Forschungsschwerpunkte</a:t>
-            </a:r>
-          </a:p>
-          <a:p>
-            <a:r>
-              <a:rPr lang="de-CH" dirty="0" smtClean="0"/>
-              <a:t>Aktuell 400 F&amp;E-Projekte in 580 Partnerschaften</a:t>
-            </a:r>
-          </a:p>
-          <a:p>
-            <a:endParaRPr lang="de-CH" dirty="0"/>
-          </a:p>
-          <a:p>
-            <a:endParaRPr lang="de-CH" dirty="0"/>
-          </a:p>
-        </p:txBody>
-      </p:sp>
-      <p:sp>
-        <p:nvSpPr>
-          <p:cNvPr id="3" name="Titel 2"/>
-          <p:cNvSpPr>
-            <a:spLocks noGrp="1"/>
-          </p:cNvSpPr>
-          <p:nvPr>
-            <p:ph type="ctrTitle"/>
-          </p:nvPr>
-        </p:nvSpPr>
-        <p:spPr/>
-        <p:txBody>
-          <a:bodyPr/>
-          <a:lstStyle/>
-          <a:p>
-            <a:r>
-              <a:rPr lang="de-DE" b="1" dirty="0"/>
-              <a:t>Angewandte Forschung und Entwicklung</a:t>
-            </a:r>
-            <a:endParaRPr lang="de-CH" dirty="0"/>
-          </a:p>
-        </p:txBody>
-      </p:sp>
-    </p:spTree>
-    <p:extLst>
-      <p:ext uri="{BB962C8B-B14F-4D97-AF65-F5344CB8AC3E}">
-        <p14:creationId xmlns:p14="http://schemas.microsoft.com/office/powerpoint/2010/main" val="2851177068"/>
-      </p:ext>
-    </p:extLst>
-  </p:cSld>
-  <p:clrMapOvr>
-    <a:masterClrMapping/>
-  </p:clrMapOvr>
-</p:sld>
-</file>
-
-<file path=ppt/slides/slide28.xml><?xml version="1.0" encoding="utf-8"?>
-<p:sld xmlns:a="http://schemas.openxmlformats.org/drawingml/2006/main" xmlns:r="http://schemas.openxmlformats.org/officeDocument/2006/relationships" xmlns:p="http://schemas.openxmlformats.org/presentationml/2006/main">
-  <p:cSld>
-    <p:spTree>
-      <p:nvGrpSpPr>
-        <p:cNvPr id="1" name=""/>
-        <p:cNvGrpSpPr/>
-        <p:nvPr/>
-      </p:nvGrpSpPr>
-      <p:grpSpPr>
-        <a:xfrm>
-          <a:off x="0" y="0"/>
-          <a:ext cx="0" cy="0"/>
-          <a:chOff x="0" y="0"/>
-          <a:chExt cx="0" cy="0"/>
-        </a:xfrm>
-      </p:grpSpPr>
-      <p:sp>
-        <p:nvSpPr>
-          <p:cNvPr id="2" name="Inhaltsplatzhalter 1"/>
-          <p:cNvSpPr>
-            <a:spLocks noGrp="1"/>
-          </p:cNvSpPr>
-          <p:nvPr>
-            <p:ph sz="half" idx="1"/>
-          </p:nvPr>
-        </p:nvSpPr>
-        <p:spPr/>
-        <p:txBody>
-          <a:bodyPr/>
-          <a:lstStyle/>
-          <a:p>
-            <a:r>
-              <a:rPr lang="de-CH" dirty="0" err="1" smtClean="0"/>
-              <a:t>Energy</a:t>
-            </a:r>
-            <a:r>
-              <a:rPr lang="de-CH" dirty="0" smtClean="0"/>
-              <a:t> </a:t>
-            </a:r>
-            <a:r>
-              <a:rPr lang="de-CH" dirty="0" err="1" smtClean="0"/>
-              <a:t>and</a:t>
-            </a:r>
-            <a:r>
-              <a:rPr lang="de-CH" dirty="0" smtClean="0"/>
-              <a:t> Mobility Research</a:t>
-            </a:r>
-            <a:endParaRPr lang="de-CH" dirty="0"/>
-          </a:p>
-          <a:p>
-            <a:r>
-              <a:rPr lang="de-CH" dirty="0" smtClean="0"/>
-              <a:t>Holz- und Verbundbau</a:t>
-            </a:r>
-            <a:endParaRPr lang="de-CH" dirty="0"/>
-          </a:p>
-          <a:p>
-            <a:r>
-              <a:rPr lang="de-CH" dirty="0" smtClean="0"/>
-              <a:t>Tierproduktionssysteme</a:t>
-            </a:r>
-            <a:endParaRPr lang="de-CH" dirty="0"/>
-          </a:p>
-          <a:p>
-            <a:r>
-              <a:rPr lang="de-CH" dirty="0" err="1"/>
-              <a:t>e</a:t>
-            </a:r>
-            <a:r>
-              <a:rPr lang="de-CH" dirty="0" err="1" smtClean="0"/>
-              <a:t>Government</a:t>
-            </a:r>
-            <a:endParaRPr lang="de-CH" dirty="0" smtClean="0"/>
-          </a:p>
-          <a:p>
-            <a:r>
-              <a:rPr lang="de-CH" dirty="0" smtClean="0"/>
-              <a:t>Materialität in Kunst und Kultur</a:t>
-            </a:r>
-          </a:p>
-          <a:p>
-            <a:r>
-              <a:rPr lang="de-CH" dirty="0" smtClean="0"/>
-              <a:t>Sport</a:t>
-            </a:r>
-            <a:endParaRPr lang="de-CH" dirty="0"/>
-          </a:p>
-          <a:p>
-            <a:endParaRPr lang="de-CH" sz="1600" dirty="0"/>
-          </a:p>
-          <a:p>
-            <a:pPr marL="0" indent="0">
-              <a:buNone/>
-            </a:pPr>
-            <a:endParaRPr lang="de-CH" sz="1600" dirty="0"/>
-          </a:p>
-          <a:p>
-            <a:endParaRPr lang="de-CH" sz="1600" dirty="0"/>
-          </a:p>
-        </p:txBody>
-      </p:sp>
-      <p:sp>
-        <p:nvSpPr>
-          <p:cNvPr id="3" name="Titel 2"/>
-          <p:cNvSpPr>
-            <a:spLocks noGrp="1"/>
-          </p:cNvSpPr>
-          <p:nvPr>
-            <p:ph type="ctrTitle"/>
-          </p:nvPr>
-        </p:nvSpPr>
-        <p:spPr/>
-        <p:txBody>
-          <a:bodyPr/>
-          <a:lstStyle/>
-          <a:p>
-            <a:r>
-              <a:rPr lang="de-CH" b="1" dirty="0" smtClean="0"/>
-              <a:t>Forschungskompetenzen – Beispiele</a:t>
-            </a:r>
-            <a:endParaRPr lang="de-CH" b="1" dirty="0"/>
-          </a:p>
-        </p:txBody>
-      </p:sp>
-    </p:spTree>
-    <p:extLst>
-      <p:ext uri="{BB962C8B-B14F-4D97-AF65-F5344CB8AC3E}">
-        <p14:creationId xmlns:p14="http://schemas.microsoft.com/office/powerpoint/2010/main" val="4137724811"/>
-      </p:ext>
-    </p:extLst>
-  </p:cSld>
-  <p:clrMapOvr>
-    <a:masterClrMapping/>
-  </p:clrMapOvr>
-</p:sld>
-</file>
-
-<file path=ppt/slides/slide29.xml><?xml version="1.0" encoding="utf-8"?>
-<p:sld xmlns:a="http://schemas.openxmlformats.org/drawingml/2006/main" xmlns:r="http://schemas.openxmlformats.org/officeDocument/2006/relationships" xmlns:p="http://schemas.openxmlformats.org/presentationml/2006/main">
-  <p:cSld>
-    <p:spTree>
-      <p:nvGrpSpPr>
-        <p:cNvPr id="1" name=""/>
-        <p:cNvGrpSpPr/>
-        <p:nvPr/>
-      </p:nvGrpSpPr>
-      <p:grpSpPr>
-        <a:xfrm>
-          <a:off x="0" y="0"/>
-          <a:ext cx="0" cy="0"/>
-          <a:chOff x="0" y="0"/>
-          <a:chExt cx="0" cy="0"/>
-        </a:xfrm>
-      </p:grpSpPr>
-      <p:sp>
-        <p:nvSpPr>
-          <p:cNvPr id="2" name="Titel 1"/>
-          <p:cNvSpPr>
-            <a:spLocks noGrp="1"/>
-          </p:cNvSpPr>
-          <p:nvPr>
-            <p:ph type="ctrTitle"/>
-          </p:nvPr>
-        </p:nvSpPr>
-        <p:spPr>
-          <a:xfrm>
-            <a:off x="468000" y="1839808"/>
-            <a:ext cx="6513884" cy="1074842"/>
-          </a:xfrm>
-        </p:spPr>
-        <p:txBody>
-          <a:bodyPr/>
-          <a:lstStyle/>
-          <a:p>
-            <a:r>
-              <a:rPr lang="en-US" b="1" dirty="0" err="1" smtClean="0"/>
-              <a:t>Grossprojekt</a:t>
-            </a:r>
-            <a:r>
-              <a:rPr lang="en-US" b="1" dirty="0" smtClean="0"/>
-              <a:t> Campus Biel/Bienne</a:t>
-            </a:r>
-            <a:endParaRPr lang="de-CH" dirty="0"/>
-          </a:p>
-        </p:txBody>
-      </p:sp>
-      <p:sp>
-        <p:nvSpPr>
-          <p:cNvPr id="3" name="Untertitel 2"/>
-          <p:cNvSpPr>
-            <a:spLocks noGrp="1"/>
-          </p:cNvSpPr>
-          <p:nvPr>
-            <p:ph type="subTitle" idx="1"/>
-          </p:nvPr>
-        </p:nvSpPr>
-        <p:spPr>
-          <a:xfrm>
-            <a:off x="468000" y="2877738"/>
-            <a:ext cx="6513884" cy="805526"/>
-          </a:xfrm>
-        </p:spPr>
-        <p:txBody>
-          <a:bodyPr/>
-          <a:lstStyle/>
-          <a:p>
-            <a:endParaRPr lang="de-CH" dirty="0"/>
-          </a:p>
-        </p:txBody>
-      </p:sp>
-    </p:spTree>
-    <p:extLst>
-      <p:ext uri="{BB962C8B-B14F-4D97-AF65-F5344CB8AC3E}">
-        <p14:creationId xmlns:p14="http://schemas.microsoft.com/office/powerpoint/2010/main" val="1323654921"/>
+        <p14:creationId xmlns:p14="http://schemas.microsoft.com/office/powerpoint/2010/main" val="1953900258"/>
       </p:ext>
     </p:extLst>
   </p:cSld>
@@ -10642,12 +7893,12 @@
       </p:grpSpPr>
       <p:sp>
         <p:nvSpPr>
-          <p:cNvPr id="5" name="Titel 4"/>
-          <p:cNvSpPr>
-            <a:spLocks noGrp="1"/>
-          </p:cNvSpPr>
-          <p:nvPr>
-            <p:ph type="ctrTitle"/>
+          <p:cNvPr id="2" name="Inhaltsplatzhalter 1"/>
+          <p:cNvSpPr>
+            <a:spLocks noGrp="1"/>
+          </p:cNvSpPr>
+          <p:nvPr>
+            <p:ph sz="half" idx="1"/>
           </p:nvPr>
         </p:nvSpPr>
         <p:spPr/>
@@ -10656,25 +7907,88 @@
           <a:lstStyle/>
           <a:p>
             <a:r>
-              <a:rPr lang="de-CH" dirty="0" smtClean="0"/>
-              <a:t>Prototype live </a:t>
-            </a:r>
-            <a:r>
-              <a:rPr lang="de-CH" dirty="0" err="1" smtClean="0"/>
-              <a:t>demo</a:t>
-            </a:r>
-            <a:endParaRPr lang="de-CH" dirty="0"/>
-          </a:p>
-        </p:txBody>
-      </p:sp>
-      <p:sp>
-        <p:nvSpPr>
-          <p:cNvPr id="6" name="Untertitel 5"/>
-          <p:cNvSpPr>
-            <a:spLocks noGrp="1"/>
-          </p:cNvSpPr>
-          <p:nvPr>
-            <p:ph type="subTitle" idx="1"/>
+              <a:rPr lang="de-DE" dirty="0" smtClean="0"/>
+              <a:t>Regionaler </a:t>
+            </a:r>
+            <a:r>
+              <a:rPr lang="de-DE" dirty="0" err="1" smtClean="0"/>
+              <a:t>Gesunheitsversorger</a:t>
+            </a:r>
+            <a:endParaRPr lang="de-DE" dirty="0" smtClean="0"/>
+          </a:p>
+          <a:p>
+            <a:pPr lvl="1"/>
+            <a:r>
+              <a:rPr lang="de-DE" dirty="0" smtClean="0"/>
+              <a:t>Produktion eines Patient </a:t>
+            </a:r>
+            <a:r>
+              <a:rPr lang="de-DE" dirty="0" err="1" smtClean="0"/>
+              <a:t>management</a:t>
+            </a:r>
+            <a:r>
+              <a:rPr lang="de-DE" dirty="0" smtClean="0"/>
+              <a:t> </a:t>
+            </a:r>
+            <a:r>
+              <a:rPr lang="de-DE" dirty="0" err="1" smtClean="0"/>
+              <a:t>system</a:t>
+            </a:r>
+            <a:r>
+              <a:rPr lang="de-DE" dirty="0" smtClean="0"/>
+              <a:t> (PMS)</a:t>
+            </a:r>
+          </a:p>
+          <a:p>
+            <a:pPr lvl="1"/>
+            <a:r>
+              <a:rPr lang="de-DE" dirty="0" smtClean="0"/>
+              <a:t>Personal mit aktuellen Daten versorgen </a:t>
+            </a:r>
+            <a:r>
+              <a:rPr lang="de-DE" dirty="0" smtClean="0">
+                <a:sym typeface="Wingdings"/>
+              </a:rPr>
+              <a:t> Behandlung</a:t>
+            </a:r>
+          </a:p>
+          <a:p>
+            <a:pPr lvl="1"/>
+            <a:endParaRPr lang="de-DE" dirty="0" smtClean="0"/>
+          </a:p>
+          <a:p>
+            <a:r>
+              <a:rPr lang="de-DE" dirty="0" smtClean="0"/>
+              <a:t>L</a:t>
+            </a:r>
+            <a:r>
+              <a:rPr lang="de-DE" dirty="0" smtClean="0"/>
+              <a:t>ösung für </a:t>
+            </a:r>
+            <a:r>
+              <a:rPr lang="de-DE" dirty="0" smtClean="0"/>
+              <a:t>Health </a:t>
+            </a:r>
+            <a:r>
+              <a:rPr lang="de-DE" dirty="0" err="1" smtClean="0"/>
+              <a:t>Visitors</a:t>
+            </a:r>
+            <a:r>
+              <a:rPr lang="de-DE" dirty="0" smtClean="0"/>
+              <a:t> (Sozialarbeiter)</a:t>
+            </a:r>
+            <a:endParaRPr lang="de-DE" dirty="0"/>
+          </a:p>
+        </p:txBody>
+      </p:sp>
+      <p:sp>
+        <p:nvSpPr>
+          <p:cNvPr id="3" name="Titel 2"/>
+          <p:cNvSpPr>
+            <a:spLocks noGrp="1"/>
+          </p:cNvSpPr>
+          <p:nvPr>
+            <p:ph type="ctrTitle"/>
           </p:nvPr>
         </p:nvSpPr>
         <p:spPr/>
@@ -10683,339 +7997,17 @@
           <a:lstStyle/>
           <a:p>
             <a:r>
-              <a:rPr lang="de-CH" dirty="0" smtClean="0"/>
-              <a:t>„link einf</a:t>
-            </a:r>
-            <a:r>
-              <a:rPr lang="de-CH" dirty="0" smtClean="0"/>
-              <a:t>ügen“</a:t>
-            </a:r>
-            <a:endParaRPr lang="de-CH" dirty="0"/>
+              <a:rPr lang="de-DE" dirty="0" smtClean="0"/>
+              <a:t>Auftrag</a:t>
+            </a:r>
+            <a:endParaRPr lang="de-DE" dirty="0"/>
           </a:p>
         </p:txBody>
       </p:sp>
     </p:spTree>
     <p:extLst>
       <p:ext uri="{BB962C8B-B14F-4D97-AF65-F5344CB8AC3E}">
-        <p14:creationId xmlns:p14="http://schemas.microsoft.com/office/powerpoint/2010/main" val="3399875752"/>
-      </p:ext>
-    </p:extLst>
-  </p:cSld>
-  <p:clrMapOvr>
-    <a:masterClrMapping/>
-  </p:clrMapOvr>
-  <p:timing>
-    <p:tnLst>
-      <p:par>
-        <p:cTn xmlns:p14="http://schemas.microsoft.com/office/powerpoint/2010/main" id="1" dur="indefinite" restart="never" nodeType="tmRoot"/>
-      </p:par>
-    </p:tnLst>
-  </p:timing>
-</p:sld>
-</file>
-
-<file path=ppt/slides/slide30.xml><?xml version="1.0" encoding="utf-8"?>
-<p:sld xmlns:a="http://schemas.openxmlformats.org/drawingml/2006/main" xmlns:r="http://schemas.openxmlformats.org/officeDocument/2006/relationships" xmlns:p="http://schemas.openxmlformats.org/presentationml/2006/main">
-  <p:cSld>
-    <p:spTree>
-      <p:nvGrpSpPr>
-        <p:cNvPr id="1" name=""/>
-        <p:cNvGrpSpPr/>
-        <p:nvPr/>
-      </p:nvGrpSpPr>
-      <p:grpSpPr>
-        <a:xfrm>
-          <a:off x="0" y="0"/>
-          <a:ext cx="0" cy="0"/>
-          <a:chOff x="0" y="0"/>
-          <a:chExt cx="0" cy="0"/>
-        </a:xfrm>
-      </p:grpSpPr>
-      <p:sp>
-        <p:nvSpPr>
-          <p:cNvPr id="2" name="Inhaltsplatzhalter 1"/>
-          <p:cNvSpPr>
-            <a:spLocks noGrp="1"/>
-          </p:cNvSpPr>
-          <p:nvPr>
-            <p:ph sz="half" idx="1"/>
-          </p:nvPr>
-        </p:nvSpPr>
-        <p:spPr>
-          <a:xfrm>
-            <a:off x="468000" y="1432684"/>
-            <a:ext cx="8100000" cy="4680000"/>
-          </a:xfrm>
-        </p:spPr>
-        <p:txBody>
-          <a:bodyPr/>
-          <a:lstStyle/>
-          <a:p>
-            <a:pPr marL="271463" lvl="1" indent="-271463"/>
-            <a:r>
-              <a:rPr lang="de-CH" dirty="0"/>
-              <a:t>Campus Biel/Bienne der BFH als </a:t>
-            </a:r>
-            <a:r>
-              <a:rPr lang="de-CH" dirty="0" smtClean="0"/>
-              <a:t>Leuchtturm</a:t>
-            </a:r>
-          </a:p>
-          <a:p>
-            <a:pPr marL="271463" lvl="1" indent="-271463"/>
-            <a:r>
-              <a:rPr lang="de-CH" dirty="0" smtClean="0"/>
-              <a:t>2016 Baustart Campus Biel/Bienne – 2020 Eröffnung </a:t>
-            </a:r>
-          </a:p>
-          <a:p>
-            <a:r>
-              <a:rPr lang="de-CH" dirty="0" smtClean="0"/>
-              <a:t>Die </a:t>
-            </a:r>
-            <a:r>
-              <a:rPr lang="de-CH" dirty="0"/>
-              <a:t>Aussicht auf Ergänzung </a:t>
-            </a:r>
-            <a:r>
-              <a:rPr lang="de-CH" dirty="0" smtClean="0"/>
-              <a:t>des Campus durch </a:t>
-            </a:r>
-            <a:r>
-              <a:rPr lang="de-CH" dirty="0"/>
-              <a:t>einen SIP-Netzwerkstandort ist </a:t>
-            </a:r>
-            <a:r>
-              <a:rPr lang="de-CH" dirty="0" smtClean="0"/>
-              <a:t>hochattraktiv</a:t>
-            </a:r>
-            <a:endParaRPr lang="de-CH" dirty="0"/>
-          </a:p>
-          <a:p>
-            <a:r>
-              <a:rPr lang="de-CH" dirty="0" smtClean="0"/>
-              <a:t>Steigerung des Volumens an Innovationsprojekten in der Region</a:t>
-            </a:r>
-          </a:p>
-          <a:p>
-            <a:r>
-              <a:rPr lang="de-CH" dirty="0" smtClean="0"/>
-              <a:t>SIP als Plattform für Treffen zwischen Talenten der BFH und der Wirtschaft</a:t>
-            </a:r>
-            <a:endParaRPr lang="de-CH" dirty="0"/>
-          </a:p>
-        </p:txBody>
-      </p:sp>
-      <p:sp>
-        <p:nvSpPr>
-          <p:cNvPr id="3" name="Titel 2"/>
-          <p:cNvSpPr>
-            <a:spLocks noGrp="1"/>
-          </p:cNvSpPr>
-          <p:nvPr>
-            <p:ph type="ctrTitle"/>
-          </p:nvPr>
-        </p:nvSpPr>
-        <p:spPr/>
-        <p:txBody>
-          <a:bodyPr/>
-          <a:lstStyle/>
-          <a:p>
-            <a:r>
-              <a:rPr lang="de-CH" b="1" dirty="0" smtClean="0"/>
-              <a:t>BFH Campus Biel/Bienne und Swiss Innovation Park – ein ideales Team!</a:t>
-            </a:r>
-            <a:endParaRPr lang="de-CH" b="1" dirty="0"/>
-          </a:p>
-        </p:txBody>
-      </p:sp>
-      <p:sp>
-        <p:nvSpPr>
-          <p:cNvPr id="4" name="Datumsplatzhalter 3"/>
-          <p:cNvSpPr txBox="1">
-            <a:spLocks/>
-          </p:cNvSpPr>
-          <p:nvPr/>
-        </p:nvSpPr>
-        <p:spPr>
-          <a:xfrm>
-            <a:off x="7544105" y="6300000"/>
-            <a:ext cx="1080000" cy="180000"/>
-          </a:xfrm>
-          <a:prstGeom prst="rect">
-            <a:avLst/>
-          </a:prstGeom>
-        </p:spPr>
-        <p:txBody>
-          <a:bodyPr vert="horz" lIns="91440" tIns="45720" rIns="91440" bIns="45720" rtlCol="0" anchor="t" anchorCtr="0"/>
-          <a:lstStyle>
-            <a:defPPr>
-              <a:defRPr lang="de-DE"/>
-            </a:defPPr>
-            <a:lvl1pPr marL="0" algn="r" defTabSz="457200" rtl="0" eaLnBrk="1" latinLnBrk="0" hangingPunct="1">
-              <a:defRPr sz="1000" kern="1200">
-                <a:solidFill>
-                  <a:srgbClr val="697D91"/>
-                </a:solidFill>
-                <a:latin typeface="Lucida Sans"/>
-                <a:ea typeface="+mn-ea"/>
-                <a:cs typeface="+mn-cs"/>
-              </a:defRPr>
-            </a:lvl1pPr>
-            <a:lvl2pPr marL="457200" algn="l" defTabSz="457200" rtl="0" eaLnBrk="1" latinLnBrk="0" hangingPunct="1">
-              <a:defRPr sz="1800" kern="1200">
-                <a:solidFill>
-                  <a:schemeClr val="tx1"/>
-                </a:solidFill>
-                <a:latin typeface="+mn-lt"/>
-                <a:ea typeface="+mn-ea"/>
-                <a:cs typeface="+mn-cs"/>
-              </a:defRPr>
-            </a:lvl2pPr>
-            <a:lvl3pPr marL="914400" algn="l" defTabSz="457200" rtl="0" eaLnBrk="1" latinLnBrk="0" hangingPunct="1">
-              <a:defRPr sz="1800" kern="1200">
-                <a:solidFill>
-                  <a:schemeClr val="tx1"/>
-                </a:solidFill>
-                <a:latin typeface="+mn-lt"/>
-                <a:ea typeface="+mn-ea"/>
-                <a:cs typeface="+mn-cs"/>
-              </a:defRPr>
-            </a:lvl3pPr>
-            <a:lvl4pPr marL="1371600" algn="l" defTabSz="457200" rtl="0" eaLnBrk="1" latinLnBrk="0" hangingPunct="1">
-              <a:defRPr sz="1800" kern="1200">
-                <a:solidFill>
-                  <a:schemeClr val="tx1"/>
-                </a:solidFill>
-                <a:latin typeface="+mn-lt"/>
-                <a:ea typeface="+mn-ea"/>
-                <a:cs typeface="+mn-cs"/>
-              </a:defRPr>
-            </a:lvl4pPr>
-            <a:lvl5pPr marL="1828800" algn="l" defTabSz="457200" rtl="0" eaLnBrk="1" latinLnBrk="0" hangingPunct="1">
-              <a:defRPr sz="1800" kern="1200">
-                <a:solidFill>
-                  <a:schemeClr val="tx1"/>
-                </a:solidFill>
-                <a:latin typeface="+mn-lt"/>
-                <a:ea typeface="+mn-ea"/>
-                <a:cs typeface="+mn-cs"/>
-              </a:defRPr>
-            </a:lvl5pPr>
-            <a:lvl6pPr marL="2286000" algn="l" defTabSz="457200" rtl="0" eaLnBrk="1" latinLnBrk="0" hangingPunct="1">
-              <a:defRPr sz="1800" kern="1200">
-                <a:solidFill>
-                  <a:schemeClr val="tx1"/>
-                </a:solidFill>
-                <a:latin typeface="+mn-lt"/>
-                <a:ea typeface="+mn-ea"/>
-                <a:cs typeface="+mn-cs"/>
-              </a:defRPr>
-            </a:lvl6pPr>
-            <a:lvl7pPr marL="2743200" algn="l" defTabSz="457200" rtl="0" eaLnBrk="1" latinLnBrk="0" hangingPunct="1">
-              <a:defRPr sz="1800" kern="1200">
-                <a:solidFill>
-                  <a:schemeClr val="tx1"/>
-                </a:solidFill>
-                <a:latin typeface="+mn-lt"/>
-                <a:ea typeface="+mn-ea"/>
-                <a:cs typeface="+mn-cs"/>
-              </a:defRPr>
-            </a:lvl7pPr>
-            <a:lvl8pPr marL="3200400" algn="l" defTabSz="457200" rtl="0" eaLnBrk="1" latinLnBrk="0" hangingPunct="1">
-              <a:defRPr sz="1800" kern="1200">
-                <a:solidFill>
-                  <a:schemeClr val="tx1"/>
-                </a:solidFill>
-                <a:latin typeface="+mn-lt"/>
-                <a:ea typeface="+mn-ea"/>
-                <a:cs typeface="+mn-cs"/>
-              </a:defRPr>
-            </a:lvl8pPr>
-            <a:lvl9pPr marL="3657600" algn="l" defTabSz="457200" rtl="0" eaLnBrk="1" latinLnBrk="0" hangingPunct="1">
-              <a:defRPr sz="1800" kern="1200">
-                <a:solidFill>
-                  <a:schemeClr val="tx1"/>
-                </a:solidFill>
-                <a:latin typeface="+mn-lt"/>
-                <a:ea typeface="+mn-ea"/>
-                <a:cs typeface="+mn-cs"/>
-              </a:defRPr>
-            </a:lvl9pPr>
-          </a:lstStyle>
-          <a:p>
-            <a:r>
-              <a:rPr lang="de-DE" dirty="0" smtClean="0"/>
-              <a:t>9</a:t>
-            </a:r>
-            <a:endParaRPr lang="de-DE" dirty="0"/>
-          </a:p>
-        </p:txBody>
-      </p:sp>
-    </p:spTree>
-    <p:extLst>
-      <p:ext uri="{BB962C8B-B14F-4D97-AF65-F5344CB8AC3E}">
-        <p14:creationId xmlns:p14="http://schemas.microsoft.com/office/powerpoint/2010/main" val="1256132955"/>
-      </p:ext>
-    </p:extLst>
-  </p:cSld>
-  <p:clrMapOvr>
-    <a:masterClrMapping/>
-  </p:clrMapOvr>
-  <p:timing>
-    <p:tnLst>
-      <p:par>
-        <p:cTn xmlns:p14="http://schemas.microsoft.com/office/powerpoint/2010/main" id="1" dur="indefinite" restart="never" nodeType="tmRoot"/>
-      </p:par>
-    </p:tnLst>
-  </p:timing>
-</p:sld>
-</file>
-
-<file path=ppt/slides/slide31.xml><?xml version="1.0" encoding="utf-8"?>
-<p:sld xmlns:a="http://schemas.openxmlformats.org/drawingml/2006/main" xmlns:r="http://schemas.openxmlformats.org/officeDocument/2006/relationships" xmlns:p="http://schemas.openxmlformats.org/presentationml/2006/main">
-  <p:cSld>
-    <p:spTree>
-      <p:nvGrpSpPr>
-        <p:cNvPr id="1" name=""/>
-        <p:cNvGrpSpPr/>
-        <p:nvPr/>
-      </p:nvGrpSpPr>
-      <p:grpSpPr>
-        <a:xfrm>
-          <a:off x="0" y="0"/>
-          <a:ext cx="0" cy="0"/>
-          <a:chOff x="0" y="0"/>
-          <a:chExt cx="0" cy="0"/>
-        </a:xfrm>
-      </p:grpSpPr>
-      <p:sp>
-        <p:nvSpPr>
-          <p:cNvPr id="2" name="Titel 1"/>
-          <p:cNvSpPr>
-            <a:spLocks noGrp="1"/>
-          </p:cNvSpPr>
-          <p:nvPr>
-            <p:ph type="ctrTitle"/>
-          </p:nvPr>
-        </p:nvSpPr>
-        <p:spPr/>
-        <p:txBody>
-          <a:bodyPr/>
-          <a:lstStyle/>
-          <a:p>
-            <a:r>
-              <a:rPr lang="de-DE" dirty="0"/>
-              <a:t>Herzlichen Dank!</a:t>
-            </a:r>
-            <a:endParaRPr lang="de-CH" dirty="0"/>
-          </a:p>
-        </p:txBody>
-      </p:sp>
-    </p:spTree>
-    <p:extLst>
-      <p:ext uri="{BB962C8B-B14F-4D97-AF65-F5344CB8AC3E}">
-        <p14:creationId xmlns:p14="http://schemas.microsoft.com/office/powerpoint/2010/main" val="1953900258"/>
+        <p14:creationId xmlns:p14="http://schemas.microsoft.com/office/powerpoint/2010/main" val="274186166"/>
       </p:ext>
     </p:extLst>
   </p:cSld>
@@ -11042,55 +8034,15 @@
           <a:chExt cx="0" cy="0"/>
         </a:xfrm>
       </p:grpSpPr>
-      <p:sp>
-        <p:nvSpPr>
-          <p:cNvPr id="2" name="Inhaltsplatzhalter 1"/>
-          <p:cNvSpPr>
-            <a:spLocks noGrp="1"/>
-          </p:cNvSpPr>
-          <p:nvPr>
-            <p:ph sz="half" idx="1"/>
-          </p:nvPr>
-        </p:nvSpPr>
-        <p:spPr/>
-        <p:txBody>
-          <a:bodyPr/>
-          <a:lstStyle/>
-          <a:p>
-            <a:endParaRPr lang="de-CH" dirty="0"/>
-          </a:p>
-        </p:txBody>
-      </p:sp>
-      <p:sp>
-        <p:nvSpPr>
-          <p:cNvPr id="3" name="Titel 2"/>
-          <p:cNvSpPr>
-            <a:spLocks noGrp="1"/>
-          </p:cNvSpPr>
-          <p:nvPr>
-            <p:ph type="ctrTitle"/>
-          </p:nvPr>
-        </p:nvSpPr>
-        <p:spPr/>
-        <p:txBody>
-          <a:bodyPr/>
-          <a:lstStyle/>
-          <a:p>
-            <a:r>
-              <a:rPr lang="de-DE" b="1" dirty="0"/>
-              <a:t>Standorte der Berner Fachhochschule</a:t>
-            </a:r>
-            <a:endParaRPr lang="de-CH" dirty="0"/>
-          </a:p>
-        </p:txBody>
-      </p:sp>
       <p:pic>
         <p:nvPicPr>
-          <p:cNvPr id="1026" name="Picture 2"/>
+          <p:cNvPr id="4" name="Inhaltsplatzhalter 3" descr="Screen Shot 2015-01-15 at 2.02.29 PM.png"/>
           <p:cNvPicPr>
-            <a:picLocks noChangeAspect="1" noChangeArrowheads="1"/>
+            <a:picLocks noGrp="1" noChangeAspect="1"/>
           </p:cNvPicPr>
-          <p:nvPr/>
+          <p:nvPr>
+            <p:ph sz="half" idx="1"/>
+          </p:nvPr>
         </p:nvPicPr>
         <p:blipFill>
           <a:blip r:embed="rId2">
@@ -11100,61 +8052,50 @@
               </a:ext>
             </a:extLst>
           </a:blip>
-          <a:srcRect/>
+          <a:srcRect t="-26147" b="-26147"/>
           <a:stretch>
             <a:fillRect/>
           </a:stretch>
         </p:blipFill>
-        <p:spPr bwMode="auto">
-          <a:xfrm>
-            <a:off x="468000" y="1439999"/>
-            <a:ext cx="6600825" cy="4448175"/>
-          </a:xfrm>
-          <a:prstGeom prst="rect">
-            <a:avLst/>
-          </a:prstGeom>
-          <a:noFill/>
-          <a:ln>
-            <a:noFill/>
-          </a:ln>
-          <a:extLst>
-            <a:ext uri="{909E8E84-426E-40dd-AFC4-6F175D3DCCD1}">
-              <a14:hiddenFill xmlns:a14="http://schemas.microsoft.com/office/drawing/2010/main">
-                <a:solidFill>
-                  <a:schemeClr val="accent1"/>
-                </a:solidFill>
-              </a14:hiddenFill>
-            </a:ext>
-            <a:ext uri="{91240B29-F687-4f45-9708-019B960494DF}">
-              <a14:hiddenLine xmlns:a14="http://schemas.microsoft.com/office/drawing/2010/main" w="9525">
-                <a:solidFill>
-                  <a:schemeClr val="tx1"/>
-                </a:solidFill>
-                <a:miter lim="800000"/>
-                <a:headEnd/>
-                <a:tailEnd/>
-              </a14:hiddenLine>
-            </a:ext>
-          </a:extLst>
-        </p:spPr>
+        <p:spPr/>
       </p:pic>
+      <p:sp>
+        <p:nvSpPr>
+          <p:cNvPr id="3" name="Titel 2"/>
+          <p:cNvSpPr>
+            <a:spLocks noGrp="1"/>
+          </p:cNvSpPr>
+          <p:nvPr>
+            <p:ph type="ctrTitle"/>
+          </p:nvPr>
+        </p:nvSpPr>
+        <p:spPr/>
+        <p:txBody>
+          <a:bodyPr/>
+          <a:lstStyle/>
+          <a:p>
+            <a:r>
+              <a:rPr lang="de-DE" dirty="0" err="1" smtClean="0"/>
+              <a:t>Burndown</a:t>
+            </a:r>
+            <a:r>
+              <a:rPr lang="de-DE" dirty="0" smtClean="0"/>
+              <a:t>-Chart</a:t>
+            </a:r>
+            <a:endParaRPr lang="de-DE" dirty="0"/>
+          </a:p>
+        </p:txBody>
+      </p:sp>
     </p:spTree>
     <p:extLst>
       <p:ext uri="{BB962C8B-B14F-4D97-AF65-F5344CB8AC3E}">
-        <p14:creationId xmlns:p14="http://schemas.microsoft.com/office/powerpoint/2010/main" val="3741675672"/>
+        <p14:creationId xmlns:p14="http://schemas.microsoft.com/office/powerpoint/2010/main" val="2815946500"/>
       </p:ext>
     </p:extLst>
   </p:cSld>
   <p:clrMapOvr>
     <a:masterClrMapping/>
   </p:clrMapOvr>
-  <p:timing>
-    <p:tnLst>
-      <p:par>
-        <p:cTn xmlns:p14="http://schemas.microsoft.com/office/powerpoint/2010/main" id="1" dur="indefinite" restart="never" nodeType="tmRoot"/>
-      </p:par>
-    </p:tnLst>
-  </p:timing>
 </p:sld>
 </file>
 
@@ -11177,12 +8118,12 @@
       </p:grpSpPr>
       <p:sp>
         <p:nvSpPr>
-          <p:cNvPr id="2" name="Inhaltsplatzhalter 1"/>
-          <p:cNvSpPr>
-            <a:spLocks noGrp="1"/>
-          </p:cNvSpPr>
-          <p:nvPr>
-            <p:ph sz="half" idx="1"/>
+          <p:cNvPr id="5" name="Titel 4"/>
+          <p:cNvSpPr>
+            <a:spLocks noGrp="1"/>
+          </p:cNvSpPr>
+          <p:nvPr>
+            <p:ph type="ctrTitle"/>
           </p:nvPr>
         </p:nvSpPr>
         <p:spPr/>
@@ -11190,306 +8131,26 @@
           <a:bodyPr/>
           <a:lstStyle/>
           <a:p>
-            <a:pPr marL="0" indent="0">
-              <a:buNone/>
-            </a:pPr>
-            <a:r>
-              <a:rPr lang="de-DE" sz="1500" b="1" dirty="0"/>
-              <a:t>Gründung				</a:t>
-            </a:r>
-            <a:r>
-              <a:rPr lang="de-DE" sz="1500" dirty="0"/>
-              <a:t>1. Oktober 1997</a:t>
-            </a:r>
-          </a:p>
-          <a:p>
-            <a:pPr marL="0" indent="0">
-              <a:buNone/>
-            </a:pPr>
-            <a:r>
-              <a:rPr lang="de-CH" sz="1500" b="1" dirty="0"/>
-              <a:t>Departemente			</a:t>
-            </a:r>
-            <a:r>
-              <a:rPr lang="de-CH" sz="1500" dirty="0" smtClean="0"/>
-              <a:t>- </a:t>
-            </a:r>
-            <a:r>
-              <a:rPr lang="de-CH" sz="1500" dirty="0"/>
-              <a:t>Architektur, Holz und </a:t>
-            </a:r>
-            <a:r>
-              <a:rPr lang="de-CH" sz="1500" dirty="0" smtClean="0"/>
-              <a:t>Bau</a:t>
-            </a:r>
-          </a:p>
-          <a:p>
-            <a:pPr marL="0" indent="0">
-              <a:buNone/>
-            </a:pPr>
-            <a:r>
-              <a:rPr lang="de-CH" sz="1500" dirty="0" smtClean="0"/>
-              <a:t>						- </a:t>
-            </a:r>
-            <a:r>
-              <a:rPr lang="de-CH" sz="1500" dirty="0"/>
-              <a:t>Hochschule für Agrar-, Forst- und 										   </a:t>
-            </a:r>
-            <a:r>
-              <a:rPr lang="de-CH" sz="1500" dirty="0" smtClean="0"/>
-              <a:t>Lebensmittelwissenschaften</a:t>
-            </a:r>
-          </a:p>
-          <a:p>
-            <a:pPr marL="0" indent="0">
-              <a:buNone/>
-            </a:pPr>
-            <a:r>
-              <a:rPr lang="de-CH" sz="1500" dirty="0" smtClean="0"/>
-              <a:t>						- </a:t>
-            </a:r>
-            <a:r>
-              <a:rPr lang="de-CH" sz="1500" dirty="0"/>
-              <a:t>Hochschule der Künste </a:t>
-            </a:r>
-            <a:r>
-              <a:rPr lang="de-CH" sz="1500" dirty="0" smtClean="0"/>
-              <a:t>Bern</a:t>
-            </a:r>
-          </a:p>
-          <a:p>
-            <a:pPr marL="0" indent="0">
-              <a:buNone/>
-            </a:pPr>
-            <a:r>
-              <a:rPr lang="de-CH" sz="1500" dirty="0"/>
-              <a:t>	</a:t>
-            </a:r>
-            <a:r>
-              <a:rPr lang="de-CH" sz="1500" dirty="0" smtClean="0"/>
-              <a:t>					- Technik und Informatik</a:t>
-            </a:r>
-            <a:endParaRPr lang="de-CH" sz="1500" dirty="0"/>
-          </a:p>
-          <a:p>
-            <a:pPr marL="0" indent="0">
-              <a:buNone/>
-            </a:pPr>
-            <a:r>
-              <a:rPr lang="de-CH" sz="1500" dirty="0"/>
-              <a:t>					</a:t>
-            </a:r>
-            <a:r>
-              <a:rPr lang="de-CH" sz="1500" dirty="0" smtClean="0"/>
-              <a:t>	- </a:t>
-            </a:r>
-            <a:r>
-              <a:rPr lang="de-CH" sz="1500" dirty="0"/>
-              <a:t>Wirtschaft, Gesundheit, Soziale Arbeit</a:t>
-            </a:r>
-          </a:p>
-          <a:p>
-            <a:pPr marL="0" indent="0">
-              <a:buNone/>
-            </a:pPr>
-            <a:r>
-              <a:rPr lang="de-CH" sz="1500" dirty="0"/>
-              <a:t>					</a:t>
-            </a:r>
-            <a:r>
-              <a:rPr lang="de-CH" sz="1500" dirty="0" smtClean="0"/>
-              <a:t>	- </a:t>
-            </a:r>
-            <a:r>
-              <a:rPr lang="de-CH" sz="1500" dirty="0" err="1"/>
-              <a:t>Eidg</a:t>
-            </a:r>
-            <a:r>
-              <a:rPr lang="de-CH" sz="1500" dirty="0"/>
-              <a:t>. Hochschule für Sport </a:t>
-            </a:r>
-            <a:r>
-              <a:rPr lang="de-CH" sz="1500" dirty="0" err="1"/>
-              <a:t>Magglingen</a:t>
-            </a:r>
-            <a:r>
-              <a:rPr lang="de-CH" sz="1500" dirty="0"/>
-              <a:t> EHSM*</a:t>
-            </a:r>
-          </a:p>
-          <a:p>
-            <a:pPr marL="0" indent="0">
-              <a:buNone/>
-            </a:pPr>
-            <a:r>
-              <a:rPr lang="de-CH" sz="1500" dirty="0"/>
-              <a:t>					  </a:t>
-            </a:r>
-            <a:r>
-              <a:rPr lang="de-CH" sz="1500" dirty="0" smtClean="0"/>
-              <a:t>	 </a:t>
-            </a:r>
-            <a:r>
-              <a:rPr lang="de-CH" sz="1500" dirty="0"/>
-              <a:t>* </a:t>
-            </a:r>
-            <a:r>
-              <a:rPr lang="de-CH" sz="1200" dirty="0"/>
-              <a:t>angegliederte Hochschule</a:t>
-            </a:r>
-          </a:p>
-          <a:p>
-            <a:pPr marL="0" indent="0">
-              <a:buNone/>
-            </a:pPr>
-            <a:r>
-              <a:rPr lang="de-CH" sz="1500" b="1" dirty="0"/>
-              <a:t>Bachelorstudiengänge</a:t>
-            </a:r>
-            <a:r>
-              <a:rPr lang="de-CH" sz="1500" dirty="0"/>
-              <a:t>	</a:t>
-            </a:r>
-            <a:r>
-              <a:rPr lang="de-CH" sz="1500" dirty="0" smtClean="0"/>
-              <a:t>	28</a:t>
-            </a:r>
-            <a:endParaRPr lang="de-CH" sz="1500" dirty="0"/>
-          </a:p>
-          <a:p>
-            <a:pPr marL="0" indent="0">
-              <a:buNone/>
-            </a:pPr>
-            <a:r>
-              <a:rPr lang="de-CH" sz="1500" b="1" dirty="0"/>
-              <a:t>Masterstudiengänge</a:t>
-            </a:r>
-            <a:r>
-              <a:rPr lang="de-CH" sz="1500" dirty="0"/>
-              <a:t>		21</a:t>
-            </a:r>
-          </a:p>
-          <a:p>
-            <a:pPr marL="0" indent="0">
-              <a:buNone/>
-            </a:pPr>
-            <a:r>
-              <a:rPr lang="de-CH" sz="1500" b="1" dirty="0"/>
-              <a:t>Unterrichtssprachen</a:t>
-            </a:r>
-            <a:r>
-              <a:rPr lang="de-CH" sz="1500" dirty="0"/>
-              <a:t>		Deutsch, Französisch, teilweise Englisch</a:t>
-            </a:r>
-          </a:p>
-          <a:p>
-            <a:pPr marL="0" indent="0">
-              <a:buNone/>
-            </a:pPr>
-            <a:r>
-              <a:rPr lang="de-CH" sz="1500" b="1" dirty="0"/>
-              <a:t>Studierende</a:t>
-            </a:r>
-            <a:r>
-              <a:rPr lang="de-CH" sz="1500" dirty="0"/>
-              <a:t>			</a:t>
-            </a:r>
-            <a:r>
-              <a:rPr lang="de-CH" sz="1500" dirty="0" smtClean="0"/>
-              <a:t>	6724</a:t>
-            </a:r>
-            <a:endParaRPr lang="de-CH" sz="1500" dirty="0"/>
-          </a:p>
-          <a:p>
-            <a:pPr marL="0" indent="0">
-              <a:buNone/>
-            </a:pPr>
-            <a:r>
-              <a:rPr lang="de-CH" sz="1500" b="1" dirty="0"/>
-              <a:t>Frauenanteil</a:t>
-            </a:r>
-            <a:r>
-              <a:rPr lang="de-CH" sz="1500" dirty="0"/>
-              <a:t>			</a:t>
-            </a:r>
-            <a:r>
-              <a:rPr lang="de-CH" sz="1500" dirty="0" smtClean="0"/>
-              <a:t>	45%</a:t>
-            </a:r>
-            <a:endParaRPr lang="de-CH" sz="1500" dirty="0"/>
-          </a:p>
-          <a:p>
-            <a:pPr marL="0" indent="0">
-              <a:buNone/>
-            </a:pPr>
-            <a:r>
-              <a:rPr lang="de-CH" sz="1500" b="1" dirty="0"/>
-              <a:t>Mitarbeitende</a:t>
-            </a:r>
-            <a:r>
-              <a:rPr lang="de-CH" sz="1500" dirty="0"/>
-              <a:t>			</a:t>
-            </a:r>
-            <a:r>
-              <a:rPr lang="de-CH" sz="1500" dirty="0" smtClean="0"/>
-              <a:t>	2917 </a:t>
-            </a:r>
-            <a:r>
-              <a:rPr lang="de-CH" sz="1500" dirty="0"/>
-              <a:t>(</a:t>
-            </a:r>
-            <a:r>
-              <a:rPr lang="de-CH" sz="1500" dirty="0" smtClean="0"/>
-              <a:t>1412 Vollzeitäquivalente)</a:t>
-            </a:r>
-          </a:p>
-          <a:p>
-            <a:pPr marL="0" indent="0">
-              <a:buNone/>
-            </a:pPr>
-            <a:r>
-              <a:rPr lang="en-US" sz="1500" b="1" dirty="0"/>
-              <a:t>Annual budget:			</a:t>
-            </a:r>
-            <a:r>
-              <a:rPr lang="en-US" sz="1500" dirty="0" smtClean="0"/>
-              <a:t>CHF 265 </a:t>
-            </a:r>
-            <a:r>
-              <a:rPr lang="en-US" sz="1500" dirty="0"/>
-              <a:t>Mio. (57% </a:t>
-            </a:r>
-            <a:r>
-              <a:rPr lang="en-US" sz="1500" dirty="0" err="1" smtClean="0"/>
-              <a:t>Beiträge</a:t>
-            </a:r>
-            <a:r>
-              <a:rPr lang="en-US" sz="1500" dirty="0" smtClean="0"/>
-              <a:t> der </a:t>
-            </a:r>
-            <a:r>
-              <a:rPr lang="en-US" sz="1500" dirty="0" err="1" smtClean="0"/>
-              <a:t>öffentlichen</a:t>
-            </a:r>
-            <a:r>
-              <a:rPr lang="en-US" sz="1500" dirty="0" smtClean="0"/>
-              <a:t> Hand)</a:t>
-            </a:r>
-            <a:endParaRPr lang="de-CH" sz="1500" dirty="0"/>
-          </a:p>
-          <a:p>
-            <a:endParaRPr lang="de-CH" sz="1500" dirty="0"/>
-          </a:p>
-        </p:txBody>
-      </p:sp>
-      <p:sp>
-        <p:nvSpPr>
-          <p:cNvPr id="3" name="Titel 2"/>
-          <p:cNvSpPr>
-            <a:spLocks noGrp="1"/>
-          </p:cNvSpPr>
-          <p:nvPr>
-            <p:ph type="ctrTitle"/>
+            <a:r>
+              <a:rPr lang="de-CH" dirty="0" smtClean="0"/>
+              <a:t>Prototype live </a:t>
+            </a:r>
+            <a:r>
+              <a:rPr lang="de-CH" dirty="0" err="1" smtClean="0"/>
+              <a:t>demo</a:t>
+            </a:r>
+            <a:endParaRPr lang="de-CH" dirty="0"/>
+          </a:p>
+        </p:txBody>
+      </p:sp>
+      <p:sp>
+        <p:nvSpPr>
+          <p:cNvPr id="6" name="Untertitel 5"/>
+          <p:cNvSpPr>
+            <a:spLocks noGrp="1"/>
+          </p:cNvSpPr>
+          <p:nvPr>
+            <p:ph type="subTitle" idx="1"/>
           </p:nvPr>
         </p:nvSpPr>
         <p:spPr/>
@@ -11498,8 +8159,10 @@
           <a:lstStyle/>
           <a:p>
             <a:r>
-              <a:rPr lang="de-DE" b="1" dirty="0"/>
-              <a:t>Zahlen und Fakten</a:t>
+              <a:rPr lang="de-CH" dirty="0" smtClean="0">
+                <a:hlinkClick r:id="rId2"/>
+              </a:rPr>
+              <a:t>http://localhost:8080</a:t>
             </a:r>
             <a:endParaRPr lang="de-CH" dirty="0"/>
           </a:p>
@@ -11508,13 +8171,20 @@
     </p:spTree>
     <p:extLst>
       <p:ext uri="{BB962C8B-B14F-4D97-AF65-F5344CB8AC3E}">
-        <p14:creationId xmlns:p14="http://schemas.microsoft.com/office/powerpoint/2010/main" val="1761532058"/>
+        <p14:creationId xmlns:p14="http://schemas.microsoft.com/office/powerpoint/2010/main" val="3399875752"/>
       </p:ext>
     </p:extLst>
   </p:cSld>
   <p:clrMapOvr>
     <a:masterClrMapping/>
   </p:clrMapOvr>
+  <p:timing>
+    <p:tnLst>
+      <p:par>
+        <p:cTn xmlns:p14="http://schemas.microsoft.com/office/powerpoint/2010/main" id="1" dur="indefinite" restart="never" nodeType="tmRoot"/>
+      </p:par>
+    </p:tnLst>
+  </p:timing>
 </p:sld>
 </file>
 
@@ -11537,12 +8207,12 @@
       </p:grpSpPr>
       <p:sp>
         <p:nvSpPr>
-          <p:cNvPr id="2" name="Inhaltsplatzhalter 1"/>
-          <p:cNvSpPr>
-            <a:spLocks noGrp="1"/>
-          </p:cNvSpPr>
-          <p:nvPr>
-            <p:ph sz="half" idx="1"/>
+          <p:cNvPr id="2" name="Titel 1"/>
+          <p:cNvSpPr>
+            <a:spLocks noGrp="1"/>
+          </p:cNvSpPr>
+          <p:nvPr>
+            <p:ph type="ctrTitle"/>
           </p:nvPr>
         </p:nvSpPr>
         <p:spPr/>
@@ -11550,69 +8220,22 @@
           <a:bodyPr/>
           <a:lstStyle/>
           <a:p>
-            <a:pPr marL="0" indent="0">
-              <a:buNone/>
-            </a:pPr>
-            <a:r>
-              <a:rPr lang="de-DE" b="1" dirty="0"/>
-              <a:t>Kernaufgaben</a:t>
-            </a:r>
-          </a:p>
-          <a:p>
-            <a:r>
-              <a:rPr lang="de-CH" dirty="0"/>
-              <a:t>Lehre Bachelorstudiengänge</a:t>
-            </a:r>
-          </a:p>
-          <a:p>
-            <a:r>
-              <a:rPr lang="de-CH" dirty="0"/>
-              <a:t>Lehre Masterstudiengänge</a:t>
-            </a:r>
-          </a:p>
-          <a:p>
-            <a:endParaRPr lang="de-CH" dirty="0"/>
-          </a:p>
-          <a:p>
-            <a:pPr marL="0" indent="0">
-              <a:buNone/>
-            </a:pPr>
-            <a:r>
-              <a:rPr lang="de-CH" b="1" dirty="0"/>
-              <a:t>Erweiterter Leistungsauftrag</a:t>
-            </a:r>
-          </a:p>
-          <a:p>
-            <a:r>
-              <a:rPr lang="de-CH" dirty="0"/>
-              <a:t>Weiterbildung</a:t>
-            </a:r>
-          </a:p>
-          <a:p>
-            <a:r>
-              <a:rPr lang="de-CH" dirty="0"/>
-              <a:t>Angewandte Forschung und Entwicklung (inkl. Wissens- und Technologietransfer)</a:t>
-            </a:r>
-          </a:p>
-          <a:p>
-            <a:r>
-              <a:rPr lang="de-CH" dirty="0"/>
-              <a:t>Dienstleistungen</a:t>
-            </a:r>
-          </a:p>
-          <a:p>
-            <a:endParaRPr lang="de-CH" dirty="0"/>
-          </a:p>
-        </p:txBody>
-      </p:sp>
-      <p:sp>
-        <p:nvSpPr>
-          <p:cNvPr id="3" name="Titel 2"/>
-          <p:cNvSpPr>
-            <a:spLocks noGrp="1"/>
-          </p:cNvSpPr>
-          <p:nvPr>
-            <p:ph type="ctrTitle"/>
+            <a:r>
+              <a:rPr lang="de-DE" dirty="0" smtClean="0"/>
+              <a:t>Highlights</a:t>
+            </a:r>
+            <a:endParaRPr lang="de-DE" dirty="0"/>
+          </a:p>
+        </p:txBody>
+      </p:sp>
+      <p:sp>
+        <p:nvSpPr>
+          <p:cNvPr id="3" name="Untertitel 2"/>
+          <p:cNvSpPr>
+            <a:spLocks noGrp="1"/>
+          </p:cNvSpPr>
+          <p:nvPr>
+            <p:ph type="subTitle" idx="1"/>
           </p:nvPr>
         </p:nvSpPr>
         <p:spPr/>
@@ -11621,17 +8244,29 @@
           <a:lstStyle/>
           <a:p>
             <a:r>
-              <a:rPr lang="de-CH" b="1" dirty="0"/>
-              <a:t>Auftrag der Berner Fachhochschule</a:t>
-            </a:r>
-            <a:endParaRPr lang="de-CH" dirty="0"/>
+              <a:rPr lang="de-DE" dirty="0" smtClean="0"/>
+              <a:t>Aline &amp; Dominique</a:t>
+            </a:r>
+          </a:p>
+          <a:p>
+            <a:r>
+              <a:rPr lang="de-DE" dirty="0" smtClean="0"/>
+              <a:t>David</a:t>
+            </a:r>
+          </a:p>
+          <a:p>
+            <a:r>
+              <a:rPr lang="de-DE" dirty="0" smtClean="0"/>
+              <a:t>Florian &amp; Philipp</a:t>
+            </a:r>
+            <a:endParaRPr lang="de-DE" dirty="0"/>
           </a:p>
         </p:txBody>
       </p:sp>
     </p:spTree>
     <p:extLst>
       <p:ext uri="{BB962C8B-B14F-4D97-AF65-F5344CB8AC3E}">
-        <p14:creationId xmlns:p14="http://schemas.microsoft.com/office/powerpoint/2010/main" val="1121453056"/>
+        <p14:creationId xmlns:p14="http://schemas.microsoft.com/office/powerpoint/2010/main" val="2829634579"/>
       </p:ext>
     </p:extLst>
   </p:cSld>
@@ -11673,97 +8308,31 @@
           <a:bodyPr/>
           <a:lstStyle/>
           <a:p>
-            <a:pPr marL="0" indent="0">
-              <a:buNone/>
-            </a:pPr>
-            <a:r>
-              <a:rPr lang="de-CH" b="1" dirty="0"/>
-              <a:t>Finanzen</a:t>
-            </a:r>
-            <a:endParaRPr lang="de-DE" b="1" dirty="0"/>
-          </a:p>
-          <a:p>
-            <a:r>
-              <a:rPr lang="de-CH" dirty="0"/>
-              <a:t>Sparpaket des Kantons Bern</a:t>
-            </a:r>
-          </a:p>
-          <a:p>
-            <a:r>
-              <a:rPr lang="de-CH" dirty="0"/>
-              <a:t>Steigende Studierendenzahlen (</a:t>
-            </a:r>
-            <a:r>
-              <a:rPr lang="de-CH" dirty="0" smtClean="0"/>
-              <a:t>2012: +5 </a:t>
-            </a:r>
-            <a:r>
-              <a:rPr lang="de-CH" dirty="0"/>
-              <a:t>Prozent gegenüber Vorjahr)</a:t>
-            </a:r>
-          </a:p>
-          <a:p>
-            <a:r>
-              <a:rPr lang="de-CH" dirty="0"/>
-              <a:t>Mehrbedarf finanzieller Mittel</a:t>
-            </a:r>
-          </a:p>
-          <a:p>
-            <a:endParaRPr lang="de-CH" dirty="0"/>
-          </a:p>
-          <a:p>
-            <a:pPr marL="0" indent="0">
-              <a:buNone/>
-            </a:pPr>
-            <a:r>
-              <a:rPr lang="de-CH" b="1" dirty="0"/>
-              <a:t>Standort</a:t>
-            </a:r>
-          </a:p>
-          <a:p>
-            <a:r>
-              <a:rPr lang="de-CH" dirty="0"/>
-              <a:t>Aktuell 24 BFH-Standorte, Vergleich mit Konkurrenz</a:t>
-            </a:r>
-          </a:p>
-          <a:p>
-            <a:r>
-              <a:rPr lang="de-CH" dirty="0"/>
-              <a:t>Ziel, langfristig eine alternative Lösung zu finden (Campus)</a:t>
-            </a:r>
-          </a:p>
-          <a:p>
-            <a:r>
-              <a:rPr lang="de-CH" dirty="0"/>
-              <a:t>Entscheid des Regierungsrats zur Konzentration in Bern und Biel</a:t>
-            </a:r>
-          </a:p>
-          <a:p>
-            <a:endParaRPr lang="de-CH" dirty="0"/>
-          </a:p>
-          <a:p>
-            <a:pPr marL="0" indent="0">
-              <a:buNone/>
-            </a:pPr>
-            <a:r>
-              <a:rPr lang="de-CH" b="1" dirty="0"/>
-              <a:t>Angebot</a:t>
-            </a:r>
-          </a:p>
-          <a:p>
-            <a:r>
-              <a:rPr lang="de-CH" dirty="0"/>
-              <a:t>Wettbewerb in der Schweizer Hochschullandschaft</a:t>
-            </a:r>
-          </a:p>
-          <a:p>
-            <a:r>
-              <a:rPr lang="de-CH" dirty="0"/>
-              <a:t>Kooperationen mit Fachhochschulen und Universitäten</a:t>
-            </a:r>
-          </a:p>
-          <a:p>
-            <a:endParaRPr lang="de-CH" dirty="0"/>
+            <a:r>
+              <a:rPr lang="de-DE" dirty="0" smtClean="0"/>
+              <a:t>Button </a:t>
+            </a:r>
+            <a:r>
+              <a:rPr lang="de-DE" dirty="0" err="1" smtClean="0"/>
+              <a:t>view</a:t>
+            </a:r>
+            <a:r>
+              <a:rPr lang="de-DE" dirty="0" smtClean="0"/>
+              <a:t> </a:t>
+            </a:r>
+            <a:r>
+              <a:rPr lang="de-DE" dirty="0" err="1" smtClean="0"/>
+              <a:t>wechsel</a:t>
+            </a:r>
+            <a:r>
+              <a:rPr lang="de-DE" dirty="0" smtClean="0"/>
+              <a:t> Detail </a:t>
+            </a:r>
+            <a:r>
+              <a:rPr lang="de-DE" dirty="0" err="1" smtClean="0"/>
+              <a:t>view</a:t>
+            </a:r>
+            <a:endParaRPr lang="de-DE" dirty="0"/>
           </a:p>
         </p:txBody>
       </p:sp>
@@ -11777,28 +8346,23 @@
             <p:ph type="ctrTitle"/>
           </p:nvPr>
         </p:nvSpPr>
-        <p:spPr>
-          <a:xfrm>
-            <a:off x="468000" y="360000"/>
-            <a:ext cx="8100000" cy="878250"/>
-          </a:xfrm>
-        </p:spPr>
+        <p:spPr/>
         <p:txBody>
           <a:bodyPr/>
           <a:lstStyle/>
           <a:p>
             <a:r>
-              <a:rPr lang="de-CH" b="1" dirty="0"/>
-              <a:t>Herausforderungen für die Berner Fachhochschule</a:t>
-            </a:r>
-            <a:endParaRPr lang="de-CH" dirty="0"/>
+              <a:rPr lang="de-DE" dirty="0" smtClean="0"/>
+              <a:t>Aline &amp; Dominique</a:t>
+            </a:r>
+            <a:endParaRPr lang="de-DE" dirty="0"/>
           </a:p>
         </p:txBody>
       </p:sp>
     </p:spTree>
     <p:extLst>
       <p:ext uri="{BB962C8B-B14F-4D97-AF65-F5344CB8AC3E}">
-        <p14:creationId xmlns:p14="http://schemas.microsoft.com/office/powerpoint/2010/main" val="1842710398"/>
+        <p14:creationId xmlns:p14="http://schemas.microsoft.com/office/powerpoint/2010/main" val="215213005"/>
       </p:ext>
     </p:extLst>
   </p:cSld>
@@ -11827,12 +8391,12 @@
       </p:grpSpPr>
       <p:sp>
         <p:nvSpPr>
-          <p:cNvPr id="2" name="Titel 1"/>
-          <p:cNvSpPr>
-            <a:spLocks noGrp="1"/>
-          </p:cNvSpPr>
-          <p:nvPr>
-            <p:ph type="ctrTitle"/>
+          <p:cNvPr id="2" name="Inhaltsplatzhalter 1"/>
+          <p:cNvSpPr>
+            <a:spLocks noGrp="1"/>
+          </p:cNvSpPr>
+          <p:nvPr>
+            <p:ph sz="half" idx="1"/>
           </p:nvPr>
         </p:nvSpPr>
         <p:spPr/>
@@ -11840,22 +8404,18 @@
           <a:bodyPr/>
           <a:lstStyle/>
           <a:p>
-            <a:r>
-              <a:rPr lang="de-DE" b="1" dirty="0"/>
-              <a:t>Departemente</a:t>
-            </a:r>
-            <a:endParaRPr lang="de-CH" dirty="0"/>
-          </a:p>
-        </p:txBody>
-      </p:sp>
-      <p:sp>
-        <p:nvSpPr>
-          <p:cNvPr id="3" name="Untertitel 2"/>
-          <p:cNvSpPr>
-            <a:spLocks noGrp="1"/>
-          </p:cNvSpPr>
-          <p:nvPr>
-            <p:ph type="subTitle" idx="1"/>
+            <a:endParaRPr lang="de-DE"/>
+          </a:p>
+        </p:txBody>
+      </p:sp>
+      <p:sp>
+        <p:nvSpPr>
+          <p:cNvPr id="3" name="Titel 2"/>
+          <p:cNvSpPr>
+            <a:spLocks noGrp="1"/>
+          </p:cNvSpPr>
+          <p:nvPr>
+            <p:ph type="ctrTitle"/>
           </p:nvPr>
         </p:nvSpPr>
         <p:spPr/>
@@ -11863,14 +8423,18 @@
           <a:bodyPr/>
           <a:lstStyle/>
           <a:p>
-            <a:endParaRPr lang="de-CH" dirty="0"/>
+            <a:r>
+              <a:rPr lang="de-DE" dirty="0" smtClean="0"/>
+              <a:t>Aline &amp; Dominique</a:t>
+            </a:r>
+            <a:endParaRPr lang="de-DE" dirty="0"/>
           </a:p>
         </p:txBody>
       </p:sp>
     </p:spTree>
     <p:extLst>
       <p:ext uri="{BB962C8B-B14F-4D97-AF65-F5344CB8AC3E}">
-        <p14:creationId xmlns:p14="http://schemas.microsoft.com/office/powerpoint/2010/main" val="1998553457"/>
+        <p14:creationId xmlns:p14="http://schemas.microsoft.com/office/powerpoint/2010/main" val="923568158"/>
       </p:ext>
     </p:extLst>
   </p:cSld>
@@ -11912,7 +8476,11 @@
           <a:bodyPr/>
           <a:lstStyle/>
           <a:p>
-            <a:endParaRPr lang="de-CH" dirty="0"/>
+            <a:r>
+              <a:rPr lang="de-DE" dirty="0" smtClean="0"/>
+              <a:t>Test</a:t>
+            </a:r>
+            <a:endParaRPr lang="de-DE" dirty="0"/>
           </a:p>
         </p:txBody>
       </p:sp>
@@ -11932,82 +8500,17 @@
           <a:lstStyle/>
           <a:p>
             <a:r>
-              <a:rPr lang="de-CH" b="1" dirty="0"/>
-              <a:t>Architektur, Holz und </a:t>
-            </a:r>
-            <a:r>
-              <a:rPr lang="de-CH" b="1" dirty="0" smtClean="0"/>
-              <a:t>Bau</a:t>
-            </a:r>
-            <a:br>
-              <a:rPr lang="de-CH" b="1" dirty="0" smtClean="0"/>
-            </a:br>
-            <a:r>
-              <a:rPr lang="de-CH" dirty="0" smtClean="0"/>
-              <a:t>(Biel/Burgdorf)</a:t>
-            </a:r>
-            <a:endParaRPr lang="de-CH" dirty="0"/>
-          </a:p>
-        </p:txBody>
-      </p:sp>
-      <p:pic>
-        <p:nvPicPr>
-          <p:cNvPr id="3074" name="Picture 2"/>
-          <p:cNvPicPr>
-            <a:picLocks noChangeAspect="1" noChangeArrowheads="1"/>
-          </p:cNvPicPr>
-          <p:nvPr/>
-        </p:nvPicPr>
-        <p:blipFill>
-          <a:blip r:embed="rId2">
-            <a:extLst>
-              <a:ext uri="{28A0092B-C50C-407E-A947-70E740481C1C}">
-                <a14:useLocalDpi xmlns:a14="http://schemas.microsoft.com/office/drawing/2010/main" val="0"/>
-              </a:ext>
-            </a:extLst>
-          </a:blip>
-          <a:srcRect/>
-          <a:stretch>
-            <a:fillRect/>
-          </a:stretch>
-        </p:blipFill>
-        <p:spPr bwMode="auto">
-          <a:xfrm>
-            <a:off x="468000" y="1439999"/>
-            <a:ext cx="7036212" cy="4680000"/>
-          </a:xfrm>
-          <a:prstGeom prst="rect">
-            <a:avLst/>
-          </a:prstGeom>
-          <a:noFill/>
-          <a:ln>
-            <a:noFill/>
-          </a:ln>
-          <a:extLst>
-            <a:ext uri="{909E8E84-426E-40dd-AFC4-6F175D3DCCD1}">
-              <a14:hiddenFill xmlns:a14="http://schemas.microsoft.com/office/drawing/2010/main">
-                <a:solidFill>
-                  <a:schemeClr val="accent1"/>
-                </a:solidFill>
-              </a14:hiddenFill>
-            </a:ext>
-            <a:ext uri="{91240B29-F687-4f45-9708-019B960494DF}">
-              <a14:hiddenLine xmlns:a14="http://schemas.microsoft.com/office/drawing/2010/main" w="9525">
-                <a:solidFill>
-                  <a:schemeClr val="tx1"/>
-                </a:solidFill>
-                <a:miter lim="800000"/>
-                <a:headEnd/>
-                <a:tailEnd/>
-              </a14:hiddenLine>
-            </a:ext>
-          </a:extLst>
-        </p:spPr>
-      </p:pic>
+              <a:rPr lang="de-DE" dirty="0" smtClean="0"/>
+              <a:t>David</a:t>
+            </a:r>
+            <a:endParaRPr lang="de-DE" dirty="0"/>
+          </a:p>
+        </p:txBody>
+      </p:sp>
     </p:spTree>
     <p:extLst>
       <p:ext uri="{BB962C8B-B14F-4D97-AF65-F5344CB8AC3E}">
-        <p14:creationId xmlns:p14="http://schemas.microsoft.com/office/powerpoint/2010/main" val="1801804548"/>
+        <p14:creationId xmlns:p14="http://schemas.microsoft.com/office/powerpoint/2010/main" val="4278631511"/>
       </p:ext>
     </p:extLst>
   </p:cSld>

--- a/doc/finalPresentation/Praesentation_BFH_2013 copy.pptx
+++ b/doc/finalPresentation/Praesentation_BFH_2013 copy.pptx
@@ -244,7 +244,7 @@
           <a:p>
             <a:fld id="{EFA0D184-D464-48E9-9CA0-A94E873F6C2C}" type="datetimeFigureOut">
               <a:rPr lang="de-CH" smtClean="0"/>
-              <a:t>1/15/15</a:t>
+              <a:t>15.01.2015</a:t>
             </a:fld>
             <a:endParaRPr lang="de-CH"/>
           </a:p>
@@ -409,7 +409,7 @@
           <a:p>
             <a:fld id="{5AF2B663-2BA9-4D7E-8201-5DE4109E1EDD}" type="datetimeFigureOut">
               <a:rPr lang="de-CH" smtClean="0"/>
-              <a:t>1/15/15</a:t>
+              <a:t>15.01.2015</a:t>
             </a:fld>
             <a:endParaRPr lang="de-CH"/>
           </a:p>
@@ -901,14 +901,14 @@
             <a:noFill/>
           </a:ln>
           <a:extLst>
-            <a:ext uri="{909E8E84-426E-40dd-AFC4-6F175D3DCCD1}">
+            <a:ext uri="{909E8E84-426E-40DD-AFC4-6F175D3DCCD1}">
               <a14:hiddenFill xmlns:a14="http://schemas.microsoft.com/office/drawing/2010/main">
                 <a:solidFill>
                   <a:srgbClr val="FFFFFF"/>
                 </a:solidFill>
               </a14:hiddenFill>
             </a:ext>
-            <a:ext uri="{91240B29-F687-4f45-9708-019B960494DF}">
+            <a:ext uri="{91240B29-F687-4F45-9708-019B960494DF}">
               <a14:hiddenLine xmlns:a14="http://schemas.microsoft.com/office/drawing/2010/main" w="9525">
                 <a:solidFill>
                   <a:srgbClr val="000000"/>
@@ -2377,14 +2377,14 @@
             <a:noFill/>
           </a:ln>
           <a:extLst>
-            <a:ext uri="{909E8E84-426E-40dd-AFC4-6F175D3DCCD1}">
+            <a:ext uri="{909E8E84-426E-40DD-AFC4-6F175D3DCCD1}">
               <a14:hiddenFill xmlns:a14="http://schemas.microsoft.com/office/drawing/2010/main">
                 <a:solidFill>
                   <a:srgbClr val="FFFFFF"/>
                 </a:solidFill>
               </a14:hiddenFill>
             </a:ext>
-            <a:ext uri="{91240B29-F687-4f45-9708-019B960494DF}">
+            <a:ext uri="{91240B29-F687-4F45-9708-019B960494DF}">
               <a14:hiddenLine xmlns:a14="http://schemas.microsoft.com/office/drawing/2010/main" w="9525">
                 <a:solidFill>
                   <a:srgbClr val="000000"/>
@@ -5858,14 +5858,14 @@
             <a:noFill/>
           </a:ln>
           <a:extLst>
-            <a:ext uri="{909E8E84-426E-40dd-AFC4-6F175D3DCCD1}">
+            <a:ext uri="{909E8E84-426E-40DD-AFC4-6F175D3DCCD1}">
               <a14:hiddenFill xmlns:a14="http://schemas.microsoft.com/office/drawing/2010/main">
                 <a:solidFill>
                   <a:srgbClr val="FFFFFF"/>
                 </a:solidFill>
               </a14:hiddenFill>
             </a:ext>
-            <a:ext uri="{91240B29-F687-4f45-9708-019B960494DF}">
+            <a:ext uri="{91240B29-F687-4F45-9708-019B960494DF}">
               <a14:hiddenLine xmlns:a14="http://schemas.microsoft.com/office/drawing/2010/main" w="9525">
                 <a:solidFill>
                   <a:srgbClr val="000000"/>
@@ -6204,7 +6204,7 @@
   <p:timing>
     <p:tnLst>
       <p:par>
-        <p:cTn xmlns:p14="http://schemas.microsoft.com/office/powerpoint/2010/main" id="1" dur="indefinite" restart="never" nodeType="tmRoot"/>
+        <p:cTn id="1" dur="indefinite" restart="never" nodeType="tmRoot"/>
       </p:par>
     </p:tnLst>
   </p:timing>
@@ -6739,7 +6739,7 @@
   <p:timing>
     <p:tnLst>
       <p:par>
-        <p:cTn xmlns:p14="http://schemas.microsoft.com/office/powerpoint/2010/main" id="1" dur="indefinite" restart="never" nodeType="tmRoot"/>
+        <p:cTn id="1" dur="indefinite" restart="never" nodeType="tmRoot"/>
       </p:par>
     </p:tnLst>
   </p:timing>
@@ -7136,11 +7136,7 @@
           <a:p>
             <a:r>
               <a:rPr lang="de-DE" dirty="0" smtClean="0"/>
-              <a:t>Gen</a:t>
-            </a:r>
-            <a:r>
-              <a:rPr lang="de-DE" dirty="0" smtClean="0"/>
-              <a:t>ügend Zeit für diesen Teil aufwänden</a:t>
+              <a:t>Genügend Zeit für diesen Teil aufwänden</a:t>
             </a:r>
             <a:endParaRPr lang="de-DE" dirty="0"/>
           </a:p>
@@ -7228,11 +7224,7 @@
           <a:p>
             <a:r>
               <a:rPr lang="de-DE" dirty="0" smtClean="0"/>
-              <a:t>Stetige Ver</a:t>
-            </a:r>
-            <a:r>
-              <a:rPr lang="de-DE" dirty="0" smtClean="0"/>
-              <a:t>änderungen</a:t>
+              <a:t>Stetige Veränderungen</a:t>
             </a:r>
             <a:endParaRPr lang="de-DE" dirty="0"/>
           </a:p>
@@ -7308,11 +7300,7 @@
           <a:p>
             <a:r>
               <a:rPr lang="de-DE" dirty="0" smtClean="0"/>
-              <a:t>Aufw</a:t>
-            </a:r>
-            <a:r>
-              <a:rPr lang="de-DE" dirty="0" smtClean="0"/>
-              <a:t>ändig</a:t>
+              <a:t>Aufwändig</a:t>
             </a:r>
           </a:p>
           <a:p>
@@ -7411,11 +7399,7 @@
           <a:p>
             <a:r>
               <a:rPr lang="de-DE" dirty="0" smtClean="0"/>
-              <a:t>Wenig Zeitaufw</a:t>
-            </a:r>
-            <a:r>
-              <a:rPr lang="de-DE" dirty="0" smtClean="0"/>
-              <a:t>ändig</a:t>
+              <a:t>Wenig Zeitaufwändig</a:t>
             </a:r>
           </a:p>
           <a:p>
@@ -7668,16 +7652,11 @@
               <a:rPr lang="de-DE" dirty="0" smtClean="0"/>
               <a:t>-Chart</a:t>
             </a:r>
-            <a:endParaRPr lang="de-DE" dirty="0" smtClean="0"/>
           </a:p>
           <a:p>
             <a:r>
               <a:rPr lang="de-DE" dirty="0" smtClean="0"/>
-              <a:t>Prototype </a:t>
-            </a:r>
-            <a:r>
-              <a:rPr lang="de-DE" dirty="0" smtClean="0"/>
-              <a:t>live </a:t>
+              <a:t>Prototype live </a:t>
             </a:r>
             <a:r>
               <a:rPr lang="de-DE" dirty="0" err="1" smtClean="0"/>
@@ -7697,7 +7676,6 @@
               <a:rPr lang="de-DE" dirty="0" smtClean="0"/>
               <a:t>Aline &amp; Dominique</a:t>
             </a:r>
-            <a:endParaRPr lang="de-DE" dirty="0" smtClean="0"/>
           </a:p>
           <a:p>
             <a:pPr lvl="1"/>
@@ -7712,7 +7690,6 @@
               <a:rPr lang="de-DE" dirty="0" smtClean="0"/>
               <a:t>Florian&amp; Philipp</a:t>
             </a:r>
-            <a:endParaRPr lang="de-DE" dirty="0" smtClean="0"/>
           </a:p>
           <a:p>
             <a:r>
@@ -7814,7 +7791,7 @@
   <p:timing>
     <p:tnLst>
       <p:par>
-        <p:cTn xmlns:p14="http://schemas.microsoft.com/office/powerpoint/2010/main" id="1" dur="indefinite" restart="never" nodeType="tmRoot"/>
+        <p:cTn id="1" dur="indefinite" restart="never" nodeType="tmRoot"/>
       </p:par>
     </p:tnLst>
   </p:timing>
@@ -7959,15 +7936,7 @@
           <a:p>
             <a:r>
               <a:rPr lang="de-DE" dirty="0" smtClean="0"/>
-              <a:t>L</a:t>
-            </a:r>
-            <a:r>
-              <a:rPr lang="de-DE" dirty="0" smtClean="0"/>
-              <a:t>ösung für </a:t>
-            </a:r>
-            <a:r>
-              <a:rPr lang="de-DE" dirty="0" smtClean="0"/>
-              <a:t>Health </a:t>
+              <a:t>Lösung für Health </a:t>
             </a:r>
             <a:r>
               <a:rPr lang="de-DE" dirty="0" err="1" smtClean="0"/>
@@ -8181,7 +8150,7 @@
   <p:timing>
     <p:tnLst>
       <p:par>
-        <p:cTn xmlns:p14="http://schemas.microsoft.com/office/powerpoint/2010/main" id="1" dur="indefinite" restart="never" nodeType="tmRoot"/>
+        <p:cTn id="1" dur="indefinite" restart="never" nodeType="tmRoot"/>
       </p:par>
     </p:tnLst>
   </p:timing>
@@ -8463,12 +8432,12 @@
       </p:grpSpPr>
       <p:sp>
         <p:nvSpPr>
-          <p:cNvPr id="2" name="Inhaltsplatzhalter 1"/>
-          <p:cNvSpPr>
-            <a:spLocks noGrp="1"/>
-          </p:cNvSpPr>
-          <p:nvPr>
-            <p:ph sz="half" idx="1"/>
+          <p:cNvPr id="3" name="Titel 2"/>
+          <p:cNvSpPr>
+            <a:spLocks noGrp="1"/>
+          </p:cNvSpPr>
+          <p:nvPr>
+            <p:ph type="ctrTitle"/>
           </p:nvPr>
         </p:nvSpPr>
         <p:spPr/>
@@ -8478,7 +8447,7 @@
           <a:p>
             <a:r>
               <a:rPr lang="de-DE" dirty="0" smtClean="0"/>
-              <a:t>Test</a:t>
+              <a:t>David</a:t>
             </a:r>
             <a:endParaRPr lang="de-DE" dirty="0"/>
           </a:p>
@@ -8486,12 +8455,12 @@
       </p:sp>
       <p:sp>
         <p:nvSpPr>
-          <p:cNvPr id="3" name="Titel 2"/>
-          <p:cNvSpPr>
-            <a:spLocks noGrp="1"/>
-          </p:cNvSpPr>
-          <p:nvPr>
-            <p:ph type="ctrTitle"/>
+          <p:cNvPr id="4" name="Inhaltsplatzhalter 3"/>
+          <p:cNvSpPr>
+            <a:spLocks noGrp="1"/>
+          </p:cNvSpPr>
+          <p:nvPr>
+            <p:ph sz="half" idx="1"/>
           </p:nvPr>
         </p:nvSpPr>
         <p:spPr/>
@@ -8499,14 +8468,72 @@
           <a:bodyPr/>
           <a:lstStyle/>
           <a:p>
-            <a:r>
-              <a:rPr lang="de-DE" dirty="0" smtClean="0"/>
-              <a:t>David</a:t>
-            </a:r>
-            <a:endParaRPr lang="de-DE" dirty="0"/>
-          </a:p>
-        </p:txBody>
-      </p:sp>
+            <a:endParaRPr lang="de-CH"/>
+          </a:p>
+        </p:txBody>
+      </p:sp>
+      <p:pic>
+        <p:nvPicPr>
+          <p:cNvPr id="1027" name="Picture 3"/>
+          <p:cNvPicPr>
+            <a:picLocks noChangeAspect="1" noChangeArrowheads="1"/>
+          </p:cNvPicPr>
+          <p:nvPr/>
+        </p:nvPicPr>
+        <p:blipFill rotWithShape="1">
+          <a:blip r:embed="rId2">
+            <a:extLst>
+              <a:ext uri="{28A0092B-C50C-407E-A947-70E740481C1C}">
+                <a14:useLocalDpi xmlns:a14="http://schemas.microsoft.com/office/drawing/2010/main" val="0"/>
+              </a:ext>
+            </a:extLst>
+          </a:blip>
+          <a:srcRect l="33126" t="24889" r="17375" b="24000"/>
+          <a:stretch/>
+        </p:blipFill>
+        <p:spPr bwMode="auto">
+          <a:xfrm>
+            <a:off x="266700" y="1047749"/>
+            <a:ext cx="8733090" cy="5072249"/>
+          </a:xfrm>
+          <a:prstGeom prst="rect">
+            <a:avLst/>
+          </a:prstGeom>
+          <a:noFill/>
+          <a:ln>
+            <a:noFill/>
+          </a:ln>
+          <a:effectLst/>
+          <a:extLst>
+            <a:ext uri="{909E8E84-426E-40DD-AFC4-6F175D3DCCD1}">
+              <a14:hiddenFill xmlns:a14="http://schemas.microsoft.com/office/drawing/2010/main">
+                <a:solidFill>
+                  <a:schemeClr val="accent1"/>
+                </a:solidFill>
+              </a14:hiddenFill>
+            </a:ext>
+            <a:ext uri="{91240B29-F687-4F45-9708-019B960494DF}">
+              <a14:hiddenLine xmlns:a14="http://schemas.microsoft.com/office/drawing/2010/main" w="9525">
+                <a:solidFill>
+                  <a:schemeClr val="tx1"/>
+                </a:solidFill>
+                <a:miter lim="800000"/>
+                <a:headEnd/>
+                <a:tailEnd/>
+              </a14:hiddenLine>
+            </a:ext>
+            <a:ext uri="{AF507438-7753-43E0-B8FC-AC1667EBCBE1}">
+              <a14:hiddenEffects xmlns:a14="http://schemas.microsoft.com/office/drawing/2010/main">
+                <a:effectLst>
+                  <a:outerShdw dist="35921" dir="2700000" algn="ctr" rotWithShape="0">
+                    <a:schemeClr val="bg2"/>
+                  </a:outerShdw>
+                </a:effectLst>
+              </a14:hiddenEffects>
+            </a:ext>
+          </a:extLst>
+        </p:spPr>
+      </p:pic>
     </p:spTree>
     <p:extLst>
       <p:ext uri="{BB962C8B-B14F-4D97-AF65-F5344CB8AC3E}">
@@ -9351,12 +9378,11 @@
 </file>
 
 <file path=customXml/item1.xml><?xml version="1.0" encoding="utf-8"?>
-<?mso-contentType ?>
-<FormTemplates xmlns="http://schemas.microsoft.com/sharepoint/v3/contenttype/forms">
-  <Display>DocumentLibraryForm</Display>
-  <Edit>DocumentLibraryForm</Edit>
-  <New>DocumentLibraryForm</New>
-</FormTemplates>
+<p:properties xmlns:p="http://schemas.microsoft.com/office/2006/metadata/properties" xmlns:xsi="http://www.w3.org/2001/XMLSchema-instance">
+  <documentManagement>
+    <AVMTitle xmlns="5091c847-84be-4f4f-b16c-c018ad2ca66b">Präsentation BFH_2013</AVMTitle>
+  </documentManagement>
+</p:properties>
 </file>
 
 <file path=customXml/item2.xml><?xml version="1.0" encoding="utf-8"?>
@@ -9420,17 +9446,25 @@
 </file>
 
 <file path=customXml/item3.xml><?xml version="1.0" encoding="utf-8"?>
-<p:properties xmlns:p="http://schemas.microsoft.com/office/2006/metadata/properties" xmlns:xsi="http://www.w3.org/2001/XMLSchema-instance">
-  <documentManagement>
-    <AVMTitle xmlns="5091c847-84be-4f4f-b16c-c018ad2ca66b">Präsentation BFH_2013</AVMTitle>
-  </documentManagement>
-</p:properties>
+<?mso-contentType ?>
+<FormTemplates xmlns="http://schemas.microsoft.com/sharepoint/v3/contenttype/forms">
+  <Display>DocumentLibraryForm</Display>
+  <Edit>DocumentLibraryForm</Edit>
+  <New>DocumentLibraryForm</New>
+</FormTemplates>
 </file>
 
 <file path=customXml/itemProps1.xml><?xml version="1.0" encoding="utf-8"?>
-<ds:datastoreItem xmlns:ds="http://schemas.openxmlformats.org/officeDocument/2006/customXml" ds:itemID="{1851D33F-E468-417B-A30C-509B68D2BD09}">
+<ds:datastoreItem xmlns:ds="http://schemas.openxmlformats.org/officeDocument/2006/customXml" ds:itemID="{32991507-CB83-4F49-BAFB-D322B1D04098}">
   <ds:schemaRefs>
-    <ds:schemaRef ds:uri="http://schemas.microsoft.com/sharepoint/v3/contenttype/forms"/>
+    <ds:schemaRef ds:uri="http://purl.org/dc/terms/"/>
+    <ds:schemaRef ds:uri="http://purl.org/dc/elements/1.1/"/>
+    <ds:schemaRef ds:uri="http://www.w3.org/XML/1998/namespace"/>
+    <ds:schemaRef ds:uri="http://schemas.microsoft.com/office/2006/documentManagement/types"/>
+    <ds:schemaRef ds:uri="http://schemas.openxmlformats.org/package/2006/metadata/core-properties"/>
+    <ds:schemaRef ds:uri="5091c847-84be-4f4f-b16c-c018ad2ca66b"/>
+    <ds:schemaRef ds:uri="http://schemas.microsoft.com/office/2006/metadata/properties"/>
+    <ds:schemaRef ds:uri="http://purl.org/dc/dcmitype/"/>
   </ds:schemaRefs>
 </ds:datastoreItem>
 </file>
@@ -9453,16 +9487,9 @@
 </file>
 
 <file path=customXml/itemProps3.xml><?xml version="1.0" encoding="utf-8"?>
-<ds:datastoreItem xmlns:ds="http://schemas.openxmlformats.org/officeDocument/2006/customXml" ds:itemID="{32991507-CB83-4F49-BAFB-D322B1D04098}">
+<ds:datastoreItem xmlns:ds="http://schemas.openxmlformats.org/officeDocument/2006/customXml" ds:itemID="{1851D33F-E468-417B-A30C-509B68D2BD09}">
   <ds:schemaRefs>
-    <ds:schemaRef ds:uri="http://purl.org/dc/terms/"/>
-    <ds:schemaRef ds:uri="http://purl.org/dc/elements/1.1/"/>
-    <ds:schemaRef ds:uri="http://www.w3.org/XML/1998/namespace"/>
-    <ds:schemaRef ds:uri="http://schemas.microsoft.com/office/2006/documentManagement/types"/>
-    <ds:schemaRef ds:uri="http://schemas.openxmlformats.org/package/2006/metadata/core-properties"/>
-    <ds:schemaRef ds:uri="5091c847-84be-4f4f-b16c-c018ad2ca66b"/>
-    <ds:schemaRef ds:uri="http://schemas.microsoft.com/office/2006/metadata/properties"/>
-    <ds:schemaRef ds:uri="http://purl.org/dc/dcmitype/"/>
+    <ds:schemaRef ds:uri="http://schemas.microsoft.com/sharepoint/v3/contenttype/forms"/>
   </ds:schemaRefs>
 </ds:datastoreItem>
 </file>
--- a/doc/finalPresentation/Praesentation_BFH_2013 copy.pptx
+++ b/doc/finalPresentation/Praesentation_BFH_2013 copy.pptx
@@ -5,10 +5,10 @@
     <p:sldMasterId id="2147483669" r:id="rId4"/>
   </p:sldMasterIdLst>
   <p:notesMasterIdLst>
-    <p:notesMasterId r:id="rId25"/>
+    <p:notesMasterId r:id="rId26"/>
   </p:notesMasterIdLst>
   <p:handoutMasterIdLst>
-    <p:handoutMasterId r:id="rId26"/>
+    <p:handoutMasterId r:id="rId27"/>
   </p:handoutMasterIdLst>
   <p:sldIdLst>
     <p:sldId id="259" r:id="rId5"/>
@@ -19,18 +19,19 @@
     <p:sldId id="311" r:id="rId10"/>
     <p:sldId id="306" r:id="rId11"/>
     <p:sldId id="308" r:id="rId12"/>
-    <p:sldId id="307" r:id="rId13"/>
-    <p:sldId id="309" r:id="rId14"/>
-    <p:sldId id="310" r:id="rId15"/>
-    <p:sldId id="313" r:id="rId16"/>
-    <p:sldId id="312" r:id="rId17"/>
-    <p:sldId id="314" r:id="rId18"/>
-    <p:sldId id="315" r:id="rId19"/>
-    <p:sldId id="316" r:id="rId20"/>
-    <p:sldId id="317" r:id="rId21"/>
-    <p:sldId id="318" r:id="rId22"/>
-    <p:sldId id="304" r:id="rId23"/>
-    <p:sldId id="299" r:id="rId24"/>
+    <p:sldId id="321" r:id="rId13"/>
+    <p:sldId id="322" r:id="rId14"/>
+    <p:sldId id="307" r:id="rId15"/>
+    <p:sldId id="309" r:id="rId16"/>
+    <p:sldId id="310" r:id="rId17"/>
+    <p:sldId id="313" r:id="rId18"/>
+    <p:sldId id="314" r:id="rId19"/>
+    <p:sldId id="315" r:id="rId20"/>
+    <p:sldId id="316" r:id="rId21"/>
+    <p:sldId id="317" r:id="rId22"/>
+    <p:sldId id="318" r:id="rId23"/>
+    <p:sldId id="304" r:id="rId24"/>
+    <p:sldId id="299" r:id="rId25"/>
   </p:sldIdLst>
   <p:sldSz cx="9144000" cy="6858000" type="screen4x3"/>
   <p:notesSz cx="6669088" cy="9926638"/>
@@ -244,7 +245,7 @@
           <a:p>
             <a:fld id="{EFA0D184-D464-48E9-9CA0-A94E873F6C2C}" type="datetimeFigureOut">
               <a:rPr lang="de-CH" smtClean="0"/>
-              <a:t>15.01.2015</a:t>
+              <a:t>1/15/15</a:t>
             </a:fld>
             <a:endParaRPr lang="de-CH"/>
           </a:p>
@@ -409,7 +410,7 @@
           <a:p>
             <a:fld id="{5AF2B663-2BA9-4D7E-8201-5DE4109E1EDD}" type="datetimeFigureOut">
               <a:rPr lang="de-CH" smtClean="0"/>
-              <a:t>15.01.2015</a:t>
+              <a:t>1/15/15</a:t>
             </a:fld>
             <a:endParaRPr lang="de-CH"/>
           </a:p>
@@ -901,14 +902,14 @@
             <a:noFill/>
           </a:ln>
           <a:extLst>
-            <a:ext uri="{909E8E84-426E-40DD-AFC4-6F175D3DCCD1}">
+            <a:ext uri="{909E8E84-426E-40dd-AFC4-6F175D3DCCD1}">
               <a14:hiddenFill xmlns:a14="http://schemas.microsoft.com/office/drawing/2010/main">
                 <a:solidFill>
                   <a:srgbClr val="FFFFFF"/>
                 </a:solidFill>
               </a14:hiddenFill>
             </a:ext>
-            <a:ext uri="{91240B29-F687-4F45-9708-019B960494DF}">
+            <a:ext uri="{91240B29-F687-4f45-9708-019B960494DF}">
               <a14:hiddenLine xmlns:a14="http://schemas.microsoft.com/office/drawing/2010/main" w="9525">
                 <a:solidFill>
                   <a:srgbClr val="000000"/>
@@ -2377,14 +2378,14 @@
             <a:noFill/>
           </a:ln>
           <a:extLst>
-            <a:ext uri="{909E8E84-426E-40DD-AFC4-6F175D3DCCD1}">
+            <a:ext uri="{909E8E84-426E-40dd-AFC4-6F175D3DCCD1}">
               <a14:hiddenFill xmlns:a14="http://schemas.microsoft.com/office/drawing/2010/main">
                 <a:solidFill>
                   <a:srgbClr val="FFFFFF"/>
                 </a:solidFill>
               </a14:hiddenFill>
             </a:ext>
-            <a:ext uri="{91240B29-F687-4F45-9708-019B960494DF}">
+            <a:ext uri="{91240B29-F687-4f45-9708-019B960494DF}">
               <a14:hiddenLine xmlns:a14="http://schemas.microsoft.com/office/drawing/2010/main" w="9525">
                 <a:solidFill>
                   <a:srgbClr val="000000"/>
@@ -5858,14 +5859,14 @@
             <a:noFill/>
           </a:ln>
           <a:extLst>
-            <a:ext uri="{909E8E84-426E-40DD-AFC4-6F175D3DCCD1}">
+            <a:ext uri="{909E8E84-426E-40dd-AFC4-6F175D3DCCD1}">
               <a14:hiddenFill xmlns:a14="http://schemas.microsoft.com/office/drawing/2010/main">
                 <a:solidFill>
                   <a:srgbClr val="FFFFFF"/>
                 </a:solidFill>
               </a14:hiddenFill>
             </a:ext>
-            <a:ext uri="{91240B29-F687-4F45-9708-019B960494DF}">
+            <a:ext uri="{91240B29-F687-4f45-9708-019B960494DF}">
               <a14:hiddenLine xmlns:a14="http://schemas.microsoft.com/office/drawing/2010/main" w="9525">
                 <a:solidFill>
                   <a:srgbClr val="000000"/>
@@ -6204,7 +6205,7 @@
   <p:timing>
     <p:tnLst>
       <p:par>
-        <p:cTn id="1" dur="indefinite" restart="never" nodeType="tmRoot"/>
+        <p:cTn xmlns:p14="http://schemas.microsoft.com/office/powerpoint/2010/main" id="1" dur="indefinite" restart="never" nodeType="tmRoot"/>
       </p:par>
     </p:tnLst>
   </p:timing>
@@ -6739,7 +6740,7 @@
   <p:timing>
     <p:tnLst>
       <p:par>
-        <p:cTn id="1" dur="indefinite" restart="never" nodeType="tmRoot"/>
+        <p:cTn xmlns:p14="http://schemas.microsoft.com/office/powerpoint/2010/main" id="1" dur="indefinite" restart="never" nodeType="tmRoot"/>
       </p:par>
     </p:tnLst>
   </p:timing>
@@ -6765,6 +6766,218 @@
       </p:grpSpPr>
       <p:pic>
         <p:nvPicPr>
+          <p:cNvPr id="4" name="Inhaltsplatzhalter 3" descr="Layout_ClientView.JPG"/>
+          <p:cNvPicPr>
+            <a:picLocks noGrp="1" noChangeAspect="1"/>
+          </p:cNvPicPr>
+          <p:nvPr>
+            <p:ph sz="half" idx="1"/>
+          </p:nvPr>
+        </p:nvPicPr>
+        <p:blipFill>
+          <a:blip r:embed="rId2">
+            <a:extLst>
+              <a:ext uri="{28A0092B-C50C-407E-A947-70E740481C1C}">
+                <a14:useLocalDpi xmlns:a14="http://schemas.microsoft.com/office/drawing/2010/main" val="0"/>
+              </a:ext>
+            </a:extLst>
+          </a:blip>
+          <a:srcRect l="-25000" r="-25000"/>
+          <a:stretch>
+            <a:fillRect/>
+          </a:stretch>
+        </p:blipFill>
+        <p:spPr/>
+      </p:pic>
+      <p:sp>
+        <p:nvSpPr>
+          <p:cNvPr id="3" name="Titel 2"/>
+          <p:cNvSpPr>
+            <a:spLocks noGrp="1"/>
+          </p:cNvSpPr>
+          <p:nvPr>
+            <p:ph type="ctrTitle"/>
+          </p:nvPr>
+        </p:nvSpPr>
+        <p:spPr/>
+        <p:txBody>
+          <a:bodyPr/>
+          <a:lstStyle/>
+          <a:p>
+            <a:r>
+              <a:rPr lang="de-DE" dirty="0" smtClean="0"/>
+              <a:t>Aline &amp; Dominique</a:t>
+            </a:r>
+            <a:endParaRPr lang="de-DE" dirty="0"/>
+          </a:p>
+        </p:txBody>
+      </p:sp>
+    </p:spTree>
+    <p:extLst>
+      <p:ext uri="{BB962C8B-B14F-4D97-AF65-F5344CB8AC3E}">
+        <p14:creationId xmlns:p14="http://schemas.microsoft.com/office/powerpoint/2010/main" val="357817886"/>
+      </p:ext>
+    </p:extLst>
+  </p:cSld>
+  <p:clrMapOvr>
+    <a:masterClrMapping/>
+  </p:clrMapOvr>
+</p:sld>
+</file>
+
+<file path=ppt/slides/slide11.xml><?xml version="1.0" encoding="utf-8"?>
+<p:sld xmlns:a="http://schemas.openxmlformats.org/drawingml/2006/main" xmlns:r="http://schemas.openxmlformats.org/officeDocument/2006/relationships" xmlns:p="http://schemas.openxmlformats.org/presentationml/2006/main">
+  <p:cSld>
+    <p:spTree>
+      <p:nvGrpSpPr>
+        <p:cNvPr id="1" name=""/>
+        <p:cNvGrpSpPr/>
+        <p:nvPr/>
+      </p:nvGrpSpPr>
+      <p:grpSpPr>
+        <a:xfrm>
+          <a:off x="0" y="0"/>
+          <a:ext cx="0" cy="0"/>
+          <a:chOff x="0" y="0"/>
+          <a:chExt cx="0" cy="0"/>
+        </a:xfrm>
+      </p:grpSpPr>
+      <p:sp>
+        <p:nvSpPr>
+          <p:cNvPr id="3" name="Titel 2"/>
+          <p:cNvSpPr>
+            <a:spLocks noGrp="1"/>
+          </p:cNvSpPr>
+          <p:nvPr>
+            <p:ph type="ctrTitle"/>
+          </p:nvPr>
+        </p:nvSpPr>
+        <p:spPr/>
+        <p:txBody>
+          <a:bodyPr/>
+          <a:lstStyle/>
+          <a:p>
+            <a:r>
+              <a:rPr lang="de-DE" dirty="0" smtClean="0"/>
+              <a:t>David</a:t>
+            </a:r>
+            <a:endParaRPr lang="de-DE" dirty="0"/>
+          </a:p>
+        </p:txBody>
+      </p:sp>
+      <p:sp>
+        <p:nvSpPr>
+          <p:cNvPr id="4" name="Inhaltsplatzhalter 3"/>
+          <p:cNvSpPr>
+            <a:spLocks noGrp="1"/>
+          </p:cNvSpPr>
+          <p:nvPr>
+            <p:ph sz="half" idx="1"/>
+          </p:nvPr>
+        </p:nvSpPr>
+        <p:spPr/>
+        <p:txBody>
+          <a:bodyPr/>
+          <a:lstStyle/>
+          <a:p>
+            <a:endParaRPr lang="de-CH"/>
+          </a:p>
+        </p:txBody>
+      </p:sp>
+      <p:pic>
+        <p:nvPicPr>
+          <p:cNvPr id="1027" name="Picture 3"/>
+          <p:cNvPicPr>
+            <a:picLocks noChangeAspect="1" noChangeArrowheads="1"/>
+          </p:cNvPicPr>
+          <p:nvPr/>
+        </p:nvPicPr>
+        <p:blipFill rotWithShape="1">
+          <a:blip r:embed="rId2">
+            <a:extLst>
+              <a:ext uri="{28A0092B-C50C-407E-A947-70E740481C1C}">
+                <a14:useLocalDpi xmlns:a14="http://schemas.microsoft.com/office/drawing/2010/main" val="0"/>
+              </a:ext>
+            </a:extLst>
+          </a:blip>
+          <a:srcRect l="33126" t="24889" r="17375" b="24000"/>
+          <a:stretch/>
+        </p:blipFill>
+        <p:spPr bwMode="auto">
+          <a:xfrm>
+            <a:off x="266700" y="1047749"/>
+            <a:ext cx="8733090" cy="5072249"/>
+          </a:xfrm>
+          <a:prstGeom prst="rect">
+            <a:avLst/>
+          </a:prstGeom>
+          <a:noFill/>
+          <a:ln>
+            <a:noFill/>
+          </a:ln>
+          <a:effectLst/>
+          <a:extLst>
+            <a:ext uri="{909E8E84-426E-40dd-AFC4-6F175D3DCCD1}">
+              <a14:hiddenFill xmlns:a14="http://schemas.microsoft.com/office/drawing/2010/main">
+                <a:solidFill>
+                  <a:schemeClr val="accent1"/>
+                </a:solidFill>
+              </a14:hiddenFill>
+            </a:ext>
+            <a:ext uri="{91240B29-F687-4f45-9708-019B960494DF}">
+              <a14:hiddenLine xmlns:a14="http://schemas.microsoft.com/office/drawing/2010/main" w="9525">
+                <a:solidFill>
+                  <a:schemeClr val="tx1"/>
+                </a:solidFill>
+                <a:miter lim="800000"/>
+                <a:headEnd/>
+                <a:tailEnd/>
+              </a14:hiddenLine>
+            </a:ext>
+            <a:ext uri="{AF507438-7753-43e0-B8FC-AC1667EBCBE1}">
+              <a14:hiddenEffects xmlns:a14="http://schemas.microsoft.com/office/drawing/2010/main">
+                <a:effectLst>
+                  <a:outerShdw dist="35921" dir="2700000" algn="ctr" rotWithShape="0">
+                    <a:schemeClr val="bg2"/>
+                  </a:outerShdw>
+                </a:effectLst>
+              </a14:hiddenEffects>
+            </a:ext>
+          </a:extLst>
+        </p:spPr>
+      </p:pic>
+    </p:spTree>
+    <p:extLst>
+      <p:ext uri="{BB962C8B-B14F-4D97-AF65-F5344CB8AC3E}">
+        <p14:creationId xmlns:p14="http://schemas.microsoft.com/office/powerpoint/2010/main" val="4278631511"/>
+      </p:ext>
+    </p:extLst>
+  </p:cSld>
+  <p:clrMapOvr>
+    <a:masterClrMapping/>
+  </p:clrMapOvr>
+</p:sld>
+</file>
+
+<file path=ppt/slides/slide12.xml><?xml version="1.0" encoding="utf-8"?>
+<p:sld xmlns:a="http://schemas.openxmlformats.org/drawingml/2006/main" xmlns:r="http://schemas.openxmlformats.org/officeDocument/2006/relationships" xmlns:p="http://schemas.openxmlformats.org/presentationml/2006/main">
+  <p:cSld>
+    <p:spTree>
+      <p:nvGrpSpPr>
+        <p:cNvPr id="1" name=""/>
+        <p:cNvGrpSpPr/>
+        <p:nvPr/>
+      </p:nvGrpSpPr>
+      <p:grpSpPr>
+        <a:xfrm>
+          <a:off x="0" y="0"/>
+          <a:ext cx="0" cy="0"/>
+          <a:chOff x="0" y="0"/>
+          <a:chExt cx="0" cy="0"/>
+        </a:xfrm>
+      </p:grpSpPr>
+      <p:pic>
+        <p:nvPicPr>
           <p:cNvPr id="4" name="Inhaltsplatzhalter 3" descr="Screen Shot 2015-01-15 at 2.05.45 PM.png"/>
           <p:cNvPicPr>
             <a:picLocks noGrp="1" noChangeAspect="1"/>
@@ -6821,10 +7034,17 @@
   <p:clrMapOvr>
     <a:masterClrMapping/>
   </p:clrMapOvr>
+  <p:timing>
+    <p:tnLst>
+      <p:par>
+        <p:cTn xmlns:p14="http://schemas.microsoft.com/office/powerpoint/2010/main" id="1" dur="indefinite" restart="never" nodeType="tmRoot"/>
+      </p:par>
+    </p:tnLst>
+  </p:timing>
 </p:sld>
 </file>
 
-<file path=ppt/slides/slide11.xml><?xml version="1.0" encoding="utf-8"?>
+<file path=ppt/slides/slide13.xml><?xml version="1.0" encoding="utf-8"?>
 <p:sld xmlns:a="http://schemas.openxmlformats.org/drawingml/2006/main" xmlns:r="http://schemas.openxmlformats.org/officeDocument/2006/relationships" xmlns:p="http://schemas.openxmlformats.org/presentationml/2006/main">
   <p:cSld>
     <p:spTree>
@@ -6925,162 +7145,13 @@
   <p:clrMapOvr>
     <a:masterClrMapping/>
   </p:clrMapOvr>
-</p:sld>
-</file>
-
-<file path=ppt/slides/slide12.xml><?xml version="1.0" encoding="utf-8"?>
-<p:sld xmlns:a="http://schemas.openxmlformats.org/drawingml/2006/main" xmlns:r="http://schemas.openxmlformats.org/officeDocument/2006/relationships" xmlns:p="http://schemas.openxmlformats.org/presentationml/2006/main">
-  <p:cSld>
-    <p:spTree>
-      <p:nvGrpSpPr>
-        <p:cNvPr id="1" name=""/>
-        <p:cNvGrpSpPr/>
-        <p:nvPr/>
-      </p:nvGrpSpPr>
-      <p:grpSpPr>
-        <a:xfrm>
-          <a:off x="0" y="0"/>
-          <a:ext cx="0" cy="0"/>
-          <a:chOff x="0" y="0"/>
-          <a:chExt cx="0" cy="0"/>
-        </a:xfrm>
-      </p:grpSpPr>
-      <p:sp>
-        <p:nvSpPr>
-          <p:cNvPr id="2" name="Titel 1"/>
-          <p:cNvSpPr>
-            <a:spLocks noGrp="1"/>
-          </p:cNvSpPr>
-          <p:nvPr>
-            <p:ph type="ctrTitle"/>
-          </p:nvPr>
-        </p:nvSpPr>
-        <p:spPr/>
-        <p:txBody>
-          <a:bodyPr/>
-          <a:lstStyle/>
-          <a:p>
-            <a:r>
-              <a:rPr lang="de-DE" dirty="0" err="1" smtClean="0"/>
-              <a:t>Lessons</a:t>
-            </a:r>
-            <a:r>
-              <a:rPr lang="de-DE" dirty="0" smtClean="0"/>
-              <a:t> </a:t>
-            </a:r>
-            <a:r>
-              <a:rPr lang="de-DE" dirty="0" err="1"/>
-              <a:t>l</a:t>
-            </a:r>
-            <a:r>
-              <a:rPr lang="de-DE" dirty="0" err="1" smtClean="0"/>
-              <a:t>earned</a:t>
-            </a:r>
-            <a:endParaRPr lang="de-DE" dirty="0"/>
-          </a:p>
-        </p:txBody>
-      </p:sp>
-      <p:sp>
-        <p:nvSpPr>
-          <p:cNvPr id="3" name="Untertitel 2"/>
-          <p:cNvSpPr>
-            <a:spLocks noGrp="1"/>
-          </p:cNvSpPr>
-          <p:nvPr>
-            <p:ph type="subTitle" idx="1"/>
-          </p:nvPr>
-        </p:nvSpPr>
-        <p:spPr/>
-        <p:txBody>
-          <a:bodyPr/>
-          <a:lstStyle/>
-          <a:p>
-            <a:endParaRPr lang="de-DE" dirty="0"/>
-          </a:p>
-        </p:txBody>
-      </p:sp>
-    </p:spTree>
-    <p:extLst>
-      <p:ext uri="{BB962C8B-B14F-4D97-AF65-F5344CB8AC3E}">
-        <p14:creationId xmlns:p14="http://schemas.microsoft.com/office/powerpoint/2010/main" val="3459259714"/>
-      </p:ext>
-    </p:extLst>
-  </p:cSld>
-  <p:clrMapOvr>
-    <a:masterClrMapping/>
-  </p:clrMapOvr>
-</p:sld>
-</file>
-
-<file path=ppt/slides/slide13.xml><?xml version="1.0" encoding="utf-8"?>
-<p:sld xmlns:a="http://schemas.openxmlformats.org/drawingml/2006/main" xmlns:r="http://schemas.openxmlformats.org/officeDocument/2006/relationships" xmlns:p="http://schemas.openxmlformats.org/presentationml/2006/main">
-  <p:cSld>
-    <p:spTree>
-      <p:nvGrpSpPr>
-        <p:cNvPr id="1" name=""/>
-        <p:cNvGrpSpPr/>
-        <p:nvPr/>
-      </p:nvGrpSpPr>
-      <p:grpSpPr>
-        <a:xfrm>
-          <a:off x="0" y="0"/>
-          <a:ext cx="0" cy="0"/>
-          <a:chOff x="0" y="0"/>
-          <a:chExt cx="0" cy="0"/>
-        </a:xfrm>
-      </p:grpSpPr>
-      <p:sp>
-        <p:nvSpPr>
-          <p:cNvPr id="2" name="Inhaltsplatzhalter 1"/>
-          <p:cNvSpPr>
-            <a:spLocks noGrp="1"/>
-          </p:cNvSpPr>
-          <p:nvPr>
-            <p:ph sz="half" idx="1"/>
-          </p:nvPr>
-        </p:nvSpPr>
-        <p:spPr/>
-        <p:txBody>
-          <a:bodyPr/>
-          <a:lstStyle/>
-          <a:p>
-            <a:endParaRPr lang="de-DE"/>
-          </a:p>
-        </p:txBody>
-      </p:sp>
-      <p:sp>
-        <p:nvSpPr>
-          <p:cNvPr id="3" name="Titel 2"/>
-          <p:cNvSpPr>
-            <a:spLocks noGrp="1"/>
-          </p:cNvSpPr>
-          <p:nvPr>
-            <p:ph type="ctrTitle"/>
-          </p:nvPr>
-        </p:nvSpPr>
-        <p:spPr/>
-        <p:txBody>
-          <a:bodyPr/>
-          <a:lstStyle/>
-          <a:p>
-            <a:r>
-              <a:rPr lang="de-DE" dirty="0" smtClean="0"/>
-              <a:t>Storyboard</a:t>
-            </a:r>
-            <a:endParaRPr lang="de-DE" dirty="0"/>
-          </a:p>
-        </p:txBody>
-      </p:sp>
-    </p:spTree>
-    <p:extLst>
-      <p:ext uri="{BB962C8B-B14F-4D97-AF65-F5344CB8AC3E}">
-        <p14:creationId xmlns:p14="http://schemas.microsoft.com/office/powerpoint/2010/main" val="97093273"/>
-      </p:ext>
-    </p:extLst>
-  </p:cSld>
-  <p:clrMapOvr>
-    <a:masterClrMapping/>
-  </p:clrMapOvr>
+  <p:timing>
+    <p:tnLst>
+      <p:par>
+        <p:cTn xmlns:p14="http://schemas.microsoft.com/office/powerpoint/2010/main" id="1" dur="indefinite" restart="never" nodeType="tmRoot"/>
+      </p:par>
+    </p:tnLst>
+  </p:timing>
 </p:sld>
 </file>
 
@@ -7103,12 +7174,12 @@
       </p:grpSpPr>
       <p:sp>
         <p:nvSpPr>
-          <p:cNvPr id="2" name="Inhaltsplatzhalter 1"/>
+          <p:cNvPr id="2" name="Titel 1"/>
           <p:cNvSpPr>
             <a:spLocks noGrp="1"/>
           </p:cNvSpPr>
           <p:nvPr>
-            <p:ph sz="half" idx="1"/>
+            <p:ph type="ctrTitle"/>
           </p:nvPr>
         </p:nvSpPr>
         <p:spPr/>
@@ -7117,26 +7188,20 @@
           <a:lstStyle/>
           <a:p>
             <a:r>
+              <a:rPr lang="de-DE" dirty="0" err="1" smtClean="0"/>
+              <a:t>Lessons</a:t>
+            </a:r>
+            <a:r>
               <a:rPr lang="de-DE" dirty="0" smtClean="0"/>
-              <a:t>Wichtig diese genau aufzunehmen</a:t>
-            </a:r>
-          </a:p>
-          <a:p>
-            <a:r>
-              <a:rPr lang="de-DE" dirty="0" smtClean="0"/>
-              <a:t>Vor dem Programmieren die Funktionen definieren und evaluieren</a:t>
-            </a:r>
-          </a:p>
-          <a:p>
-            <a:r>
-              <a:rPr lang="de-DE" dirty="0" smtClean="0"/>
-              <a:t>Fachpersonen befragen</a:t>
-            </a:r>
-          </a:p>
-          <a:p>
-            <a:r>
-              <a:rPr lang="de-DE" dirty="0" smtClean="0"/>
-              <a:t>Genügend Zeit für diesen Teil aufwänden</a:t>
+              <a:t> </a:t>
+            </a:r>
+            <a:r>
+              <a:rPr lang="de-DE" dirty="0" err="1"/>
+              <a:t>l</a:t>
+            </a:r>
+            <a:r>
+              <a:rPr lang="de-DE" dirty="0" err="1" smtClean="0"/>
+              <a:t>earned</a:t>
             </a:r>
             <a:endParaRPr lang="de-DE" dirty="0"/>
           </a:p>
@@ -7144,12 +7209,12 @@
       </p:sp>
       <p:sp>
         <p:nvSpPr>
-          <p:cNvPr id="3" name="Titel 2"/>
+          <p:cNvPr id="3" name="Untertitel 2"/>
           <p:cNvSpPr>
             <a:spLocks noGrp="1"/>
           </p:cNvSpPr>
           <p:nvPr>
-            <p:ph type="ctrTitle"/>
+            <p:ph type="subTitle" idx="1"/>
           </p:nvPr>
         </p:nvSpPr>
         <p:spPr/>
@@ -7157,10 +7222,6 @@
           <a:bodyPr/>
           <a:lstStyle/>
           <a:p>
-            <a:r>
-              <a:rPr lang="de-DE" dirty="0" err="1" smtClean="0"/>
-              <a:t>Requirements</a:t>
-            </a:r>
             <a:endParaRPr lang="de-DE" dirty="0"/>
           </a:p>
         </p:txBody>
@@ -7168,13 +7229,20 @@
     </p:spTree>
     <p:extLst>
       <p:ext uri="{BB962C8B-B14F-4D97-AF65-F5344CB8AC3E}">
-        <p14:creationId xmlns:p14="http://schemas.microsoft.com/office/powerpoint/2010/main" val="1164418424"/>
+        <p14:creationId xmlns:p14="http://schemas.microsoft.com/office/powerpoint/2010/main" val="3459259714"/>
       </p:ext>
     </p:extLst>
   </p:cSld>
   <p:clrMapOvr>
     <a:masterClrMapping/>
   </p:clrMapOvr>
+  <p:timing>
+    <p:tnLst>
+      <p:par>
+        <p:cTn xmlns:p14="http://schemas.microsoft.com/office/powerpoint/2010/main" id="1" dur="indefinite" restart="never" nodeType="tmRoot"/>
+      </p:par>
+    </p:tnLst>
+  </p:timing>
 </p:sld>
 </file>
 
@@ -7212,19 +7280,25 @@
           <a:p>
             <a:r>
               <a:rPr lang="de-DE" dirty="0" smtClean="0"/>
-              <a:t>Ansprechende Gestaltung ist Zeitintensiv</a:t>
+              <a:t>Wichtig diese genau aufzunehmen</a:t>
             </a:r>
           </a:p>
           <a:p>
             <a:r>
               <a:rPr lang="de-DE" dirty="0" smtClean="0"/>
-              <a:t>Verschiedene Ansichten im Team bez. Design</a:t>
+              <a:t>Vor dem Programmieren die Funktionen definieren und evaluieren</a:t>
             </a:r>
           </a:p>
           <a:p>
             <a:r>
               <a:rPr lang="de-DE" dirty="0" smtClean="0"/>
-              <a:t>Stetige Veränderungen</a:t>
+              <a:t>Fachpersonen befragen</a:t>
+            </a:r>
+          </a:p>
+          <a:p>
+            <a:r>
+              <a:rPr lang="de-DE" dirty="0" smtClean="0"/>
+              <a:t>Genügend Zeit für diesen Teil aufwänden</a:t>
             </a:r>
             <a:endParaRPr lang="de-DE" dirty="0"/>
           </a:p>
@@ -7246,8 +7320,8 @@
           <a:lstStyle/>
           <a:p>
             <a:r>
-              <a:rPr lang="de-DE" dirty="0" smtClean="0"/>
-              <a:t>Design</a:t>
+              <a:rPr lang="de-DE" dirty="0" err="1" smtClean="0"/>
+              <a:t>Requirements</a:t>
             </a:r>
             <a:endParaRPr lang="de-DE" dirty="0"/>
           </a:p>
@@ -7256,7 +7330,7 @@
     </p:spTree>
     <p:extLst>
       <p:ext uri="{BB962C8B-B14F-4D97-AF65-F5344CB8AC3E}">
-        <p14:creationId xmlns:p14="http://schemas.microsoft.com/office/powerpoint/2010/main" val="1922702635"/>
+        <p14:creationId xmlns:p14="http://schemas.microsoft.com/office/powerpoint/2010/main" val="1164418424"/>
       </p:ext>
     </p:extLst>
   </p:cSld>
@@ -7300,31 +7374,20 @@
           <a:p>
             <a:r>
               <a:rPr lang="de-DE" dirty="0" smtClean="0"/>
-              <a:t>Aufwändig</a:t>
+              <a:t>Ansprechende Gestaltung ist Zeitintensiv</a:t>
             </a:r>
           </a:p>
           <a:p>
             <a:r>
               <a:rPr lang="de-DE" dirty="0" smtClean="0"/>
-              <a:t>Vielschichtig</a:t>
-            </a:r>
-          </a:p>
-          <a:p>
-            <a:r>
-              <a:rPr lang="de-DE" dirty="0" err="1" smtClean="0"/>
-              <a:t>Eclipse</a:t>
-            </a:r>
-            <a:r>
-              <a:rPr lang="de-DE" dirty="0"/>
-              <a:t> </a:t>
-            </a:r>
-            <a:r>
-              <a:rPr lang="de-DE" dirty="0" err="1" smtClean="0"/>
-              <a:t>probleme</a:t>
-            </a:r>
-            <a:endParaRPr lang="de-DE" dirty="0" smtClean="0"/>
-          </a:p>
-          <a:p>
+              <a:t>Verschiedene Ansichten im Team bez. Design</a:t>
+            </a:r>
+          </a:p>
+          <a:p>
+            <a:r>
+              <a:rPr lang="de-DE" dirty="0" smtClean="0"/>
+              <a:t>Stetige Veränderungen</a:t>
+            </a:r>
             <a:endParaRPr lang="de-DE" dirty="0"/>
           </a:p>
         </p:txBody>
@@ -7346,7 +7409,7 @@
           <a:p>
             <a:r>
               <a:rPr lang="de-DE" dirty="0" smtClean="0"/>
-              <a:t>Implementation</a:t>
+              <a:t>Design</a:t>
             </a:r>
             <a:endParaRPr lang="de-DE" dirty="0"/>
           </a:p>
@@ -7355,7 +7418,7 @@
     </p:spTree>
     <p:extLst>
       <p:ext uri="{BB962C8B-B14F-4D97-AF65-F5344CB8AC3E}">
-        <p14:creationId xmlns:p14="http://schemas.microsoft.com/office/powerpoint/2010/main" val="1128572826"/>
+        <p14:creationId xmlns:p14="http://schemas.microsoft.com/office/powerpoint/2010/main" val="1922702635"/>
       </p:ext>
     </p:extLst>
   </p:cSld>
@@ -7399,24 +7462,31 @@
           <a:p>
             <a:r>
               <a:rPr lang="de-DE" dirty="0" smtClean="0"/>
-              <a:t>Wenig Zeitaufwändig</a:t>
+              <a:t>Aufwändig</a:t>
+            </a:r>
+          </a:p>
+          <a:p>
+            <a:r>
+              <a:rPr lang="de-DE" dirty="0" smtClean="0"/>
+              <a:t>Vielschichtig</a:t>
             </a:r>
           </a:p>
           <a:p>
             <a:r>
               <a:rPr lang="de-DE" dirty="0" err="1" smtClean="0"/>
-              <a:t>SprintLog</a:t>
-            </a:r>
-            <a:r>
-              <a:rPr lang="de-DE" dirty="0" smtClean="0"/>
-              <a:t> Buch nicht vergessen</a:t>
-            </a:r>
-          </a:p>
-          <a:p>
-            <a:r>
-              <a:rPr lang="de-DE" dirty="0" smtClean="0"/>
-              <a:t>Zeit meist zu knapp berechnet</a:t>
-            </a:r>
+              <a:t>Eclipse</a:t>
+            </a:r>
+            <a:r>
+              <a:rPr lang="de-DE" dirty="0"/>
+              <a:t> </a:t>
+            </a:r>
+            <a:r>
+              <a:rPr lang="de-DE" dirty="0" err="1" smtClean="0"/>
+              <a:t>probleme</a:t>
+            </a:r>
+            <a:endParaRPr lang="de-DE" dirty="0" smtClean="0"/>
+          </a:p>
+          <a:p>
             <a:endParaRPr lang="de-DE" dirty="0"/>
           </a:p>
         </p:txBody>
@@ -7437,8 +7507,8 @@
           <a:lstStyle/>
           <a:p>
             <a:r>
-              <a:rPr lang="de-DE" dirty="0" err="1" smtClean="0"/>
-              <a:t>Scrum</a:t>
+              <a:rPr lang="de-DE" dirty="0" smtClean="0"/>
+              <a:t>Implementation</a:t>
             </a:r>
             <a:endParaRPr lang="de-DE" dirty="0"/>
           </a:p>
@@ -7447,7 +7517,7 @@
     </p:spTree>
     <p:extLst>
       <p:ext uri="{BB962C8B-B14F-4D97-AF65-F5344CB8AC3E}">
-        <p14:creationId xmlns:p14="http://schemas.microsoft.com/office/powerpoint/2010/main" val="2229461369"/>
+        <p14:creationId xmlns:p14="http://schemas.microsoft.com/office/powerpoint/2010/main" val="1128572826"/>
       </p:ext>
     </p:extLst>
   </p:cSld>
@@ -7489,6 +7559,26 @@
           <a:bodyPr/>
           <a:lstStyle/>
           <a:p>
+            <a:r>
+              <a:rPr lang="de-DE" dirty="0" smtClean="0"/>
+              <a:t>Wenig Zeitaufwändig</a:t>
+            </a:r>
+          </a:p>
+          <a:p>
+            <a:r>
+              <a:rPr lang="de-DE" dirty="0" err="1" smtClean="0"/>
+              <a:t>SprintLog</a:t>
+            </a:r>
+            <a:r>
+              <a:rPr lang="de-DE" dirty="0" smtClean="0"/>
+              <a:t> Buch nicht vergessen</a:t>
+            </a:r>
+          </a:p>
+          <a:p>
+            <a:r>
+              <a:rPr lang="de-DE" dirty="0" smtClean="0"/>
+              <a:t>Zeit meist zu knapp berechnet</a:t>
+            </a:r>
             <a:endParaRPr lang="de-DE" dirty="0"/>
           </a:p>
         </p:txBody>
@@ -7509,8 +7599,8 @@
           <a:lstStyle/>
           <a:p>
             <a:r>
-              <a:rPr lang="de-DE" dirty="0" smtClean="0"/>
-              <a:t>Fazit</a:t>
+              <a:rPr lang="de-DE" dirty="0" err="1" smtClean="0"/>
+              <a:t>Scrum</a:t>
             </a:r>
             <a:endParaRPr lang="de-DE" dirty="0"/>
           </a:p>
@@ -7519,7 +7609,7 @@
     </p:spTree>
     <p:extLst>
       <p:ext uri="{BB962C8B-B14F-4D97-AF65-F5344CB8AC3E}">
-        <p14:creationId xmlns:p14="http://schemas.microsoft.com/office/powerpoint/2010/main" val="4278866928"/>
+        <p14:creationId xmlns:p14="http://schemas.microsoft.com/office/powerpoint/2010/main" val="2229461369"/>
       </p:ext>
     </p:extLst>
   </p:cSld>
@@ -7548,12 +7638,12 @@
       </p:grpSpPr>
       <p:sp>
         <p:nvSpPr>
-          <p:cNvPr id="2" name="Titel 1"/>
+          <p:cNvPr id="2" name="Inhaltsplatzhalter 1"/>
           <p:cNvSpPr>
             <a:spLocks noGrp="1"/>
           </p:cNvSpPr>
           <p:nvPr>
-            <p:ph type="ctrTitle"/>
+            <p:ph sz="half" idx="1"/>
           </p:nvPr>
         </p:nvSpPr>
         <p:spPr/>
@@ -7563,7 +7653,34 @@
           <a:p>
             <a:r>
               <a:rPr lang="de-DE" dirty="0" smtClean="0"/>
-              <a:t>Fragen?</a:t>
+              <a:t>API lesen</a:t>
+            </a:r>
+          </a:p>
+          <a:p>
+            <a:r>
+              <a:rPr lang="de-DE" dirty="0"/>
+              <a:t>F</a:t>
+            </a:r>
+            <a:r>
+              <a:rPr lang="de-DE" dirty="0" smtClean="0"/>
+              <a:t>ortlaufend Dokumentieren</a:t>
+            </a:r>
+          </a:p>
+          <a:p>
+            <a:r>
+              <a:rPr lang="de-DE" dirty="0" err="1" smtClean="0"/>
+              <a:t>Scrum</a:t>
+            </a:r>
+            <a:r>
+              <a:rPr lang="de-DE" dirty="0" smtClean="0"/>
+              <a:t> Meetings wichtig</a:t>
+            </a:r>
+          </a:p>
+          <a:p>
+            <a:pPr lvl="1"/>
+            <a:r>
+              <a:rPr lang="de-DE" dirty="0" smtClean="0"/>
+              <a:t>Aufgabenverteilung</a:t>
             </a:r>
             <a:endParaRPr lang="de-DE" dirty="0"/>
           </a:p>
@@ -7571,12 +7688,12 @@
       </p:sp>
       <p:sp>
         <p:nvSpPr>
-          <p:cNvPr id="3" name="Untertitel 2"/>
+          <p:cNvPr id="3" name="Titel 2"/>
           <p:cNvSpPr>
             <a:spLocks noGrp="1"/>
           </p:cNvSpPr>
           <p:nvPr>
-            <p:ph type="subTitle" idx="1"/>
+            <p:ph type="ctrTitle"/>
           </p:nvPr>
         </p:nvSpPr>
         <p:spPr/>
@@ -7584,14 +7701,18 @@
           <a:bodyPr/>
           <a:lstStyle/>
           <a:p>
-            <a:endParaRPr lang="de-DE"/>
+            <a:r>
+              <a:rPr lang="de-DE" dirty="0" smtClean="0"/>
+              <a:t>Fazit</a:t>
+            </a:r>
+            <a:endParaRPr lang="de-DE" dirty="0"/>
           </a:p>
         </p:txBody>
       </p:sp>
     </p:spTree>
     <p:extLst>
       <p:ext uri="{BB962C8B-B14F-4D97-AF65-F5344CB8AC3E}">
-        <p14:creationId xmlns:p14="http://schemas.microsoft.com/office/powerpoint/2010/main" val="2927757590"/>
+        <p14:creationId xmlns:p14="http://schemas.microsoft.com/office/powerpoint/2010/main" val="4278866928"/>
       </p:ext>
     </p:extLst>
   </p:cSld>
@@ -7791,7 +7912,7 @@
   <p:timing>
     <p:tnLst>
       <p:par>
-        <p:cTn id="1" dur="indefinite" restart="never" nodeType="tmRoot"/>
+        <p:cTn xmlns:p14="http://schemas.microsoft.com/office/powerpoint/2010/main" id="1" dur="indefinite" restart="never" nodeType="tmRoot"/>
       </p:par>
     </p:tnLst>
   </p:timing>
@@ -7799,6 +7920,78 @@
 </file>
 
 <file path=ppt/slides/slide20.xml><?xml version="1.0" encoding="utf-8"?>
+<p:sld xmlns:a="http://schemas.openxmlformats.org/drawingml/2006/main" xmlns:r="http://schemas.openxmlformats.org/officeDocument/2006/relationships" xmlns:p="http://schemas.openxmlformats.org/presentationml/2006/main">
+  <p:cSld>
+    <p:spTree>
+      <p:nvGrpSpPr>
+        <p:cNvPr id="1" name=""/>
+        <p:cNvGrpSpPr/>
+        <p:nvPr/>
+      </p:nvGrpSpPr>
+      <p:grpSpPr>
+        <a:xfrm>
+          <a:off x="0" y="0"/>
+          <a:ext cx="0" cy="0"/>
+          <a:chOff x="0" y="0"/>
+          <a:chExt cx="0" cy="0"/>
+        </a:xfrm>
+      </p:grpSpPr>
+      <p:sp>
+        <p:nvSpPr>
+          <p:cNvPr id="2" name="Titel 1"/>
+          <p:cNvSpPr>
+            <a:spLocks noGrp="1"/>
+          </p:cNvSpPr>
+          <p:nvPr>
+            <p:ph type="ctrTitle"/>
+          </p:nvPr>
+        </p:nvSpPr>
+        <p:spPr/>
+        <p:txBody>
+          <a:bodyPr/>
+          <a:lstStyle/>
+          <a:p>
+            <a:r>
+              <a:rPr lang="de-DE" dirty="0" smtClean="0"/>
+              <a:t>Fragen?</a:t>
+            </a:r>
+            <a:endParaRPr lang="de-DE" dirty="0"/>
+          </a:p>
+        </p:txBody>
+      </p:sp>
+      <p:sp>
+        <p:nvSpPr>
+          <p:cNvPr id="3" name="Untertitel 2"/>
+          <p:cNvSpPr>
+            <a:spLocks noGrp="1"/>
+          </p:cNvSpPr>
+          <p:nvPr>
+            <p:ph type="subTitle" idx="1"/>
+          </p:nvPr>
+        </p:nvSpPr>
+        <p:spPr/>
+        <p:txBody>
+          <a:bodyPr/>
+          <a:lstStyle/>
+          <a:p>
+            <a:endParaRPr lang="de-DE"/>
+          </a:p>
+        </p:txBody>
+      </p:sp>
+    </p:spTree>
+    <p:extLst>
+      <p:ext uri="{BB962C8B-B14F-4D97-AF65-F5344CB8AC3E}">
+        <p14:creationId xmlns:p14="http://schemas.microsoft.com/office/powerpoint/2010/main" val="2927757590"/>
+      </p:ext>
+    </p:extLst>
+  </p:cSld>
+  <p:clrMapOvr>
+    <a:masterClrMapping/>
+  </p:clrMapOvr>
+</p:sld>
+</file>
+
+<file path=ppt/slides/slide21.xml><?xml version="1.0" encoding="utf-8"?>
 <p:sld xmlns:a="http://schemas.openxmlformats.org/drawingml/2006/main" xmlns:r="http://schemas.openxmlformats.org/officeDocument/2006/relationships" xmlns:p="http://schemas.openxmlformats.org/presentationml/2006/main">
   <p:cSld>
     <p:spTree>
@@ -8150,7 +8343,7 @@
   <p:timing>
     <p:tnLst>
       <p:par>
-        <p:cTn id="1" dur="indefinite" restart="never" nodeType="tmRoot"/>
+        <p:cTn xmlns:p14="http://schemas.microsoft.com/office/powerpoint/2010/main" id="1" dur="indefinite" restart="never" nodeType="tmRoot"/>
       </p:par>
     </p:tnLst>
   </p:timing>
@@ -8262,49 +8455,34 @@
           <a:chExt cx="0" cy="0"/>
         </a:xfrm>
       </p:grpSpPr>
-      <p:sp>
-        <p:nvSpPr>
-          <p:cNvPr id="2" name="Inhaltsplatzhalter 1"/>
-          <p:cNvSpPr>
-            <a:spLocks noGrp="1"/>
-          </p:cNvSpPr>
+      <p:pic>
+        <p:nvPicPr>
+          <p:cNvPr id="4" name="Inhaltsplatzhalter 3" descr="detailsView_navigator_1.JPG"/>
+          <p:cNvPicPr>
+            <a:picLocks noGrp="1" noChangeAspect="1"/>
+          </p:cNvPicPr>
           <p:nvPr>
             <p:ph sz="half" idx="1"/>
           </p:nvPr>
-        </p:nvSpPr>
-        <p:spPr/>
-        <p:txBody>
-          <a:bodyPr/>
-          <a:lstStyle/>
-          <a:p>
-            <a:r>
-              <a:rPr lang="de-DE" dirty="0" smtClean="0"/>
-              <a:t>Button </a:t>
-            </a:r>
-            <a:r>
-              <a:rPr lang="de-DE" dirty="0" err="1" smtClean="0"/>
-              <a:t>view</a:t>
-            </a:r>
-            <a:r>
-              <a:rPr lang="de-DE" dirty="0" smtClean="0"/>
-              <a:t> </a:t>
-            </a:r>
-            <a:r>
-              <a:rPr lang="de-DE" dirty="0" err="1" smtClean="0"/>
-              <a:t>wechsel</a:t>
-            </a:r>
-            <a:r>
-              <a:rPr lang="de-DE" dirty="0" smtClean="0"/>
-              <a:t> Detail </a:t>
-            </a:r>
-            <a:r>
-              <a:rPr lang="de-DE" dirty="0" err="1" smtClean="0"/>
-              <a:t>view</a:t>
-            </a:r>
-            <a:endParaRPr lang="de-DE" dirty="0"/>
-          </a:p>
-        </p:txBody>
-      </p:sp>
+        </p:nvPicPr>
+        <p:blipFill rotWithShape="1">
+          <a:blip r:embed="rId2">
+            <a:extLst>
+              <a:ext uri="{28A0092B-C50C-407E-A947-70E740481C1C}">
+                <a14:useLocalDpi xmlns:a14="http://schemas.microsoft.com/office/drawing/2010/main" val="0"/>
+              </a:ext>
+            </a:extLst>
+          </a:blip>
+          <a:srcRect t="561" b="1234"/>
+          <a:stretch/>
+        </p:blipFill>
+        <p:spPr>
+          <a:xfrm>
+            <a:off x="468000" y="1930400"/>
+            <a:ext cx="8100000" cy="2362200"/>
+          </a:xfrm>
+        </p:spPr>
+      </p:pic>
       <p:sp>
         <p:nvSpPr>
           <p:cNvPr id="3" name="Titel 2"/>
@@ -8360,12 +8538,12 @@
       </p:grpSpPr>
       <p:sp>
         <p:nvSpPr>
-          <p:cNvPr id="2" name="Inhaltsplatzhalter 1"/>
+          <p:cNvPr id="3" name="Titel 2"/>
           <p:cNvSpPr>
             <a:spLocks noGrp="1"/>
           </p:cNvSpPr>
           <p:nvPr>
-            <p:ph sz="half" idx="1"/>
+            <p:ph type="ctrTitle"/>
           </p:nvPr>
         </p:nvSpPr>
         <p:spPr/>
@@ -8373,25 +8551,6 @@
           <a:bodyPr/>
           <a:lstStyle/>
           <a:p>
-            <a:endParaRPr lang="de-DE"/>
-          </a:p>
-        </p:txBody>
-      </p:sp>
-      <p:sp>
-        <p:nvSpPr>
-          <p:cNvPr id="3" name="Titel 2"/>
-          <p:cNvSpPr>
-            <a:spLocks noGrp="1"/>
-          </p:cNvSpPr>
-          <p:nvPr>
-            <p:ph type="ctrTitle"/>
-          </p:nvPr>
-        </p:nvSpPr>
-        <p:spPr/>
-        <p:txBody>
-          <a:bodyPr/>
-          <a:lstStyle/>
-          <a:p>
             <a:r>
               <a:rPr lang="de-DE" dirty="0" smtClean="0"/>
               <a:t>Aline &amp; Dominique</a:t>
@@ -8400,6 +8559,33 @@
           </a:p>
         </p:txBody>
       </p:sp>
+      <p:pic>
+        <p:nvPicPr>
+          <p:cNvPr id="4" name="Inhaltsplatzhalter 3" descr="detailsView_navigator_2.JPG"/>
+          <p:cNvPicPr>
+            <a:picLocks noGrp="1" noChangeAspect="1"/>
+          </p:cNvPicPr>
+          <p:nvPr>
+            <p:ph sz="half" idx="1"/>
+          </p:nvPr>
+        </p:nvPicPr>
+        <p:blipFill rotWithShape="1">
+          <a:blip r:embed="rId2">
+            <a:extLst>
+              <a:ext uri="{28A0092B-C50C-407E-A947-70E740481C1C}">
+                <a14:useLocalDpi xmlns:a14="http://schemas.microsoft.com/office/drawing/2010/main" val="0"/>
+              </a:ext>
+            </a:extLst>
+          </a:blip>
+          <a:srcRect l="-1731" r="-1731"/>
+          <a:stretch/>
+        </p:blipFill>
+        <p:spPr>
+          <a:prstGeom prst="rect">
+            <a:avLst/>
+          </a:prstGeom>
+        </p:spPr>
+      </p:pic>
     </p:spTree>
     <p:extLst>
       <p:ext uri="{BB962C8B-B14F-4D97-AF65-F5344CB8AC3E}">
@@ -8430,57 +8616,17 @@
           <a:chExt cx="0" cy="0"/>
         </a:xfrm>
       </p:grpSpPr>
-      <p:sp>
-        <p:nvSpPr>
-          <p:cNvPr id="3" name="Titel 2"/>
-          <p:cNvSpPr>
-            <a:spLocks noGrp="1"/>
-          </p:cNvSpPr>
-          <p:nvPr>
-            <p:ph type="ctrTitle"/>
-          </p:nvPr>
-        </p:nvSpPr>
-        <p:spPr/>
-        <p:txBody>
-          <a:bodyPr/>
-          <a:lstStyle/>
-          <a:p>
-            <a:r>
-              <a:rPr lang="de-DE" dirty="0" smtClean="0"/>
-              <a:t>David</a:t>
-            </a:r>
-            <a:endParaRPr lang="de-DE" dirty="0"/>
-          </a:p>
-        </p:txBody>
-      </p:sp>
-      <p:sp>
-        <p:nvSpPr>
-          <p:cNvPr id="4" name="Inhaltsplatzhalter 3"/>
-          <p:cNvSpPr>
-            <a:spLocks noGrp="1"/>
-          </p:cNvSpPr>
-          <p:nvPr>
-            <p:ph sz="half" idx="1"/>
-          </p:nvPr>
-        </p:nvSpPr>
-        <p:spPr/>
-        <p:txBody>
-          <a:bodyPr/>
-          <a:lstStyle/>
-          <a:p>
-            <a:endParaRPr lang="de-CH"/>
-          </a:p>
-        </p:txBody>
-      </p:sp>
       <p:pic>
         <p:nvPicPr>
-          <p:cNvPr id="1027" name="Picture 3"/>
+          <p:cNvPr id="4" name="Inhaltsplatzhalter 3" descr="detailsView_navigator_3.JPG"/>
           <p:cNvPicPr>
-            <a:picLocks noChangeAspect="1" noChangeArrowheads="1"/>
+            <a:picLocks noGrp="1" noChangeAspect="1"/>
           </p:cNvPicPr>
-          <p:nvPr/>
+          <p:nvPr>
+            <p:ph sz="half" idx="1"/>
+          </p:nvPr>
         </p:nvPicPr>
-        <p:blipFill rotWithShape="1">
+        <p:blipFill>
           <a:blip r:embed="rId2">
             <a:extLst>
               <a:ext uri="{28A0092B-C50C-407E-A947-70E740481C1C}">
@@ -8488,56 +8634,40 @@
               </a:ext>
             </a:extLst>
           </a:blip>
-          <a:srcRect l="33126" t="24889" r="17375" b="24000"/>
-          <a:stretch/>
+          <a:srcRect t="-32007" b="-32007"/>
+          <a:stretch>
+            <a:fillRect/>
+          </a:stretch>
         </p:blipFill>
-        <p:spPr bwMode="auto">
-          <a:xfrm>
-            <a:off x="266700" y="1047749"/>
-            <a:ext cx="8733090" cy="5072249"/>
-          </a:xfrm>
-          <a:prstGeom prst="rect">
-            <a:avLst/>
-          </a:prstGeom>
-          <a:noFill/>
-          <a:ln>
-            <a:noFill/>
-          </a:ln>
-          <a:effectLst/>
-          <a:extLst>
-            <a:ext uri="{909E8E84-426E-40DD-AFC4-6F175D3DCCD1}">
-              <a14:hiddenFill xmlns:a14="http://schemas.microsoft.com/office/drawing/2010/main">
-                <a:solidFill>
-                  <a:schemeClr val="accent1"/>
-                </a:solidFill>
-              </a14:hiddenFill>
-            </a:ext>
-            <a:ext uri="{91240B29-F687-4F45-9708-019B960494DF}">
-              <a14:hiddenLine xmlns:a14="http://schemas.microsoft.com/office/drawing/2010/main" w="9525">
-                <a:solidFill>
-                  <a:schemeClr val="tx1"/>
-                </a:solidFill>
-                <a:miter lim="800000"/>
-                <a:headEnd/>
-                <a:tailEnd/>
-              </a14:hiddenLine>
-            </a:ext>
-            <a:ext uri="{AF507438-7753-43E0-B8FC-AC1667EBCBE1}">
-              <a14:hiddenEffects xmlns:a14="http://schemas.microsoft.com/office/drawing/2010/main">
-                <a:effectLst>
-                  <a:outerShdw dist="35921" dir="2700000" algn="ctr" rotWithShape="0">
-                    <a:schemeClr val="bg2"/>
-                  </a:outerShdw>
-                </a:effectLst>
-              </a14:hiddenEffects>
-            </a:ext>
-          </a:extLst>
-        </p:spPr>
+        <p:spPr/>
       </p:pic>
+      <p:sp>
+        <p:nvSpPr>
+          <p:cNvPr id="3" name="Titel 2"/>
+          <p:cNvSpPr>
+            <a:spLocks noGrp="1"/>
+          </p:cNvSpPr>
+          <p:nvPr>
+            <p:ph type="ctrTitle"/>
+          </p:nvPr>
+        </p:nvSpPr>
+        <p:spPr/>
+        <p:txBody>
+          <a:bodyPr/>
+          <a:lstStyle/>
+          <a:p>
+            <a:r>
+              <a:rPr lang="de-DE" dirty="0" smtClean="0"/>
+              <a:t>Aline &amp; Dominique</a:t>
+            </a:r>
+            <a:endParaRPr lang="de-DE" dirty="0"/>
+          </a:p>
+        </p:txBody>
+      </p:sp>
     </p:spTree>
     <p:extLst>
       <p:ext uri="{BB962C8B-B14F-4D97-AF65-F5344CB8AC3E}">
-        <p14:creationId xmlns:p14="http://schemas.microsoft.com/office/powerpoint/2010/main" val="4278631511"/>
+        <p14:creationId xmlns:p14="http://schemas.microsoft.com/office/powerpoint/2010/main" val="3168220219"/>
       </p:ext>
     </p:extLst>
   </p:cSld>

--- a/doc/finalPresentation/Praesentation_BFH_2013 copy.pptx
+++ b/doc/finalPresentation/Praesentation_BFH_2013 copy.pptx
@@ -6774,7 +6774,7 @@
             <p:ph sz="half" idx="1"/>
           </p:nvPr>
         </p:nvPicPr>
-        <p:blipFill>
+        <p:blipFill rotWithShape="1">
           <a:blip r:embed="rId2">
             <a:extLst>
               <a:ext uri="{28A0092B-C50C-407E-A947-70E740481C1C}">
@@ -6782,36 +6782,69 @@
               </a:ext>
             </a:extLst>
           </a:blip>
-          <a:srcRect l="-25000" r="-25000"/>
+          <a:srcRect l="200" r="4786"/>
+          <a:stretch/>
+        </p:blipFill>
+        <p:spPr>
+          <a:xfrm>
+            <a:off x="177800" y="1439999"/>
+            <a:ext cx="5130800" cy="4680000"/>
+          </a:xfrm>
+        </p:spPr>
+      </p:pic>
+      <p:sp>
+        <p:nvSpPr>
+          <p:cNvPr id="3" name="Titel 2"/>
+          <p:cNvSpPr>
+            <a:spLocks noGrp="1"/>
+          </p:cNvSpPr>
+          <p:nvPr>
+            <p:ph type="ctrTitle"/>
+          </p:nvPr>
+        </p:nvSpPr>
+        <p:spPr/>
+        <p:txBody>
+          <a:bodyPr/>
+          <a:lstStyle/>
+          <a:p>
+            <a:r>
+              <a:rPr lang="de-DE" dirty="0" smtClean="0"/>
+              <a:t>Aline &amp; Dominique</a:t>
+            </a:r>
+            <a:endParaRPr lang="de-DE" dirty="0"/>
+          </a:p>
+        </p:txBody>
+      </p:sp>
+      <p:pic>
+        <p:nvPicPr>
+          <p:cNvPr id="2" name="Bild 1" descr="steffi.jpeg"/>
+          <p:cNvPicPr>
+            <a:picLocks noChangeAspect="1"/>
+          </p:cNvPicPr>
+          <p:nvPr/>
+        </p:nvPicPr>
+        <p:blipFill>
+          <a:blip r:embed="rId3">
+            <a:extLst>
+              <a:ext uri="{28A0092B-C50C-407E-A947-70E740481C1C}">
+                <a14:useLocalDpi xmlns:a14="http://schemas.microsoft.com/office/drawing/2010/main" val="0"/>
+              </a:ext>
+            </a:extLst>
+          </a:blip>
           <a:stretch>
             <a:fillRect/>
           </a:stretch>
         </p:blipFill>
-        <p:spPr/>
+        <p:spPr>
+          <a:xfrm>
+            <a:off x="5024191" y="855799"/>
+            <a:ext cx="3995983" cy="3351213"/>
+          </a:xfrm>
+          <a:prstGeom prst="rect">
+            <a:avLst/>
+          </a:prstGeom>
+        </p:spPr>
       </p:pic>
-      <p:sp>
-        <p:nvSpPr>
-          <p:cNvPr id="3" name="Titel 2"/>
-          <p:cNvSpPr>
-            <a:spLocks noGrp="1"/>
-          </p:cNvSpPr>
-          <p:nvPr>
-            <p:ph type="ctrTitle"/>
-          </p:nvPr>
-        </p:nvSpPr>
-        <p:spPr/>
-        <p:txBody>
-          <a:bodyPr/>
-          <a:lstStyle/>
-          <a:p>
-            <a:r>
-              <a:rPr lang="de-DE" dirty="0" smtClean="0"/>
-              <a:t>Aline &amp; Dominique</a:t>
-            </a:r>
-            <a:endParaRPr lang="de-DE" dirty="0"/>
-          </a:p>
-        </p:txBody>
-      </p:sp>
     </p:spTree>
     <p:extLst>
       <p:ext uri="{BB962C8B-B14F-4D97-AF65-F5344CB8AC3E}">
@@ -6822,6 +6855,13 @@
   <p:clrMapOvr>
     <a:masterClrMapping/>
   </p:clrMapOvr>
+  <p:timing>
+    <p:tnLst>
+      <p:par>
+        <p:cTn xmlns:p14="http://schemas.microsoft.com/office/powerpoint/2010/main" id="1" dur="indefinite" restart="never" nodeType="tmRoot"/>
+      </p:par>
+    </p:tnLst>
+  </p:timing>
 </p:sld>
 </file>
 
@@ -6956,6 +6996,13 @@
   <p:clrMapOvr>
     <a:masterClrMapping/>
   </p:clrMapOvr>
+  <p:timing>
+    <p:tnLst>
+      <p:par>
+        <p:cTn xmlns:p14="http://schemas.microsoft.com/office/powerpoint/2010/main" id="1" dur="indefinite" restart="never" nodeType="tmRoot"/>
+      </p:par>
+    </p:tnLst>
+  </p:timing>
 </p:sld>
 </file>
 
@@ -8674,6 +8721,13 @@
   <p:clrMapOvr>
     <a:masterClrMapping/>
   </p:clrMapOvr>
+  <p:timing>
+    <p:tnLst>
+      <p:par>
+        <p:cTn xmlns:p14="http://schemas.microsoft.com/office/powerpoint/2010/main" id="1" dur="indefinite" restart="never" nodeType="tmRoot"/>
+      </p:par>
+    </p:tnLst>
+  </p:timing>
 </p:sld>
 </file>
 
